--- a/presentation.pptx
+++ b/presentation.pptx
@@ -14,10 +14,9 @@
     <p:sldId id="262" r:id="rId8"/>
     <p:sldId id="263" r:id="rId9"/>
     <p:sldId id="264" r:id="rId10"/>
-    <p:sldId id="265" r:id="rId11"/>
-    <p:sldId id="266" r:id="rId12"/>
-    <p:sldId id="267" r:id="rId13"/>
-    <p:sldId id="268" r:id="rId14"/>
+    <p:sldId id="266" r:id="rId11"/>
+    <p:sldId id="267" r:id="rId12"/>
+    <p:sldId id="268" r:id="rId13"/>
   </p:sldIdLst>
   <p:sldSz cx="12192000" cy="6858000"/>
   <p:notesSz cx="6858000" cy="9144000"/>
@@ -116,6 +115,11 @@
       </a:defRPr>
     </a:lvl9pPr>
   </p:defaultTextStyle>
+  <p:extLst>
+    <p:ext uri="{EFAFB233-063F-42B5-8137-9DF3F51BA10A}">
+      <p15:sldGuideLst xmlns:p15="http://schemas.microsoft.com/office/powerpoint/2012/main"/>
+    </p:ext>
+  </p:extLst>
 </p:presentation>
 </file>
 
@@ -282,7 +286,7 @@
           <a:p>
             <a:fld id="{1160EA64-D806-43AC-9DF2-F8C432F32B4C}" type="datetimeFigureOut">
               <a:rPr lang="en-US" dirty="0"/>
-              <a:t>2/6/18</a:t>
+              <a:t>2/12/18</a:t>
             </a:fld>
             <a:endParaRPr lang="en-US" dirty="0"/>
           </a:p>
@@ -448,7 +452,7 @@
           <a:p>
             <a:fld id="{E9F9C37B-1D36-470B-8223-D6C91242EC14}" type="datetimeFigureOut">
               <a:rPr lang="en-US" dirty="0"/>
-              <a:t>2/6/18</a:t>
+              <a:t>2/12/18</a:t>
             </a:fld>
             <a:endParaRPr lang="en-US" dirty="0"/>
           </a:p>
@@ -623,7 +627,7 @@
           <a:p>
             <a:fld id="{67C6F52A-A82B-47A2-A83A-8C4C91F2D59F}" type="datetimeFigureOut">
               <a:rPr lang="en-US" dirty="0"/>
-              <a:t>2/6/18</a:t>
+              <a:t>2/12/18</a:t>
             </a:fld>
             <a:endParaRPr lang="en-US" dirty="0"/>
           </a:p>
@@ -788,7 +792,7 @@
           <a:p>
             <a:fld id="{F070A7B3-6521-4DCA-87E5-044747A908C1}" type="datetimeFigureOut">
               <a:rPr lang="en-US" dirty="0"/>
-              <a:t>2/6/18</a:t>
+              <a:t>2/12/18</a:t>
             </a:fld>
             <a:endParaRPr lang="en-US" dirty="0"/>
           </a:p>
@@ -1052,7 +1056,7 @@
           <a:p>
             <a:fld id="{1160EA64-D806-43AC-9DF2-F8C432F32B4C}" type="datetimeFigureOut">
               <a:rPr lang="en-US" dirty="0"/>
-              <a:t>2/6/18</a:t>
+              <a:t>2/12/18</a:t>
             </a:fld>
             <a:endParaRPr lang="en-US" dirty="0"/>
           </a:p>
@@ -1280,7 +1284,7 @@
           <a:p>
             <a:fld id="{AB134690-1557-4C89-A502-4959FE7FAD70}" type="datetimeFigureOut">
               <a:rPr lang="en-US" dirty="0"/>
-              <a:t>2/6/18</a:t>
+              <a:t>2/12/18</a:t>
             </a:fld>
             <a:endParaRPr lang="en-US" dirty="0"/>
           </a:p>
@@ -1634,7 +1638,7 @@
           <a:p>
             <a:fld id="{4F7D4976-E339-4826-83B7-FBD03F55ECF8}" type="datetimeFigureOut">
               <a:rPr lang="en-US" dirty="0"/>
-              <a:t>2/6/18</a:t>
+              <a:t>2/12/18</a:t>
             </a:fld>
             <a:endParaRPr lang="en-US" dirty="0"/>
           </a:p>
@@ -1770,7 +1774,7 @@
           <a:p>
             <a:fld id="{E1037C31-9E7A-4F99-8774-A0E530DE1A42}" type="datetimeFigureOut">
               <a:rPr lang="en-US" dirty="0"/>
-              <a:t>2/6/18</a:t>
+              <a:t>2/12/18</a:t>
             </a:fld>
             <a:endParaRPr lang="en-US" dirty="0"/>
           </a:p>
@@ -1860,7 +1864,7 @@
           <a:p>
             <a:fld id="{C278504F-A551-4DE0-9316-4DCD1D8CC752}" type="datetimeFigureOut">
               <a:rPr lang="en-US" dirty="0"/>
-              <a:t>2/6/18</a:t>
+              <a:t>2/12/18</a:t>
             </a:fld>
             <a:endParaRPr lang="en-US" dirty="0"/>
           </a:p>
@@ -2212,7 +2216,7 @@
           <a:p>
             <a:fld id="{D1BE4249-C0D0-4B06-8692-E8BB871AF643}" type="datetimeFigureOut">
               <a:rPr lang="en-US" dirty="0"/>
-              <a:t>2/6/18</a:t>
+              <a:t>2/12/18</a:t>
             </a:fld>
             <a:endParaRPr lang="en-US" dirty="0"/>
           </a:p>
@@ -2564,7 +2568,7 @@
           <a:p>
             <a:fld id="{042B0DB6-F5C7-45FB-8CF3-31B45F9C2DAC}" type="datetimeFigureOut">
               <a:rPr lang="en-US" dirty="0"/>
-              <a:t>2/6/18</a:t>
+              <a:t>2/12/18</a:t>
             </a:fld>
             <a:endParaRPr lang="en-US" dirty="0"/>
           </a:p>
@@ -2800,7 +2804,7 @@
           <a:p>
             <a:fld id="{1160EA64-D806-43AC-9DF2-F8C432F32B4C}" type="datetimeFigureOut">
               <a:rPr lang="en-US" dirty="0"/>
-              <a:t>2/6/18</a:t>
+              <a:t>2/12/18</a:t>
             </a:fld>
             <a:endParaRPr lang="en-US" dirty="0"/>
           </a:p>
@@ -3317,678 +3321,17 @@
   <p:clrMapOvr>
     <a:masterClrMapping/>
   </p:clrMapOvr>
+  <p:timing>
+    <p:tnLst>
+      <p:par>
+        <p:cTn id="1" dur="indefinite" restart="never" nodeType="tmRoot"/>
+      </p:par>
+    </p:tnLst>
+  </p:timing>
 </p:sld>
 </file>
 
 <file path=ppt/slides/slide10.xml><?xml version="1.0" encoding="utf-8"?>
-<p:sld xmlns:a="http://schemas.openxmlformats.org/drawingml/2006/main" xmlns:r="http://schemas.openxmlformats.org/officeDocument/2006/relationships" xmlns:p="http://schemas.openxmlformats.org/presentationml/2006/main">
-  <p:cSld>
-    <p:spTree>
-      <p:nvGrpSpPr>
-        <p:cNvPr id="1" name=""/>
-        <p:cNvGrpSpPr/>
-        <p:nvPr/>
-      </p:nvGrpSpPr>
-      <p:grpSpPr>
-        <a:xfrm>
-          <a:off x="0" y="0"/>
-          <a:ext cx="0" cy="0"/>
-          <a:chOff x="0" y="0"/>
-          <a:chExt cx="0" cy="0"/>
-        </a:xfrm>
-      </p:grpSpPr>
-      <p:sp>
-        <p:nvSpPr>
-          <p:cNvPr id="2" name="Título 1"/>
-          <p:cNvSpPr>
-            <a:spLocks noGrp="1"/>
-          </p:cNvSpPr>
-          <p:nvPr>
-            <p:ph type="title"/>
-          </p:nvPr>
-        </p:nvSpPr>
-        <p:spPr/>
-        <p:txBody>
-          <a:bodyPr/>
-          <a:lstStyle/>
-          <a:p>
-            <a:r>
-              <a:rPr lang="es-ES_tradnl" dirty="0" smtClean="0"/>
-              <a:t>REGULAR METHODS</a:t>
-            </a:r>
-            <a:endParaRPr lang="es-ES_tradnl" dirty="0"/>
-          </a:p>
-        </p:txBody>
-      </p:sp>
-      <p:sp>
-        <p:nvSpPr>
-          <p:cNvPr id="3" name="Marcador de contenido 2"/>
-          <p:cNvSpPr>
-            <a:spLocks noGrp="1"/>
-          </p:cNvSpPr>
-          <p:nvPr>
-            <p:ph idx="1"/>
-          </p:nvPr>
-        </p:nvSpPr>
-        <p:spPr/>
-        <p:txBody>
-          <a:bodyPr/>
-          <a:lstStyle/>
-          <a:p>
-            <a:r>
-              <a:rPr lang="es-ES_tradnl" dirty="0"/>
-              <a:t>Content-</a:t>
-            </a:r>
-            <a:r>
-              <a:rPr lang="es-ES_tradnl" dirty="0" err="1"/>
-              <a:t>Based</a:t>
-            </a:r>
-            <a:r>
-              <a:rPr lang="es-ES_tradnl" dirty="0"/>
-              <a:t> </a:t>
-            </a:r>
-            <a:r>
-              <a:rPr lang="es-ES_tradnl" dirty="0" err="1"/>
-              <a:t>Recommendations</a:t>
-            </a:r>
-            <a:r>
-              <a:rPr lang="es-ES_tradnl" dirty="0"/>
-              <a:t> </a:t>
-            </a:r>
-            <a:endParaRPr lang="es-ES_tradnl" dirty="0"/>
-          </a:p>
-          <a:p>
-            <a:pPr lvl="1"/>
-            <a:r>
-              <a:rPr lang="es-ES_tradnl" dirty="0" err="1" smtClean="0"/>
-              <a:t>Focus</a:t>
-            </a:r>
-            <a:r>
-              <a:rPr lang="es-ES_tradnl" dirty="0" smtClean="0"/>
-              <a:t> </a:t>
-            </a:r>
-            <a:r>
-              <a:rPr lang="es-ES_tradnl" dirty="0" err="1"/>
-              <a:t>on</a:t>
-            </a:r>
-            <a:r>
-              <a:rPr lang="es-ES_tradnl" dirty="0"/>
-              <a:t> </a:t>
-            </a:r>
-            <a:r>
-              <a:rPr lang="es-ES_tradnl" dirty="0" err="1"/>
-              <a:t>properties</a:t>
-            </a:r>
-            <a:r>
-              <a:rPr lang="es-ES_tradnl" dirty="0"/>
-              <a:t> of </a:t>
-            </a:r>
-            <a:r>
-              <a:rPr lang="es-ES_tradnl" dirty="0" err="1"/>
-              <a:t>items</a:t>
-            </a:r>
-            <a:r>
-              <a:rPr lang="es-ES_tradnl" dirty="0"/>
-              <a:t>. </a:t>
-            </a:r>
-            <a:r>
-              <a:rPr lang="es-ES_tradnl" dirty="0" err="1"/>
-              <a:t>Similarity</a:t>
-            </a:r>
-            <a:r>
-              <a:rPr lang="es-ES_tradnl" dirty="0"/>
-              <a:t> of </a:t>
-            </a:r>
-            <a:r>
-              <a:rPr lang="es-ES_tradnl" dirty="0" err="1"/>
-              <a:t>items</a:t>
-            </a:r>
-            <a:r>
-              <a:rPr lang="es-ES_tradnl" dirty="0"/>
-              <a:t> </a:t>
-            </a:r>
-            <a:r>
-              <a:rPr lang="es-ES_tradnl" dirty="0" err="1"/>
-              <a:t>is</a:t>
-            </a:r>
-            <a:r>
-              <a:rPr lang="es-ES_tradnl" dirty="0"/>
-              <a:t> </a:t>
-            </a:r>
-            <a:r>
-              <a:rPr lang="es-ES_tradnl" dirty="0" err="1"/>
-              <a:t>determined</a:t>
-            </a:r>
-            <a:r>
-              <a:rPr lang="es-ES_tradnl" dirty="0"/>
-              <a:t> </a:t>
-            </a:r>
-            <a:r>
-              <a:rPr lang="es-ES_tradnl" dirty="0" err="1"/>
-              <a:t>by</a:t>
-            </a:r>
-            <a:r>
-              <a:rPr lang="es-ES_tradnl" dirty="0"/>
-              <a:t> </a:t>
-            </a:r>
-            <a:r>
-              <a:rPr lang="es-ES_tradnl" dirty="0" err="1"/>
-              <a:t>measuring</a:t>
-            </a:r>
-            <a:r>
-              <a:rPr lang="es-ES_tradnl" dirty="0"/>
-              <a:t> </a:t>
-            </a:r>
-            <a:r>
-              <a:rPr lang="es-ES_tradnl" dirty="0" err="1"/>
-              <a:t>the</a:t>
-            </a:r>
-            <a:r>
-              <a:rPr lang="es-ES_tradnl" dirty="0"/>
-              <a:t> </a:t>
-            </a:r>
-            <a:r>
-              <a:rPr lang="es-ES_tradnl" dirty="0" err="1"/>
-              <a:t>similarity</a:t>
-            </a:r>
-            <a:r>
-              <a:rPr lang="es-ES_tradnl" dirty="0"/>
-              <a:t> in </a:t>
-            </a:r>
-            <a:r>
-              <a:rPr lang="es-ES_tradnl" dirty="0" err="1"/>
-              <a:t>their</a:t>
-            </a:r>
-            <a:r>
-              <a:rPr lang="es-ES_tradnl" dirty="0"/>
-              <a:t> </a:t>
-            </a:r>
-            <a:r>
-              <a:rPr lang="es-ES_tradnl" dirty="0" err="1"/>
-              <a:t>properties</a:t>
-            </a:r>
-            <a:r>
-              <a:rPr lang="es-ES_tradnl" dirty="0"/>
-              <a:t>. </a:t>
-            </a:r>
-            <a:endParaRPr lang="es-ES_tradnl" dirty="0" smtClean="0"/>
-          </a:p>
-          <a:p>
-            <a:pPr lvl="1"/>
-            <a:r>
-              <a:rPr lang="es-ES_tradnl" dirty="0" err="1"/>
-              <a:t>e</a:t>
-            </a:r>
-            <a:r>
-              <a:rPr lang="es-ES_tradnl" dirty="0" err="1" smtClean="0"/>
-              <a:t>.g</a:t>
-            </a:r>
-            <a:r>
-              <a:rPr lang="es-ES_tradnl" dirty="0" smtClean="0"/>
-              <a:t>. </a:t>
-            </a:r>
-            <a:r>
-              <a:rPr lang="es-ES_tradnl" dirty="0" err="1" smtClean="0"/>
-              <a:t>If</a:t>
-            </a:r>
-            <a:r>
-              <a:rPr lang="es-ES_tradnl" dirty="0" smtClean="0"/>
-              <a:t> </a:t>
-            </a:r>
-            <a:r>
-              <a:rPr lang="es-ES_tradnl" dirty="0" err="1" smtClean="0"/>
-              <a:t>you</a:t>
-            </a:r>
-            <a:r>
-              <a:rPr lang="es-ES_tradnl" dirty="0" smtClean="0"/>
-              <a:t> </a:t>
-            </a:r>
-            <a:r>
-              <a:rPr lang="es-ES_tradnl" dirty="0" err="1" smtClean="0"/>
-              <a:t>like</a:t>
-            </a:r>
-            <a:r>
-              <a:rPr lang="es-ES_tradnl" dirty="0" smtClean="0"/>
-              <a:t> </a:t>
-            </a:r>
-            <a:r>
-              <a:rPr lang="es-ES_tradnl" dirty="0" err="1" smtClean="0"/>
-              <a:t>The</a:t>
-            </a:r>
-            <a:r>
-              <a:rPr lang="es-ES_tradnl" dirty="0" smtClean="0"/>
-              <a:t> Lord Of </a:t>
-            </a:r>
-            <a:r>
-              <a:rPr lang="es-ES_tradnl" dirty="0" err="1" smtClean="0"/>
-              <a:t>The</a:t>
-            </a:r>
-            <a:r>
-              <a:rPr lang="es-ES_tradnl" dirty="0" smtClean="0"/>
-              <a:t> </a:t>
-            </a:r>
-            <a:r>
-              <a:rPr lang="es-ES_tradnl" dirty="0" err="1" smtClean="0"/>
-              <a:t>Rings</a:t>
-            </a:r>
-            <a:r>
-              <a:rPr lang="es-ES_tradnl" dirty="0" smtClean="0"/>
-              <a:t>, </a:t>
-            </a:r>
-            <a:r>
-              <a:rPr lang="es-ES_tradnl" dirty="0" err="1" smtClean="0"/>
-              <a:t>you’ll</a:t>
-            </a:r>
-            <a:r>
-              <a:rPr lang="es-ES_tradnl" dirty="0" smtClean="0"/>
-              <a:t> </a:t>
-            </a:r>
-            <a:r>
-              <a:rPr lang="es-ES_tradnl" dirty="0" err="1" smtClean="0"/>
-              <a:t>probably</a:t>
-            </a:r>
-            <a:r>
-              <a:rPr lang="es-ES_tradnl" dirty="0" smtClean="0"/>
-              <a:t> </a:t>
-            </a:r>
-            <a:r>
-              <a:rPr lang="es-ES_tradnl" dirty="0" err="1" smtClean="0"/>
-              <a:t>like</a:t>
-            </a:r>
-            <a:r>
-              <a:rPr lang="es-ES_tradnl" dirty="0" smtClean="0"/>
-              <a:t> </a:t>
-            </a:r>
-            <a:r>
-              <a:rPr lang="es-ES_tradnl" dirty="0" err="1" smtClean="0"/>
-              <a:t>Game</a:t>
-            </a:r>
-            <a:r>
-              <a:rPr lang="es-ES_tradnl" dirty="0" smtClean="0"/>
-              <a:t> Of </a:t>
-            </a:r>
-            <a:r>
-              <a:rPr lang="es-ES_tradnl" dirty="0" err="1" smtClean="0"/>
-              <a:t>Thrones</a:t>
-            </a:r>
-            <a:endParaRPr lang="es-ES_tradnl" dirty="0" smtClean="0"/>
-          </a:p>
-          <a:p>
-            <a:r>
-              <a:rPr lang="es-ES_tradnl" dirty="0" err="1"/>
-              <a:t>Collaborative-Filtering</a:t>
-            </a:r>
-            <a:r>
-              <a:rPr lang="es-ES_tradnl" dirty="0"/>
-              <a:t> </a:t>
-            </a:r>
-          </a:p>
-          <a:p>
-            <a:pPr lvl="1"/>
-            <a:r>
-              <a:rPr lang="es-ES_tradnl" dirty="0" err="1"/>
-              <a:t>F</a:t>
-            </a:r>
-            <a:r>
-              <a:rPr lang="es-ES_tradnl" dirty="0" err="1" smtClean="0"/>
-              <a:t>ocus</a:t>
-            </a:r>
-            <a:r>
-              <a:rPr lang="es-ES_tradnl" dirty="0" smtClean="0"/>
-              <a:t> </a:t>
-            </a:r>
-            <a:r>
-              <a:rPr lang="es-ES_tradnl" dirty="0" err="1"/>
-              <a:t>on</a:t>
-            </a:r>
-            <a:r>
-              <a:rPr lang="es-ES_tradnl" dirty="0"/>
-              <a:t> </a:t>
-            </a:r>
-            <a:r>
-              <a:rPr lang="es-ES_tradnl" dirty="0" err="1"/>
-              <a:t>the</a:t>
-            </a:r>
-            <a:r>
-              <a:rPr lang="es-ES_tradnl" dirty="0"/>
-              <a:t> </a:t>
-            </a:r>
-            <a:r>
-              <a:rPr lang="es-ES_tradnl" dirty="0" err="1"/>
-              <a:t>relationship</a:t>
-            </a:r>
-            <a:r>
-              <a:rPr lang="es-ES_tradnl" dirty="0"/>
-              <a:t> </a:t>
-            </a:r>
-            <a:r>
-              <a:rPr lang="es-ES_tradnl" dirty="0" err="1"/>
-              <a:t>between</a:t>
-            </a:r>
-            <a:r>
-              <a:rPr lang="es-ES_tradnl" dirty="0"/>
-              <a:t> </a:t>
-            </a:r>
-            <a:r>
-              <a:rPr lang="es-ES_tradnl" dirty="0" err="1"/>
-              <a:t>users</a:t>
-            </a:r>
-            <a:r>
-              <a:rPr lang="es-ES_tradnl" dirty="0"/>
-              <a:t> and </a:t>
-            </a:r>
-            <a:r>
-              <a:rPr lang="es-ES_tradnl" dirty="0" err="1"/>
-              <a:t>items</a:t>
-            </a:r>
-            <a:r>
-              <a:rPr lang="es-ES_tradnl" dirty="0"/>
-              <a:t>. </a:t>
-            </a:r>
-            <a:r>
-              <a:rPr lang="es-ES_tradnl" dirty="0" err="1"/>
-              <a:t>Similarity</a:t>
-            </a:r>
-            <a:r>
-              <a:rPr lang="es-ES_tradnl" dirty="0"/>
-              <a:t> of </a:t>
-            </a:r>
-            <a:r>
-              <a:rPr lang="es-ES_tradnl" dirty="0" err="1"/>
-              <a:t>items</a:t>
-            </a:r>
-            <a:r>
-              <a:rPr lang="es-ES_tradnl" dirty="0"/>
-              <a:t> </a:t>
-            </a:r>
-            <a:r>
-              <a:rPr lang="es-ES_tradnl" dirty="0" err="1"/>
-              <a:t>is</a:t>
-            </a:r>
-            <a:r>
-              <a:rPr lang="es-ES_tradnl" dirty="0"/>
-              <a:t> </a:t>
-            </a:r>
-            <a:r>
-              <a:rPr lang="es-ES_tradnl" dirty="0" err="1"/>
-              <a:t>determined</a:t>
-            </a:r>
-            <a:r>
-              <a:rPr lang="es-ES_tradnl" dirty="0"/>
-              <a:t> </a:t>
-            </a:r>
-            <a:r>
-              <a:rPr lang="es-ES_tradnl" dirty="0" err="1"/>
-              <a:t>by</a:t>
-            </a:r>
-            <a:r>
-              <a:rPr lang="es-ES_tradnl" dirty="0"/>
-              <a:t> </a:t>
-            </a:r>
-            <a:r>
-              <a:rPr lang="es-ES_tradnl" dirty="0" err="1"/>
-              <a:t>the</a:t>
-            </a:r>
-            <a:r>
-              <a:rPr lang="es-ES_tradnl" dirty="0"/>
-              <a:t> </a:t>
-            </a:r>
-            <a:r>
-              <a:rPr lang="es-ES_tradnl" dirty="0" err="1"/>
-              <a:t>similarity</a:t>
-            </a:r>
-            <a:r>
-              <a:rPr lang="es-ES_tradnl" dirty="0"/>
-              <a:t> of </a:t>
-            </a:r>
-            <a:r>
-              <a:rPr lang="es-ES_tradnl" dirty="0" err="1"/>
-              <a:t>the</a:t>
-            </a:r>
-            <a:r>
-              <a:rPr lang="es-ES_tradnl" dirty="0"/>
-              <a:t> ratings of </a:t>
-            </a:r>
-            <a:r>
-              <a:rPr lang="es-ES_tradnl" dirty="0" err="1"/>
-              <a:t>those</a:t>
-            </a:r>
-            <a:r>
-              <a:rPr lang="es-ES_tradnl" dirty="0"/>
-              <a:t> </a:t>
-            </a:r>
-            <a:r>
-              <a:rPr lang="es-ES_tradnl" dirty="0" err="1"/>
-              <a:t>items</a:t>
-            </a:r>
-            <a:r>
-              <a:rPr lang="es-ES_tradnl" dirty="0"/>
-              <a:t> </a:t>
-            </a:r>
-            <a:r>
-              <a:rPr lang="es-ES_tradnl" dirty="0" err="1"/>
-              <a:t>by</a:t>
-            </a:r>
-            <a:r>
-              <a:rPr lang="es-ES_tradnl" dirty="0"/>
-              <a:t> </a:t>
-            </a:r>
-            <a:r>
-              <a:rPr lang="es-ES_tradnl" dirty="0" err="1"/>
-              <a:t>the</a:t>
-            </a:r>
-            <a:r>
-              <a:rPr lang="es-ES_tradnl" dirty="0"/>
-              <a:t> </a:t>
-            </a:r>
-            <a:r>
-              <a:rPr lang="es-ES_tradnl" dirty="0" err="1"/>
-              <a:t>users</a:t>
-            </a:r>
-            <a:r>
-              <a:rPr lang="es-ES_tradnl" dirty="0"/>
-              <a:t> </a:t>
-            </a:r>
-            <a:r>
-              <a:rPr lang="es-ES_tradnl" dirty="0" err="1"/>
-              <a:t>who</a:t>
-            </a:r>
-            <a:r>
-              <a:rPr lang="es-ES_tradnl" dirty="0"/>
-              <a:t> </a:t>
-            </a:r>
-            <a:r>
-              <a:rPr lang="es-ES_tradnl" dirty="0" err="1"/>
-              <a:t>have</a:t>
-            </a:r>
-            <a:r>
-              <a:rPr lang="es-ES_tradnl" dirty="0"/>
-              <a:t> </a:t>
-            </a:r>
-            <a:r>
-              <a:rPr lang="es-ES_tradnl" dirty="0" err="1"/>
-              <a:t>rated</a:t>
-            </a:r>
-            <a:r>
-              <a:rPr lang="es-ES_tradnl" dirty="0"/>
-              <a:t> </a:t>
-            </a:r>
-            <a:r>
-              <a:rPr lang="es-ES_tradnl" dirty="0" err="1"/>
-              <a:t>both</a:t>
-            </a:r>
-            <a:r>
-              <a:rPr lang="es-ES_tradnl" dirty="0"/>
-              <a:t> </a:t>
-            </a:r>
-            <a:r>
-              <a:rPr lang="es-ES_tradnl" dirty="0" err="1"/>
-              <a:t>items</a:t>
-            </a:r>
-            <a:r>
-              <a:rPr lang="es-ES_tradnl" dirty="0"/>
-              <a:t>. </a:t>
-            </a:r>
-          </a:p>
-          <a:p>
-            <a:pPr lvl="1"/>
-            <a:r>
-              <a:rPr lang="es-ES_tradnl" dirty="0" err="1" smtClean="0"/>
-              <a:t>e.g</a:t>
-            </a:r>
-            <a:r>
-              <a:rPr lang="es-ES_tradnl" dirty="0" smtClean="0"/>
-              <a:t>. </a:t>
-            </a:r>
-            <a:r>
-              <a:rPr lang="es-ES_tradnl" dirty="0" err="1" smtClean="0"/>
-              <a:t>If</a:t>
-            </a:r>
-            <a:r>
-              <a:rPr lang="es-ES_tradnl" dirty="0" smtClean="0"/>
-              <a:t> </a:t>
-            </a:r>
-            <a:r>
-              <a:rPr lang="es-ES_tradnl" dirty="0" err="1" smtClean="0"/>
-              <a:t>you</a:t>
-            </a:r>
-            <a:r>
-              <a:rPr lang="es-ES_tradnl" dirty="0" smtClean="0"/>
-              <a:t> </a:t>
-            </a:r>
-            <a:r>
-              <a:rPr lang="es-ES_tradnl" dirty="0" err="1" smtClean="0"/>
-              <a:t>like</a:t>
-            </a:r>
-            <a:r>
-              <a:rPr lang="es-ES_tradnl" dirty="0" smtClean="0"/>
-              <a:t> </a:t>
-            </a:r>
-            <a:r>
-              <a:rPr lang="es-ES_tradnl" dirty="0" err="1" smtClean="0"/>
-              <a:t>The</a:t>
-            </a:r>
-            <a:r>
-              <a:rPr lang="es-ES_tradnl" dirty="0" smtClean="0"/>
-              <a:t> Lord Of </a:t>
-            </a:r>
-            <a:r>
-              <a:rPr lang="es-ES_tradnl" dirty="0" err="1" smtClean="0"/>
-              <a:t>The</a:t>
-            </a:r>
-            <a:r>
-              <a:rPr lang="es-ES_tradnl" dirty="0" smtClean="0"/>
-              <a:t> </a:t>
-            </a:r>
-            <a:r>
-              <a:rPr lang="es-ES_tradnl" dirty="0" err="1" smtClean="0"/>
-              <a:t>Rings</a:t>
-            </a:r>
-            <a:r>
-              <a:rPr lang="es-ES_tradnl" dirty="0" smtClean="0"/>
-              <a:t>, </a:t>
-            </a:r>
-            <a:r>
-              <a:rPr lang="es-ES_tradnl" dirty="0" err="1" smtClean="0"/>
-              <a:t>Game</a:t>
-            </a:r>
-            <a:r>
-              <a:rPr lang="es-ES_tradnl" dirty="0" smtClean="0"/>
-              <a:t> Of </a:t>
-            </a:r>
-            <a:r>
-              <a:rPr lang="es-ES_tradnl" dirty="0" err="1" smtClean="0"/>
-              <a:t>Thrones</a:t>
-            </a:r>
-            <a:r>
-              <a:rPr lang="es-ES_tradnl" dirty="0" smtClean="0"/>
-              <a:t> and Harry Potter; and Bob </a:t>
-            </a:r>
-            <a:r>
-              <a:rPr lang="es-ES_tradnl" dirty="0" err="1" smtClean="0"/>
-              <a:t>likes</a:t>
-            </a:r>
-            <a:r>
-              <a:rPr lang="es-ES_tradnl" dirty="0" smtClean="0"/>
-              <a:t> </a:t>
-            </a:r>
-            <a:r>
-              <a:rPr lang="es-ES_tradnl" dirty="0" err="1" smtClean="0"/>
-              <a:t>TLoTR</a:t>
-            </a:r>
-            <a:r>
-              <a:rPr lang="es-ES_tradnl" dirty="0" smtClean="0"/>
-              <a:t> and </a:t>
-            </a:r>
-            <a:r>
-              <a:rPr lang="es-ES_tradnl" dirty="0" err="1" smtClean="0"/>
-              <a:t>GoT</a:t>
-            </a:r>
-            <a:r>
-              <a:rPr lang="es-ES_tradnl" dirty="0" smtClean="0"/>
-              <a:t>, </a:t>
-            </a:r>
-            <a:r>
-              <a:rPr lang="es-ES_tradnl" dirty="0" err="1" smtClean="0"/>
-              <a:t>then</a:t>
-            </a:r>
-            <a:r>
-              <a:rPr lang="es-ES_tradnl" dirty="0" smtClean="0"/>
-              <a:t> </a:t>
-            </a:r>
-            <a:r>
-              <a:rPr lang="es-ES_tradnl" dirty="0" err="1" smtClean="0"/>
-              <a:t>he’ll</a:t>
-            </a:r>
-            <a:r>
-              <a:rPr lang="es-ES_tradnl" dirty="0" smtClean="0"/>
-              <a:t> </a:t>
-            </a:r>
-            <a:r>
-              <a:rPr lang="es-ES_tradnl" dirty="0" err="1" smtClean="0"/>
-              <a:t>probably</a:t>
-            </a:r>
-            <a:r>
-              <a:rPr lang="es-ES_tradnl" dirty="0" smtClean="0"/>
-              <a:t> </a:t>
-            </a:r>
-            <a:r>
-              <a:rPr lang="es-ES_tradnl" dirty="0" err="1" smtClean="0"/>
-              <a:t>like</a:t>
-            </a:r>
-            <a:r>
-              <a:rPr lang="es-ES_tradnl" dirty="0" smtClean="0"/>
-              <a:t> HP </a:t>
-            </a:r>
-            <a:r>
-              <a:rPr lang="es-ES_tradnl" dirty="0" err="1" smtClean="0"/>
-              <a:t>too</a:t>
-            </a:r>
-            <a:r>
-              <a:rPr lang="es-ES_tradnl" dirty="0" smtClean="0"/>
-              <a:t>.</a:t>
-            </a:r>
-            <a:endParaRPr lang="es-ES_tradnl" dirty="0"/>
-          </a:p>
-          <a:p>
-            <a:endParaRPr lang="es-ES_tradnl" dirty="0"/>
-          </a:p>
-        </p:txBody>
-      </p:sp>
-    </p:spTree>
-    <p:extLst>
-      <p:ext uri="{BB962C8B-B14F-4D97-AF65-F5344CB8AC3E}">
-        <p14:creationId xmlns:p14="http://schemas.microsoft.com/office/powerpoint/2010/main" val="892295843"/>
-      </p:ext>
-    </p:extLst>
-  </p:cSld>
-  <p:clrMapOvr>
-    <a:masterClrMapping/>
-  </p:clrMapOvr>
-</p:sld>
-</file>
-
-<file path=ppt/slides/slide11.xml><?xml version="1.0" encoding="utf-8"?>
 <p:sld xmlns:a="http://schemas.openxmlformats.org/drawingml/2006/main" xmlns:r="http://schemas.openxmlformats.org/officeDocument/2006/relationships" xmlns:p="http://schemas.openxmlformats.org/presentationml/2006/main">
   <p:cSld>
     <p:spTree>
@@ -4352,10 +3695,17 @@
   <p:clrMapOvr>
     <a:masterClrMapping/>
   </p:clrMapOvr>
+  <p:timing>
+    <p:tnLst>
+      <p:par>
+        <p:cTn id="1" dur="indefinite" restart="never" nodeType="tmRoot"/>
+      </p:par>
+    </p:tnLst>
+  </p:timing>
 </p:sld>
 </file>
 
-<file path=ppt/slides/slide12.xml><?xml version="1.0" encoding="utf-8"?>
+<file path=ppt/slides/slide11.xml><?xml version="1.0" encoding="utf-8"?>
 <p:sld xmlns:a="http://schemas.openxmlformats.org/drawingml/2006/main" xmlns:r="http://schemas.openxmlformats.org/officeDocument/2006/relationships" xmlns:p="http://schemas.openxmlformats.org/presentationml/2006/main">
   <p:cSld>
     <p:spTree>
@@ -4429,10 +3779,17 @@
   <p:clrMapOvr>
     <a:masterClrMapping/>
   </p:clrMapOvr>
+  <p:timing>
+    <p:tnLst>
+      <p:par>
+        <p:cTn id="1" dur="indefinite" restart="never" nodeType="tmRoot"/>
+      </p:par>
+    </p:tnLst>
+  </p:timing>
 </p:sld>
 </file>
 
-<file path=ppt/slides/slide13.xml><?xml version="1.0" encoding="utf-8"?>
+<file path=ppt/slides/slide12.xml><?xml version="1.0" encoding="utf-8"?>
 <p:sld xmlns:a="http://schemas.openxmlformats.org/drawingml/2006/main" xmlns:r="http://schemas.openxmlformats.org/officeDocument/2006/relationships" xmlns:p="http://schemas.openxmlformats.org/presentationml/2006/main">
   <p:cSld>
     <p:spTree>
@@ -4472,627 +3829,6 @@
           </a:p>
         </p:txBody>
       </p:sp>
-      <p:sp>
-        <p:nvSpPr>
-          <p:cNvPr id="3" name="Marcador de contenido 2"/>
-          <p:cNvSpPr>
-            <a:spLocks noGrp="1"/>
-          </p:cNvSpPr>
-          <p:nvPr>
-            <p:ph idx="1"/>
-          </p:nvPr>
-        </p:nvSpPr>
-        <p:spPr>
-          <a:xfrm>
-            <a:off x="734123" y="2638044"/>
-            <a:ext cx="7729728" cy="3101983"/>
-          </a:xfrm>
-        </p:spPr>
-        <p:txBody>
-          <a:bodyPr>
-            <a:normAutofit fontScale="85000" lnSpcReduction="20000"/>
-          </a:bodyPr>
-          <a:lstStyle/>
-          <a:p>
-            <a:r>
-              <a:rPr lang="es-ES_tradnl" sz="2400" dirty="0" err="1" smtClean="0"/>
-              <a:t>Evaluating</a:t>
-            </a:r>
-            <a:r>
-              <a:rPr lang="es-ES_tradnl" sz="2400" dirty="0" smtClean="0"/>
-              <a:t> </a:t>
-            </a:r>
-            <a:r>
-              <a:rPr lang="es-ES_tradnl" sz="2400" dirty="0" err="1" smtClean="0"/>
-              <a:t>our</a:t>
-            </a:r>
-            <a:r>
-              <a:rPr lang="es-ES_tradnl" sz="2400" dirty="0" smtClean="0"/>
-              <a:t> </a:t>
-            </a:r>
-            <a:r>
-              <a:rPr lang="es-ES_tradnl" sz="2400" dirty="0" err="1" smtClean="0"/>
-              <a:t>model</a:t>
-            </a:r>
-            <a:endParaRPr lang="es-ES_tradnl" sz="2400" dirty="0"/>
-          </a:p>
-          <a:p>
-            <a:pPr lvl="1"/>
-            <a:r>
-              <a:rPr lang="es-ES_tradnl" sz="2400" dirty="0" err="1"/>
-              <a:t>r</a:t>
-            </a:r>
-            <a:r>
-              <a:rPr lang="es-ES_tradnl" sz="2400" baseline="-25000" dirty="0" err="1" smtClean="0"/>
-              <a:t>ui</a:t>
-            </a:r>
-            <a:r>
-              <a:rPr lang="es-ES_tradnl" sz="2400" dirty="0" smtClean="0"/>
-              <a:t> </a:t>
-            </a:r>
-            <a:r>
-              <a:rPr lang="es-ES_tradnl" sz="2400" dirty="0" err="1" smtClean="0"/>
-              <a:t>indicates</a:t>
-            </a:r>
-            <a:r>
-              <a:rPr lang="es-ES_tradnl" sz="2400" dirty="0" smtClean="0"/>
-              <a:t> </a:t>
-            </a:r>
-            <a:r>
-              <a:rPr lang="es-ES_tradnl" sz="2400" dirty="0" err="1" smtClean="0"/>
-              <a:t>the</a:t>
-            </a:r>
-            <a:r>
-              <a:rPr lang="es-ES_tradnl" sz="2400" dirty="0" smtClean="0"/>
-              <a:t> </a:t>
-            </a:r>
-            <a:r>
-              <a:rPr lang="es-ES_tradnl" sz="2400" dirty="0" err="1" smtClean="0"/>
-              <a:t>amount</a:t>
-            </a:r>
-            <a:r>
-              <a:rPr lang="es-ES_tradnl" sz="2400" dirty="0" smtClean="0"/>
-              <a:t> of times </a:t>
-            </a:r>
-            <a:r>
-              <a:rPr lang="es-ES_tradnl" sz="2400" dirty="0" err="1" smtClean="0"/>
-              <a:t>user</a:t>
-            </a:r>
-            <a:r>
-              <a:rPr lang="es-ES_tradnl" sz="2400" dirty="0" smtClean="0"/>
-              <a:t> u </a:t>
-            </a:r>
-            <a:r>
-              <a:rPr lang="es-ES_tradnl" sz="2400" dirty="0" err="1" smtClean="0"/>
-              <a:t>listend</a:t>
-            </a:r>
-            <a:r>
-              <a:rPr lang="es-ES_tradnl" sz="2400" dirty="0" smtClean="0"/>
-              <a:t> to </a:t>
-            </a:r>
-            <a:r>
-              <a:rPr lang="es-ES_tradnl" sz="2400" dirty="0" err="1" smtClean="0"/>
-              <a:t>song</a:t>
-            </a:r>
-            <a:r>
-              <a:rPr lang="es-ES_tradnl" sz="2400" dirty="0" smtClean="0"/>
-              <a:t> i; </a:t>
-            </a:r>
-            <a:r>
-              <a:rPr lang="es-ES_tradnl" sz="2400" dirty="0" err="1" smtClean="0"/>
-              <a:t>e.g</a:t>
-            </a:r>
-            <a:r>
-              <a:rPr lang="es-ES_tradnl" sz="2400" dirty="0" smtClean="0"/>
-              <a:t>. </a:t>
-            </a:r>
-            <a:r>
-              <a:rPr lang="es-ES_tradnl" sz="2400" dirty="0" err="1" smtClean="0"/>
-              <a:t>the</a:t>
-            </a:r>
-            <a:r>
-              <a:rPr lang="es-ES_tradnl" sz="2400" dirty="0" smtClean="0"/>
-              <a:t> R[</a:t>
-            </a:r>
-            <a:r>
-              <a:rPr lang="es-ES_tradnl" sz="2400" dirty="0" err="1" smtClean="0"/>
-              <a:t>u,i</a:t>
-            </a:r>
-            <a:r>
-              <a:rPr lang="es-ES_tradnl" sz="2400" dirty="0" smtClean="0"/>
-              <a:t>] </a:t>
-            </a:r>
-            <a:r>
-              <a:rPr lang="es-ES_tradnl" sz="2400" dirty="0" err="1" smtClean="0"/>
-              <a:t>if</a:t>
-            </a:r>
-            <a:r>
-              <a:rPr lang="es-ES_tradnl" sz="2400" dirty="0" smtClean="0"/>
-              <a:t> R </a:t>
-            </a:r>
-            <a:r>
-              <a:rPr lang="es-ES_tradnl" sz="2400" dirty="0" err="1" smtClean="0"/>
-              <a:t>is</a:t>
-            </a:r>
-            <a:r>
-              <a:rPr lang="es-ES_tradnl" sz="2400" dirty="0" smtClean="0"/>
-              <a:t> </a:t>
-            </a:r>
-            <a:r>
-              <a:rPr lang="es-ES_tradnl" sz="2400" dirty="0" err="1" smtClean="0"/>
-              <a:t>the</a:t>
-            </a:r>
-            <a:r>
-              <a:rPr lang="es-ES_tradnl" sz="2400" dirty="0" smtClean="0"/>
-              <a:t> </a:t>
-            </a:r>
-            <a:r>
-              <a:rPr lang="es-ES_tradnl" sz="2400" dirty="0" err="1" smtClean="0"/>
-              <a:t>utility</a:t>
-            </a:r>
-            <a:r>
-              <a:rPr lang="es-ES_tradnl" sz="2400" dirty="0" smtClean="0"/>
-              <a:t> </a:t>
-            </a:r>
-            <a:r>
-              <a:rPr lang="es-ES_tradnl" sz="2400" dirty="0" err="1" smtClean="0"/>
-              <a:t>matrix</a:t>
-            </a:r>
-            <a:endParaRPr lang="es-ES_tradnl" sz="2400" dirty="0"/>
-          </a:p>
-          <a:p>
-            <a:pPr lvl="1"/>
-            <a:r>
-              <a:rPr lang="es-ES_tradnl" sz="2200" dirty="0" err="1"/>
-              <a:t>r</a:t>
-            </a:r>
-            <a:r>
-              <a:rPr lang="es-ES_tradnl" sz="2200" dirty="0" err="1" smtClean="0"/>
-              <a:t>ank</a:t>
-            </a:r>
-            <a:r>
-              <a:rPr lang="es-ES_tradnl" sz="2200" baseline="-25000" dirty="0" err="1" smtClean="0"/>
-              <a:t>ui</a:t>
-            </a:r>
-            <a:r>
-              <a:rPr lang="es-ES_tradnl" sz="2200" dirty="0" smtClean="0"/>
-              <a:t> </a:t>
-            </a:r>
-            <a:r>
-              <a:rPr lang="es-ES_tradnl" sz="2200" dirty="0" err="1" smtClean="0"/>
-              <a:t>is</a:t>
-            </a:r>
-            <a:r>
-              <a:rPr lang="es-ES_tradnl" sz="2200" dirty="0" smtClean="0"/>
-              <a:t> </a:t>
-            </a:r>
-            <a:r>
-              <a:rPr lang="es-ES_tradnl" sz="2400" dirty="0" err="1"/>
-              <a:t>the</a:t>
-            </a:r>
-            <a:r>
-              <a:rPr lang="es-ES_tradnl" sz="2400" dirty="0"/>
-              <a:t> </a:t>
-            </a:r>
-            <a:r>
-              <a:rPr lang="es-ES_tradnl" sz="2400" dirty="0" err="1"/>
-              <a:t>percentile</a:t>
-            </a:r>
-            <a:r>
-              <a:rPr lang="es-ES_tradnl" sz="2400" dirty="0"/>
-              <a:t>-ranking of </a:t>
-            </a:r>
-            <a:r>
-              <a:rPr lang="es-ES_tradnl" sz="2400" dirty="0" err="1" smtClean="0"/>
-              <a:t>song</a:t>
-            </a:r>
-            <a:r>
-              <a:rPr lang="es-ES_tradnl" sz="2400" dirty="0" smtClean="0"/>
-              <a:t> i </a:t>
-            </a:r>
-            <a:r>
-              <a:rPr lang="es-ES_tradnl" sz="2400" dirty="0" err="1"/>
-              <a:t>within</a:t>
-            </a:r>
-            <a:r>
-              <a:rPr lang="es-ES_tradnl" sz="2400" dirty="0"/>
-              <a:t> </a:t>
-            </a:r>
-            <a:r>
-              <a:rPr lang="es-ES_tradnl" sz="2400" dirty="0" err="1"/>
-              <a:t>the</a:t>
-            </a:r>
-            <a:r>
-              <a:rPr lang="es-ES_tradnl" sz="2400" dirty="0"/>
-              <a:t> </a:t>
-            </a:r>
-            <a:r>
-              <a:rPr lang="es-ES_tradnl" sz="2400" dirty="0" err="1"/>
-              <a:t>ordered</a:t>
-            </a:r>
-            <a:r>
-              <a:rPr lang="es-ES_tradnl" sz="2400" dirty="0"/>
-              <a:t> </a:t>
-            </a:r>
-            <a:r>
-              <a:rPr lang="es-ES_tradnl" sz="2400" dirty="0" err="1"/>
-              <a:t>list</a:t>
-            </a:r>
-            <a:r>
-              <a:rPr lang="es-ES_tradnl" sz="2400" dirty="0"/>
-              <a:t> of </a:t>
-            </a:r>
-            <a:r>
-              <a:rPr lang="es-ES_tradnl" sz="2400" dirty="0" err="1"/>
-              <a:t>all</a:t>
-            </a:r>
-            <a:r>
-              <a:rPr lang="es-ES_tradnl" sz="2400" dirty="0"/>
-              <a:t> </a:t>
-            </a:r>
-            <a:r>
-              <a:rPr lang="es-ES_tradnl" sz="2400" dirty="0" err="1"/>
-              <a:t>programs</a:t>
-            </a:r>
-            <a:r>
-              <a:rPr lang="es-ES_tradnl" sz="2400" dirty="0"/>
-              <a:t> </a:t>
-            </a:r>
-            <a:r>
-              <a:rPr lang="es-ES_tradnl" sz="2400" dirty="0" err="1"/>
-              <a:t>prepared</a:t>
-            </a:r>
-            <a:r>
-              <a:rPr lang="es-ES_tradnl" sz="2400" dirty="0"/>
-              <a:t> </a:t>
-            </a:r>
-            <a:r>
-              <a:rPr lang="es-ES_tradnl" sz="2400" dirty="0" err="1"/>
-              <a:t>for</a:t>
-            </a:r>
-            <a:r>
-              <a:rPr lang="es-ES_tradnl" sz="2400" dirty="0"/>
-              <a:t> </a:t>
-            </a:r>
-            <a:r>
-              <a:rPr lang="es-ES_tradnl" sz="2400" dirty="0" err="1"/>
-              <a:t>user</a:t>
-            </a:r>
-            <a:r>
-              <a:rPr lang="es-ES_tradnl" sz="2400" dirty="0"/>
-              <a:t> </a:t>
-            </a:r>
-            <a:r>
-              <a:rPr lang="es-ES_tradnl" sz="2400" dirty="0" smtClean="0"/>
-              <a:t>u.</a:t>
-            </a:r>
-          </a:p>
-          <a:p>
-            <a:pPr lvl="1"/>
-            <a:r>
-              <a:rPr lang="es-ES_tradnl" sz="2400" dirty="0" err="1"/>
-              <a:t>Lower</a:t>
-            </a:r>
-            <a:r>
-              <a:rPr lang="es-ES_tradnl" sz="2400" dirty="0"/>
-              <a:t> </a:t>
-            </a:r>
-            <a:r>
-              <a:rPr lang="es-ES_tradnl" sz="2400" dirty="0" err="1"/>
-              <a:t>values</a:t>
-            </a:r>
-            <a:r>
-              <a:rPr lang="es-ES_tradnl" sz="2400" dirty="0"/>
-              <a:t> of </a:t>
-            </a:r>
-            <a:r>
-              <a:rPr lang="es-ES_tradnl" sz="2400" dirty="0" err="1"/>
-              <a:t>rank</a:t>
-            </a:r>
-            <a:r>
-              <a:rPr lang="es-ES_tradnl" sz="2400" dirty="0"/>
-              <a:t> are more </a:t>
-            </a:r>
-            <a:r>
-              <a:rPr lang="es-ES_tradnl" sz="2400" dirty="0" err="1"/>
-              <a:t>desirable</a:t>
-            </a:r>
-            <a:r>
-              <a:rPr lang="es-ES_tradnl" sz="2400" dirty="0"/>
-              <a:t>, as </a:t>
-            </a:r>
-            <a:r>
-              <a:rPr lang="es-ES_tradnl" sz="2400" dirty="0" err="1"/>
-              <a:t>they</a:t>
-            </a:r>
-            <a:r>
-              <a:rPr lang="es-ES_tradnl" sz="2400" dirty="0"/>
-              <a:t> </a:t>
-            </a:r>
-            <a:r>
-              <a:rPr lang="es-ES_tradnl" sz="2400" dirty="0" err="1"/>
-              <a:t>indicate</a:t>
-            </a:r>
-            <a:r>
-              <a:rPr lang="es-ES_tradnl" sz="2400" dirty="0"/>
-              <a:t> ranking </a:t>
-            </a:r>
-            <a:r>
-              <a:rPr lang="es-ES_tradnl" sz="2400" dirty="0" err="1"/>
-              <a:t>actually</a:t>
-            </a:r>
-            <a:r>
-              <a:rPr lang="es-ES_tradnl" sz="2400" dirty="0"/>
-              <a:t> </a:t>
-            </a:r>
-            <a:r>
-              <a:rPr lang="es-ES_tradnl" sz="2400" dirty="0" err="1" smtClean="0"/>
-              <a:t>listened</a:t>
-            </a:r>
-            <a:r>
-              <a:rPr lang="es-ES_tradnl" sz="2400" dirty="0" smtClean="0"/>
-              <a:t> </a:t>
-            </a:r>
-            <a:r>
-              <a:rPr lang="es-ES_tradnl" sz="2400" dirty="0" err="1" smtClean="0"/>
-              <a:t>songs</a:t>
-            </a:r>
-            <a:r>
-              <a:rPr lang="es-ES_tradnl" sz="2400" dirty="0" smtClean="0"/>
-              <a:t> </a:t>
-            </a:r>
-            <a:r>
-              <a:rPr lang="es-ES_tradnl" sz="2400" dirty="0" err="1" smtClean="0"/>
-              <a:t>closer</a:t>
-            </a:r>
-            <a:r>
-              <a:rPr lang="es-ES_tradnl" sz="2400" dirty="0" smtClean="0"/>
-              <a:t> </a:t>
-            </a:r>
-            <a:r>
-              <a:rPr lang="es-ES_tradnl" sz="2400" dirty="0"/>
-              <a:t>to </a:t>
-            </a:r>
-            <a:r>
-              <a:rPr lang="es-ES_tradnl" sz="2400" dirty="0" err="1"/>
-              <a:t>the</a:t>
-            </a:r>
-            <a:r>
-              <a:rPr lang="es-ES_tradnl" sz="2400" dirty="0"/>
-              <a:t> top of </a:t>
-            </a:r>
-            <a:r>
-              <a:rPr lang="es-ES_tradnl" sz="2400" dirty="0" err="1"/>
-              <a:t>the</a:t>
-            </a:r>
-            <a:r>
-              <a:rPr lang="es-ES_tradnl" sz="2400" dirty="0"/>
-              <a:t> </a:t>
-            </a:r>
-            <a:r>
-              <a:rPr lang="es-ES_tradnl" sz="2400" dirty="0" err="1" smtClean="0"/>
-              <a:t>recommendation</a:t>
-            </a:r>
-            <a:r>
-              <a:rPr lang="es-ES_tradnl" sz="2400" dirty="0" smtClean="0"/>
-              <a:t> </a:t>
-            </a:r>
-            <a:r>
-              <a:rPr lang="es-ES_tradnl" sz="2400" dirty="0" err="1"/>
-              <a:t>lists</a:t>
-            </a:r>
-            <a:r>
-              <a:rPr lang="es-ES_tradnl" sz="2400" dirty="0"/>
-              <a:t>. </a:t>
-            </a:r>
-            <a:r>
-              <a:rPr lang="es-ES_tradnl" sz="2400" dirty="0" err="1"/>
-              <a:t>Notice</a:t>
-            </a:r>
-            <a:r>
-              <a:rPr lang="es-ES_tradnl" sz="2400" dirty="0"/>
-              <a:t> </a:t>
-            </a:r>
-            <a:r>
-              <a:rPr lang="es-ES_tradnl" sz="2400" dirty="0" err="1"/>
-              <a:t>that</a:t>
-            </a:r>
-            <a:r>
-              <a:rPr lang="es-ES_tradnl" sz="2400" dirty="0"/>
-              <a:t> </a:t>
-            </a:r>
-            <a:r>
-              <a:rPr lang="es-ES_tradnl" sz="2400" dirty="0" err="1"/>
-              <a:t>for</a:t>
-            </a:r>
-            <a:r>
-              <a:rPr lang="es-ES_tradnl" sz="2400" dirty="0"/>
-              <a:t> </a:t>
-            </a:r>
-            <a:r>
-              <a:rPr lang="es-ES_tradnl" sz="2400" dirty="0" err="1"/>
-              <a:t>random</a:t>
-            </a:r>
-            <a:r>
-              <a:rPr lang="es-ES_tradnl" sz="2400" dirty="0"/>
-              <a:t> </a:t>
-            </a:r>
-            <a:r>
-              <a:rPr lang="es-ES_tradnl" sz="2400" dirty="0" err="1"/>
-              <a:t>predictions</a:t>
-            </a:r>
-            <a:r>
-              <a:rPr lang="es-ES_tradnl" sz="2400" dirty="0"/>
-              <a:t>, </a:t>
-            </a:r>
-            <a:r>
-              <a:rPr lang="es-ES_tradnl" sz="2400" dirty="0" err="1"/>
-              <a:t>the</a:t>
-            </a:r>
-            <a:r>
-              <a:rPr lang="es-ES_tradnl" sz="2400" dirty="0"/>
-              <a:t> </a:t>
-            </a:r>
-            <a:r>
-              <a:rPr lang="es-ES_tradnl" sz="2400" dirty="0" err="1"/>
-              <a:t>expected</a:t>
-            </a:r>
-            <a:r>
-              <a:rPr lang="es-ES_tradnl" sz="2400" dirty="0"/>
-              <a:t> </a:t>
-            </a:r>
-            <a:r>
-              <a:rPr lang="es-ES_tradnl" sz="2400" dirty="0" err="1"/>
-              <a:t>value</a:t>
-            </a:r>
-            <a:r>
-              <a:rPr lang="es-ES_tradnl" sz="2400" dirty="0"/>
-              <a:t> of </a:t>
-            </a:r>
-            <a:r>
-              <a:rPr lang="es-ES_tradnl" sz="2400" dirty="0" err="1"/>
-              <a:t>rank</a:t>
-            </a:r>
-            <a:r>
-              <a:rPr lang="es-ES_tradnl" sz="2400" baseline="-25000" dirty="0" err="1"/>
-              <a:t>ui</a:t>
-            </a:r>
-            <a:r>
-              <a:rPr lang="es-ES_tradnl" sz="2400" dirty="0"/>
-              <a:t> </a:t>
-            </a:r>
-            <a:r>
-              <a:rPr lang="es-ES_tradnl" sz="2400" dirty="0" err="1"/>
-              <a:t>is</a:t>
-            </a:r>
-            <a:r>
-              <a:rPr lang="es-ES_tradnl" sz="2400" dirty="0"/>
-              <a:t> 50% (</a:t>
-            </a:r>
-            <a:r>
-              <a:rPr lang="es-ES_tradnl" sz="2400" dirty="0" err="1"/>
-              <a:t>placing</a:t>
-            </a:r>
-            <a:r>
-              <a:rPr lang="es-ES_tradnl" sz="2400" dirty="0"/>
-              <a:t> i in </a:t>
-            </a:r>
-            <a:r>
-              <a:rPr lang="es-ES_tradnl" sz="2400" dirty="0" err="1"/>
-              <a:t>the</a:t>
-            </a:r>
-            <a:r>
-              <a:rPr lang="es-ES_tradnl" sz="2400" dirty="0"/>
-              <a:t> </a:t>
-            </a:r>
-            <a:r>
-              <a:rPr lang="es-ES_tradnl" sz="2400" dirty="0" err="1"/>
-              <a:t>middle</a:t>
-            </a:r>
-            <a:r>
-              <a:rPr lang="es-ES_tradnl" sz="2400" dirty="0"/>
-              <a:t> of </a:t>
-            </a:r>
-            <a:r>
-              <a:rPr lang="es-ES_tradnl" sz="2400" dirty="0" err="1"/>
-              <a:t>the</a:t>
-            </a:r>
-            <a:r>
-              <a:rPr lang="es-ES_tradnl" sz="2400" dirty="0"/>
-              <a:t> </a:t>
-            </a:r>
-            <a:r>
-              <a:rPr lang="es-ES_tradnl" sz="2400" dirty="0" err="1"/>
-              <a:t>sorted</a:t>
-            </a:r>
-            <a:r>
-              <a:rPr lang="es-ES_tradnl" sz="2400" dirty="0"/>
-              <a:t> </a:t>
-            </a:r>
-            <a:r>
-              <a:rPr lang="es-ES_tradnl" sz="2400" dirty="0" err="1"/>
-              <a:t>list</a:t>
-            </a:r>
-            <a:r>
-              <a:rPr lang="es-ES_tradnl" sz="2400" dirty="0"/>
-              <a:t>). </a:t>
-            </a:r>
-            <a:r>
-              <a:rPr lang="es-ES_tradnl" sz="2400" dirty="0" err="1"/>
-              <a:t>Thus</a:t>
-            </a:r>
-            <a:r>
-              <a:rPr lang="es-ES_tradnl" sz="2400" dirty="0"/>
-              <a:t>, </a:t>
-            </a:r>
-            <a:r>
-              <a:rPr lang="es-ES_tradnl" sz="2400" dirty="0" err="1"/>
-              <a:t>rank</a:t>
-            </a:r>
-            <a:r>
-              <a:rPr lang="es-ES_tradnl" sz="2400" dirty="0"/>
-              <a:t> 50% </a:t>
-            </a:r>
-            <a:r>
-              <a:rPr lang="es-ES_tradnl" sz="2400" dirty="0" err="1"/>
-              <a:t>indicates</a:t>
-            </a:r>
-            <a:r>
-              <a:rPr lang="es-ES_tradnl" sz="2400" dirty="0"/>
-              <a:t> </a:t>
-            </a:r>
-            <a:r>
-              <a:rPr lang="es-ES_tradnl" sz="2400" dirty="0" err="1"/>
-              <a:t>an</a:t>
-            </a:r>
-            <a:r>
-              <a:rPr lang="es-ES_tradnl" sz="2400" dirty="0"/>
-              <a:t> </a:t>
-            </a:r>
-            <a:r>
-              <a:rPr lang="es-ES_tradnl" sz="2400" dirty="0" err="1"/>
-              <a:t>algorithm</a:t>
-            </a:r>
-            <a:r>
-              <a:rPr lang="es-ES_tradnl" sz="2400" dirty="0"/>
-              <a:t> no </a:t>
-            </a:r>
-            <a:r>
-              <a:rPr lang="es-ES_tradnl" sz="2400" dirty="0" err="1"/>
-              <a:t>better</a:t>
-            </a:r>
-            <a:r>
-              <a:rPr lang="es-ES_tradnl" sz="2400" dirty="0"/>
-              <a:t> </a:t>
-            </a:r>
-            <a:r>
-              <a:rPr lang="es-ES_tradnl" sz="2400" dirty="0" err="1"/>
-              <a:t>than</a:t>
-            </a:r>
-            <a:r>
-              <a:rPr lang="es-ES_tradnl" sz="2400" dirty="0"/>
-              <a:t> </a:t>
-            </a:r>
-            <a:r>
-              <a:rPr lang="es-ES_tradnl" sz="2400" dirty="0" err="1"/>
-              <a:t>random</a:t>
-            </a:r>
-            <a:r>
-              <a:rPr lang="es-ES_tradnl" sz="2400" dirty="0"/>
-              <a:t>. </a:t>
-            </a:r>
-            <a:endParaRPr lang="es-ES_tradnl" sz="2400" dirty="0"/>
-          </a:p>
-          <a:p>
-            <a:pPr lvl="1"/>
-            <a:endParaRPr lang="es-ES_tradnl" sz="2400" dirty="0"/>
-          </a:p>
-          <a:p>
-            <a:pPr lvl="1"/>
-            <a:endParaRPr lang="es-ES_tradnl" sz="2200" dirty="0"/>
-          </a:p>
-        </p:txBody>
-      </p:sp>
       <p:pic>
         <p:nvPicPr>
           <p:cNvPr id="4" name="Imagen 3"/>
@@ -5109,8 +3845,8 @@
         </p:blipFill>
         <p:spPr>
           <a:xfrm>
-            <a:off x="8463851" y="3604835"/>
-            <a:ext cx="3479800" cy="1168400"/>
+            <a:off x="2675168" y="2939816"/>
+            <a:ext cx="6841664" cy="2297201"/>
           </a:xfrm>
           <a:prstGeom prst="rect">
             <a:avLst/>
@@ -5127,6 +3863,13 @@
   <p:clrMapOvr>
     <a:masterClrMapping/>
   </p:clrMapOvr>
+  <p:timing>
+    <p:tnLst>
+      <p:par>
+        <p:cTn id="1" dur="indefinite" restart="never" nodeType="tmRoot"/>
+      </p:par>
+    </p:tnLst>
+  </p:timing>
 </p:sld>
 </file>
 
@@ -5431,6 +4174,13 @@
   <p:clrMapOvr>
     <a:masterClrMapping/>
   </p:clrMapOvr>
+  <p:timing>
+    <p:tnLst>
+      <p:par>
+        <p:cTn id="1" dur="indefinite" restart="never" nodeType="tmRoot"/>
+      </p:par>
+    </p:tnLst>
+  </p:timing>
 </p:sld>
 </file>
 
@@ -5615,7 +4365,6 @@
               <a:rPr lang="es-ES_tradnl" sz="2400" dirty="0"/>
               <a:t>. </a:t>
             </a:r>
-            <a:endParaRPr lang="es-ES_tradnl" sz="2400" dirty="0"/>
           </a:p>
           <a:p>
             <a:r>
@@ -5754,7 +4503,6 @@
               <a:rPr lang="es-ES_tradnl" sz="2400" dirty="0"/>
               <a:t>. </a:t>
             </a:r>
-            <a:endParaRPr lang="es-ES_tradnl" sz="2400" dirty="0"/>
           </a:p>
           <a:p>
             <a:endParaRPr lang="es-ES_tradnl" dirty="0"/>
@@ -5771,6 +4519,13 @@
   <p:clrMapOvr>
     <a:masterClrMapping/>
   </p:clrMapOvr>
+  <p:timing>
+    <p:tnLst>
+      <p:par>
+        <p:cTn id="1" dur="indefinite" restart="never" nodeType="tmRoot"/>
+      </p:par>
+    </p:tnLst>
+  </p:timing>
 </p:sld>
 </file>
 
@@ -6098,6 +4853,13 @@
   <p:clrMapOvr>
     <a:masterClrMapping/>
   </p:clrMapOvr>
+  <p:timing>
+    <p:tnLst>
+      <p:par>
+        <p:cTn id="1" dur="indefinite" restart="never" nodeType="tmRoot"/>
+      </p:par>
+    </p:tnLst>
+  </p:timing>
 </p:sld>
 </file>
 
@@ -6501,6 +5263,13 @@
   <p:clrMapOvr>
     <a:masterClrMapping/>
   </p:clrMapOvr>
+  <p:timing>
+    <p:tnLst>
+      <p:par>
+        <p:cTn id="1" dur="indefinite" restart="never" nodeType="tmRoot"/>
+      </p:par>
+    </p:tnLst>
+  </p:timing>
 </p:sld>
 </file>
 
@@ -6606,6 +5375,13 @@
   <p:clrMapOvr>
     <a:masterClrMapping/>
   </p:clrMapOvr>
+  <p:timing>
+    <p:tnLst>
+      <p:par>
+        <p:cTn id="1" dur="indefinite" restart="never" nodeType="tmRoot"/>
+      </p:par>
+    </p:tnLst>
+  </p:timing>
 </p:sld>
 </file>
 
@@ -6660,6 +5436,13 @@
   <p:clrMapOvr>
     <a:masterClrMapping/>
   </p:clrMapOvr>
+  <p:timing>
+    <p:tnLst>
+      <p:par>
+        <p:cTn id="1" dur="indefinite" restart="never" nodeType="tmRoot"/>
+      </p:par>
+    </p:tnLst>
+  </p:timing>
 </p:sld>
 </file>
 
@@ -6714,6 +5497,13 @@
   <p:clrMapOvr>
     <a:masterClrMapping/>
   </p:clrMapOvr>
+  <p:timing>
+    <p:tnLst>
+      <p:par>
+        <p:cTn id="1" dur="indefinite" restart="never" nodeType="tmRoot"/>
+      </p:par>
+    </p:tnLst>
+  </p:timing>
 </p:sld>
 </file>
 
@@ -7167,6 +5957,13 @@
   <p:clrMapOvr>
     <a:masterClrMapping/>
   </p:clrMapOvr>
+  <p:timing>
+    <p:tnLst>
+      <p:par>
+        <p:cTn id="1" dur="indefinite" restart="never" nodeType="tmRoot"/>
+      </p:par>
+    </p:tnLst>
+  </p:timing>
 </p:sld>
 </file>
 

--- a/presentation.pptx
+++ b/presentation.pptx
@@ -6,17 +6,20 @@
   </p:sldMasterIdLst>
   <p:sldIdLst>
     <p:sldId id="256" r:id="rId2"/>
-    <p:sldId id="257" r:id="rId3"/>
-    <p:sldId id="258" r:id="rId4"/>
+    <p:sldId id="272" r:id="rId3"/>
+    <p:sldId id="268" r:id="rId4"/>
     <p:sldId id="259" r:id="rId5"/>
     <p:sldId id="260" r:id="rId6"/>
-    <p:sldId id="261" r:id="rId7"/>
-    <p:sldId id="262" r:id="rId8"/>
-    <p:sldId id="263" r:id="rId9"/>
-    <p:sldId id="264" r:id="rId10"/>
-    <p:sldId id="266" r:id="rId11"/>
-    <p:sldId id="267" r:id="rId12"/>
-    <p:sldId id="268" r:id="rId13"/>
+    <p:sldId id="263" r:id="rId7"/>
+    <p:sldId id="264" r:id="rId8"/>
+    <p:sldId id="266" r:id="rId9"/>
+    <p:sldId id="267" r:id="rId10"/>
+    <p:sldId id="273" r:id="rId11"/>
+    <p:sldId id="274" r:id="rId12"/>
+    <p:sldId id="275" r:id="rId13"/>
+    <p:sldId id="269" r:id="rId14"/>
+    <p:sldId id="270" r:id="rId15"/>
+    <p:sldId id="271" r:id="rId16"/>
   </p:sldIdLst>
   <p:sldSz cx="12192000" cy="6858000"/>
   <p:notesSz cx="6858000" cy="9144000"/>
@@ -286,7 +289,7 @@
           <a:p>
             <a:fld id="{1160EA64-D806-43AC-9DF2-F8C432F32B4C}" type="datetimeFigureOut">
               <a:rPr lang="en-US" dirty="0"/>
-              <a:t>2/12/18</a:t>
+              <a:t>2/14/2018</a:t>
             </a:fld>
             <a:endParaRPr lang="en-US" dirty="0"/>
           </a:p>
@@ -329,7 +332,7 @@
             <a:fld id="{8A7A6979-0714-4377-B894-6BE4C2D6E202}" type="slidenum">
               <a:rPr lang="en-US" dirty="0"/>
               <a:pPr/>
-              <a:t>‹Nr.›</a:t>
+              <a:t>‹#›</a:t>
             </a:fld>
             <a:endParaRPr lang="en-US" dirty="0"/>
           </a:p>
@@ -452,7 +455,7 @@
           <a:p>
             <a:fld id="{E9F9C37B-1D36-470B-8223-D6C91242EC14}" type="datetimeFigureOut">
               <a:rPr lang="en-US" dirty="0"/>
-              <a:t>2/12/18</a:t>
+              <a:t>2/14/2018</a:t>
             </a:fld>
             <a:endParaRPr lang="en-US" dirty="0"/>
           </a:p>
@@ -494,7 +497,7 @@
           <a:p>
             <a:fld id="{8A7A6979-0714-4377-B894-6BE4C2D6E202}" type="slidenum">
               <a:rPr lang="en-US" dirty="0"/>
-              <a:t>‹Nr.›</a:t>
+              <a:t>‹#›</a:t>
             </a:fld>
             <a:endParaRPr lang="en-US" dirty="0"/>
           </a:p>
@@ -627,7 +630,7 @@
           <a:p>
             <a:fld id="{67C6F52A-A82B-47A2-A83A-8C4C91F2D59F}" type="datetimeFigureOut">
               <a:rPr lang="en-US" dirty="0"/>
-              <a:t>2/12/18</a:t>
+              <a:t>2/14/2018</a:t>
             </a:fld>
             <a:endParaRPr lang="en-US" dirty="0"/>
           </a:p>
@@ -669,7 +672,7 @@
           <a:p>
             <a:fld id="{8A7A6979-0714-4377-B894-6BE4C2D6E202}" type="slidenum">
               <a:rPr lang="en-US" dirty="0"/>
-              <a:t>‹Nr.›</a:t>
+              <a:t>‹#›</a:t>
             </a:fld>
             <a:endParaRPr lang="en-US" dirty="0"/>
           </a:p>
@@ -792,7 +795,7 @@
           <a:p>
             <a:fld id="{F070A7B3-6521-4DCA-87E5-044747A908C1}" type="datetimeFigureOut">
               <a:rPr lang="en-US" dirty="0"/>
-              <a:t>2/12/18</a:t>
+              <a:t>2/14/2018</a:t>
             </a:fld>
             <a:endParaRPr lang="en-US" dirty="0"/>
           </a:p>
@@ -835,7 +838,7 @@
             <a:fld id="{8A7A6979-0714-4377-B894-6BE4C2D6E202}" type="slidenum">
               <a:rPr lang="en-US" dirty="0"/>
               <a:pPr/>
-              <a:t>‹Nr.›</a:t>
+              <a:t>‹#›</a:t>
             </a:fld>
             <a:endParaRPr lang="en-US" dirty="0"/>
           </a:p>
@@ -1056,7 +1059,7 @@
           <a:p>
             <a:fld id="{1160EA64-D806-43AC-9DF2-F8C432F32B4C}" type="datetimeFigureOut">
               <a:rPr lang="en-US" dirty="0"/>
-              <a:t>2/12/18</a:t>
+              <a:t>2/14/2018</a:t>
             </a:fld>
             <a:endParaRPr lang="en-US" dirty="0"/>
           </a:p>
@@ -1099,7 +1102,7 @@
             <a:fld id="{8A7A6979-0714-4377-B894-6BE4C2D6E202}" type="slidenum">
               <a:rPr lang="en-US" dirty="0"/>
               <a:pPr/>
-              <a:t>‹Nr.›</a:t>
+              <a:t>‹#›</a:t>
             </a:fld>
             <a:endParaRPr lang="en-US" dirty="0"/>
           </a:p>
@@ -1284,7 +1287,7 @@
           <a:p>
             <a:fld id="{AB134690-1557-4C89-A502-4959FE7FAD70}" type="datetimeFigureOut">
               <a:rPr lang="en-US" dirty="0"/>
-              <a:t>2/12/18</a:t>
+              <a:t>2/14/2018</a:t>
             </a:fld>
             <a:endParaRPr lang="en-US" dirty="0"/>
           </a:p>
@@ -1326,7 +1329,7 @@
           <a:p>
             <a:fld id="{8A7A6979-0714-4377-B894-6BE4C2D6E202}" type="slidenum">
               <a:rPr lang="en-US" dirty="0"/>
-              <a:t>‹Nr.›</a:t>
+              <a:t>‹#›</a:t>
             </a:fld>
             <a:endParaRPr lang="en-US" dirty="0"/>
           </a:p>
@@ -1638,7 +1641,7 @@
           <a:p>
             <a:fld id="{4F7D4976-E339-4826-83B7-FBD03F55ECF8}" type="datetimeFigureOut">
               <a:rPr lang="en-US" dirty="0"/>
-              <a:t>2/12/18</a:t>
+              <a:t>2/14/2018</a:t>
             </a:fld>
             <a:endParaRPr lang="en-US" dirty="0"/>
           </a:p>
@@ -1680,7 +1683,7 @@
           <a:p>
             <a:fld id="{8A7A6979-0714-4377-B894-6BE4C2D6E202}" type="slidenum">
               <a:rPr lang="en-US" dirty="0"/>
-              <a:t>‹Nr.›</a:t>
+              <a:t>‹#›</a:t>
             </a:fld>
             <a:endParaRPr lang="en-US" dirty="0"/>
           </a:p>
@@ -1774,7 +1777,7 @@
           <a:p>
             <a:fld id="{E1037C31-9E7A-4F99-8774-A0E530DE1A42}" type="datetimeFigureOut">
               <a:rPr lang="en-US" dirty="0"/>
-              <a:t>2/12/18</a:t>
+              <a:t>2/14/2018</a:t>
             </a:fld>
             <a:endParaRPr lang="en-US" dirty="0"/>
           </a:p>
@@ -1816,7 +1819,7 @@
           <a:p>
             <a:fld id="{8A7A6979-0714-4377-B894-6BE4C2D6E202}" type="slidenum">
               <a:rPr lang="en-US" dirty="0"/>
-              <a:t>‹Nr.›</a:t>
+              <a:t>‹#›</a:t>
             </a:fld>
             <a:endParaRPr lang="en-US" dirty="0"/>
           </a:p>
@@ -1864,7 +1867,7 @@
           <a:p>
             <a:fld id="{C278504F-A551-4DE0-9316-4DCD1D8CC752}" type="datetimeFigureOut">
               <a:rPr lang="en-US" dirty="0"/>
-              <a:t>2/12/18</a:t>
+              <a:t>2/14/2018</a:t>
             </a:fld>
             <a:endParaRPr lang="en-US" dirty="0"/>
           </a:p>
@@ -1906,7 +1909,7 @@
           <a:p>
             <a:fld id="{8A7A6979-0714-4377-B894-6BE4C2D6E202}" type="slidenum">
               <a:rPr lang="en-US" dirty="0"/>
-              <a:t>‹Nr.›</a:t>
+              <a:t>‹#›</a:t>
             </a:fld>
             <a:endParaRPr lang="en-US" dirty="0"/>
           </a:p>
@@ -2216,7 +2219,7 @@
           <a:p>
             <a:fld id="{D1BE4249-C0D0-4B06-8692-E8BB871AF643}" type="datetimeFigureOut">
               <a:rPr lang="en-US" dirty="0"/>
-              <a:t>2/12/18</a:t>
+              <a:t>2/14/2018</a:t>
             </a:fld>
             <a:endParaRPr lang="en-US" dirty="0"/>
           </a:p>
@@ -2273,7 +2276,7 @@
           <a:p>
             <a:fld id="{8A7A6979-0714-4377-B894-6BE4C2D6E202}" type="slidenum">
               <a:rPr lang="en-US" dirty="0"/>
-              <a:t>‹Nr.›</a:t>
+              <a:t>‹#›</a:t>
             </a:fld>
             <a:endParaRPr lang="en-US" dirty="0"/>
           </a:p>
@@ -2568,7 +2571,7 @@
           <a:p>
             <a:fld id="{042B0DB6-F5C7-45FB-8CF3-31B45F9C2DAC}" type="datetimeFigureOut">
               <a:rPr lang="en-US" dirty="0"/>
-              <a:t>2/12/18</a:t>
+              <a:t>2/14/2018</a:t>
             </a:fld>
             <a:endParaRPr lang="en-US" dirty="0"/>
           </a:p>
@@ -2625,7 +2628,7 @@
           <a:p>
             <a:fld id="{8A7A6979-0714-4377-B894-6BE4C2D6E202}" type="slidenum">
               <a:rPr lang="en-US" dirty="0"/>
-              <a:t>‹Nr.›</a:t>
+              <a:t>‹#›</a:t>
             </a:fld>
             <a:endParaRPr lang="en-US" dirty="0"/>
           </a:p>
@@ -2804,7 +2807,7 @@
           <a:p>
             <a:fld id="{1160EA64-D806-43AC-9DF2-F8C432F32B4C}" type="datetimeFigureOut">
               <a:rPr lang="en-US" dirty="0"/>
-              <a:t>2/12/18</a:t>
+              <a:t>2/14/2018</a:t>
             </a:fld>
             <a:endParaRPr lang="en-US" dirty="0"/>
           </a:p>
@@ -2888,7 +2891,7 @@
             <a:fld id="{8A7A6979-0714-4377-B894-6BE4C2D6E202}" type="slidenum">
               <a:rPr lang="en-US" dirty="0"/>
               <a:pPr/>
-              <a:t>‹Nr.›</a:t>
+              <a:t>‹#›</a:t>
             </a:fld>
             <a:endParaRPr lang="en-US" dirty="0"/>
           </a:p>
@@ -3364,306 +3367,16 @@
           <a:lstStyle/>
           <a:p>
             <a:r>
-              <a:rPr lang="es-ES_tradnl" b="1" dirty="0" smtClean="0">
-                <a:solidFill>
-                  <a:srgbClr val="FF0000"/>
-                </a:solidFill>
-              </a:rPr>
-              <a:t>PROBLEM!!</a:t>
-            </a:r>
-            <a:endParaRPr lang="es-ES_tradnl" b="1" dirty="0">
-              <a:solidFill>
-                <a:srgbClr val="FF0000"/>
-              </a:solidFill>
-            </a:endParaRPr>
-          </a:p>
-        </p:txBody>
-      </p:sp>
-      <p:sp>
-        <p:nvSpPr>
-          <p:cNvPr id="3" name="Marcador de contenido 2"/>
-          <p:cNvSpPr>
-            <a:spLocks noGrp="1"/>
-          </p:cNvSpPr>
-          <p:nvPr>
-            <p:ph idx="1"/>
-          </p:nvPr>
-        </p:nvSpPr>
-        <p:spPr>
-          <a:xfrm>
-            <a:off x="2231136" y="2638044"/>
-            <a:ext cx="8584502" cy="3777044"/>
-          </a:xfrm>
-        </p:spPr>
-        <p:txBody>
-          <a:bodyPr>
-            <a:normAutofit lnSpcReduction="10000"/>
-          </a:bodyPr>
-          <a:lstStyle/>
-          <a:p>
-            <a:r>
-              <a:rPr lang="es-ES_tradnl" dirty="0" err="1" smtClean="0"/>
-              <a:t>This</a:t>
-            </a:r>
-            <a:r>
               <a:rPr lang="es-ES_tradnl" dirty="0" smtClean="0"/>
-              <a:t> </a:t>
-            </a:r>
-            <a:r>
-              <a:rPr lang="es-ES_tradnl" dirty="0" err="1" smtClean="0"/>
-              <a:t>methods</a:t>
-            </a:r>
-            <a:r>
-              <a:rPr lang="es-ES_tradnl" dirty="0" smtClean="0"/>
-              <a:t> are </a:t>
-            </a:r>
-            <a:r>
-              <a:rPr lang="es-ES_tradnl" dirty="0" err="1" smtClean="0"/>
-              <a:t>usually</a:t>
-            </a:r>
-            <a:r>
-              <a:rPr lang="es-ES_tradnl" dirty="0" smtClean="0"/>
-              <a:t> </a:t>
-            </a:r>
-            <a:r>
-              <a:rPr lang="es-ES_tradnl" dirty="0" err="1" smtClean="0"/>
-              <a:t>based</a:t>
-            </a:r>
-            <a:r>
-              <a:rPr lang="es-ES_tradnl" dirty="0" smtClean="0"/>
-              <a:t> </a:t>
-            </a:r>
-            <a:r>
-              <a:rPr lang="es-ES_tradnl" dirty="0" err="1" smtClean="0"/>
-              <a:t>around</a:t>
-            </a:r>
-            <a:r>
-              <a:rPr lang="es-ES_tradnl" dirty="0" smtClean="0"/>
-              <a:t> </a:t>
-            </a:r>
-            <a:r>
-              <a:rPr lang="es-ES_tradnl" dirty="0" err="1" smtClean="0"/>
-              <a:t>the</a:t>
-            </a:r>
-            <a:r>
-              <a:rPr lang="es-ES_tradnl" dirty="0" smtClean="0"/>
-              <a:t> concept of RATINGS.</a:t>
-            </a:r>
-          </a:p>
-          <a:p>
-            <a:endParaRPr lang="es-ES_tradnl" dirty="0"/>
-          </a:p>
-          <a:p>
-            <a:endParaRPr lang="es-ES_tradnl" dirty="0" smtClean="0"/>
-          </a:p>
-          <a:p>
-            <a:endParaRPr lang="es-ES_tradnl" dirty="0"/>
-          </a:p>
-          <a:p>
-            <a:endParaRPr lang="es-ES_tradnl" dirty="0" smtClean="0"/>
-          </a:p>
-          <a:p>
-            <a:endParaRPr lang="es-ES_tradnl" dirty="0"/>
-          </a:p>
-          <a:p>
-            <a:endParaRPr lang="es-ES_tradnl" dirty="0" smtClean="0"/>
-          </a:p>
-          <a:p>
-            <a:r>
-              <a:rPr lang="es-ES_tradnl" dirty="0" smtClean="0"/>
-              <a:t>In </a:t>
-            </a:r>
-            <a:r>
-              <a:rPr lang="es-ES_tradnl" dirty="0" err="1" smtClean="0"/>
-              <a:t>the</a:t>
-            </a:r>
-            <a:r>
-              <a:rPr lang="es-ES_tradnl" dirty="0" smtClean="0"/>
-              <a:t> </a:t>
-            </a:r>
-            <a:r>
-              <a:rPr lang="es-ES_tradnl" dirty="0" err="1" smtClean="0"/>
-              <a:t>fig</a:t>
-            </a:r>
-            <a:r>
-              <a:rPr lang="es-ES_tradnl" dirty="0" smtClean="0"/>
-              <a:t>, </a:t>
-            </a:r>
-            <a:r>
-              <a:rPr lang="es-ES_tradnl" dirty="0" err="1" smtClean="0"/>
-              <a:t>users</a:t>
-            </a:r>
-            <a:r>
-              <a:rPr lang="es-ES_tradnl" dirty="0" smtClean="0"/>
-              <a:t> A, B, C and D </a:t>
-            </a:r>
-            <a:r>
-              <a:rPr lang="es-ES_tradnl" dirty="0" err="1" smtClean="0"/>
-              <a:t>rate</a:t>
-            </a:r>
-            <a:r>
-              <a:rPr lang="es-ES_tradnl" dirty="0" smtClean="0"/>
-              <a:t> Harry Potter, </a:t>
-            </a:r>
-            <a:r>
-              <a:rPr lang="es-ES_tradnl" dirty="0" err="1" smtClean="0"/>
-              <a:t>Twilight</a:t>
-            </a:r>
-            <a:r>
-              <a:rPr lang="es-ES_tradnl" dirty="0" smtClean="0"/>
-              <a:t> and </a:t>
-            </a:r>
-            <a:r>
-              <a:rPr lang="es-ES_tradnl" dirty="0" err="1" smtClean="0"/>
-              <a:t>Star</a:t>
-            </a:r>
-            <a:r>
-              <a:rPr lang="es-ES_tradnl" dirty="0" smtClean="0"/>
-              <a:t> </a:t>
-            </a:r>
-            <a:r>
-              <a:rPr lang="es-ES_tradnl" dirty="0" err="1" smtClean="0"/>
-              <a:t>Wars</a:t>
-            </a:r>
-            <a:r>
-              <a:rPr lang="es-ES_tradnl" dirty="0" smtClean="0"/>
-              <a:t> </a:t>
-            </a:r>
-            <a:r>
-              <a:rPr lang="es-ES_tradnl" dirty="0" err="1" smtClean="0"/>
-              <a:t>movies</a:t>
-            </a:r>
-            <a:r>
-              <a:rPr lang="es-ES_tradnl" dirty="0" smtClean="0"/>
-              <a:t> in </a:t>
-            </a:r>
-            <a:r>
-              <a:rPr lang="es-ES_tradnl" dirty="0" err="1" smtClean="0"/>
-              <a:t>this</a:t>
-            </a:r>
-            <a:r>
-              <a:rPr lang="es-ES_tradnl" dirty="0" smtClean="0"/>
-              <a:t> </a:t>
-            </a:r>
-            <a:r>
-              <a:rPr lang="es-ES_tradnl" dirty="0" err="1" smtClean="0"/>
-              <a:t>utility</a:t>
-            </a:r>
-            <a:r>
-              <a:rPr lang="es-ES_tradnl" dirty="0" smtClean="0"/>
-              <a:t> </a:t>
-            </a:r>
-            <a:r>
-              <a:rPr lang="es-ES_tradnl" dirty="0" err="1" smtClean="0"/>
-              <a:t>matrix</a:t>
-            </a:r>
-            <a:r>
-              <a:rPr lang="es-ES_tradnl" dirty="0" smtClean="0"/>
-              <a:t>.</a:t>
-            </a:r>
-          </a:p>
-          <a:p>
-            <a:r>
-              <a:rPr lang="es-ES_tradnl" dirty="0" err="1" smtClean="0"/>
-              <a:t>Our</a:t>
-            </a:r>
-            <a:r>
-              <a:rPr lang="es-ES_tradnl" dirty="0" smtClean="0"/>
-              <a:t> </a:t>
-            </a:r>
-            <a:r>
-              <a:rPr lang="es-ES_tradnl" dirty="0" err="1" smtClean="0"/>
-              <a:t>matrix</a:t>
-            </a:r>
-            <a:r>
-              <a:rPr lang="es-ES_tradnl" dirty="0" smtClean="0"/>
-              <a:t> looks </a:t>
-            </a:r>
-            <a:r>
-              <a:rPr lang="es-ES_tradnl" dirty="0" err="1" smtClean="0"/>
-              <a:t>like</a:t>
-            </a:r>
-            <a:r>
-              <a:rPr lang="es-ES_tradnl" dirty="0" smtClean="0"/>
-              <a:t> </a:t>
-            </a:r>
-            <a:r>
-              <a:rPr lang="es-ES_tradnl" dirty="0" err="1" smtClean="0"/>
-              <a:t>that</a:t>
-            </a:r>
-            <a:r>
-              <a:rPr lang="es-ES_tradnl" dirty="0" smtClean="0"/>
-              <a:t> </a:t>
-            </a:r>
-            <a:r>
-              <a:rPr lang="es-ES_tradnl" dirty="0" err="1" smtClean="0"/>
-              <a:t>one</a:t>
-            </a:r>
-            <a:r>
-              <a:rPr lang="es-ES_tradnl" dirty="0" smtClean="0"/>
-              <a:t> </a:t>
-            </a:r>
-            <a:r>
-              <a:rPr lang="es-ES_tradnl" dirty="0" err="1" smtClean="0"/>
-              <a:t>too</a:t>
-            </a:r>
-            <a:r>
-              <a:rPr lang="es-ES_tradnl" dirty="0" smtClean="0"/>
-              <a:t>: </a:t>
-            </a:r>
-            <a:r>
-              <a:rPr lang="es-ES_tradnl" b="1" dirty="0" smtClean="0"/>
-              <a:t>BUT </a:t>
-            </a:r>
-            <a:r>
-              <a:rPr lang="es-ES_tradnl" dirty="0" err="1" smtClean="0"/>
-              <a:t>integers</a:t>
-            </a:r>
-            <a:r>
-              <a:rPr lang="es-ES_tradnl" dirty="0" smtClean="0"/>
-              <a:t> </a:t>
-            </a:r>
-            <a:r>
-              <a:rPr lang="es-ES_tradnl" dirty="0" err="1" smtClean="0"/>
-              <a:t>reflect</a:t>
-            </a:r>
-            <a:r>
-              <a:rPr lang="es-ES_tradnl" dirty="0" smtClean="0"/>
-              <a:t> </a:t>
-            </a:r>
-            <a:r>
-              <a:rPr lang="es-ES_tradnl" b="1" dirty="0" err="1" smtClean="0"/>
-              <a:t>quantity</a:t>
-            </a:r>
-            <a:r>
-              <a:rPr lang="es-ES_tradnl" dirty="0" smtClean="0"/>
-              <a:t>, </a:t>
-            </a:r>
-            <a:r>
-              <a:rPr lang="es-ES_tradnl" dirty="0" err="1" smtClean="0"/>
-              <a:t>not</a:t>
-            </a:r>
-            <a:r>
-              <a:rPr lang="es-ES_tradnl" dirty="0" smtClean="0"/>
-              <a:t> </a:t>
-            </a:r>
-            <a:r>
-              <a:rPr lang="es-ES_tradnl" dirty="0" err="1" smtClean="0"/>
-              <a:t>quality</a:t>
-            </a:r>
-            <a:r>
-              <a:rPr lang="es-ES_tradnl" dirty="0" smtClean="0"/>
-              <a:t>.</a:t>
-            </a:r>
-          </a:p>
-          <a:p>
+              <a:t>OUR SOLUTION</a:t>
+            </a:r>
             <a:endParaRPr lang="es-ES_tradnl" dirty="0"/>
           </a:p>
         </p:txBody>
       </p:sp>
       <p:pic>
         <p:nvPicPr>
-          <p:cNvPr id="5" name="Imagen 4"/>
+          <p:cNvPr id="3" name="Picture 2"/>
           <p:cNvPicPr>
             <a:picLocks noChangeAspect="1"/>
           </p:cNvPicPr>
@@ -3677,8 +3390,152 @@
         </p:blipFill>
         <p:spPr>
           <a:xfrm>
-            <a:off x="2751153" y="2981929"/>
-            <a:ext cx="6689694" cy="2161572"/>
+            <a:off x="0" y="2394857"/>
+            <a:ext cx="1934293" cy="4463143"/>
+          </a:xfrm>
+          <a:prstGeom prst="rect">
+            <a:avLst/>
+          </a:prstGeom>
+        </p:spPr>
+      </p:pic>
+      <p:pic>
+        <p:nvPicPr>
+          <p:cNvPr id="7" name="Picture 6"/>
+          <p:cNvPicPr>
+            <a:picLocks noChangeAspect="1"/>
+          </p:cNvPicPr>
+          <p:nvPr/>
+        </p:nvPicPr>
+        <p:blipFill>
+          <a:blip r:embed="rId3"/>
+          <a:stretch>
+            <a:fillRect/>
+          </a:stretch>
+        </p:blipFill>
+        <p:spPr>
+          <a:xfrm>
+            <a:off x="1934293" y="2394857"/>
+            <a:ext cx="927510" cy="4463143"/>
+          </a:xfrm>
+          <a:prstGeom prst="rect">
+            <a:avLst/>
+          </a:prstGeom>
+        </p:spPr>
+      </p:pic>
+      <p:pic>
+        <p:nvPicPr>
+          <p:cNvPr id="8" name="Picture 7"/>
+          <p:cNvPicPr>
+            <a:picLocks noChangeAspect="1"/>
+          </p:cNvPicPr>
+          <p:nvPr/>
+        </p:nvPicPr>
+        <p:blipFill>
+          <a:blip r:embed="rId4"/>
+          <a:stretch>
+            <a:fillRect/>
+          </a:stretch>
+        </p:blipFill>
+        <p:spPr>
+          <a:xfrm>
+            <a:off x="2861803" y="2394857"/>
+            <a:ext cx="1898027" cy="4463143"/>
+          </a:xfrm>
+          <a:prstGeom prst="rect">
+            <a:avLst/>
+          </a:prstGeom>
+        </p:spPr>
+      </p:pic>
+      <p:pic>
+        <p:nvPicPr>
+          <p:cNvPr id="9" name="Picture 8"/>
+          <p:cNvPicPr>
+            <a:picLocks noChangeAspect="1"/>
+          </p:cNvPicPr>
+          <p:nvPr/>
+        </p:nvPicPr>
+        <p:blipFill>
+          <a:blip r:embed="rId5"/>
+          <a:stretch>
+            <a:fillRect/>
+          </a:stretch>
+        </p:blipFill>
+        <p:spPr>
+          <a:xfrm>
+            <a:off x="4759831" y="2394857"/>
+            <a:ext cx="1087990" cy="4463143"/>
+          </a:xfrm>
+          <a:prstGeom prst="rect">
+            <a:avLst/>
+          </a:prstGeom>
+        </p:spPr>
+      </p:pic>
+      <p:pic>
+        <p:nvPicPr>
+          <p:cNvPr id="10" name="Picture 9"/>
+          <p:cNvPicPr>
+            <a:picLocks noChangeAspect="1"/>
+          </p:cNvPicPr>
+          <p:nvPr/>
+        </p:nvPicPr>
+        <p:blipFill>
+          <a:blip r:embed="rId6"/>
+          <a:stretch>
+            <a:fillRect/>
+          </a:stretch>
+        </p:blipFill>
+        <p:spPr>
+          <a:xfrm>
+            <a:off x="5847821" y="2394857"/>
+            <a:ext cx="1996879" cy="4463143"/>
+          </a:xfrm>
+          <a:prstGeom prst="rect">
+            <a:avLst/>
+          </a:prstGeom>
+        </p:spPr>
+      </p:pic>
+      <p:pic>
+        <p:nvPicPr>
+          <p:cNvPr id="11" name="Picture 10"/>
+          <p:cNvPicPr>
+            <a:picLocks noChangeAspect="1"/>
+          </p:cNvPicPr>
+          <p:nvPr/>
+        </p:nvPicPr>
+        <p:blipFill>
+          <a:blip r:embed="rId7"/>
+          <a:stretch>
+            <a:fillRect/>
+          </a:stretch>
+        </p:blipFill>
+        <p:spPr>
+          <a:xfrm>
+            <a:off x="7844700" y="2394857"/>
+            <a:ext cx="996607" cy="4410184"/>
+          </a:xfrm>
+          <a:prstGeom prst="rect">
+            <a:avLst/>
+          </a:prstGeom>
+        </p:spPr>
+      </p:pic>
+      <p:pic>
+        <p:nvPicPr>
+          <p:cNvPr id="12" name="Picture 11"/>
+          <p:cNvPicPr>
+            <a:picLocks noChangeAspect="1"/>
+          </p:cNvPicPr>
+          <p:nvPr/>
+        </p:nvPicPr>
+        <p:blipFill>
+          <a:blip r:embed="rId8"/>
+          <a:stretch>
+            <a:fillRect/>
+          </a:stretch>
+        </p:blipFill>
+        <p:spPr>
+          <a:xfrm>
+            <a:off x="8841307" y="2394857"/>
+            <a:ext cx="1903507" cy="4410184"/>
           </a:xfrm>
           <a:prstGeom prst="rect">
             <a:avLst/>
@@ -3688,7 +3545,7 @@
     </p:spTree>
     <p:extLst>
       <p:ext uri="{BB962C8B-B14F-4D97-AF65-F5344CB8AC3E}">
-        <p14:creationId xmlns:p14="http://schemas.microsoft.com/office/powerpoint/2010/main" val="1305490424"/>
+        <p14:creationId xmlns:p14="http://schemas.microsoft.com/office/powerpoint/2010/main" val="1101001745"/>
       </p:ext>
     </p:extLst>
   </p:cSld>
@@ -3698,7 +3555,345 @@
   <p:timing>
     <p:tnLst>
       <p:par>
-        <p:cTn id="1" dur="indefinite" restart="never" nodeType="tmRoot"/>
+        <p:cTn id="1" dur="indefinite" restart="never" nodeType="tmRoot">
+          <p:childTnLst>
+            <p:seq concurrent="1" nextAc="seek">
+              <p:cTn id="2" dur="indefinite" nodeType="mainSeq">
+                <p:childTnLst>
+                  <p:par>
+                    <p:cTn id="3" fill="hold">
+                      <p:stCondLst>
+                        <p:cond delay="indefinite"/>
+                      </p:stCondLst>
+                      <p:childTnLst>
+                        <p:par>
+                          <p:cTn id="4" fill="hold">
+                            <p:stCondLst>
+                              <p:cond delay="0"/>
+                            </p:stCondLst>
+                            <p:childTnLst>
+                              <p:par>
+                                <p:cTn id="5" presetID="1" presetClass="entr" presetSubtype="0" fill="hold" nodeType="clickEffect">
+                                  <p:stCondLst>
+                                    <p:cond delay="0"/>
+                                  </p:stCondLst>
+                                  <p:childTnLst>
+                                    <p:set>
+                                      <p:cBhvr>
+                                        <p:cTn id="6" dur="1" fill="hold">
+                                          <p:stCondLst>
+                                            <p:cond delay="0"/>
+                                          </p:stCondLst>
+                                        </p:cTn>
+                                        <p:tgtEl>
+                                          <p:spTgt spid="3"/>
+                                        </p:tgtEl>
+                                        <p:attrNameLst>
+                                          <p:attrName>style.visibility</p:attrName>
+                                        </p:attrNameLst>
+                                      </p:cBhvr>
+                                      <p:to>
+                                        <p:strVal val="visible"/>
+                                      </p:to>
+                                    </p:set>
+                                  </p:childTnLst>
+                                </p:cTn>
+                              </p:par>
+                            </p:childTnLst>
+                          </p:cTn>
+                        </p:par>
+                      </p:childTnLst>
+                    </p:cTn>
+                  </p:par>
+                  <p:par>
+                    <p:cTn id="7" fill="hold">
+                      <p:stCondLst>
+                        <p:cond delay="indefinite"/>
+                      </p:stCondLst>
+                      <p:childTnLst>
+                        <p:par>
+                          <p:cTn id="8" fill="hold">
+                            <p:stCondLst>
+                              <p:cond delay="0"/>
+                            </p:stCondLst>
+                            <p:childTnLst>
+                              <p:par>
+                                <p:cTn id="9" presetID="1" presetClass="entr" presetSubtype="0" fill="hold" nodeType="clickEffect">
+                                  <p:stCondLst>
+                                    <p:cond delay="0"/>
+                                  </p:stCondLst>
+                                  <p:childTnLst>
+                                    <p:set>
+                                      <p:cBhvr>
+                                        <p:cTn id="10" dur="1" fill="hold">
+                                          <p:stCondLst>
+                                            <p:cond delay="0"/>
+                                          </p:stCondLst>
+                                        </p:cTn>
+                                        <p:tgtEl>
+                                          <p:spTgt spid="7"/>
+                                        </p:tgtEl>
+                                        <p:attrNameLst>
+                                          <p:attrName>style.visibility</p:attrName>
+                                        </p:attrNameLst>
+                                      </p:cBhvr>
+                                      <p:to>
+                                        <p:strVal val="visible"/>
+                                      </p:to>
+                                    </p:set>
+                                  </p:childTnLst>
+                                </p:cTn>
+                              </p:par>
+                            </p:childTnLst>
+                          </p:cTn>
+                        </p:par>
+                      </p:childTnLst>
+                    </p:cTn>
+                  </p:par>
+                  <p:par>
+                    <p:cTn id="11" fill="hold">
+                      <p:stCondLst>
+                        <p:cond delay="indefinite"/>
+                      </p:stCondLst>
+                      <p:childTnLst>
+                        <p:par>
+                          <p:cTn id="12" fill="hold">
+                            <p:stCondLst>
+                              <p:cond delay="0"/>
+                            </p:stCondLst>
+                            <p:childTnLst>
+                              <p:par>
+                                <p:cTn id="13" presetID="1" presetClass="entr" presetSubtype="0" fill="hold" nodeType="clickEffect">
+                                  <p:stCondLst>
+                                    <p:cond delay="0"/>
+                                  </p:stCondLst>
+                                  <p:childTnLst>
+                                    <p:set>
+                                      <p:cBhvr>
+                                        <p:cTn id="14" dur="1" fill="hold">
+                                          <p:stCondLst>
+                                            <p:cond delay="0"/>
+                                          </p:stCondLst>
+                                        </p:cTn>
+                                        <p:tgtEl>
+                                          <p:spTgt spid="8"/>
+                                        </p:tgtEl>
+                                        <p:attrNameLst>
+                                          <p:attrName>style.visibility</p:attrName>
+                                        </p:attrNameLst>
+                                      </p:cBhvr>
+                                      <p:to>
+                                        <p:strVal val="visible"/>
+                                      </p:to>
+                                    </p:set>
+                                  </p:childTnLst>
+                                </p:cTn>
+                              </p:par>
+                            </p:childTnLst>
+                          </p:cTn>
+                        </p:par>
+                      </p:childTnLst>
+                    </p:cTn>
+                  </p:par>
+                  <p:par>
+                    <p:cTn id="15" fill="hold">
+                      <p:stCondLst>
+                        <p:cond delay="indefinite"/>
+                      </p:stCondLst>
+                      <p:childTnLst>
+                        <p:par>
+                          <p:cTn id="16" fill="hold">
+                            <p:stCondLst>
+                              <p:cond delay="0"/>
+                            </p:stCondLst>
+                            <p:childTnLst>
+                              <p:par>
+                                <p:cTn id="17" presetID="1" presetClass="entr" presetSubtype="0" fill="hold" nodeType="clickEffect">
+                                  <p:stCondLst>
+                                    <p:cond delay="0"/>
+                                  </p:stCondLst>
+                                  <p:childTnLst>
+                                    <p:set>
+                                      <p:cBhvr>
+                                        <p:cTn id="18" dur="1" fill="hold">
+                                          <p:stCondLst>
+                                            <p:cond delay="0"/>
+                                          </p:stCondLst>
+                                        </p:cTn>
+                                        <p:tgtEl>
+                                          <p:spTgt spid="9"/>
+                                        </p:tgtEl>
+                                        <p:attrNameLst>
+                                          <p:attrName>style.visibility</p:attrName>
+                                        </p:attrNameLst>
+                                      </p:cBhvr>
+                                      <p:to>
+                                        <p:strVal val="visible"/>
+                                      </p:to>
+                                    </p:set>
+                                  </p:childTnLst>
+                                </p:cTn>
+                              </p:par>
+                            </p:childTnLst>
+                          </p:cTn>
+                        </p:par>
+                      </p:childTnLst>
+                    </p:cTn>
+                  </p:par>
+                  <p:par>
+                    <p:cTn id="19" fill="hold">
+                      <p:stCondLst>
+                        <p:cond delay="indefinite"/>
+                      </p:stCondLst>
+                      <p:childTnLst>
+                        <p:par>
+                          <p:cTn id="20" fill="hold">
+                            <p:stCondLst>
+                              <p:cond delay="0"/>
+                            </p:stCondLst>
+                            <p:childTnLst>
+                              <p:par>
+                                <p:cTn id="21" presetID="1" presetClass="entr" presetSubtype="0" fill="hold" nodeType="clickEffect">
+                                  <p:stCondLst>
+                                    <p:cond delay="0"/>
+                                  </p:stCondLst>
+                                  <p:childTnLst>
+                                    <p:set>
+                                      <p:cBhvr>
+                                        <p:cTn id="22" dur="1" fill="hold">
+                                          <p:stCondLst>
+                                            <p:cond delay="0"/>
+                                          </p:stCondLst>
+                                        </p:cTn>
+                                        <p:tgtEl>
+                                          <p:spTgt spid="10"/>
+                                        </p:tgtEl>
+                                        <p:attrNameLst>
+                                          <p:attrName>style.visibility</p:attrName>
+                                        </p:attrNameLst>
+                                      </p:cBhvr>
+                                      <p:to>
+                                        <p:strVal val="visible"/>
+                                      </p:to>
+                                    </p:set>
+                                  </p:childTnLst>
+                                </p:cTn>
+                              </p:par>
+                            </p:childTnLst>
+                          </p:cTn>
+                        </p:par>
+                      </p:childTnLst>
+                    </p:cTn>
+                  </p:par>
+                  <p:par>
+                    <p:cTn id="23" fill="hold">
+                      <p:stCondLst>
+                        <p:cond delay="indefinite"/>
+                      </p:stCondLst>
+                      <p:childTnLst>
+                        <p:par>
+                          <p:cTn id="24" fill="hold">
+                            <p:stCondLst>
+                              <p:cond delay="0"/>
+                            </p:stCondLst>
+                            <p:childTnLst>
+                              <p:par>
+                                <p:cTn id="25" presetID="1" presetClass="entr" presetSubtype="0" fill="hold" nodeType="clickEffect">
+                                  <p:stCondLst>
+                                    <p:cond delay="0"/>
+                                  </p:stCondLst>
+                                  <p:childTnLst>
+                                    <p:set>
+                                      <p:cBhvr>
+                                        <p:cTn id="26" dur="1" fill="hold">
+                                          <p:stCondLst>
+                                            <p:cond delay="0"/>
+                                          </p:stCondLst>
+                                        </p:cTn>
+                                        <p:tgtEl>
+                                          <p:spTgt spid="11"/>
+                                        </p:tgtEl>
+                                        <p:attrNameLst>
+                                          <p:attrName>style.visibility</p:attrName>
+                                        </p:attrNameLst>
+                                      </p:cBhvr>
+                                      <p:to>
+                                        <p:strVal val="visible"/>
+                                      </p:to>
+                                    </p:set>
+                                  </p:childTnLst>
+                                </p:cTn>
+                              </p:par>
+                            </p:childTnLst>
+                          </p:cTn>
+                        </p:par>
+                      </p:childTnLst>
+                    </p:cTn>
+                  </p:par>
+                  <p:par>
+                    <p:cTn id="27" fill="hold">
+                      <p:stCondLst>
+                        <p:cond delay="indefinite"/>
+                      </p:stCondLst>
+                      <p:childTnLst>
+                        <p:par>
+                          <p:cTn id="28" fill="hold">
+                            <p:stCondLst>
+                              <p:cond delay="0"/>
+                            </p:stCondLst>
+                            <p:childTnLst>
+                              <p:par>
+                                <p:cTn id="29" presetID="1" presetClass="entr" presetSubtype="0" fill="hold" nodeType="clickEffect">
+                                  <p:stCondLst>
+                                    <p:cond delay="0"/>
+                                  </p:stCondLst>
+                                  <p:childTnLst>
+                                    <p:set>
+                                      <p:cBhvr>
+                                        <p:cTn id="30" dur="1" fill="hold">
+                                          <p:stCondLst>
+                                            <p:cond delay="0"/>
+                                          </p:stCondLst>
+                                        </p:cTn>
+                                        <p:tgtEl>
+                                          <p:spTgt spid="12"/>
+                                        </p:tgtEl>
+                                        <p:attrNameLst>
+                                          <p:attrName>style.visibility</p:attrName>
+                                        </p:attrNameLst>
+                                      </p:cBhvr>
+                                      <p:to>
+                                        <p:strVal val="visible"/>
+                                      </p:to>
+                                    </p:set>
+                                  </p:childTnLst>
+                                </p:cTn>
+                              </p:par>
+                            </p:childTnLst>
+                          </p:cTn>
+                        </p:par>
+                      </p:childTnLst>
+                    </p:cTn>
+                  </p:par>
+                </p:childTnLst>
+              </p:cTn>
+              <p:prevCondLst>
+                <p:cond evt="onPrev" delay="0">
+                  <p:tgtEl>
+                    <p:sldTgt/>
+                  </p:tgtEl>
+                </p:cond>
+              </p:prevCondLst>
+              <p:nextCondLst>
+                <p:cond evt="onNext" delay="0">
+                  <p:tgtEl>
+                    <p:sldTgt/>
+                  </p:tgtEl>
+                </p:cond>
+              </p:nextCondLst>
+            </p:seq>
+          </p:childTnLst>
+        </p:cTn>
       </p:par>
     </p:tnLst>
   </p:timing>
@@ -3747,7 +3942,7 @@
       </p:sp>
       <p:pic>
         <p:nvPicPr>
-          <p:cNvPr id="4" name="Imagen 3"/>
+          <p:cNvPr id="4" name="Picture 3"/>
           <p:cNvPicPr>
             <a:picLocks noChangeAspect="1"/>
           </p:cNvPicPr>
@@ -3761,8 +3956,104 @@
         </p:blipFill>
         <p:spPr>
           <a:xfrm>
-            <a:off x="0" y="2789040"/>
-            <a:ext cx="12192000" cy="2051445"/>
+            <a:off x="1669143" y="2295189"/>
+            <a:ext cx="1903507" cy="4410184"/>
+          </a:xfrm>
+          <a:prstGeom prst="rect">
+            <a:avLst/>
+          </a:prstGeom>
+        </p:spPr>
+      </p:pic>
+      <p:pic>
+        <p:nvPicPr>
+          <p:cNvPr id="3" name="Picture 2"/>
+          <p:cNvPicPr>
+            <a:picLocks noChangeAspect="1"/>
+          </p:cNvPicPr>
+          <p:nvPr/>
+        </p:nvPicPr>
+        <p:blipFill>
+          <a:blip r:embed="rId3"/>
+          <a:stretch>
+            <a:fillRect/>
+          </a:stretch>
+        </p:blipFill>
+        <p:spPr>
+          <a:xfrm>
+            <a:off x="3572650" y="2279079"/>
+            <a:ext cx="1263534" cy="4426294"/>
+          </a:xfrm>
+          <a:prstGeom prst="rect">
+            <a:avLst/>
+          </a:prstGeom>
+        </p:spPr>
+      </p:pic>
+      <p:pic>
+        <p:nvPicPr>
+          <p:cNvPr id="6" name="Picture 5"/>
+          <p:cNvPicPr>
+            <a:picLocks noChangeAspect="1"/>
+          </p:cNvPicPr>
+          <p:nvPr/>
+        </p:nvPicPr>
+        <p:blipFill>
+          <a:blip r:embed="rId4"/>
+          <a:stretch>
+            <a:fillRect/>
+          </a:stretch>
+        </p:blipFill>
+        <p:spPr>
+          <a:xfrm>
+            <a:off x="4853896" y="2290817"/>
+            <a:ext cx="1890823" cy="4414556"/>
+          </a:xfrm>
+          <a:prstGeom prst="rect">
+            <a:avLst/>
+          </a:prstGeom>
+        </p:spPr>
+      </p:pic>
+      <p:pic>
+        <p:nvPicPr>
+          <p:cNvPr id="7" name="Picture 6"/>
+          <p:cNvPicPr>
+            <a:picLocks noChangeAspect="1"/>
+          </p:cNvPicPr>
+          <p:nvPr/>
+        </p:nvPicPr>
+        <p:blipFill>
+          <a:blip r:embed="rId5"/>
+          <a:stretch>
+            <a:fillRect/>
+          </a:stretch>
+        </p:blipFill>
+        <p:spPr>
+          <a:xfrm>
+            <a:off x="6762431" y="2295189"/>
+            <a:ext cx="1157027" cy="4257557"/>
+          </a:xfrm>
+          <a:prstGeom prst="rect">
+            <a:avLst/>
+          </a:prstGeom>
+        </p:spPr>
+      </p:pic>
+      <p:pic>
+        <p:nvPicPr>
+          <p:cNvPr id="8" name="Picture 7"/>
+          <p:cNvPicPr>
+            <a:picLocks noChangeAspect="1"/>
+          </p:cNvPicPr>
+          <p:nvPr/>
+        </p:nvPicPr>
+        <p:blipFill>
+          <a:blip r:embed="rId6"/>
+          <a:stretch>
+            <a:fillRect/>
+          </a:stretch>
+        </p:blipFill>
+        <p:spPr>
+          <a:xfrm>
+            <a:off x="7937170" y="2314802"/>
+            <a:ext cx="2461470" cy="4237944"/>
           </a:xfrm>
           <a:prstGeom prst="rect">
             <a:avLst/>
@@ -3772,7 +4063,7 @@
     </p:spTree>
     <p:extLst>
       <p:ext uri="{BB962C8B-B14F-4D97-AF65-F5344CB8AC3E}">
-        <p14:creationId xmlns:p14="http://schemas.microsoft.com/office/powerpoint/2010/main" val="2089329428"/>
+        <p14:creationId xmlns:p14="http://schemas.microsoft.com/office/powerpoint/2010/main" val="1574557629"/>
       </p:ext>
     </p:extLst>
   </p:cSld>
@@ -3782,7 +4073,255 @@
   <p:timing>
     <p:tnLst>
       <p:par>
-        <p:cTn id="1" dur="indefinite" restart="never" nodeType="tmRoot"/>
+        <p:cTn id="1" dur="indefinite" restart="never" nodeType="tmRoot">
+          <p:childTnLst>
+            <p:seq concurrent="1" nextAc="seek">
+              <p:cTn id="2" dur="indefinite" nodeType="mainSeq">
+                <p:childTnLst>
+                  <p:par>
+                    <p:cTn id="3" fill="hold">
+                      <p:stCondLst>
+                        <p:cond delay="indefinite"/>
+                      </p:stCondLst>
+                      <p:childTnLst>
+                        <p:par>
+                          <p:cTn id="4" fill="hold">
+                            <p:stCondLst>
+                              <p:cond delay="0"/>
+                            </p:stCondLst>
+                            <p:childTnLst>
+                              <p:par>
+                                <p:cTn id="5" presetID="1" presetClass="entr" presetSubtype="0" fill="hold" nodeType="clickEffect">
+                                  <p:stCondLst>
+                                    <p:cond delay="0"/>
+                                  </p:stCondLst>
+                                  <p:childTnLst>
+                                    <p:set>
+                                      <p:cBhvr>
+                                        <p:cTn id="6" dur="1" fill="hold">
+                                          <p:stCondLst>
+                                            <p:cond delay="0"/>
+                                          </p:stCondLst>
+                                        </p:cTn>
+                                        <p:tgtEl>
+                                          <p:spTgt spid="4"/>
+                                        </p:tgtEl>
+                                        <p:attrNameLst>
+                                          <p:attrName>style.visibility</p:attrName>
+                                        </p:attrNameLst>
+                                      </p:cBhvr>
+                                      <p:to>
+                                        <p:strVal val="visible"/>
+                                      </p:to>
+                                    </p:set>
+                                  </p:childTnLst>
+                                </p:cTn>
+                              </p:par>
+                            </p:childTnLst>
+                          </p:cTn>
+                        </p:par>
+                      </p:childTnLst>
+                    </p:cTn>
+                  </p:par>
+                  <p:par>
+                    <p:cTn id="7" fill="hold">
+                      <p:stCondLst>
+                        <p:cond delay="indefinite"/>
+                      </p:stCondLst>
+                      <p:childTnLst>
+                        <p:par>
+                          <p:cTn id="8" fill="hold">
+                            <p:stCondLst>
+                              <p:cond delay="0"/>
+                            </p:stCondLst>
+                            <p:childTnLst>
+                              <p:par>
+                                <p:cTn id="9" presetID="1" presetClass="entr" presetSubtype="0" fill="hold" nodeType="clickEffect">
+                                  <p:stCondLst>
+                                    <p:cond delay="0"/>
+                                  </p:stCondLst>
+                                  <p:childTnLst>
+                                    <p:set>
+                                      <p:cBhvr>
+                                        <p:cTn id="10" dur="1" fill="hold">
+                                          <p:stCondLst>
+                                            <p:cond delay="0"/>
+                                          </p:stCondLst>
+                                        </p:cTn>
+                                        <p:tgtEl>
+                                          <p:spTgt spid="3"/>
+                                        </p:tgtEl>
+                                        <p:attrNameLst>
+                                          <p:attrName>style.visibility</p:attrName>
+                                        </p:attrNameLst>
+                                      </p:cBhvr>
+                                      <p:to>
+                                        <p:strVal val="visible"/>
+                                      </p:to>
+                                    </p:set>
+                                  </p:childTnLst>
+                                </p:cTn>
+                              </p:par>
+                            </p:childTnLst>
+                          </p:cTn>
+                        </p:par>
+                      </p:childTnLst>
+                    </p:cTn>
+                  </p:par>
+                  <p:par>
+                    <p:cTn id="11" fill="hold">
+                      <p:stCondLst>
+                        <p:cond delay="indefinite"/>
+                      </p:stCondLst>
+                      <p:childTnLst>
+                        <p:par>
+                          <p:cTn id="12" fill="hold">
+                            <p:stCondLst>
+                              <p:cond delay="0"/>
+                            </p:stCondLst>
+                            <p:childTnLst>
+                              <p:par>
+                                <p:cTn id="13" presetID="1" presetClass="entr" presetSubtype="0" fill="hold" nodeType="clickEffect">
+                                  <p:stCondLst>
+                                    <p:cond delay="0"/>
+                                  </p:stCondLst>
+                                  <p:childTnLst>
+                                    <p:set>
+                                      <p:cBhvr>
+                                        <p:cTn id="14" dur="1" fill="hold">
+                                          <p:stCondLst>
+                                            <p:cond delay="0"/>
+                                          </p:stCondLst>
+                                        </p:cTn>
+                                        <p:tgtEl>
+                                          <p:spTgt spid="6"/>
+                                        </p:tgtEl>
+                                        <p:attrNameLst>
+                                          <p:attrName>style.visibility</p:attrName>
+                                        </p:attrNameLst>
+                                      </p:cBhvr>
+                                      <p:to>
+                                        <p:strVal val="visible"/>
+                                      </p:to>
+                                    </p:set>
+                                  </p:childTnLst>
+                                </p:cTn>
+                              </p:par>
+                            </p:childTnLst>
+                          </p:cTn>
+                        </p:par>
+                      </p:childTnLst>
+                    </p:cTn>
+                  </p:par>
+                  <p:par>
+                    <p:cTn id="15" fill="hold">
+                      <p:stCondLst>
+                        <p:cond delay="indefinite"/>
+                      </p:stCondLst>
+                      <p:childTnLst>
+                        <p:par>
+                          <p:cTn id="16" fill="hold">
+                            <p:stCondLst>
+                              <p:cond delay="0"/>
+                            </p:stCondLst>
+                            <p:childTnLst>
+                              <p:par>
+                                <p:cTn id="17" presetID="1" presetClass="entr" presetSubtype="0" fill="hold" nodeType="clickEffect">
+                                  <p:stCondLst>
+                                    <p:cond delay="0"/>
+                                  </p:stCondLst>
+                                  <p:childTnLst>
+                                    <p:set>
+                                      <p:cBhvr>
+                                        <p:cTn id="18" dur="1" fill="hold">
+                                          <p:stCondLst>
+                                            <p:cond delay="0"/>
+                                          </p:stCondLst>
+                                        </p:cTn>
+                                        <p:tgtEl>
+                                          <p:spTgt spid="7"/>
+                                        </p:tgtEl>
+                                        <p:attrNameLst>
+                                          <p:attrName>style.visibility</p:attrName>
+                                        </p:attrNameLst>
+                                      </p:cBhvr>
+                                      <p:to>
+                                        <p:strVal val="visible"/>
+                                      </p:to>
+                                    </p:set>
+                                  </p:childTnLst>
+                                </p:cTn>
+                              </p:par>
+                            </p:childTnLst>
+                          </p:cTn>
+                        </p:par>
+                      </p:childTnLst>
+                    </p:cTn>
+                  </p:par>
+                  <p:par>
+                    <p:cTn id="19" fill="hold">
+                      <p:stCondLst>
+                        <p:cond delay="indefinite"/>
+                      </p:stCondLst>
+                      <p:childTnLst>
+                        <p:par>
+                          <p:cTn id="20" fill="hold">
+                            <p:stCondLst>
+                              <p:cond delay="0"/>
+                            </p:stCondLst>
+                            <p:childTnLst>
+                              <p:par>
+                                <p:cTn id="21" presetID="1" presetClass="entr" presetSubtype="0" fill="hold" nodeType="clickEffect">
+                                  <p:stCondLst>
+                                    <p:cond delay="0"/>
+                                  </p:stCondLst>
+                                  <p:childTnLst>
+                                    <p:set>
+                                      <p:cBhvr>
+                                        <p:cTn id="22" dur="1" fill="hold">
+                                          <p:stCondLst>
+                                            <p:cond delay="0"/>
+                                          </p:stCondLst>
+                                        </p:cTn>
+                                        <p:tgtEl>
+                                          <p:spTgt spid="8"/>
+                                        </p:tgtEl>
+                                        <p:attrNameLst>
+                                          <p:attrName>style.visibility</p:attrName>
+                                        </p:attrNameLst>
+                                      </p:cBhvr>
+                                      <p:to>
+                                        <p:strVal val="visible"/>
+                                      </p:to>
+                                    </p:set>
+                                  </p:childTnLst>
+                                </p:cTn>
+                              </p:par>
+                            </p:childTnLst>
+                          </p:cTn>
+                        </p:par>
+                      </p:childTnLst>
+                    </p:cTn>
+                  </p:par>
+                </p:childTnLst>
+              </p:cTn>
+              <p:prevCondLst>
+                <p:cond evt="onPrev" delay="0">
+                  <p:tgtEl>
+                    <p:sldTgt/>
+                  </p:tgtEl>
+                </p:cond>
+              </p:prevCondLst>
+              <p:nextCondLst>
+                <p:cond evt="onNext" delay="0">
+                  <p:tgtEl>
+                    <p:sldTgt/>
+                  </p:tgtEl>
+                </p:cond>
+              </p:nextCondLst>
+            </p:seq>
+          </p:childTnLst>
+        </p:cTn>
       </p:par>
     </p:tnLst>
   </p:timing>
@@ -3823,7 +4362,7 @@
           <a:p>
             <a:r>
               <a:rPr lang="es-ES_tradnl" dirty="0" smtClean="0"/>
-              <a:t>RESULTS</a:t>
+              <a:t>OUR SOLUTION</a:t>
             </a:r>
             <a:endParaRPr lang="es-ES_tradnl" dirty="0"/>
           </a:p>
@@ -3831,7 +4370,7 @@
       </p:sp>
       <p:pic>
         <p:nvPicPr>
-          <p:cNvPr id="4" name="Imagen 3"/>
+          <p:cNvPr id="9" name="Picture 8"/>
           <p:cNvPicPr>
             <a:picLocks noChangeAspect="1"/>
           </p:cNvPicPr>
@@ -3845,18 +4384,714 @@
         </p:blipFill>
         <p:spPr>
           <a:xfrm>
-            <a:off x="2675168" y="2939816"/>
-            <a:ext cx="6841664" cy="2297201"/>
+            <a:off x="2578231" y="2255738"/>
+            <a:ext cx="2225997" cy="5136214"/>
           </a:xfrm>
           <a:prstGeom prst="rect">
             <a:avLst/>
           </a:prstGeom>
         </p:spPr>
       </p:pic>
+      <p:pic>
+        <p:nvPicPr>
+          <p:cNvPr id="10" name="Picture 9"/>
+          <p:cNvPicPr>
+            <a:picLocks noChangeAspect="1"/>
+          </p:cNvPicPr>
+          <p:nvPr/>
+        </p:nvPicPr>
+        <p:blipFill>
+          <a:blip r:embed="rId3"/>
+          <a:stretch>
+            <a:fillRect/>
+          </a:stretch>
+        </p:blipFill>
+        <p:spPr>
+          <a:xfrm>
+            <a:off x="6877627" y="2153412"/>
+            <a:ext cx="2691351" cy="4633733"/>
+          </a:xfrm>
+          <a:prstGeom prst="rect">
+            <a:avLst/>
+          </a:prstGeom>
+        </p:spPr>
+      </p:pic>
+      <p:sp>
+        <p:nvSpPr>
+          <p:cNvPr id="5" name="Right Arrow 4"/>
+          <p:cNvSpPr/>
+          <p:nvPr/>
+        </p:nvSpPr>
+        <p:spPr>
+          <a:xfrm>
+            <a:off x="5326743" y="3628571"/>
+            <a:ext cx="1219200" cy="841707"/>
+          </a:xfrm>
+          <a:prstGeom prst="rightArrow">
+            <a:avLst/>
+          </a:prstGeom>
+          <a:solidFill>
+            <a:schemeClr val="tx2"/>
+          </a:solidFill>
+          <a:ln>
+            <a:solidFill>
+              <a:schemeClr val="tx1"/>
+            </a:solidFill>
+          </a:ln>
+        </p:spPr>
+        <p:style>
+          <a:lnRef idx="2">
+            <a:schemeClr val="accent1">
+              <a:shade val="50000"/>
+            </a:schemeClr>
+          </a:lnRef>
+          <a:fillRef idx="1">
+            <a:schemeClr val="accent1"/>
+          </a:fillRef>
+          <a:effectRef idx="0">
+            <a:schemeClr val="accent1"/>
+          </a:effectRef>
+          <a:fontRef idx="minor">
+            <a:schemeClr val="lt1"/>
+          </a:fontRef>
+        </p:style>
+        <p:txBody>
+          <a:bodyPr rtlCol="1" anchor="ctr"/>
+          <a:lstStyle/>
+          <a:p>
+            <a:pPr algn="ctr"/>
+            <a:endParaRPr lang="he-IL"/>
+          </a:p>
+        </p:txBody>
+      </p:sp>
     </p:spTree>
     <p:extLst>
       <p:ext uri="{BB962C8B-B14F-4D97-AF65-F5344CB8AC3E}">
-        <p14:creationId xmlns:p14="http://schemas.microsoft.com/office/powerpoint/2010/main" val="1294017428"/>
+        <p14:creationId xmlns:p14="http://schemas.microsoft.com/office/powerpoint/2010/main" val="280375249"/>
+      </p:ext>
+    </p:extLst>
+  </p:cSld>
+  <p:clrMapOvr>
+    <a:masterClrMapping/>
+  </p:clrMapOvr>
+  <p:timing>
+    <p:tnLst>
+      <p:par>
+        <p:cTn id="1" dur="indefinite" restart="never" nodeType="tmRoot">
+          <p:childTnLst>
+            <p:seq concurrent="1" nextAc="seek">
+              <p:cTn id="2" dur="indefinite" nodeType="mainSeq">
+                <p:childTnLst>
+                  <p:par>
+                    <p:cTn id="3" fill="hold">
+                      <p:stCondLst>
+                        <p:cond delay="indefinite"/>
+                      </p:stCondLst>
+                      <p:childTnLst>
+                        <p:par>
+                          <p:cTn id="4" fill="hold">
+                            <p:stCondLst>
+                              <p:cond delay="0"/>
+                            </p:stCondLst>
+                            <p:childTnLst>
+                              <p:par>
+                                <p:cTn id="5" presetID="1" presetClass="entr" presetSubtype="0" fill="hold" nodeType="clickEffect">
+                                  <p:stCondLst>
+                                    <p:cond delay="0"/>
+                                  </p:stCondLst>
+                                  <p:childTnLst>
+                                    <p:set>
+                                      <p:cBhvr>
+                                        <p:cTn id="6" dur="1" fill="hold">
+                                          <p:stCondLst>
+                                            <p:cond delay="0"/>
+                                          </p:stCondLst>
+                                        </p:cTn>
+                                        <p:tgtEl>
+                                          <p:spTgt spid="9"/>
+                                        </p:tgtEl>
+                                        <p:attrNameLst>
+                                          <p:attrName>style.visibility</p:attrName>
+                                        </p:attrNameLst>
+                                      </p:cBhvr>
+                                      <p:to>
+                                        <p:strVal val="visible"/>
+                                      </p:to>
+                                    </p:set>
+                                  </p:childTnLst>
+                                </p:cTn>
+                              </p:par>
+                            </p:childTnLst>
+                          </p:cTn>
+                        </p:par>
+                      </p:childTnLst>
+                    </p:cTn>
+                  </p:par>
+                  <p:par>
+                    <p:cTn id="7" fill="hold">
+                      <p:stCondLst>
+                        <p:cond delay="indefinite"/>
+                      </p:stCondLst>
+                      <p:childTnLst>
+                        <p:par>
+                          <p:cTn id="8" fill="hold">
+                            <p:stCondLst>
+                              <p:cond delay="0"/>
+                            </p:stCondLst>
+                            <p:childTnLst>
+                              <p:par>
+                                <p:cTn id="9" presetID="1" presetClass="entr" presetSubtype="0" fill="hold" grpId="0" nodeType="clickEffect">
+                                  <p:stCondLst>
+                                    <p:cond delay="0"/>
+                                  </p:stCondLst>
+                                  <p:childTnLst>
+                                    <p:set>
+                                      <p:cBhvr>
+                                        <p:cTn id="10" dur="1" fill="hold">
+                                          <p:stCondLst>
+                                            <p:cond delay="0"/>
+                                          </p:stCondLst>
+                                        </p:cTn>
+                                        <p:tgtEl>
+                                          <p:spTgt spid="5"/>
+                                        </p:tgtEl>
+                                        <p:attrNameLst>
+                                          <p:attrName>style.visibility</p:attrName>
+                                        </p:attrNameLst>
+                                      </p:cBhvr>
+                                      <p:to>
+                                        <p:strVal val="visible"/>
+                                      </p:to>
+                                    </p:set>
+                                  </p:childTnLst>
+                                </p:cTn>
+                              </p:par>
+                            </p:childTnLst>
+                          </p:cTn>
+                        </p:par>
+                      </p:childTnLst>
+                    </p:cTn>
+                  </p:par>
+                  <p:par>
+                    <p:cTn id="11" fill="hold">
+                      <p:stCondLst>
+                        <p:cond delay="indefinite"/>
+                      </p:stCondLst>
+                      <p:childTnLst>
+                        <p:par>
+                          <p:cTn id="12" fill="hold">
+                            <p:stCondLst>
+                              <p:cond delay="0"/>
+                            </p:stCondLst>
+                            <p:childTnLst>
+                              <p:par>
+                                <p:cTn id="13" presetID="1" presetClass="entr" presetSubtype="0" fill="hold" nodeType="clickEffect">
+                                  <p:stCondLst>
+                                    <p:cond delay="0"/>
+                                  </p:stCondLst>
+                                  <p:childTnLst>
+                                    <p:set>
+                                      <p:cBhvr>
+                                        <p:cTn id="14" dur="1" fill="hold">
+                                          <p:stCondLst>
+                                            <p:cond delay="0"/>
+                                          </p:stCondLst>
+                                        </p:cTn>
+                                        <p:tgtEl>
+                                          <p:spTgt spid="10"/>
+                                        </p:tgtEl>
+                                        <p:attrNameLst>
+                                          <p:attrName>style.visibility</p:attrName>
+                                        </p:attrNameLst>
+                                      </p:cBhvr>
+                                      <p:to>
+                                        <p:strVal val="visible"/>
+                                      </p:to>
+                                    </p:set>
+                                  </p:childTnLst>
+                                </p:cTn>
+                              </p:par>
+                            </p:childTnLst>
+                          </p:cTn>
+                        </p:par>
+                      </p:childTnLst>
+                    </p:cTn>
+                  </p:par>
+                </p:childTnLst>
+              </p:cTn>
+              <p:prevCondLst>
+                <p:cond evt="onPrev" delay="0">
+                  <p:tgtEl>
+                    <p:sldTgt/>
+                  </p:tgtEl>
+                </p:cond>
+              </p:prevCondLst>
+              <p:nextCondLst>
+                <p:cond evt="onNext" delay="0">
+                  <p:tgtEl>
+                    <p:sldTgt/>
+                  </p:tgtEl>
+                </p:cond>
+              </p:nextCondLst>
+            </p:seq>
+          </p:childTnLst>
+        </p:cTn>
+      </p:par>
+    </p:tnLst>
+    <p:bldLst>
+      <p:bldP spid="5" grpId="0" animBg="1"/>
+    </p:bldLst>
+  </p:timing>
+</p:sld>
+</file>
+
+<file path=ppt/slides/slide13.xml><?xml version="1.0" encoding="utf-8"?>
+<p:sld xmlns:a="http://schemas.openxmlformats.org/drawingml/2006/main" xmlns:r="http://schemas.openxmlformats.org/officeDocument/2006/relationships" xmlns:p="http://schemas.openxmlformats.org/presentationml/2006/main">
+  <p:cSld>
+    <p:spTree>
+      <p:nvGrpSpPr>
+        <p:cNvPr id="1" name=""/>
+        <p:cNvGrpSpPr/>
+        <p:nvPr/>
+      </p:nvGrpSpPr>
+      <p:grpSpPr>
+        <a:xfrm>
+          <a:off x="0" y="0"/>
+          <a:ext cx="0" cy="0"/>
+          <a:chOff x="0" y="0"/>
+          <a:chExt cx="0" cy="0"/>
+        </a:xfrm>
+      </p:grpSpPr>
+      <p:sp>
+        <p:nvSpPr>
+          <p:cNvPr id="2" name="Title 1"/>
+          <p:cNvSpPr>
+            <a:spLocks noGrp="1"/>
+          </p:cNvSpPr>
+          <p:nvPr>
+            <p:ph type="title"/>
+          </p:nvPr>
+        </p:nvSpPr>
+        <p:spPr/>
+        <p:txBody>
+          <a:bodyPr/>
+          <a:lstStyle/>
+          <a:p>
+            <a:r>
+              <a:rPr lang="en-US" dirty="0" smtClean="0"/>
+              <a:t>Results</a:t>
+            </a:r>
+            <a:endParaRPr lang="he-IL" dirty="0"/>
+          </a:p>
+        </p:txBody>
+      </p:sp>
+      <p:sp>
+        <p:nvSpPr>
+          <p:cNvPr id="3" name="Content Placeholder 2"/>
+          <p:cNvSpPr>
+            <a:spLocks noGrp="1"/>
+          </p:cNvSpPr>
+          <p:nvPr>
+            <p:ph idx="1"/>
+          </p:nvPr>
+        </p:nvSpPr>
+        <p:spPr/>
+        <p:txBody>
+          <a:bodyPr/>
+          <a:lstStyle/>
+          <a:p>
+            <a:endParaRPr lang="he-IL"/>
+          </a:p>
+        </p:txBody>
+      </p:sp>
+    </p:spTree>
+    <p:extLst>
+      <p:ext uri="{BB962C8B-B14F-4D97-AF65-F5344CB8AC3E}">
+        <p14:creationId xmlns:p14="http://schemas.microsoft.com/office/powerpoint/2010/main" val="1349765061"/>
+      </p:ext>
+    </p:extLst>
+  </p:cSld>
+  <p:clrMapOvr>
+    <a:masterClrMapping/>
+  </p:clrMapOvr>
+  <p:timing>
+    <p:tnLst>
+      <p:par>
+        <p:cTn id="1" dur="indefinite" restart="never" nodeType="tmRoot"/>
+      </p:par>
+    </p:tnLst>
+  </p:timing>
+</p:sld>
+</file>
+
+<file path=ppt/slides/slide14.xml><?xml version="1.0" encoding="utf-8"?>
+<p:sld xmlns:a="http://schemas.openxmlformats.org/drawingml/2006/main" xmlns:r="http://schemas.openxmlformats.org/officeDocument/2006/relationships" xmlns:p="http://schemas.openxmlformats.org/presentationml/2006/main">
+  <p:cSld>
+    <p:spTree>
+      <p:nvGrpSpPr>
+        <p:cNvPr id="1" name=""/>
+        <p:cNvGrpSpPr/>
+        <p:nvPr/>
+      </p:nvGrpSpPr>
+      <p:grpSpPr>
+        <a:xfrm>
+          <a:off x="0" y="0"/>
+          <a:ext cx="0" cy="0"/>
+          <a:chOff x="0" y="0"/>
+          <a:chExt cx="0" cy="0"/>
+        </a:xfrm>
+      </p:grpSpPr>
+      <p:sp>
+        <p:nvSpPr>
+          <p:cNvPr id="2" name="Title 1"/>
+          <p:cNvSpPr>
+            <a:spLocks noGrp="1"/>
+          </p:cNvSpPr>
+          <p:nvPr>
+            <p:ph type="title"/>
+          </p:nvPr>
+        </p:nvSpPr>
+        <p:spPr/>
+        <p:txBody>
+          <a:bodyPr/>
+          <a:lstStyle/>
+          <a:p>
+            <a:r>
+              <a:rPr lang="en-US" dirty="0" smtClean="0"/>
+              <a:t>references</a:t>
+            </a:r>
+            <a:endParaRPr lang="he-IL" dirty="0"/>
+          </a:p>
+        </p:txBody>
+      </p:sp>
+      <p:sp>
+        <p:nvSpPr>
+          <p:cNvPr id="3" name="Content Placeholder 2"/>
+          <p:cNvSpPr>
+            <a:spLocks noGrp="1"/>
+          </p:cNvSpPr>
+          <p:nvPr>
+            <p:ph idx="1"/>
+          </p:nvPr>
+        </p:nvSpPr>
+        <p:spPr/>
+        <p:txBody>
+          <a:bodyPr>
+            <a:normAutofit fontScale="85000" lnSpcReduction="20000"/>
+          </a:bodyPr>
+          <a:lstStyle/>
+          <a:p>
+            <a:pPr lvl="1"/>
+            <a:r>
+              <a:rPr lang="en-US" dirty="0" smtClean="0"/>
+              <a:t>[1] </a:t>
+            </a:r>
+            <a:r>
+              <a:rPr lang="en-US" dirty="0" err="1"/>
+              <a:t>Mezei</a:t>
+            </a:r>
+            <a:r>
+              <a:rPr lang="en-US" dirty="0"/>
+              <a:t>, </a:t>
+            </a:r>
+            <a:r>
+              <a:rPr lang="en-US" dirty="0" err="1"/>
+              <a:t>Zsolt</a:t>
+            </a:r>
+            <a:r>
+              <a:rPr lang="en-US" dirty="0"/>
+              <a:t>, and Carsten </a:t>
+            </a:r>
+            <a:r>
+              <a:rPr lang="en-US" dirty="0" err="1"/>
+              <a:t>Eickhoff</a:t>
+            </a:r>
+            <a:r>
+              <a:rPr lang="en-US" dirty="0"/>
+              <a:t>. "Evaluating Music Recommender Systems for Groups." </a:t>
+            </a:r>
+            <a:r>
+              <a:rPr lang="en-US" i="1" dirty="0" err="1"/>
+              <a:t>arXiv</a:t>
+            </a:r>
+            <a:r>
+              <a:rPr lang="en-US" i="1" dirty="0"/>
+              <a:t> preprint arXiv:1707.09790</a:t>
+            </a:r>
+            <a:r>
+              <a:rPr lang="en-US" dirty="0"/>
+              <a:t> (2017</a:t>
+            </a:r>
+            <a:r>
+              <a:rPr lang="en-US" dirty="0" smtClean="0"/>
+              <a:t>).</a:t>
+            </a:r>
+          </a:p>
+          <a:p>
+            <a:pPr lvl="1"/>
+            <a:r>
+              <a:rPr lang="en-US" dirty="0" smtClean="0"/>
+              <a:t>[2] </a:t>
+            </a:r>
+            <a:r>
+              <a:rPr lang="en-US" dirty="0"/>
+              <a:t>Yoshii, Kazuyoshi, et al. "Hybrid Collaborative and Content-based Music Recommendation Using Probabilistic Model with Latent User Preferences." </a:t>
+            </a:r>
+            <a:r>
+              <a:rPr lang="en-US" i="1" dirty="0"/>
+              <a:t>ISMIR</a:t>
+            </a:r>
+            <a:r>
+              <a:rPr lang="en-US" dirty="0"/>
+              <a:t>. Vol. 6. 2006</a:t>
+            </a:r>
+            <a:r>
+              <a:rPr lang="en-US" dirty="0" smtClean="0"/>
+              <a:t>.</a:t>
+            </a:r>
+          </a:p>
+          <a:p>
+            <a:pPr lvl="1"/>
+            <a:r>
+              <a:rPr lang="en-US" dirty="0" smtClean="0"/>
+              <a:t>[3] </a:t>
+            </a:r>
+            <a:r>
+              <a:rPr lang="en-US" dirty="0"/>
+              <a:t>Parra, Denis, et al. "Implicit feedback recommendation via implicit-to-explicit ordinal logistic regression mapping." </a:t>
+            </a:r>
+            <a:r>
+              <a:rPr lang="en-US" i="1" dirty="0"/>
+              <a:t>Proceedings of the CARS-2011</a:t>
+            </a:r>
+            <a:r>
+              <a:rPr lang="en-US" dirty="0"/>
+              <a:t> (2011</a:t>
+            </a:r>
+            <a:r>
+              <a:rPr lang="en-US" dirty="0" smtClean="0"/>
+              <a:t>).</a:t>
+            </a:r>
+          </a:p>
+          <a:p>
+            <a:pPr lvl="1"/>
+            <a:r>
+              <a:rPr lang="en-US" dirty="0" smtClean="0"/>
+              <a:t>[4] </a:t>
+            </a:r>
+            <a:r>
+              <a:rPr lang="en-US" dirty="0"/>
+              <a:t>Hu, </a:t>
+            </a:r>
+            <a:r>
+              <a:rPr lang="en-US" dirty="0" err="1"/>
+              <a:t>Yifan</a:t>
+            </a:r>
+            <a:r>
+              <a:rPr lang="en-US" dirty="0"/>
+              <a:t>, Yehuda </a:t>
+            </a:r>
+            <a:r>
+              <a:rPr lang="en-US" dirty="0" err="1"/>
+              <a:t>Koren</a:t>
+            </a:r>
+            <a:r>
+              <a:rPr lang="en-US" dirty="0"/>
+              <a:t>, and Chris </a:t>
+            </a:r>
+            <a:r>
+              <a:rPr lang="en-US" dirty="0" err="1"/>
+              <a:t>Volinsky</a:t>
+            </a:r>
+            <a:r>
+              <a:rPr lang="en-US" dirty="0"/>
+              <a:t>. "Collaborative filtering for implicit feedback datasets." </a:t>
+            </a:r>
+            <a:r>
+              <a:rPr lang="en-US" i="1" dirty="0"/>
+              <a:t>Data Mining, 2008. ICDM'08. Eighth IEEE International Conference on</a:t>
+            </a:r>
+            <a:r>
+              <a:rPr lang="en-US" dirty="0"/>
+              <a:t>. </a:t>
+            </a:r>
+            <a:r>
+              <a:rPr lang="en-US" dirty="0" err="1"/>
+              <a:t>Ieee</a:t>
+            </a:r>
+            <a:r>
+              <a:rPr lang="en-US" dirty="0"/>
+              <a:t>, 2008</a:t>
+            </a:r>
+            <a:r>
+              <a:rPr lang="en-US" dirty="0" smtClean="0"/>
+              <a:t>.</a:t>
+            </a:r>
+          </a:p>
+          <a:p>
+            <a:pPr lvl="1"/>
+            <a:r>
+              <a:rPr lang="en-US" dirty="0" smtClean="0"/>
+              <a:t>[5] </a:t>
+            </a:r>
+            <a:r>
+              <a:rPr lang="en-US" dirty="0" err="1"/>
+              <a:t>Barkan</a:t>
+            </a:r>
+            <a:r>
+              <a:rPr lang="en-US" dirty="0"/>
+              <a:t>, Oren, and Noam </a:t>
+            </a:r>
+            <a:r>
+              <a:rPr lang="en-US" dirty="0" err="1"/>
+              <a:t>Koenigstein</a:t>
+            </a:r>
+            <a:r>
+              <a:rPr lang="en-US" dirty="0"/>
+              <a:t>. "Item2vec: neural item embedding for collaborative filtering." </a:t>
+            </a:r>
+            <a:r>
+              <a:rPr lang="en-US" i="1" dirty="0"/>
+              <a:t>Machine Learning for Signal Processing (MLSP), 2016 IEEE 26th International Workshop on</a:t>
+            </a:r>
+            <a:r>
+              <a:rPr lang="en-US" dirty="0"/>
+              <a:t>. IEEE, 2016</a:t>
+            </a:r>
+            <a:r>
+              <a:rPr lang="en-US" dirty="0" smtClean="0"/>
+              <a:t>.</a:t>
+            </a:r>
+          </a:p>
+          <a:p>
+            <a:pPr lvl="1"/>
+            <a:r>
+              <a:rPr lang="en-US" dirty="0" smtClean="0"/>
+              <a:t>[6] </a:t>
+            </a:r>
+            <a:r>
+              <a:rPr lang="en-US" dirty="0" err="1"/>
+              <a:t>Leskovec</a:t>
+            </a:r>
+            <a:r>
+              <a:rPr lang="en-US" dirty="0"/>
+              <a:t>, Jure, </a:t>
+            </a:r>
+            <a:r>
+              <a:rPr lang="en-US" dirty="0" err="1"/>
+              <a:t>Anand</a:t>
+            </a:r>
+            <a:r>
+              <a:rPr lang="en-US" dirty="0"/>
+              <a:t> </a:t>
+            </a:r>
+            <a:r>
+              <a:rPr lang="en-US" dirty="0" err="1"/>
+              <a:t>Rajaraman</a:t>
+            </a:r>
+            <a:r>
+              <a:rPr lang="en-US" dirty="0"/>
+              <a:t>, and Jeffrey David Ullman. </a:t>
+            </a:r>
+            <a:r>
+              <a:rPr lang="en-US" i="1" dirty="0"/>
+              <a:t>Mining of massive datasets</a:t>
+            </a:r>
+            <a:r>
+              <a:rPr lang="en-US" dirty="0"/>
+              <a:t>. Cambridge university press, 2014.</a:t>
+            </a:r>
+            <a:endParaRPr lang="he-IL" dirty="0"/>
+          </a:p>
+        </p:txBody>
+      </p:sp>
+    </p:spTree>
+    <p:extLst>
+      <p:ext uri="{BB962C8B-B14F-4D97-AF65-F5344CB8AC3E}">
+        <p14:creationId xmlns:p14="http://schemas.microsoft.com/office/powerpoint/2010/main" val="2259291554"/>
+      </p:ext>
+    </p:extLst>
+  </p:cSld>
+  <p:clrMapOvr>
+    <a:masterClrMapping/>
+  </p:clrMapOvr>
+  <p:timing>
+    <p:tnLst>
+      <p:par>
+        <p:cTn id="1" dur="indefinite" restart="never" nodeType="tmRoot"/>
+      </p:par>
+    </p:tnLst>
+  </p:timing>
+</p:sld>
+</file>
+
+<file path=ppt/slides/slide15.xml><?xml version="1.0" encoding="utf-8"?>
+<p:sld xmlns:a="http://schemas.openxmlformats.org/drawingml/2006/main" xmlns:r="http://schemas.openxmlformats.org/officeDocument/2006/relationships" xmlns:p="http://schemas.openxmlformats.org/presentationml/2006/main">
+  <p:cSld>
+    <p:spTree>
+      <p:nvGrpSpPr>
+        <p:cNvPr id="1" name=""/>
+        <p:cNvGrpSpPr/>
+        <p:nvPr/>
+      </p:nvGrpSpPr>
+      <p:grpSpPr>
+        <a:xfrm>
+          <a:off x="0" y="0"/>
+          <a:ext cx="0" cy="0"/>
+          <a:chOff x="0" y="0"/>
+          <a:chExt cx="0" cy="0"/>
+        </a:xfrm>
+      </p:grpSpPr>
+      <p:sp>
+        <p:nvSpPr>
+          <p:cNvPr id="2" name="Title 1"/>
+          <p:cNvSpPr>
+            <a:spLocks noGrp="1"/>
+          </p:cNvSpPr>
+          <p:nvPr>
+            <p:ph type="ctrTitle"/>
+          </p:nvPr>
+        </p:nvSpPr>
+        <p:spPr/>
+        <p:txBody>
+          <a:bodyPr/>
+          <a:lstStyle/>
+          <a:p>
+            <a:r>
+              <a:rPr lang="en-US" dirty="0" smtClean="0"/>
+              <a:t>DOMO ARIGATO MISTER ROBOTO</a:t>
+            </a:r>
+            <a:endParaRPr lang="he-IL" dirty="0"/>
+          </a:p>
+        </p:txBody>
+      </p:sp>
+      <p:sp>
+        <p:nvSpPr>
+          <p:cNvPr id="3" name="Subtitle 2"/>
+          <p:cNvSpPr>
+            <a:spLocks noGrp="1"/>
+          </p:cNvSpPr>
+          <p:nvPr>
+            <p:ph type="subTitle" idx="1"/>
+          </p:nvPr>
+        </p:nvSpPr>
+        <p:spPr/>
+        <p:txBody>
+          <a:bodyPr/>
+          <a:lstStyle/>
+          <a:p>
+            <a:r>
+              <a:rPr lang="en-US" dirty="0" smtClean="0"/>
+              <a:t>Questions?</a:t>
+            </a:r>
+            <a:endParaRPr lang="he-IL" dirty="0"/>
+          </a:p>
+        </p:txBody>
+      </p:sp>
+    </p:spTree>
+    <p:extLst>
+      <p:ext uri="{BB962C8B-B14F-4D97-AF65-F5344CB8AC3E}">
+        <p14:creationId xmlns:p14="http://schemas.microsoft.com/office/powerpoint/2010/main" val="1227135976"/>
       </p:ext>
     </p:extLst>
   </p:cSld>
@@ -3892,12 +5127,12 @@
       </p:grpSpPr>
       <p:sp>
         <p:nvSpPr>
-          <p:cNvPr id="2" name="Título 1"/>
-          <p:cNvSpPr>
-            <a:spLocks noGrp="1"/>
-          </p:cNvSpPr>
-          <p:nvPr>
-            <p:ph type="title"/>
+          <p:cNvPr id="2" name="Text Placeholder 1"/>
+          <p:cNvSpPr>
+            <a:spLocks noGrp="1"/>
+          </p:cNvSpPr>
+          <p:nvPr>
+            <p:ph type="body" idx="1"/>
           </p:nvPr>
         </p:nvSpPr>
         <p:spPr/>
@@ -3906,66 +5141,96 @@
           <a:lstStyle/>
           <a:p>
             <a:r>
-              <a:rPr lang="es-ES_tradnl" dirty="0" smtClean="0"/>
-              <a:t>MOTIVATION</a:t>
-            </a:r>
-            <a:endParaRPr lang="es-ES_tradnl" dirty="0"/>
-          </a:p>
-        </p:txBody>
-      </p:sp>
-      <p:sp>
-        <p:nvSpPr>
-          <p:cNvPr id="3" name="Marcador de contenido 2"/>
-          <p:cNvSpPr>
-            <a:spLocks noGrp="1"/>
-          </p:cNvSpPr>
-          <p:nvPr>
-            <p:ph idx="1"/>
-          </p:nvPr>
-        </p:nvSpPr>
-        <p:spPr/>
+              <a:rPr lang="en-US" dirty="0" smtClean="0"/>
+              <a:t>Single user recommendation</a:t>
+            </a:r>
+            <a:endParaRPr lang="he-IL" dirty="0"/>
+          </a:p>
+        </p:txBody>
+      </p:sp>
+      <p:sp>
+        <p:nvSpPr>
+          <p:cNvPr id="4" name="Content Placeholder 3"/>
+          <p:cNvSpPr>
+            <a:spLocks noGrp="1"/>
+          </p:cNvSpPr>
+          <p:nvPr>
+            <p:ph sz="quarter" idx="4"/>
+          </p:nvPr>
+        </p:nvSpPr>
+        <p:spPr>
+          <a:xfrm>
+            <a:off x="6338316" y="3143250"/>
+            <a:ext cx="4253484" cy="615950"/>
+          </a:xfrm>
+        </p:spPr>
         <p:txBody>
           <a:bodyPr/>
           <a:lstStyle/>
           <a:p>
-            <a:r>
-              <a:rPr lang="es-ES_tradnl" dirty="0" smtClean="0"/>
-              <a:t>LOTS OF MUSIC RECOMMENDATION SYSTEMS IN THE MARKET.</a:t>
-            </a:r>
-          </a:p>
-          <a:p>
-            <a:endParaRPr lang="es-ES_tradnl" dirty="0"/>
-          </a:p>
-          <a:p>
-            <a:endParaRPr lang="es-ES_tradnl" dirty="0" smtClean="0"/>
-          </a:p>
-          <a:p>
-            <a:endParaRPr lang="es-ES_tradnl" dirty="0"/>
-          </a:p>
-          <a:p>
-            <a:endParaRPr lang="es-ES_tradnl" dirty="0" smtClean="0"/>
-          </a:p>
-          <a:p>
-            <a:endParaRPr lang="es-ES_tradnl" dirty="0"/>
-          </a:p>
-          <a:p>
-            <a:r>
-              <a:rPr lang="es-ES_tradnl" dirty="0" smtClean="0"/>
-              <a:t>ALL OF THEM ARE DEDICATED TO INDIVIDUAL USER-BASED RECCOMENDATION</a:t>
-            </a:r>
-          </a:p>
-          <a:p>
-            <a:endParaRPr lang="es-ES_tradnl" dirty="0"/>
+            <a:pPr lvl="1"/>
+            <a:r>
+              <a:rPr lang="en-US" dirty="0" smtClean="0"/>
+              <a:t>Recommend songs to a group of people to listen it together.</a:t>
+            </a:r>
+          </a:p>
+        </p:txBody>
+      </p:sp>
+      <p:sp>
+        <p:nvSpPr>
+          <p:cNvPr id="5" name="Text Placeholder 4"/>
+          <p:cNvSpPr>
+            <a:spLocks noGrp="1"/>
+          </p:cNvSpPr>
+          <p:nvPr>
+            <p:ph type="body" sz="quarter" idx="13"/>
+          </p:nvPr>
+        </p:nvSpPr>
+        <p:spPr/>
+        <p:txBody>
+          <a:bodyPr/>
+          <a:lstStyle/>
+          <a:p>
+            <a:r>
+              <a:rPr lang="en-US" dirty="0" smtClean="0"/>
+              <a:t>GROUP RECOMMENDATION</a:t>
+            </a:r>
+            <a:endParaRPr lang="he-IL" dirty="0"/>
+          </a:p>
+        </p:txBody>
+      </p:sp>
+      <p:sp>
+        <p:nvSpPr>
+          <p:cNvPr id="6" name="Title 5"/>
+          <p:cNvSpPr>
+            <a:spLocks noGrp="1"/>
+          </p:cNvSpPr>
+          <p:nvPr>
+            <p:ph type="title"/>
+          </p:nvPr>
+        </p:nvSpPr>
+        <p:spPr/>
+        <p:txBody>
+          <a:bodyPr/>
+          <a:lstStyle/>
+          <a:p>
+            <a:r>
+              <a:rPr lang="en-US" dirty="0" smtClean="0"/>
+              <a:t>Song recommendation</a:t>
+            </a:r>
+            <a:endParaRPr lang="he-IL" dirty="0"/>
           </a:p>
         </p:txBody>
       </p:sp>
       <p:pic>
         <p:nvPicPr>
-          <p:cNvPr id="1026" name="Picture 2" descr="mage result for spotify"/>
+          <p:cNvPr id="7" name="Picture 2" descr="mage result for spotify"/>
           <p:cNvPicPr>
-            <a:picLocks noChangeAspect="1" noChangeArrowheads="1"/>
+            <a:picLocks noGrp="1" noChangeAspect="1" noChangeArrowheads="1"/>
           </p:cNvPicPr>
-          <p:nvPr/>
+          <p:nvPr>
+            <p:ph sz="half" idx="2"/>
+          </p:nvPr>
         </p:nvPicPr>
         <p:blipFill>
           <a:blip r:embed="rId2">
@@ -3982,8 +5247,8 @@
         </p:blipFill>
         <p:spPr bwMode="auto">
           <a:xfrm>
-            <a:off x="2231136" y="3043236"/>
-            <a:ext cx="1571625" cy="1571625"/>
+            <a:off x="1583436" y="3177541"/>
+            <a:ext cx="1186735" cy="1186735"/>
           </a:xfrm>
           <a:prstGeom prst="rect">
             <a:avLst/>
@@ -4002,7 +5267,7 @@
       </p:pic>
       <p:pic>
         <p:nvPicPr>
-          <p:cNvPr id="1028" name="Picture 4" descr="mage result for last fm"/>
+          <p:cNvPr id="8" name="Picture 4" descr="mage result for last fm"/>
           <p:cNvPicPr>
             <a:picLocks noChangeAspect="1" noChangeArrowheads="1"/>
           </p:cNvPicPr>
@@ -4023,8 +5288,8 @@
         </p:blipFill>
         <p:spPr bwMode="auto">
           <a:xfrm>
-            <a:off x="3802761" y="3043236"/>
-            <a:ext cx="1571625" cy="1571625"/>
+            <a:off x="3071171" y="3167512"/>
+            <a:ext cx="1206792" cy="1206792"/>
           </a:xfrm>
           <a:prstGeom prst="rect">
             <a:avLst/>
@@ -4043,7 +5308,7 @@
       </p:pic>
       <p:pic>
         <p:nvPicPr>
-          <p:cNvPr id="1030" name="Picture 6" descr="mage result for shazam"/>
+          <p:cNvPr id="9" name="Picture 6" descr="mage result for shazam"/>
           <p:cNvPicPr>
             <a:picLocks noChangeAspect="1" noChangeArrowheads="1"/>
           </p:cNvPicPr>
@@ -4064,8 +5329,8 @@
         </p:blipFill>
         <p:spPr bwMode="auto">
           <a:xfrm>
-            <a:off x="5441061" y="3178871"/>
-            <a:ext cx="1402652" cy="1402652"/>
+            <a:off x="4580359" y="3229772"/>
+            <a:ext cx="1154561" cy="1154561"/>
           </a:xfrm>
           <a:prstGeom prst="rect">
             <a:avLst/>
@@ -4084,7 +5349,7 @@
       </p:pic>
       <p:pic>
         <p:nvPicPr>
-          <p:cNvPr id="1032" name="Picture 8" descr="mage result for pandora music"/>
+          <p:cNvPr id="10" name="Picture 8" descr="mage result for pandora music"/>
           <p:cNvPicPr>
             <a:picLocks noChangeAspect="1" noChangeArrowheads="1"/>
           </p:cNvPicPr>
@@ -4105,8 +5370,8 @@
         </p:blipFill>
         <p:spPr bwMode="auto">
           <a:xfrm>
-            <a:off x="6581775" y="2794347"/>
-            <a:ext cx="2171700" cy="2171700"/>
+            <a:off x="1982792" y="4260290"/>
+            <a:ext cx="1731246" cy="1731246"/>
           </a:xfrm>
           <a:prstGeom prst="rect">
             <a:avLst/>
@@ -4125,7 +5390,7 @@
       </p:pic>
       <p:pic>
         <p:nvPicPr>
-          <p:cNvPr id="1036" name="Picture 12" descr="mage result for apple music"/>
+          <p:cNvPr id="11" name="Picture 12" descr="mage result for apple music"/>
           <p:cNvPicPr>
             <a:picLocks noChangeAspect="1" noChangeArrowheads="1"/>
           </p:cNvPicPr>
@@ -4146,8 +5411,8 @@
         </p:blipFill>
         <p:spPr bwMode="auto">
           <a:xfrm>
-            <a:off x="8463582" y="3043235"/>
-            <a:ext cx="1730549" cy="1730549"/>
+            <a:off x="3714038" y="4441638"/>
+            <a:ext cx="1479736" cy="1479736"/>
           </a:xfrm>
           <a:prstGeom prst="rect">
             <a:avLst/>
@@ -4164,10 +5429,247 @@
           </a:extLst>
         </p:spPr>
       </p:pic>
+      <p:sp>
+        <p:nvSpPr>
+          <p:cNvPr id="13" name="Content Placeholder 3"/>
+          <p:cNvSpPr txBox="1">
+            <a:spLocks/>
+          </p:cNvSpPr>
+          <p:nvPr/>
+        </p:nvSpPr>
+        <p:spPr>
+          <a:xfrm>
+            <a:off x="6338316" y="3884930"/>
+            <a:ext cx="4253484" cy="615950"/>
+          </a:xfrm>
+          <a:prstGeom prst="rect">
+            <a:avLst/>
+          </a:prstGeom>
+        </p:spPr>
+        <p:txBody>
+          <a:bodyPr vert="horz" lIns="91440" tIns="45720" rIns="91440" bIns="45720" rtlCol="0">
+            <a:normAutofit/>
+          </a:bodyPr>
+          <a:lstStyle>
+            <a:lvl1pPr marL="228600" indent="-228600" algn="l" defTabSz="914400" rtl="0" eaLnBrk="1" latinLnBrk="0" hangingPunct="1">
+              <a:lnSpc>
+                <a:spcPct val="100000"/>
+              </a:lnSpc>
+              <a:spcBef>
+                <a:spcPts val="1000"/>
+              </a:spcBef>
+              <a:buClr>
+                <a:schemeClr val="accent2"/>
+              </a:buClr>
+              <a:buFont typeface="Arial" panose="020B0604020202020204" pitchFamily="34" charset="0"/>
+              <a:buChar char="•"/>
+              <a:defRPr sz="1800" kern="1200">
+                <a:solidFill>
+                  <a:schemeClr val="tx1">
+                    <a:lumMod val="85000"/>
+                    <a:lumOff val="15000"/>
+                  </a:schemeClr>
+                </a:solidFill>
+                <a:latin typeface="+mn-lt"/>
+                <a:ea typeface="+mn-ea"/>
+                <a:cs typeface="+mn-cs"/>
+              </a:defRPr>
+            </a:lvl1pPr>
+            <a:lvl2pPr marL="457200" indent="-228600" algn="l" defTabSz="914400" rtl="0" eaLnBrk="1" latinLnBrk="0" hangingPunct="1">
+              <a:lnSpc>
+                <a:spcPct val="100000"/>
+              </a:lnSpc>
+              <a:spcBef>
+                <a:spcPts val="1000"/>
+              </a:spcBef>
+              <a:buClr>
+                <a:schemeClr val="accent2"/>
+              </a:buClr>
+              <a:buFont typeface="Arial" panose="020B0604020202020204" pitchFamily="34" charset="0"/>
+              <a:buChar char="•"/>
+              <a:defRPr sz="1600" kern="1200">
+                <a:solidFill>
+                  <a:schemeClr val="tx1">
+                    <a:lumMod val="85000"/>
+                    <a:lumOff val="15000"/>
+                  </a:schemeClr>
+                </a:solidFill>
+                <a:latin typeface="+mn-lt"/>
+                <a:ea typeface="+mn-ea"/>
+                <a:cs typeface="+mn-cs"/>
+              </a:defRPr>
+            </a:lvl2pPr>
+            <a:lvl3pPr marL="685800" indent="-228600" algn="l" defTabSz="914400" rtl="0" eaLnBrk="1" latinLnBrk="0" hangingPunct="1">
+              <a:lnSpc>
+                <a:spcPct val="100000"/>
+              </a:lnSpc>
+              <a:spcBef>
+                <a:spcPts val="1000"/>
+              </a:spcBef>
+              <a:buClr>
+                <a:schemeClr val="accent2"/>
+              </a:buClr>
+              <a:buFont typeface="Arial" panose="020B0604020202020204" pitchFamily="34" charset="0"/>
+              <a:buChar char="•"/>
+              <a:defRPr sz="1600" kern="1200">
+                <a:solidFill>
+                  <a:schemeClr val="tx1">
+                    <a:lumMod val="85000"/>
+                    <a:lumOff val="15000"/>
+                  </a:schemeClr>
+                </a:solidFill>
+                <a:latin typeface="+mn-lt"/>
+                <a:ea typeface="+mn-ea"/>
+                <a:cs typeface="+mn-cs"/>
+              </a:defRPr>
+            </a:lvl3pPr>
+            <a:lvl4pPr marL="914400" indent="-228600" algn="l" defTabSz="914400" rtl="0" eaLnBrk="1" latinLnBrk="0" hangingPunct="1">
+              <a:lnSpc>
+                <a:spcPct val="100000"/>
+              </a:lnSpc>
+              <a:spcBef>
+                <a:spcPts val="1000"/>
+              </a:spcBef>
+              <a:buClr>
+                <a:schemeClr val="accent2"/>
+              </a:buClr>
+              <a:buFont typeface="Arial" panose="020B0604020202020204" pitchFamily="34" charset="0"/>
+              <a:buChar char="•"/>
+              <a:defRPr sz="1600" kern="1200">
+                <a:solidFill>
+                  <a:schemeClr val="tx1">
+                    <a:lumMod val="85000"/>
+                    <a:lumOff val="15000"/>
+                  </a:schemeClr>
+                </a:solidFill>
+                <a:latin typeface="+mn-lt"/>
+                <a:ea typeface="+mn-ea"/>
+                <a:cs typeface="+mn-cs"/>
+              </a:defRPr>
+            </a:lvl4pPr>
+            <a:lvl5pPr marL="1143000" indent="-228600" algn="l" defTabSz="914400" rtl="0" eaLnBrk="1" latinLnBrk="0" hangingPunct="1">
+              <a:lnSpc>
+                <a:spcPct val="100000"/>
+              </a:lnSpc>
+              <a:spcBef>
+                <a:spcPts val="1000"/>
+              </a:spcBef>
+              <a:buClr>
+                <a:schemeClr val="accent2"/>
+              </a:buClr>
+              <a:buFont typeface="Arial" panose="020B0604020202020204" pitchFamily="34" charset="0"/>
+              <a:buChar char="•"/>
+              <a:defRPr sz="1600" kern="1200">
+                <a:solidFill>
+                  <a:schemeClr val="tx1">
+                    <a:lumMod val="85000"/>
+                    <a:lumOff val="15000"/>
+                  </a:schemeClr>
+                </a:solidFill>
+                <a:latin typeface="+mn-lt"/>
+                <a:ea typeface="+mn-ea"/>
+                <a:cs typeface="+mn-cs"/>
+              </a:defRPr>
+            </a:lvl5pPr>
+            <a:lvl6pPr marL="1312863" indent="-228600" algn="l" defTabSz="914400" rtl="0" eaLnBrk="1" latinLnBrk="0" hangingPunct="1">
+              <a:lnSpc>
+                <a:spcPct val="100000"/>
+              </a:lnSpc>
+              <a:spcBef>
+                <a:spcPts val="1000"/>
+              </a:spcBef>
+              <a:buClr>
+                <a:schemeClr val="accent2"/>
+              </a:buClr>
+              <a:buFont typeface="Arial" panose="020B0604020202020204" pitchFamily="34" charset="0"/>
+              <a:buChar char="•"/>
+              <a:defRPr sz="1600" kern="1200">
+                <a:solidFill>
+                  <a:schemeClr val="tx1"/>
+                </a:solidFill>
+                <a:latin typeface="+mn-lt"/>
+                <a:ea typeface="+mn-ea"/>
+                <a:cs typeface="+mn-cs"/>
+              </a:defRPr>
+            </a:lvl6pPr>
+            <a:lvl7pPr marL="1484313" indent="-228600" algn="l" defTabSz="914400" rtl="0" eaLnBrk="1" latinLnBrk="0" hangingPunct="1">
+              <a:lnSpc>
+                <a:spcPct val="100000"/>
+              </a:lnSpc>
+              <a:spcBef>
+                <a:spcPts val="1000"/>
+              </a:spcBef>
+              <a:buClr>
+                <a:schemeClr val="accent2"/>
+              </a:buClr>
+              <a:buFont typeface="Arial" panose="020B0604020202020204" pitchFamily="34" charset="0"/>
+              <a:buChar char="•"/>
+              <a:defRPr sz="1600" kern="1200">
+                <a:solidFill>
+                  <a:schemeClr val="tx1"/>
+                </a:solidFill>
+                <a:latin typeface="+mn-lt"/>
+                <a:ea typeface="+mn-ea"/>
+                <a:cs typeface="+mn-cs"/>
+              </a:defRPr>
+            </a:lvl7pPr>
+            <a:lvl8pPr marL="1657350" indent="-228600" algn="l" defTabSz="914400" rtl="0" eaLnBrk="1" latinLnBrk="0" hangingPunct="1">
+              <a:lnSpc>
+                <a:spcPct val="100000"/>
+              </a:lnSpc>
+              <a:spcBef>
+                <a:spcPts val="1000"/>
+              </a:spcBef>
+              <a:buClr>
+                <a:schemeClr val="accent2"/>
+              </a:buClr>
+              <a:buFont typeface="Arial" panose="020B0604020202020204" pitchFamily="34" charset="0"/>
+              <a:buChar char="•"/>
+              <a:defRPr sz="1600" kern="1200" baseline="0">
+                <a:solidFill>
+                  <a:schemeClr val="tx1"/>
+                </a:solidFill>
+                <a:latin typeface="+mn-lt"/>
+                <a:ea typeface="+mn-ea"/>
+                <a:cs typeface="+mn-cs"/>
+              </a:defRPr>
+            </a:lvl8pPr>
+            <a:lvl9pPr marL="1882775" indent="-228600" algn="l" defTabSz="914400" rtl="0" eaLnBrk="1" latinLnBrk="0" hangingPunct="1">
+              <a:lnSpc>
+                <a:spcPct val="100000"/>
+              </a:lnSpc>
+              <a:spcBef>
+                <a:spcPts val="1000"/>
+              </a:spcBef>
+              <a:buClr>
+                <a:schemeClr val="accent2"/>
+              </a:buClr>
+              <a:buFont typeface="Arial" panose="020B0604020202020204" pitchFamily="34" charset="0"/>
+              <a:buChar char="•"/>
+              <a:defRPr sz="1600" kern="1200" baseline="0">
+                <a:solidFill>
+                  <a:schemeClr val="tx1"/>
+                </a:solidFill>
+                <a:latin typeface="+mn-lt"/>
+                <a:ea typeface="+mn-ea"/>
+                <a:cs typeface="+mn-cs"/>
+              </a:defRPr>
+            </a:lvl9pPr>
+          </a:lstStyle>
+          <a:p>
+            <a:pPr lvl="1"/>
+            <a:r>
+              <a:rPr lang="en-US" dirty="0"/>
+              <a:t>Challenge: match everyone’s taste and not a singular personal preference.</a:t>
+            </a:r>
+            <a:endParaRPr lang="en-US" dirty="0"/>
+          </a:p>
+        </p:txBody>
+      </p:sp>
     </p:spTree>
     <p:extLst>
       <p:ext uri="{BB962C8B-B14F-4D97-AF65-F5344CB8AC3E}">
-        <p14:creationId xmlns:p14="http://schemas.microsoft.com/office/powerpoint/2010/main" val="1164105526"/>
+        <p14:creationId xmlns:p14="http://schemas.microsoft.com/office/powerpoint/2010/main" val="2249955279"/>
       </p:ext>
     </p:extLst>
   </p:cSld>
@@ -4177,9 +5679,365 @@
   <p:timing>
     <p:tnLst>
       <p:par>
-        <p:cTn id="1" dur="indefinite" restart="never" nodeType="tmRoot"/>
+        <p:cTn id="1" dur="indefinite" restart="never" nodeType="tmRoot">
+          <p:childTnLst>
+            <p:seq concurrent="1" nextAc="seek">
+              <p:cTn id="2" dur="indefinite" nodeType="mainSeq">
+                <p:childTnLst>
+                  <p:par>
+                    <p:cTn id="3" fill="hold">
+                      <p:stCondLst>
+                        <p:cond delay="indefinite"/>
+                      </p:stCondLst>
+                      <p:childTnLst>
+                        <p:par>
+                          <p:cTn id="4" fill="hold">
+                            <p:stCondLst>
+                              <p:cond delay="0"/>
+                            </p:stCondLst>
+                            <p:childTnLst>
+                              <p:par>
+                                <p:cTn id="5" presetID="1" presetClass="entr" presetSubtype="0" fill="hold" grpId="0" nodeType="clickEffect">
+                                  <p:stCondLst>
+                                    <p:cond delay="0"/>
+                                  </p:stCondLst>
+                                  <p:childTnLst>
+                                    <p:set>
+                                      <p:cBhvr>
+                                        <p:cTn id="6" dur="1" fill="hold">
+                                          <p:stCondLst>
+                                            <p:cond delay="0"/>
+                                          </p:stCondLst>
+                                        </p:cTn>
+                                        <p:tgtEl>
+                                          <p:spTgt spid="2">
+                                            <p:txEl>
+                                              <p:pRg st="0" end="0"/>
+                                            </p:txEl>
+                                          </p:spTgt>
+                                        </p:tgtEl>
+                                        <p:attrNameLst>
+                                          <p:attrName>style.visibility</p:attrName>
+                                        </p:attrNameLst>
+                                      </p:cBhvr>
+                                      <p:to>
+                                        <p:strVal val="visible"/>
+                                      </p:to>
+                                    </p:set>
+                                  </p:childTnLst>
+                                </p:cTn>
+                              </p:par>
+                              <p:par>
+                                <p:cTn id="7" presetID="1" presetClass="entr" presetSubtype="0" fill="hold" nodeType="withEffect">
+                                  <p:stCondLst>
+                                    <p:cond delay="0"/>
+                                  </p:stCondLst>
+                                  <p:childTnLst>
+                                    <p:set>
+                                      <p:cBhvr>
+                                        <p:cTn id="8" dur="1" fill="hold">
+                                          <p:stCondLst>
+                                            <p:cond delay="0"/>
+                                          </p:stCondLst>
+                                        </p:cTn>
+                                        <p:tgtEl>
+                                          <p:spTgt spid="7"/>
+                                        </p:tgtEl>
+                                        <p:attrNameLst>
+                                          <p:attrName>style.visibility</p:attrName>
+                                        </p:attrNameLst>
+                                      </p:cBhvr>
+                                      <p:to>
+                                        <p:strVal val="visible"/>
+                                      </p:to>
+                                    </p:set>
+                                  </p:childTnLst>
+                                </p:cTn>
+                              </p:par>
+                              <p:par>
+                                <p:cTn id="9" presetID="1" presetClass="entr" presetSubtype="0" fill="hold" nodeType="withEffect">
+                                  <p:stCondLst>
+                                    <p:cond delay="0"/>
+                                  </p:stCondLst>
+                                  <p:childTnLst>
+                                    <p:set>
+                                      <p:cBhvr>
+                                        <p:cTn id="10" dur="1" fill="hold">
+                                          <p:stCondLst>
+                                            <p:cond delay="0"/>
+                                          </p:stCondLst>
+                                        </p:cTn>
+                                        <p:tgtEl>
+                                          <p:spTgt spid="8"/>
+                                        </p:tgtEl>
+                                        <p:attrNameLst>
+                                          <p:attrName>style.visibility</p:attrName>
+                                        </p:attrNameLst>
+                                      </p:cBhvr>
+                                      <p:to>
+                                        <p:strVal val="visible"/>
+                                      </p:to>
+                                    </p:set>
+                                  </p:childTnLst>
+                                </p:cTn>
+                              </p:par>
+                              <p:par>
+                                <p:cTn id="11" presetID="1" presetClass="entr" presetSubtype="0" fill="hold" nodeType="withEffect">
+                                  <p:stCondLst>
+                                    <p:cond delay="0"/>
+                                  </p:stCondLst>
+                                  <p:childTnLst>
+                                    <p:set>
+                                      <p:cBhvr>
+                                        <p:cTn id="12" dur="1" fill="hold">
+                                          <p:stCondLst>
+                                            <p:cond delay="0"/>
+                                          </p:stCondLst>
+                                        </p:cTn>
+                                        <p:tgtEl>
+                                          <p:spTgt spid="9"/>
+                                        </p:tgtEl>
+                                        <p:attrNameLst>
+                                          <p:attrName>style.visibility</p:attrName>
+                                        </p:attrNameLst>
+                                      </p:cBhvr>
+                                      <p:to>
+                                        <p:strVal val="visible"/>
+                                      </p:to>
+                                    </p:set>
+                                  </p:childTnLst>
+                                </p:cTn>
+                              </p:par>
+                              <p:par>
+                                <p:cTn id="13" presetID="1" presetClass="entr" presetSubtype="0" fill="hold" nodeType="withEffect">
+                                  <p:stCondLst>
+                                    <p:cond delay="0"/>
+                                  </p:stCondLst>
+                                  <p:childTnLst>
+                                    <p:set>
+                                      <p:cBhvr>
+                                        <p:cTn id="14" dur="1" fill="hold">
+                                          <p:stCondLst>
+                                            <p:cond delay="0"/>
+                                          </p:stCondLst>
+                                        </p:cTn>
+                                        <p:tgtEl>
+                                          <p:spTgt spid="10"/>
+                                        </p:tgtEl>
+                                        <p:attrNameLst>
+                                          <p:attrName>style.visibility</p:attrName>
+                                        </p:attrNameLst>
+                                      </p:cBhvr>
+                                      <p:to>
+                                        <p:strVal val="visible"/>
+                                      </p:to>
+                                    </p:set>
+                                  </p:childTnLst>
+                                </p:cTn>
+                              </p:par>
+                              <p:par>
+                                <p:cTn id="15" presetID="1" presetClass="entr" presetSubtype="0" fill="hold" nodeType="withEffect">
+                                  <p:stCondLst>
+                                    <p:cond delay="0"/>
+                                  </p:stCondLst>
+                                  <p:childTnLst>
+                                    <p:set>
+                                      <p:cBhvr>
+                                        <p:cTn id="16" dur="1" fill="hold">
+                                          <p:stCondLst>
+                                            <p:cond delay="0"/>
+                                          </p:stCondLst>
+                                        </p:cTn>
+                                        <p:tgtEl>
+                                          <p:spTgt spid="11"/>
+                                        </p:tgtEl>
+                                        <p:attrNameLst>
+                                          <p:attrName>style.visibility</p:attrName>
+                                        </p:attrNameLst>
+                                      </p:cBhvr>
+                                      <p:to>
+                                        <p:strVal val="visible"/>
+                                      </p:to>
+                                    </p:set>
+                                  </p:childTnLst>
+                                </p:cTn>
+                              </p:par>
+                            </p:childTnLst>
+                          </p:cTn>
+                        </p:par>
+                      </p:childTnLst>
+                    </p:cTn>
+                  </p:par>
+                  <p:par>
+                    <p:cTn id="17" fill="hold">
+                      <p:stCondLst>
+                        <p:cond delay="indefinite"/>
+                      </p:stCondLst>
+                      <p:childTnLst>
+                        <p:par>
+                          <p:cTn id="18" fill="hold">
+                            <p:stCondLst>
+                              <p:cond delay="0"/>
+                            </p:stCondLst>
+                            <p:childTnLst>
+                              <p:par>
+                                <p:cTn id="19" presetID="1" presetClass="entr" presetSubtype="0" fill="hold" grpId="0" nodeType="clickEffect">
+                                  <p:stCondLst>
+                                    <p:cond delay="0"/>
+                                  </p:stCondLst>
+                                  <p:childTnLst>
+                                    <p:set>
+                                      <p:cBhvr>
+                                        <p:cTn id="20" dur="1" fill="hold">
+                                          <p:stCondLst>
+                                            <p:cond delay="0"/>
+                                          </p:stCondLst>
+                                        </p:cTn>
+                                        <p:tgtEl>
+                                          <p:spTgt spid="5">
+                                            <p:txEl>
+                                              <p:pRg st="0" end="0"/>
+                                            </p:txEl>
+                                          </p:spTgt>
+                                        </p:tgtEl>
+                                        <p:attrNameLst>
+                                          <p:attrName>style.visibility</p:attrName>
+                                        </p:attrNameLst>
+                                      </p:cBhvr>
+                                      <p:to>
+                                        <p:strVal val="visible"/>
+                                      </p:to>
+                                    </p:set>
+                                  </p:childTnLst>
+                                </p:cTn>
+                              </p:par>
+                            </p:childTnLst>
+                          </p:cTn>
+                        </p:par>
+                      </p:childTnLst>
+                    </p:cTn>
+                  </p:par>
+                  <p:par>
+                    <p:cTn id="21" fill="hold">
+                      <p:stCondLst>
+                        <p:cond delay="indefinite"/>
+                      </p:stCondLst>
+                      <p:childTnLst>
+                        <p:par>
+                          <p:cTn id="22" fill="hold">
+                            <p:stCondLst>
+                              <p:cond delay="0"/>
+                            </p:stCondLst>
+                            <p:childTnLst>
+                              <p:par>
+                                <p:cTn id="23" presetID="1" presetClass="entr" presetSubtype="0" fill="hold" grpId="0" nodeType="clickEffect">
+                                  <p:stCondLst>
+                                    <p:cond delay="0"/>
+                                  </p:stCondLst>
+                                  <p:childTnLst>
+                                    <p:set>
+                                      <p:cBhvr>
+                                        <p:cTn id="24" dur="1" fill="hold">
+                                          <p:stCondLst>
+                                            <p:cond delay="0"/>
+                                          </p:stCondLst>
+                                        </p:cTn>
+                                        <p:tgtEl>
+                                          <p:spTgt spid="4">
+                                            <p:txEl>
+                                              <p:pRg st="0" end="0"/>
+                                            </p:txEl>
+                                          </p:spTgt>
+                                        </p:tgtEl>
+                                        <p:attrNameLst>
+                                          <p:attrName>style.visibility</p:attrName>
+                                        </p:attrNameLst>
+                                      </p:cBhvr>
+                                      <p:to>
+                                        <p:strVal val="visible"/>
+                                      </p:to>
+                                    </p:set>
+                                  </p:childTnLst>
+                                </p:cTn>
+                              </p:par>
+                            </p:childTnLst>
+                          </p:cTn>
+                        </p:par>
+                      </p:childTnLst>
+                    </p:cTn>
+                  </p:par>
+                  <p:par>
+                    <p:cTn id="25" fill="hold">
+                      <p:stCondLst>
+                        <p:cond delay="indefinite"/>
+                      </p:stCondLst>
+                      <p:childTnLst>
+                        <p:par>
+                          <p:cTn id="26" fill="hold">
+                            <p:stCondLst>
+                              <p:cond delay="0"/>
+                            </p:stCondLst>
+                            <p:childTnLst>
+                              <p:par>
+                                <p:cTn id="27" presetID="1" presetClass="entr" presetSubtype="0" fill="hold" grpId="0" nodeType="clickEffect">
+                                  <p:stCondLst>
+                                    <p:cond delay="0"/>
+                                  </p:stCondLst>
+                                  <p:childTnLst>
+                                    <p:set>
+                                      <p:cBhvr>
+                                        <p:cTn id="28" dur="1" fill="hold">
+                                          <p:stCondLst>
+                                            <p:cond delay="0"/>
+                                          </p:stCondLst>
+                                        </p:cTn>
+                                        <p:tgtEl>
+                                          <p:spTgt spid="13"/>
+                                        </p:tgtEl>
+                                        <p:attrNameLst>
+                                          <p:attrName>style.visibility</p:attrName>
+                                        </p:attrNameLst>
+                                      </p:cBhvr>
+                                      <p:to>
+                                        <p:strVal val="visible"/>
+                                      </p:to>
+                                    </p:set>
+                                  </p:childTnLst>
+                                </p:cTn>
+                              </p:par>
+                            </p:childTnLst>
+                          </p:cTn>
+                        </p:par>
+                      </p:childTnLst>
+                    </p:cTn>
+                  </p:par>
+                </p:childTnLst>
+              </p:cTn>
+              <p:prevCondLst>
+                <p:cond evt="onPrev" delay="0">
+                  <p:tgtEl>
+                    <p:sldTgt/>
+                  </p:tgtEl>
+                </p:cond>
+              </p:prevCondLst>
+              <p:nextCondLst>
+                <p:cond evt="onNext" delay="0">
+                  <p:tgtEl>
+                    <p:sldTgt/>
+                  </p:tgtEl>
+                </p:cond>
+              </p:nextCondLst>
+            </p:seq>
+          </p:childTnLst>
+        </p:cTn>
       </p:par>
     </p:tnLst>
+    <p:bldLst>
+      <p:bldP spid="2" grpId="0" build="p"/>
+      <p:bldP spid="4" grpId="0" build="p"/>
+      <p:bldP spid="5" grpId="0" build="p"/>
+      <p:bldP spid="13" grpId="0"/>
+    </p:bldLst>
   </p:timing>
 </p:sld>
 </file>
@@ -4217,302 +6075,49 @@
           <a:lstStyle/>
           <a:p>
             <a:r>
+              <a:rPr lang="es-ES_tradnl" dirty="0" err="1" smtClean="0"/>
+              <a:t>Evaluation</a:t>
+            </a:r>
+            <a:r>
               <a:rPr lang="es-ES_tradnl" dirty="0" smtClean="0"/>
-              <a:t>MUSIC GROUP RECOMMENDATIONS</a:t>
+              <a:t> </a:t>
+            </a:r>
+            <a:r>
+              <a:rPr lang="es-ES_tradnl" dirty="0" err="1" smtClean="0"/>
+              <a:t>metric</a:t>
             </a:r>
             <a:endParaRPr lang="es-ES_tradnl" dirty="0"/>
           </a:p>
         </p:txBody>
       </p:sp>
-      <p:sp>
-        <p:nvSpPr>
-          <p:cNvPr id="3" name="Marcador de contenido 2"/>
-          <p:cNvSpPr>
-            <a:spLocks noGrp="1"/>
-          </p:cNvSpPr>
-          <p:nvPr>
-            <p:ph idx="1"/>
-          </p:nvPr>
-        </p:nvSpPr>
-        <p:spPr/>
-        <p:txBody>
-          <a:bodyPr/>
-          <a:lstStyle/>
-          <a:p>
-            <a:r>
-              <a:rPr lang="es-ES_tradnl" sz="2400" dirty="0" smtClean="0"/>
-              <a:t>WHAT IS IT?</a:t>
-            </a:r>
-          </a:p>
-          <a:p>
-            <a:r>
-              <a:rPr lang="es-ES_tradnl" sz="2400" dirty="0" err="1" smtClean="0"/>
-              <a:t>Group</a:t>
-            </a:r>
-            <a:r>
-              <a:rPr lang="es-ES_tradnl" sz="2400" dirty="0" smtClean="0"/>
-              <a:t> </a:t>
-            </a:r>
-            <a:r>
-              <a:rPr lang="es-ES_tradnl" sz="2400" dirty="0" err="1"/>
-              <a:t>recommendation</a:t>
-            </a:r>
-            <a:r>
-              <a:rPr lang="es-ES_tradnl" sz="2400" dirty="0"/>
-              <a:t> </a:t>
-            </a:r>
-            <a:r>
-              <a:rPr lang="es-ES_tradnl" sz="2400" dirty="0" err="1"/>
-              <a:t>is</a:t>
-            </a:r>
-            <a:r>
-              <a:rPr lang="es-ES_tradnl" sz="2400" dirty="0"/>
-              <a:t> a new </a:t>
-            </a:r>
-            <a:r>
-              <a:rPr lang="es-ES_tradnl" sz="2400" dirty="0" err="1"/>
-              <a:t>task</a:t>
-            </a:r>
-            <a:r>
-              <a:rPr lang="es-ES_tradnl" sz="2400" dirty="0"/>
-              <a:t> in </a:t>
-            </a:r>
-            <a:r>
-              <a:rPr lang="es-ES_tradnl" sz="2400" dirty="0" err="1"/>
-              <a:t>which</a:t>
-            </a:r>
-            <a:r>
-              <a:rPr lang="es-ES_tradnl" sz="2400" dirty="0"/>
-              <a:t> </a:t>
-            </a:r>
-            <a:r>
-              <a:rPr lang="es-ES_tradnl" sz="2400" dirty="0" err="1"/>
-              <a:t>an</a:t>
-            </a:r>
-            <a:r>
-              <a:rPr lang="es-ES_tradnl" sz="2400" dirty="0"/>
-              <a:t> </a:t>
-            </a:r>
-            <a:r>
-              <a:rPr lang="es-ES_tradnl" sz="2400" dirty="0" err="1"/>
-              <a:t>item</a:t>
-            </a:r>
-            <a:r>
-              <a:rPr lang="es-ES_tradnl" sz="2400" dirty="0"/>
-              <a:t> </a:t>
-            </a:r>
-            <a:r>
-              <a:rPr lang="es-ES_tradnl" sz="2400" dirty="0" err="1"/>
-              <a:t>is</a:t>
-            </a:r>
-            <a:r>
-              <a:rPr lang="es-ES_tradnl" sz="2400" dirty="0"/>
-              <a:t> </a:t>
-            </a:r>
-            <a:r>
-              <a:rPr lang="es-ES_tradnl" sz="2400" dirty="0" err="1"/>
-              <a:t>recommended</a:t>
-            </a:r>
-            <a:r>
-              <a:rPr lang="es-ES_tradnl" sz="2400" dirty="0"/>
-              <a:t> to a </a:t>
-            </a:r>
-            <a:r>
-              <a:rPr lang="es-ES_tradnl" sz="2400" dirty="0" err="1"/>
-              <a:t>group</a:t>
-            </a:r>
-            <a:r>
-              <a:rPr lang="es-ES_tradnl" sz="2400" dirty="0"/>
-              <a:t> of </a:t>
-            </a:r>
-            <a:r>
-              <a:rPr lang="es-ES_tradnl" sz="2400" dirty="0" err="1"/>
-              <a:t>users</a:t>
-            </a:r>
-            <a:r>
-              <a:rPr lang="es-ES_tradnl" sz="2400" dirty="0"/>
-              <a:t> </a:t>
-            </a:r>
-            <a:r>
-              <a:rPr lang="es-ES_tradnl" sz="2400" dirty="0" err="1"/>
-              <a:t>who</a:t>
-            </a:r>
-            <a:r>
-              <a:rPr lang="es-ES_tradnl" sz="2400" dirty="0"/>
-              <a:t> </a:t>
-            </a:r>
-            <a:r>
-              <a:rPr lang="es-ES_tradnl" sz="2400" dirty="0" err="1"/>
-              <a:t>will</a:t>
-            </a:r>
-            <a:r>
-              <a:rPr lang="es-ES_tradnl" sz="2400" dirty="0"/>
-              <a:t> consume </a:t>
-            </a:r>
-            <a:r>
-              <a:rPr lang="es-ES_tradnl" sz="2400" dirty="0" err="1"/>
-              <a:t>it</a:t>
-            </a:r>
-            <a:r>
-              <a:rPr lang="es-ES_tradnl" sz="2400" dirty="0"/>
-              <a:t> </a:t>
-            </a:r>
-            <a:r>
-              <a:rPr lang="es-ES_tradnl" sz="2400" dirty="0" err="1"/>
-              <a:t>together</a:t>
-            </a:r>
-            <a:r>
-              <a:rPr lang="es-ES_tradnl" sz="2400" dirty="0"/>
-              <a:t>. </a:t>
-            </a:r>
-          </a:p>
-          <a:p>
-            <a:r>
-              <a:rPr lang="es-ES_tradnl" sz="2400" dirty="0" err="1" smtClean="0"/>
-              <a:t>The</a:t>
-            </a:r>
-            <a:r>
-              <a:rPr lang="es-ES_tradnl" sz="2400" dirty="0" smtClean="0"/>
-              <a:t> </a:t>
-            </a:r>
-            <a:r>
-              <a:rPr lang="es-ES_tradnl" sz="2400" dirty="0" err="1"/>
-              <a:t>challenge</a:t>
-            </a:r>
-            <a:r>
-              <a:rPr lang="es-ES_tradnl" sz="2400" dirty="0"/>
-              <a:t> in </a:t>
-            </a:r>
-            <a:r>
-              <a:rPr lang="es-ES_tradnl" sz="2400" dirty="0" err="1"/>
-              <a:t>such</a:t>
-            </a:r>
-            <a:r>
-              <a:rPr lang="es-ES_tradnl" sz="2400" dirty="0"/>
-              <a:t> a </a:t>
-            </a:r>
-            <a:r>
-              <a:rPr lang="es-ES_tradnl" sz="2400" dirty="0" err="1"/>
-              <a:t>task</a:t>
-            </a:r>
-            <a:r>
-              <a:rPr lang="es-ES_tradnl" sz="2400" dirty="0"/>
-              <a:t> </a:t>
-            </a:r>
-            <a:r>
-              <a:rPr lang="es-ES_tradnl" sz="2400" dirty="0" err="1"/>
-              <a:t>is</a:t>
-            </a:r>
-            <a:r>
-              <a:rPr lang="es-ES_tradnl" sz="2400" dirty="0"/>
-              <a:t> </a:t>
-            </a:r>
-            <a:r>
-              <a:rPr lang="es-ES_tradnl" sz="2400" dirty="0" err="1"/>
-              <a:t>modeling</a:t>
-            </a:r>
-            <a:r>
-              <a:rPr lang="es-ES_tradnl" sz="2400" dirty="0"/>
-              <a:t> and </a:t>
-            </a:r>
-            <a:r>
-              <a:rPr lang="es-ES_tradnl" sz="2400" dirty="0" err="1"/>
-              <a:t>matching</a:t>
-            </a:r>
-            <a:r>
-              <a:rPr lang="es-ES_tradnl" sz="2400" dirty="0"/>
-              <a:t> </a:t>
-            </a:r>
-            <a:r>
-              <a:rPr lang="es-ES_tradnl" sz="2400" dirty="0" err="1"/>
-              <a:t>the</a:t>
-            </a:r>
-            <a:r>
-              <a:rPr lang="es-ES_tradnl" sz="2400" dirty="0"/>
-              <a:t> taste of </a:t>
-            </a:r>
-            <a:r>
-              <a:rPr lang="es-ES_tradnl" sz="2400" dirty="0" err="1"/>
-              <a:t>the</a:t>
-            </a:r>
-            <a:r>
-              <a:rPr lang="es-ES_tradnl" sz="2400" dirty="0"/>
-              <a:t> </a:t>
-            </a:r>
-            <a:r>
-              <a:rPr lang="es-ES_tradnl" sz="2400" dirty="0" err="1"/>
-              <a:t>entire</a:t>
-            </a:r>
-            <a:r>
-              <a:rPr lang="es-ES_tradnl" sz="2400" dirty="0"/>
-              <a:t> </a:t>
-            </a:r>
-            <a:r>
-              <a:rPr lang="es-ES_tradnl" sz="2400" dirty="0" err="1"/>
-              <a:t>group</a:t>
-            </a:r>
-            <a:r>
-              <a:rPr lang="es-ES_tradnl" sz="2400" dirty="0"/>
-              <a:t> </a:t>
-            </a:r>
-            <a:r>
-              <a:rPr lang="es-ES_tradnl" sz="2400" dirty="0" err="1"/>
-              <a:t>even</a:t>
-            </a:r>
-            <a:r>
-              <a:rPr lang="es-ES_tradnl" sz="2400" dirty="0"/>
-              <a:t> </a:t>
-            </a:r>
-            <a:r>
-              <a:rPr lang="es-ES_tradnl" sz="2400" dirty="0" err="1"/>
-              <a:t>though</a:t>
-            </a:r>
-            <a:r>
-              <a:rPr lang="es-ES_tradnl" sz="2400" dirty="0"/>
-              <a:t> </a:t>
-            </a:r>
-            <a:r>
-              <a:rPr lang="es-ES_tradnl" sz="2400" dirty="0" err="1"/>
-              <a:t>only</a:t>
-            </a:r>
-            <a:r>
-              <a:rPr lang="es-ES_tradnl" sz="2400" dirty="0"/>
-              <a:t> individual </a:t>
-            </a:r>
-            <a:r>
-              <a:rPr lang="es-ES_tradnl" sz="2400" dirty="0" err="1"/>
-              <a:t>preferences</a:t>
-            </a:r>
-            <a:r>
-              <a:rPr lang="es-ES_tradnl" sz="2400" dirty="0"/>
-              <a:t> </a:t>
-            </a:r>
-            <a:r>
-              <a:rPr lang="es-ES_tradnl" sz="2400" dirty="0" err="1"/>
-              <a:t>may</a:t>
-            </a:r>
-            <a:r>
-              <a:rPr lang="es-ES_tradnl" sz="2400" dirty="0"/>
-              <a:t> be </a:t>
-            </a:r>
-            <a:r>
-              <a:rPr lang="es-ES_tradnl" sz="2400" dirty="0" err="1"/>
-              <a:t>known</a:t>
-            </a:r>
-            <a:r>
-              <a:rPr lang="es-ES_tradnl" sz="2400" dirty="0"/>
-              <a:t>. </a:t>
-            </a:r>
-          </a:p>
-          <a:p>
-            <a:endParaRPr lang="es-ES_tradnl" dirty="0"/>
-          </a:p>
-        </p:txBody>
-      </p:sp>
+      <p:pic>
+        <p:nvPicPr>
+          <p:cNvPr id="4" name="Imagen 3"/>
+          <p:cNvPicPr>
+            <a:picLocks noChangeAspect="1"/>
+          </p:cNvPicPr>
+          <p:nvPr/>
+        </p:nvPicPr>
+        <p:blipFill>
+          <a:blip r:embed="rId2"/>
+          <a:stretch>
+            <a:fillRect/>
+          </a:stretch>
+        </p:blipFill>
+        <p:spPr>
+          <a:xfrm>
+            <a:off x="2675168" y="2939816"/>
+            <a:ext cx="6841664" cy="2297201"/>
+          </a:xfrm>
+          <a:prstGeom prst="rect">
+            <a:avLst/>
+          </a:prstGeom>
+        </p:spPr>
+      </p:pic>
     </p:spTree>
     <p:extLst>
       <p:ext uri="{BB962C8B-B14F-4D97-AF65-F5344CB8AC3E}">
-        <p14:creationId xmlns:p14="http://schemas.microsoft.com/office/powerpoint/2010/main" val="1683120017"/>
+        <p14:creationId xmlns:p14="http://schemas.microsoft.com/office/powerpoint/2010/main" val="1294017428"/>
       </p:ext>
     </p:extLst>
   </p:cSld>
@@ -4911,348 +6516,32 @@
           </a:p>
         </p:txBody>
       </p:sp>
-      <p:sp>
-        <p:nvSpPr>
-          <p:cNvPr id="3" name="Marcador de contenido 2"/>
-          <p:cNvSpPr>
-            <a:spLocks noGrp="1"/>
-          </p:cNvSpPr>
+      <p:pic>
+        <p:nvPicPr>
+          <p:cNvPr id="4" name="Imagen 3"/>
+          <p:cNvPicPr>
+            <a:picLocks noGrp="1" noChangeAspect="1"/>
+          </p:cNvPicPr>
           <p:nvPr>
             <p:ph idx="1"/>
           </p:nvPr>
-        </p:nvSpPr>
-        <p:spPr/>
-        <p:txBody>
-          <a:bodyPr/>
-          <a:lstStyle/>
-          <a:p>
-            <a:r>
-              <a:rPr lang="es-ES_tradnl" b="1" dirty="0" err="1"/>
-              <a:t>Last.fm</a:t>
-            </a:r>
-            <a:r>
-              <a:rPr lang="es-ES_tradnl" b="1" dirty="0"/>
-              <a:t> </a:t>
-            </a:r>
-            <a:r>
-              <a:rPr lang="es-ES_tradnl" b="1" dirty="0" err="1"/>
-              <a:t>Dataset</a:t>
-            </a:r>
-            <a:r>
-              <a:rPr lang="es-ES_tradnl" b="1" dirty="0"/>
-              <a:t> - 1K </a:t>
-            </a:r>
-            <a:r>
-              <a:rPr lang="es-ES_tradnl" b="1" dirty="0" err="1"/>
-              <a:t>users</a:t>
-            </a:r>
-            <a:r>
-              <a:rPr lang="es-ES_tradnl" b="1" dirty="0"/>
-              <a:t> (</a:t>
-            </a:r>
-            <a:r>
-              <a:rPr lang="es-ES_tradnl" b="1" dirty="0" err="1"/>
-              <a:t>user</a:t>
-            </a:r>
-            <a:r>
-              <a:rPr lang="es-ES_tradnl" b="1" dirty="0"/>
-              <a:t> full </a:t>
-            </a:r>
-            <a:r>
-              <a:rPr lang="es-ES_tradnl" b="1" dirty="0" err="1"/>
-              <a:t>listening</a:t>
-            </a:r>
-            <a:r>
-              <a:rPr lang="es-ES_tradnl" b="1" dirty="0"/>
-              <a:t> </a:t>
-            </a:r>
-            <a:r>
-              <a:rPr lang="es-ES_tradnl" b="1" dirty="0" err="1"/>
-              <a:t>history</a:t>
-            </a:r>
-            <a:r>
-              <a:rPr lang="es-ES_tradnl" b="1" dirty="0"/>
-              <a:t>)</a:t>
-            </a:r>
-          </a:p>
-          <a:p>
-            <a:r>
-              <a:rPr lang="es-ES_tradnl" dirty="0" err="1"/>
-              <a:t>This</a:t>
-            </a:r>
-            <a:r>
-              <a:rPr lang="es-ES_tradnl" dirty="0"/>
-              <a:t> </a:t>
-            </a:r>
-            <a:r>
-              <a:rPr lang="es-ES_tradnl" dirty="0" err="1"/>
-              <a:t>dataset</a:t>
-            </a:r>
-            <a:r>
-              <a:rPr lang="es-ES_tradnl" dirty="0"/>
-              <a:t> </a:t>
-            </a:r>
-            <a:r>
-              <a:rPr lang="es-ES_tradnl" dirty="0" err="1"/>
-              <a:t>contains</a:t>
-            </a:r>
-            <a:r>
-              <a:rPr lang="es-ES_tradnl" dirty="0"/>
-              <a:t> &lt;</a:t>
-            </a:r>
-            <a:r>
-              <a:rPr lang="es-ES_tradnl" dirty="0" err="1"/>
-              <a:t>user</a:t>
-            </a:r>
-            <a:r>
-              <a:rPr lang="es-ES_tradnl" dirty="0"/>
-              <a:t>-id, </a:t>
-            </a:r>
-            <a:r>
-              <a:rPr lang="es-ES_tradnl" dirty="0" err="1"/>
-              <a:t>timestamp</a:t>
-            </a:r>
-            <a:r>
-              <a:rPr lang="es-ES_tradnl" dirty="0"/>
-              <a:t>, </a:t>
-            </a:r>
-            <a:r>
-              <a:rPr lang="es-ES_tradnl" dirty="0" err="1"/>
-              <a:t>artist-mbid</a:t>
-            </a:r>
-            <a:r>
-              <a:rPr lang="es-ES_tradnl" dirty="0"/>
-              <a:t>, </a:t>
-            </a:r>
-            <a:r>
-              <a:rPr lang="es-ES_tradnl" dirty="0" err="1"/>
-              <a:t>artist-name</a:t>
-            </a:r>
-            <a:r>
-              <a:rPr lang="es-ES_tradnl" dirty="0"/>
-              <a:t>, </a:t>
-            </a:r>
-            <a:r>
-              <a:rPr lang="es-ES_tradnl" dirty="0" err="1"/>
-              <a:t>song-mbid</a:t>
-            </a:r>
-            <a:r>
-              <a:rPr lang="es-ES_tradnl" dirty="0"/>
-              <a:t>, </a:t>
-            </a:r>
-            <a:r>
-              <a:rPr lang="es-ES_tradnl" dirty="0" err="1"/>
-              <a:t>song-title</a:t>
-            </a:r>
-            <a:r>
-              <a:rPr lang="es-ES_tradnl" dirty="0"/>
-              <a:t>&gt; </a:t>
-            </a:r>
-            <a:r>
-              <a:rPr lang="es-ES_tradnl" dirty="0" err="1"/>
-              <a:t>tuples</a:t>
-            </a:r>
-            <a:r>
-              <a:rPr lang="es-ES_tradnl" dirty="0"/>
-              <a:t> </a:t>
-            </a:r>
-            <a:r>
-              <a:rPr lang="es-ES_tradnl" dirty="0" err="1"/>
-              <a:t>collected</a:t>
-            </a:r>
-            <a:r>
-              <a:rPr lang="es-ES_tradnl" dirty="0"/>
-              <a:t> </a:t>
-            </a:r>
-            <a:r>
-              <a:rPr lang="es-ES_tradnl" dirty="0" err="1"/>
-              <a:t>from</a:t>
-            </a:r>
-            <a:r>
-              <a:rPr lang="es-ES_tradnl" dirty="0"/>
-              <a:t> </a:t>
-            </a:r>
-            <a:r>
-              <a:rPr lang="es-ES_tradnl" dirty="0">
-                <a:hlinkClick r:id="rId2"/>
-              </a:rPr>
-              <a:t>Last.fm API</a:t>
-            </a:r>
-            <a:r>
-              <a:rPr lang="es-ES_tradnl" dirty="0"/>
-              <a:t>, </a:t>
-            </a:r>
-            <a:r>
-              <a:rPr lang="es-ES_tradnl" dirty="0" err="1"/>
-              <a:t>using</a:t>
-            </a:r>
-            <a:r>
-              <a:rPr lang="es-ES_tradnl" dirty="0"/>
-              <a:t> </a:t>
-            </a:r>
-            <a:r>
-              <a:rPr lang="es-ES_tradnl" dirty="0" err="1"/>
-              <a:t>the</a:t>
-            </a:r>
-            <a:r>
-              <a:rPr lang="es-ES_tradnl" dirty="0"/>
-              <a:t> </a:t>
-            </a:r>
-            <a:r>
-              <a:rPr lang="es-ES_tradnl" dirty="0">
-                <a:hlinkClick r:id="rId3"/>
-              </a:rPr>
-              <a:t>user.getRecentTracks()</a:t>
-            </a:r>
-            <a:r>
-              <a:rPr lang="es-ES_tradnl" dirty="0"/>
-              <a:t> </a:t>
-            </a:r>
-            <a:r>
-              <a:rPr lang="es-ES_tradnl" dirty="0" err="1"/>
-              <a:t>method</a:t>
-            </a:r>
-            <a:r>
-              <a:rPr lang="es-ES_tradnl" dirty="0"/>
-              <a:t>. </a:t>
-            </a:r>
-            <a:br>
-              <a:rPr lang="es-ES_tradnl" dirty="0"/>
-            </a:br>
-            <a:r>
-              <a:rPr lang="es-ES_tradnl" dirty="0" err="1"/>
-              <a:t>The</a:t>
-            </a:r>
-            <a:r>
-              <a:rPr lang="es-ES_tradnl" dirty="0"/>
-              <a:t> </a:t>
-            </a:r>
-            <a:r>
-              <a:rPr lang="es-ES_tradnl" dirty="0" err="1"/>
-              <a:t>dataset</a:t>
-            </a:r>
-            <a:r>
-              <a:rPr lang="es-ES_tradnl" dirty="0"/>
-              <a:t> </a:t>
-            </a:r>
-            <a:r>
-              <a:rPr lang="es-ES_tradnl" dirty="0" err="1"/>
-              <a:t>represents</a:t>
-            </a:r>
-            <a:r>
-              <a:rPr lang="es-ES_tradnl" dirty="0"/>
-              <a:t> </a:t>
-            </a:r>
-            <a:r>
-              <a:rPr lang="es-ES_tradnl" dirty="0" err="1"/>
-              <a:t>the</a:t>
-            </a:r>
-            <a:r>
-              <a:rPr lang="es-ES_tradnl" dirty="0"/>
-              <a:t> full </a:t>
-            </a:r>
-            <a:r>
-              <a:rPr lang="es-ES_tradnl" dirty="0" err="1"/>
-              <a:t>listening</a:t>
-            </a:r>
-            <a:r>
-              <a:rPr lang="es-ES_tradnl" dirty="0"/>
-              <a:t> </a:t>
-            </a:r>
-            <a:r>
-              <a:rPr lang="es-ES_tradnl" dirty="0" err="1"/>
-              <a:t>history</a:t>
-            </a:r>
-            <a:r>
-              <a:rPr lang="es-ES_tradnl" dirty="0"/>
-              <a:t> (</a:t>
-            </a:r>
-            <a:r>
-              <a:rPr lang="es-ES_tradnl" dirty="0" err="1"/>
-              <a:t>till</a:t>
-            </a:r>
-            <a:r>
-              <a:rPr lang="es-ES_tradnl" dirty="0"/>
-              <a:t> </a:t>
-            </a:r>
-            <a:r>
-              <a:rPr lang="es-ES_tradnl" dirty="0" err="1"/>
-              <a:t>May</a:t>
-            </a:r>
-            <a:r>
-              <a:rPr lang="es-ES_tradnl" dirty="0"/>
-              <a:t>, 5th 2009) </a:t>
-            </a:r>
-            <a:r>
-              <a:rPr lang="es-ES_tradnl" dirty="0" err="1"/>
-              <a:t>for</a:t>
-            </a:r>
-            <a:r>
-              <a:rPr lang="es-ES_tradnl" dirty="0"/>
-              <a:t> </a:t>
-            </a:r>
-            <a:r>
-              <a:rPr lang="es-ES_tradnl" dirty="0" err="1"/>
-              <a:t>nearly</a:t>
-            </a:r>
-            <a:r>
-              <a:rPr lang="es-ES_tradnl" dirty="0"/>
-              <a:t> 1,000 </a:t>
-            </a:r>
-            <a:r>
-              <a:rPr lang="es-ES_tradnl" dirty="0" err="1"/>
-              <a:t>users</a:t>
-            </a:r>
-            <a:r>
-              <a:rPr lang="es-ES_tradnl" dirty="0"/>
-              <a:t>. </a:t>
-            </a:r>
-            <a:endParaRPr lang="es-ES_tradnl" dirty="0" smtClean="0"/>
-          </a:p>
-          <a:p>
-            <a:r>
-              <a:rPr lang="es-ES_tradnl" dirty="0" smtClean="0"/>
-              <a:t>(</a:t>
-            </a:r>
-            <a:r>
-              <a:rPr lang="es-ES_tradnl" dirty="0" err="1" smtClean="0"/>
-              <a:t>Source</a:t>
-            </a:r>
-            <a:r>
-              <a:rPr lang="es-ES_tradnl" dirty="0"/>
-              <a:t>: http://</a:t>
-            </a:r>
-            <a:r>
-              <a:rPr lang="es-ES_tradnl" dirty="0" err="1"/>
-              <a:t>www.dtic.upf.edu</a:t>
-            </a:r>
-            <a:r>
-              <a:rPr lang="es-ES_tradnl" dirty="0"/>
-              <a:t>/~</a:t>
-            </a:r>
-            <a:r>
-              <a:rPr lang="es-ES_tradnl" dirty="0" err="1"/>
-              <a:t>ocelma</a:t>
-            </a:r>
-            <a:r>
-              <a:rPr lang="es-ES_tradnl" dirty="0"/>
-              <a:t>/</a:t>
-            </a:r>
-            <a:r>
-              <a:rPr lang="es-ES_tradnl" dirty="0" err="1"/>
-              <a:t>MusicRecommendationDataset</a:t>
-            </a:r>
-            <a:r>
-              <a:rPr lang="es-ES_tradnl" dirty="0" smtClean="0"/>
-              <a:t>/)</a:t>
-            </a:r>
-            <a:endParaRPr lang="es-ES_tradnl" dirty="0"/>
-          </a:p>
-          <a:p>
-            <a:endParaRPr lang="es-ES_tradnl" dirty="0"/>
-          </a:p>
-        </p:txBody>
-      </p:sp>
+        </p:nvPicPr>
+        <p:blipFill>
+          <a:blip r:embed="rId2"/>
+          <a:stretch>
+            <a:fillRect/>
+          </a:stretch>
+        </p:blipFill>
+        <p:spPr>
+          <a:xfrm>
+            <a:off x="0" y="2443697"/>
+            <a:ext cx="12041554" cy="4123519"/>
+          </a:xfrm>
+          <a:prstGeom prst="rect">
+            <a:avLst/>
+          </a:prstGeom>
+        </p:spPr>
+      </p:pic>
     </p:spTree>
     <p:extLst>
       <p:ext uri="{BB962C8B-B14F-4D97-AF65-F5344CB8AC3E}">
@@ -5274,179 +6563,6 @@
 </file>
 
 <file path=ppt/slides/slide6.xml><?xml version="1.0" encoding="utf-8"?>
-<p:sld xmlns:a="http://schemas.openxmlformats.org/drawingml/2006/main" xmlns:r="http://schemas.openxmlformats.org/officeDocument/2006/relationships" xmlns:p="http://schemas.openxmlformats.org/presentationml/2006/main">
-  <p:cSld>
-    <p:spTree>
-      <p:nvGrpSpPr>
-        <p:cNvPr id="1" name=""/>
-        <p:cNvGrpSpPr/>
-        <p:nvPr/>
-      </p:nvGrpSpPr>
-      <p:grpSpPr>
-        <a:xfrm>
-          <a:off x="0" y="0"/>
-          <a:ext cx="0" cy="0"/>
-          <a:chOff x="0" y="0"/>
-          <a:chExt cx="0" cy="0"/>
-        </a:xfrm>
-      </p:grpSpPr>
-      <p:sp>
-        <p:nvSpPr>
-          <p:cNvPr id="2" name="Título 1"/>
-          <p:cNvSpPr>
-            <a:spLocks noGrp="1"/>
-          </p:cNvSpPr>
-          <p:nvPr>
-            <p:ph type="title"/>
-          </p:nvPr>
-        </p:nvSpPr>
-        <p:spPr>
-          <a:xfrm>
-            <a:off x="2231136" y="117222"/>
-            <a:ext cx="7729728" cy="1188720"/>
-          </a:xfrm>
-        </p:spPr>
-        <p:txBody>
-          <a:bodyPr/>
-          <a:lstStyle/>
-          <a:p>
-            <a:r>
-              <a:rPr lang="es-ES_tradnl" dirty="0" smtClean="0"/>
-              <a:t>Data </a:t>
-            </a:r>
-            <a:r>
-              <a:rPr lang="es-ES_tradnl" dirty="0" err="1" smtClean="0"/>
-              <a:t>insights</a:t>
-            </a:r>
-            <a:endParaRPr lang="es-ES_tradnl" dirty="0"/>
-          </a:p>
-        </p:txBody>
-      </p:sp>
-      <p:sp>
-        <p:nvSpPr>
-          <p:cNvPr id="3" name="Marcador de contenido 2"/>
-          <p:cNvSpPr>
-            <a:spLocks noGrp="1"/>
-          </p:cNvSpPr>
-          <p:nvPr>
-            <p:ph idx="1"/>
-          </p:nvPr>
-        </p:nvSpPr>
-        <p:spPr/>
-        <p:txBody>
-          <a:bodyPr/>
-          <a:lstStyle/>
-          <a:p>
-            <a:endParaRPr lang="es-ES_tradnl" dirty="0"/>
-          </a:p>
-        </p:txBody>
-      </p:sp>
-      <p:pic>
-        <p:nvPicPr>
-          <p:cNvPr id="4" name="Imagen 3"/>
-          <p:cNvPicPr>
-            <a:picLocks noChangeAspect="1"/>
-          </p:cNvPicPr>
-          <p:nvPr/>
-        </p:nvPicPr>
-        <p:blipFill>
-          <a:blip r:embed="rId2"/>
-          <a:stretch>
-            <a:fillRect/>
-          </a:stretch>
-        </p:blipFill>
-        <p:spPr>
-          <a:xfrm>
-            <a:off x="0" y="1353736"/>
-            <a:ext cx="12192000" cy="5504264"/>
-          </a:xfrm>
-          <a:prstGeom prst="rect">
-            <a:avLst/>
-          </a:prstGeom>
-        </p:spPr>
-      </p:pic>
-    </p:spTree>
-    <p:extLst>
-      <p:ext uri="{BB962C8B-B14F-4D97-AF65-F5344CB8AC3E}">
-        <p14:creationId xmlns:p14="http://schemas.microsoft.com/office/powerpoint/2010/main" val="1196990893"/>
-      </p:ext>
-    </p:extLst>
-  </p:cSld>
-  <p:clrMapOvr>
-    <a:masterClrMapping/>
-  </p:clrMapOvr>
-  <p:timing>
-    <p:tnLst>
-      <p:par>
-        <p:cTn id="1" dur="indefinite" restart="never" nodeType="tmRoot"/>
-      </p:par>
-    </p:tnLst>
-  </p:timing>
-</p:sld>
-</file>
-
-<file path=ppt/slides/slide7.xml><?xml version="1.0" encoding="utf-8"?>
-<p:sld xmlns:a="http://schemas.openxmlformats.org/drawingml/2006/main" xmlns:r="http://schemas.openxmlformats.org/officeDocument/2006/relationships" xmlns:p="http://schemas.openxmlformats.org/presentationml/2006/main">
-  <p:cSld>
-    <p:spTree>
-      <p:nvGrpSpPr>
-        <p:cNvPr id="1" name=""/>
-        <p:cNvGrpSpPr/>
-        <p:nvPr/>
-      </p:nvGrpSpPr>
-      <p:grpSpPr>
-        <a:xfrm>
-          <a:off x="0" y="0"/>
-          <a:ext cx="0" cy="0"/>
-          <a:chOff x="0" y="0"/>
-          <a:chExt cx="0" cy="0"/>
-        </a:xfrm>
-      </p:grpSpPr>
-      <p:pic>
-        <p:nvPicPr>
-          <p:cNvPr id="4" name="Imagen 3"/>
-          <p:cNvPicPr>
-            <a:picLocks noChangeAspect="1"/>
-          </p:cNvPicPr>
-          <p:nvPr/>
-        </p:nvPicPr>
-        <p:blipFill>
-          <a:blip r:embed="rId2"/>
-          <a:stretch>
-            <a:fillRect/>
-          </a:stretch>
-        </p:blipFill>
-        <p:spPr>
-          <a:xfrm>
-            <a:off x="0" y="1341481"/>
-            <a:ext cx="12192000" cy="4175038"/>
-          </a:xfrm>
-          <a:prstGeom prst="rect">
-            <a:avLst/>
-          </a:prstGeom>
-        </p:spPr>
-      </p:pic>
-    </p:spTree>
-    <p:extLst>
-      <p:ext uri="{BB962C8B-B14F-4D97-AF65-F5344CB8AC3E}">
-        <p14:creationId xmlns:p14="http://schemas.microsoft.com/office/powerpoint/2010/main" val="356392154"/>
-      </p:ext>
-    </p:extLst>
-  </p:cSld>
-  <p:clrMapOvr>
-    <a:masterClrMapping/>
-  </p:clrMapOvr>
-  <p:timing>
-    <p:tnLst>
-      <p:par>
-        <p:cTn id="1" dur="indefinite" restart="never" nodeType="tmRoot"/>
-      </p:par>
-    </p:tnLst>
-  </p:timing>
-</p:sld>
-</file>
-
-<file path=ppt/slides/slide8.xml><?xml version="1.0" encoding="utf-8"?>
 <p:sld xmlns:a="http://schemas.openxmlformats.org/drawingml/2006/main" xmlns:r="http://schemas.openxmlformats.org/officeDocument/2006/relationships" xmlns:p="http://schemas.openxmlformats.org/presentationml/2006/main">
   <p:cSld>
     <p:spTree>
@@ -5507,6 +6623,840 @@
 </p:sld>
 </file>
 
+<file path=ppt/slides/slide7.xml><?xml version="1.0" encoding="utf-8"?>
+<p:sld xmlns:a="http://schemas.openxmlformats.org/drawingml/2006/main" xmlns:r="http://schemas.openxmlformats.org/officeDocument/2006/relationships" xmlns:p="http://schemas.openxmlformats.org/presentationml/2006/main">
+  <p:cSld>
+    <p:spTree>
+      <p:nvGrpSpPr>
+        <p:cNvPr id="1" name=""/>
+        <p:cNvGrpSpPr/>
+        <p:nvPr/>
+      </p:nvGrpSpPr>
+      <p:grpSpPr>
+        <a:xfrm>
+          <a:off x="0" y="0"/>
+          <a:ext cx="0" cy="0"/>
+          <a:chOff x="0" y="0"/>
+          <a:chExt cx="0" cy="0"/>
+        </a:xfrm>
+      </p:grpSpPr>
+      <p:sp>
+        <p:nvSpPr>
+          <p:cNvPr id="2" name="Título 1"/>
+          <p:cNvSpPr>
+            <a:spLocks noGrp="1"/>
+          </p:cNvSpPr>
+          <p:nvPr>
+            <p:ph type="title"/>
+          </p:nvPr>
+        </p:nvSpPr>
+        <p:spPr/>
+        <p:txBody>
+          <a:bodyPr/>
+          <a:lstStyle/>
+          <a:p>
+            <a:r>
+              <a:rPr lang="es-ES_tradnl" dirty="0" err="1" smtClean="0"/>
+              <a:t>Utility</a:t>
+            </a:r>
+            <a:r>
+              <a:rPr lang="es-ES_tradnl" dirty="0" smtClean="0"/>
+              <a:t> </a:t>
+            </a:r>
+            <a:r>
+              <a:rPr lang="es-ES_tradnl" dirty="0" err="1" smtClean="0"/>
+              <a:t>matrix</a:t>
+            </a:r>
+            <a:endParaRPr lang="es-ES_tradnl" dirty="0"/>
+          </a:p>
+        </p:txBody>
+      </p:sp>
+      <p:sp>
+        <p:nvSpPr>
+          <p:cNvPr id="3" name="Marcador de contenido 2"/>
+          <p:cNvSpPr>
+            <a:spLocks noGrp="1"/>
+          </p:cNvSpPr>
+          <p:nvPr>
+            <p:ph idx="1"/>
+          </p:nvPr>
+        </p:nvSpPr>
+        <p:spPr/>
+        <p:txBody>
+          <a:bodyPr/>
+          <a:lstStyle/>
+          <a:p>
+            <a:r>
+              <a:rPr lang="es-ES_tradnl" dirty="0"/>
+              <a:t>In a </a:t>
+            </a:r>
+            <a:r>
+              <a:rPr lang="es-ES_tradnl" dirty="0" err="1"/>
+              <a:t>recommendation-system</a:t>
+            </a:r>
+            <a:r>
+              <a:rPr lang="es-ES_tradnl" dirty="0"/>
+              <a:t> </a:t>
+            </a:r>
+            <a:r>
+              <a:rPr lang="es-ES_tradnl" dirty="0" err="1"/>
+              <a:t>application</a:t>
+            </a:r>
+            <a:r>
+              <a:rPr lang="es-ES_tradnl" dirty="0"/>
+              <a:t> </a:t>
+            </a:r>
+            <a:r>
+              <a:rPr lang="es-ES_tradnl" dirty="0" err="1"/>
+              <a:t>there</a:t>
+            </a:r>
+            <a:r>
+              <a:rPr lang="es-ES_tradnl" dirty="0"/>
+              <a:t> are </a:t>
+            </a:r>
+            <a:r>
+              <a:rPr lang="es-ES_tradnl" dirty="0" err="1"/>
+              <a:t>two</a:t>
+            </a:r>
+            <a:r>
+              <a:rPr lang="es-ES_tradnl" dirty="0"/>
+              <a:t> </a:t>
+            </a:r>
+            <a:r>
+              <a:rPr lang="es-ES_tradnl" dirty="0" err="1"/>
+              <a:t>classes</a:t>
+            </a:r>
+            <a:r>
+              <a:rPr lang="es-ES_tradnl" dirty="0"/>
+              <a:t> of </a:t>
+            </a:r>
+            <a:r>
+              <a:rPr lang="es-ES_tradnl" dirty="0" err="1"/>
+              <a:t>entities</a:t>
+            </a:r>
+            <a:r>
+              <a:rPr lang="es-ES_tradnl" dirty="0"/>
+              <a:t>, </a:t>
+            </a:r>
+            <a:r>
+              <a:rPr lang="es-ES_tradnl" dirty="0" err="1"/>
+              <a:t>which</a:t>
+            </a:r>
+            <a:r>
+              <a:rPr lang="es-ES_tradnl" dirty="0"/>
+              <a:t> </a:t>
+            </a:r>
+            <a:r>
+              <a:rPr lang="es-ES_tradnl" dirty="0" err="1"/>
+              <a:t>we</a:t>
+            </a:r>
+            <a:r>
+              <a:rPr lang="es-ES_tradnl" dirty="0"/>
+              <a:t> </a:t>
+            </a:r>
+            <a:r>
+              <a:rPr lang="es-ES_tradnl" dirty="0" err="1"/>
+              <a:t>shall</a:t>
+            </a:r>
+            <a:r>
+              <a:rPr lang="es-ES_tradnl" dirty="0"/>
+              <a:t> </a:t>
+            </a:r>
+            <a:r>
+              <a:rPr lang="es-ES_tradnl" dirty="0" err="1"/>
+              <a:t>refer</a:t>
+            </a:r>
+            <a:r>
+              <a:rPr lang="es-ES_tradnl" dirty="0"/>
+              <a:t> to as </a:t>
+            </a:r>
+            <a:r>
+              <a:rPr lang="es-ES_tradnl" b="1" dirty="0" err="1"/>
+              <a:t>users</a:t>
+            </a:r>
+            <a:r>
+              <a:rPr lang="es-ES_tradnl" dirty="0"/>
+              <a:t> and </a:t>
+            </a:r>
+            <a:r>
+              <a:rPr lang="es-ES_tradnl" b="1" dirty="0" err="1" smtClean="0"/>
+              <a:t>items</a:t>
+            </a:r>
+            <a:r>
+              <a:rPr lang="es-ES_tradnl" b="1" dirty="0" smtClean="0"/>
+              <a:t>.</a:t>
+            </a:r>
+          </a:p>
+          <a:p>
+            <a:r>
+              <a:rPr lang="es-ES_tradnl" dirty="0"/>
+              <a:t>D</a:t>
+            </a:r>
+            <a:r>
+              <a:rPr lang="es-ES_tradnl" dirty="0" smtClean="0"/>
+              <a:t>ata </a:t>
+            </a:r>
+            <a:r>
+              <a:rPr lang="es-ES_tradnl" dirty="0" err="1"/>
+              <a:t>itself</a:t>
+            </a:r>
+            <a:r>
+              <a:rPr lang="es-ES_tradnl" dirty="0"/>
+              <a:t> </a:t>
+            </a:r>
+            <a:r>
+              <a:rPr lang="es-ES_tradnl" dirty="0" err="1"/>
+              <a:t>is</a:t>
+            </a:r>
+            <a:r>
+              <a:rPr lang="es-ES_tradnl" dirty="0"/>
+              <a:t> </a:t>
+            </a:r>
+            <a:r>
+              <a:rPr lang="es-ES_tradnl" dirty="0" err="1" smtClean="0"/>
+              <a:t>represented</a:t>
+            </a:r>
+            <a:r>
+              <a:rPr lang="es-ES_tradnl" dirty="0" smtClean="0"/>
+              <a:t> </a:t>
+            </a:r>
+            <a:r>
+              <a:rPr lang="es-ES_tradnl" dirty="0"/>
+              <a:t>as a </a:t>
+            </a:r>
+            <a:r>
+              <a:rPr lang="es-ES_tradnl" dirty="0" err="1"/>
+              <a:t>utility</a:t>
+            </a:r>
+            <a:r>
+              <a:rPr lang="es-ES_tradnl" dirty="0"/>
+              <a:t> </a:t>
+            </a:r>
+            <a:r>
+              <a:rPr lang="es-ES_tradnl" dirty="0" err="1"/>
+              <a:t>matrix</a:t>
+            </a:r>
+            <a:r>
+              <a:rPr lang="es-ES_tradnl" dirty="0"/>
+              <a:t>, </a:t>
+            </a:r>
+            <a:r>
+              <a:rPr lang="es-ES_tradnl" dirty="0" err="1"/>
+              <a:t>giving</a:t>
+            </a:r>
+            <a:r>
+              <a:rPr lang="es-ES_tradnl" dirty="0"/>
+              <a:t> </a:t>
+            </a:r>
+            <a:r>
+              <a:rPr lang="es-ES_tradnl" dirty="0" err="1"/>
+              <a:t>for</a:t>
+            </a:r>
+            <a:r>
+              <a:rPr lang="es-ES_tradnl" dirty="0"/>
+              <a:t> </a:t>
+            </a:r>
+            <a:r>
+              <a:rPr lang="es-ES_tradnl" dirty="0" err="1"/>
+              <a:t>each</a:t>
+            </a:r>
+            <a:r>
+              <a:rPr lang="es-ES_tradnl" dirty="0"/>
+              <a:t> </a:t>
+            </a:r>
+            <a:r>
+              <a:rPr lang="es-ES_tradnl" dirty="0" err="1"/>
+              <a:t>user-item</a:t>
+            </a:r>
+            <a:r>
+              <a:rPr lang="es-ES_tradnl" dirty="0"/>
+              <a:t> </a:t>
+            </a:r>
+            <a:r>
+              <a:rPr lang="es-ES_tradnl" dirty="0" err="1"/>
+              <a:t>pair</a:t>
+            </a:r>
+            <a:r>
+              <a:rPr lang="es-ES_tradnl" dirty="0"/>
+              <a:t>, a </a:t>
+            </a:r>
+            <a:r>
+              <a:rPr lang="es-ES_tradnl" dirty="0" err="1"/>
+              <a:t>value</a:t>
+            </a:r>
+            <a:r>
+              <a:rPr lang="es-ES_tradnl" dirty="0"/>
+              <a:t> </a:t>
+            </a:r>
+            <a:r>
+              <a:rPr lang="es-ES_tradnl" dirty="0" err="1"/>
+              <a:t>that</a:t>
+            </a:r>
+            <a:r>
+              <a:rPr lang="es-ES_tradnl" dirty="0"/>
+              <a:t> </a:t>
+            </a:r>
+            <a:r>
+              <a:rPr lang="es-ES_tradnl" dirty="0" err="1"/>
+              <a:t>represents</a:t>
+            </a:r>
+            <a:r>
+              <a:rPr lang="es-ES_tradnl" dirty="0"/>
+              <a:t> </a:t>
+            </a:r>
+            <a:r>
+              <a:rPr lang="es-ES_tradnl" dirty="0" err="1"/>
+              <a:t>what</a:t>
+            </a:r>
+            <a:r>
+              <a:rPr lang="es-ES_tradnl" dirty="0"/>
+              <a:t> </a:t>
+            </a:r>
+            <a:r>
+              <a:rPr lang="es-ES_tradnl" dirty="0" err="1"/>
+              <a:t>is</a:t>
+            </a:r>
+            <a:r>
+              <a:rPr lang="es-ES_tradnl" dirty="0"/>
+              <a:t> </a:t>
+            </a:r>
+            <a:r>
+              <a:rPr lang="es-ES_tradnl" dirty="0" err="1"/>
+              <a:t>known</a:t>
+            </a:r>
+            <a:r>
+              <a:rPr lang="es-ES_tradnl" dirty="0"/>
+              <a:t> </a:t>
+            </a:r>
+            <a:r>
+              <a:rPr lang="es-ES_tradnl" dirty="0" err="1"/>
+              <a:t>about</a:t>
+            </a:r>
+            <a:r>
+              <a:rPr lang="es-ES_tradnl" dirty="0"/>
+              <a:t> </a:t>
+            </a:r>
+            <a:r>
+              <a:rPr lang="es-ES_tradnl" dirty="0" err="1"/>
+              <a:t>the</a:t>
+            </a:r>
+            <a:r>
+              <a:rPr lang="es-ES_tradnl" dirty="0"/>
+              <a:t> </a:t>
+            </a:r>
+            <a:r>
+              <a:rPr lang="es-ES_tradnl" dirty="0" err="1"/>
+              <a:t>degree</a:t>
+            </a:r>
+            <a:r>
+              <a:rPr lang="es-ES_tradnl" dirty="0"/>
+              <a:t> of </a:t>
+            </a:r>
+            <a:r>
+              <a:rPr lang="es-ES_tradnl" dirty="0" err="1"/>
+              <a:t>preference</a:t>
+            </a:r>
+            <a:r>
+              <a:rPr lang="es-ES_tradnl" dirty="0"/>
+              <a:t> of </a:t>
+            </a:r>
+            <a:r>
+              <a:rPr lang="es-ES_tradnl" dirty="0" err="1"/>
+              <a:t>that</a:t>
+            </a:r>
+            <a:r>
+              <a:rPr lang="es-ES_tradnl" dirty="0"/>
+              <a:t> </a:t>
+            </a:r>
+            <a:r>
+              <a:rPr lang="es-ES_tradnl" dirty="0" err="1"/>
+              <a:t>user</a:t>
+            </a:r>
+            <a:r>
+              <a:rPr lang="es-ES_tradnl" dirty="0"/>
+              <a:t> </a:t>
+            </a:r>
+            <a:r>
+              <a:rPr lang="es-ES_tradnl" dirty="0" err="1"/>
+              <a:t>for</a:t>
+            </a:r>
+            <a:r>
+              <a:rPr lang="es-ES_tradnl" dirty="0"/>
+              <a:t> </a:t>
+            </a:r>
+            <a:r>
+              <a:rPr lang="es-ES_tradnl" dirty="0" err="1"/>
+              <a:t>that</a:t>
+            </a:r>
+            <a:r>
+              <a:rPr lang="es-ES_tradnl" dirty="0"/>
+              <a:t> </a:t>
+            </a:r>
+            <a:r>
+              <a:rPr lang="es-ES_tradnl" dirty="0" err="1" smtClean="0"/>
+              <a:t>item</a:t>
+            </a:r>
+            <a:r>
+              <a:rPr lang="es-ES_tradnl" dirty="0" smtClean="0"/>
+              <a:t>. (In </a:t>
+            </a:r>
+            <a:r>
+              <a:rPr lang="es-ES_tradnl" dirty="0" err="1" smtClean="0"/>
+              <a:t>our</a:t>
+            </a:r>
+            <a:r>
+              <a:rPr lang="es-ES_tradnl" dirty="0" smtClean="0"/>
+              <a:t> case, </a:t>
+            </a:r>
+            <a:r>
+              <a:rPr lang="es-ES_tradnl" b="1" dirty="0" smtClean="0"/>
+              <a:t>times </a:t>
+            </a:r>
+            <a:r>
+              <a:rPr lang="es-ES_tradnl" b="1" dirty="0" err="1" smtClean="0"/>
+              <a:t>listened</a:t>
+            </a:r>
+            <a:r>
+              <a:rPr lang="es-ES_tradnl" b="1" dirty="0" smtClean="0"/>
+              <a:t> </a:t>
+            </a:r>
+            <a:r>
+              <a:rPr lang="es-ES_tradnl" dirty="0" err="1" smtClean="0"/>
+              <a:t>for</a:t>
+            </a:r>
+            <a:r>
+              <a:rPr lang="es-ES_tradnl" dirty="0" smtClean="0"/>
+              <a:t> </a:t>
+            </a:r>
+            <a:r>
+              <a:rPr lang="es-ES_tradnl" dirty="0" err="1" smtClean="0"/>
+              <a:t>each</a:t>
+            </a:r>
+            <a:r>
+              <a:rPr lang="es-ES_tradnl" dirty="0" smtClean="0"/>
+              <a:t> </a:t>
+            </a:r>
+            <a:r>
+              <a:rPr lang="es-ES_tradnl" dirty="0" err="1" smtClean="0"/>
+              <a:t>user</a:t>
+            </a:r>
+            <a:r>
+              <a:rPr lang="es-ES_tradnl" dirty="0" smtClean="0"/>
+              <a:t> and </a:t>
+            </a:r>
+            <a:r>
+              <a:rPr lang="es-ES_tradnl" dirty="0" err="1" smtClean="0"/>
+              <a:t>track</a:t>
+            </a:r>
+            <a:r>
+              <a:rPr lang="es-ES_tradnl" dirty="0" smtClean="0"/>
+              <a:t>)</a:t>
+            </a:r>
+            <a:endParaRPr lang="es-ES_tradnl" dirty="0"/>
+          </a:p>
+          <a:p>
+            <a:r>
+              <a:rPr lang="es-ES_tradnl" sz="2400" b="1" dirty="0" smtClean="0"/>
+              <a:t>HYPER SPARSE MATRIX!!!!!!!</a:t>
+            </a:r>
+            <a:endParaRPr lang="es-ES_tradnl" sz="2400" b="1" dirty="0"/>
+          </a:p>
+        </p:txBody>
+      </p:sp>
+    </p:spTree>
+    <p:extLst>
+      <p:ext uri="{BB962C8B-B14F-4D97-AF65-F5344CB8AC3E}">
+        <p14:creationId xmlns:p14="http://schemas.microsoft.com/office/powerpoint/2010/main" val="1101335728"/>
+      </p:ext>
+    </p:extLst>
+  </p:cSld>
+  <p:clrMapOvr>
+    <a:masterClrMapping/>
+  </p:clrMapOvr>
+  <p:timing>
+    <p:tnLst>
+      <p:par>
+        <p:cTn id="1" dur="indefinite" restart="never" nodeType="tmRoot"/>
+      </p:par>
+    </p:tnLst>
+  </p:timing>
+</p:sld>
+</file>
+
+<file path=ppt/slides/slide8.xml><?xml version="1.0" encoding="utf-8"?>
+<p:sld xmlns:a="http://schemas.openxmlformats.org/drawingml/2006/main" xmlns:r="http://schemas.openxmlformats.org/officeDocument/2006/relationships" xmlns:p="http://schemas.openxmlformats.org/presentationml/2006/main">
+  <p:cSld>
+    <p:spTree>
+      <p:nvGrpSpPr>
+        <p:cNvPr id="1" name=""/>
+        <p:cNvGrpSpPr/>
+        <p:nvPr/>
+      </p:nvGrpSpPr>
+      <p:grpSpPr>
+        <a:xfrm>
+          <a:off x="0" y="0"/>
+          <a:ext cx="0" cy="0"/>
+          <a:chOff x="0" y="0"/>
+          <a:chExt cx="0" cy="0"/>
+        </a:xfrm>
+      </p:grpSpPr>
+      <p:sp>
+        <p:nvSpPr>
+          <p:cNvPr id="2" name="Título 1"/>
+          <p:cNvSpPr>
+            <a:spLocks noGrp="1"/>
+          </p:cNvSpPr>
+          <p:nvPr>
+            <p:ph type="title"/>
+          </p:nvPr>
+        </p:nvSpPr>
+        <p:spPr/>
+        <p:txBody>
+          <a:bodyPr/>
+          <a:lstStyle/>
+          <a:p>
+            <a:r>
+              <a:rPr lang="es-ES_tradnl" b="1" dirty="0" smtClean="0">
+                <a:solidFill>
+                  <a:srgbClr val="FF0000"/>
+                </a:solidFill>
+              </a:rPr>
+              <a:t>PROBLEM!!</a:t>
+            </a:r>
+            <a:endParaRPr lang="es-ES_tradnl" b="1" dirty="0">
+              <a:solidFill>
+                <a:srgbClr val="FF0000"/>
+              </a:solidFill>
+            </a:endParaRPr>
+          </a:p>
+        </p:txBody>
+      </p:sp>
+      <p:sp>
+        <p:nvSpPr>
+          <p:cNvPr id="3" name="Marcador de contenido 2"/>
+          <p:cNvSpPr>
+            <a:spLocks noGrp="1"/>
+          </p:cNvSpPr>
+          <p:nvPr>
+            <p:ph idx="1"/>
+          </p:nvPr>
+        </p:nvSpPr>
+        <p:spPr>
+          <a:xfrm>
+            <a:off x="2231136" y="2638044"/>
+            <a:ext cx="8584502" cy="3777044"/>
+          </a:xfrm>
+        </p:spPr>
+        <p:txBody>
+          <a:bodyPr>
+            <a:normAutofit lnSpcReduction="10000"/>
+          </a:bodyPr>
+          <a:lstStyle/>
+          <a:p>
+            <a:r>
+              <a:rPr lang="es-ES_tradnl" dirty="0" err="1" smtClean="0"/>
+              <a:t>This</a:t>
+            </a:r>
+            <a:r>
+              <a:rPr lang="es-ES_tradnl" dirty="0" smtClean="0"/>
+              <a:t> </a:t>
+            </a:r>
+            <a:r>
+              <a:rPr lang="es-ES_tradnl" dirty="0" err="1" smtClean="0"/>
+              <a:t>methods</a:t>
+            </a:r>
+            <a:r>
+              <a:rPr lang="es-ES_tradnl" dirty="0" smtClean="0"/>
+              <a:t> are </a:t>
+            </a:r>
+            <a:r>
+              <a:rPr lang="es-ES_tradnl" dirty="0" err="1" smtClean="0"/>
+              <a:t>usually</a:t>
+            </a:r>
+            <a:r>
+              <a:rPr lang="es-ES_tradnl" dirty="0" smtClean="0"/>
+              <a:t> </a:t>
+            </a:r>
+            <a:r>
+              <a:rPr lang="es-ES_tradnl" dirty="0" err="1" smtClean="0"/>
+              <a:t>based</a:t>
+            </a:r>
+            <a:r>
+              <a:rPr lang="es-ES_tradnl" dirty="0" smtClean="0"/>
+              <a:t> </a:t>
+            </a:r>
+            <a:r>
+              <a:rPr lang="es-ES_tradnl" dirty="0" err="1" smtClean="0"/>
+              <a:t>around</a:t>
+            </a:r>
+            <a:r>
+              <a:rPr lang="es-ES_tradnl" dirty="0" smtClean="0"/>
+              <a:t> </a:t>
+            </a:r>
+            <a:r>
+              <a:rPr lang="es-ES_tradnl" dirty="0" err="1" smtClean="0"/>
+              <a:t>the</a:t>
+            </a:r>
+            <a:r>
+              <a:rPr lang="es-ES_tradnl" dirty="0" smtClean="0"/>
+              <a:t> concept of RATINGS.</a:t>
+            </a:r>
+          </a:p>
+          <a:p>
+            <a:endParaRPr lang="es-ES_tradnl" dirty="0"/>
+          </a:p>
+          <a:p>
+            <a:endParaRPr lang="es-ES_tradnl" dirty="0" smtClean="0"/>
+          </a:p>
+          <a:p>
+            <a:endParaRPr lang="es-ES_tradnl" dirty="0"/>
+          </a:p>
+          <a:p>
+            <a:endParaRPr lang="es-ES_tradnl" dirty="0" smtClean="0"/>
+          </a:p>
+          <a:p>
+            <a:endParaRPr lang="es-ES_tradnl" dirty="0"/>
+          </a:p>
+          <a:p>
+            <a:endParaRPr lang="es-ES_tradnl" dirty="0" smtClean="0"/>
+          </a:p>
+          <a:p>
+            <a:r>
+              <a:rPr lang="es-ES_tradnl" dirty="0" smtClean="0"/>
+              <a:t>In </a:t>
+            </a:r>
+            <a:r>
+              <a:rPr lang="es-ES_tradnl" dirty="0" err="1" smtClean="0"/>
+              <a:t>the</a:t>
+            </a:r>
+            <a:r>
+              <a:rPr lang="es-ES_tradnl" dirty="0" smtClean="0"/>
+              <a:t> </a:t>
+            </a:r>
+            <a:r>
+              <a:rPr lang="es-ES_tradnl" dirty="0" err="1" smtClean="0"/>
+              <a:t>fig</a:t>
+            </a:r>
+            <a:r>
+              <a:rPr lang="es-ES_tradnl" dirty="0" smtClean="0"/>
+              <a:t>, </a:t>
+            </a:r>
+            <a:r>
+              <a:rPr lang="es-ES_tradnl" dirty="0" err="1" smtClean="0"/>
+              <a:t>users</a:t>
+            </a:r>
+            <a:r>
+              <a:rPr lang="es-ES_tradnl" dirty="0" smtClean="0"/>
+              <a:t> A, B, C and D </a:t>
+            </a:r>
+            <a:r>
+              <a:rPr lang="es-ES_tradnl" dirty="0" err="1" smtClean="0"/>
+              <a:t>rate</a:t>
+            </a:r>
+            <a:r>
+              <a:rPr lang="es-ES_tradnl" dirty="0" smtClean="0"/>
+              <a:t> Harry Potter, </a:t>
+            </a:r>
+            <a:r>
+              <a:rPr lang="es-ES_tradnl" dirty="0" err="1" smtClean="0"/>
+              <a:t>Twilight</a:t>
+            </a:r>
+            <a:r>
+              <a:rPr lang="es-ES_tradnl" dirty="0" smtClean="0"/>
+              <a:t> and </a:t>
+            </a:r>
+            <a:r>
+              <a:rPr lang="es-ES_tradnl" dirty="0" err="1" smtClean="0"/>
+              <a:t>Star</a:t>
+            </a:r>
+            <a:r>
+              <a:rPr lang="es-ES_tradnl" dirty="0" smtClean="0"/>
+              <a:t> </a:t>
+            </a:r>
+            <a:r>
+              <a:rPr lang="es-ES_tradnl" dirty="0" err="1" smtClean="0"/>
+              <a:t>Wars</a:t>
+            </a:r>
+            <a:r>
+              <a:rPr lang="es-ES_tradnl" dirty="0" smtClean="0"/>
+              <a:t> </a:t>
+            </a:r>
+            <a:r>
+              <a:rPr lang="es-ES_tradnl" dirty="0" err="1" smtClean="0"/>
+              <a:t>movies</a:t>
+            </a:r>
+            <a:r>
+              <a:rPr lang="es-ES_tradnl" dirty="0" smtClean="0"/>
+              <a:t> in </a:t>
+            </a:r>
+            <a:r>
+              <a:rPr lang="es-ES_tradnl" dirty="0" err="1" smtClean="0"/>
+              <a:t>this</a:t>
+            </a:r>
+            <a:r>
+              <a:rPr lang="es-ES_tradnl" dirty="0" smtClean="0"/>
+              <a:t> </a:t>
+            </a:r>
+            <a:r>
+              <a:rPr lang="es-ES_tradnl" dirty="0" err="1" smtClean="0"/>
+              <a:t>utility</a:t>
+            </a:r>
+            <a:r>
+              <a:rPr lang="es-ES_tradnl" dirty="0" smtClean="0"/>
+              <a:t> </a:t>
+            </a:r>
+            <a:r>
+              <a:rPr lang="es-ES_tradnl" dirty="0" err="1" smtClean="0"/>
+              <a:t>matrix</a:t>
+            </a:r>
+            <a:r>
+              <a:rPr lang="es-ES_tradnl" dirty="0" smtClean="0"/>
+              <a:t>.</a:t>
+            </a:r>
+          </a:p>
+          <a:p>
+            <a:r>
+              <a:rPr lang="es-ES_tradnl" dirty="0" err="1" smtClean="0"/>
+              <a:t>Our</a:t>
+            </a:r>
+            <a:r>
+              <a:rPr lang="es-ES_tradnl" dirty="0" smtClean="0"/>
+              <a:t> </a:t>
+            </a:r>
+            <a:r>
+              <a:rPr lang="es-ES_tradnl" dirty="0" err="1" smtClean="0"/>
+              <a:t>matrix</a:t>
+            </a:r>
+            <a:r>
+              <a:rPr lang="es-ES_tradnl" dirty="0" smtClean="0"/>
+              <a:t> looks </a:t>
+            </a:r>
+            <a:r>
+              <a:rPr lang="es-ES_tradnl" dirty="0" err="1" smtClean="0"/>
+              <a:t>like</a:t>
+            </a:r>
+            <a:r>
+              <a:rPr lang="es-ES_tradnl" dirty="0" smtClean="0"/>
+              <a:t> </a:t>
+            </a:r>
+            <a:r>
+              <a:rPr lang="es-ES_tradnl" dirty="0" err="1" smtClean="0"/>
+              <a:t>that</a:t>
+            </a:r>
+            <a:r>
+              <a:rPr lang="es-ES_tradnl" dirty="0" smtClean="0"/>
+              <a:t> </a:t>
+            </a:r>
+            <a:r>
+              <a:rPr lang="es-ES_tradnl" dirty="0" err="1" smtClean="0"/>
+              <a:t>one</a:t>
+            </a:r>
+            <a:r>
+              <a:rPr lang="es-ES_tradnl" dirty="0" smtClean="0"/>
+              <a:t> </a:t>
+            </a:r>
+            <a:r>
+              <a:rPr lang="es-ES_tradnl" dirty="0" err="1" smtClean="0"/>
+              <a:t>too</a:t>
+            </a:r>
+            <a:r>
+              <a:rPr lang="es-ES_tradnl" dirty="0" smtClean="0"/>
+              <a:t>: </a:t>
+            </a:r>
+            <a:r>
+              <a:rPr lang="es-ES_tradnl" b="1" dirty="0" smtClean="0"/>
+              <a:t>BUT </a:t>
+            </a:r>
+            <a:r>
+              <a:rPr lang="es-ES_tradnl" dirty="0" err="1" smtClean="0"/>
+              <a:t>integers</a:t>
+            </a:r>
+            <a:r>
+              <a:rPr lang="es-ES_tradnl" dirty="0" smtClean="0"/>
+              <a:t> </a:t>
+            </a:r>
+            <a:r>
+              <a:rPr lang="es-ES_tradnl" dirty="0" err="1" smtClean="0"/>
+              <a:t>reflect</a:t>
+            </a:r>
+            <a:r>
+              <a:rPr lang="es-ES_tradnl" dirty="0" smtClean="0"/>
+              <a:t> </a:t>
+            </a:r>
+            <a:r>
+              <a:rPr lang="es-ES_tradnl" b="1" dirty="0" err="1" smtClean="0"/>
+              <a:t>quantity</a:t>
+            </a:r>
+            <a:r>
+              <a:rPr lang="es-ES_tradnl" dirty="0" smtClean="0"/>
+              <a:t>, </a:t>
+            </a:r>
+            <a:r>
+              <a:rPr lang="es-ES_tradnl" dirty="0" err="1" smtClean="0"/>
+              <a:t>not</a:t>
+            </a:r>
+            <a:r>
+              <a:rPr lang="es-ES_tradnl" dirty="0" smtClean="0"/>
+              <a:t> </a:t>
+            </a:r>
+            <a:r>
+              <a:rPr lang="es-ES_tradnl" dirty="0" err="1" smtClean="0"/>
+              <a:t>quality</a:t>
+            </a:r>
+            <a:r>
+              <a:rPr lang="es-ES_tradnl" dirty="0" smtClean="0"/>
+              <a:t>.</a:t>
+            </a:r>
+          </a:p>
+          <a:p>
+            <a:endParaRPr lang="es-ES_tradnl" dirty="0"/>
+          </a:p>
+        </p:txBody>
+      </p:sp>
+      <p:pic>
+        <p:nvPicPr>
+          <p:cNvPr id="5" name="Imagen 4"/>
+          <p:cNvPicPr>
+            <a:picLocks noChangeAspect="1"/>
+          </p:cNvPicPr>
+          <p:nvPr/>
+        </p:nvPicPr>
+        <p:blipFill>
+          <a:blip r:embed="rId2"/>
+          <a:stretch>
+            <a:fillRect/>
+          </a:stretch>
+        </p:blipFill>
+        <p:spPr>
+          <a:xfrm>
+            <a:off x="2751153" y="2981929"/>
+            <a:ext cx="6689694" cy="2161572"/>
+          </a:xfrm>
+          <a:prstGeom prst="rect">
+            <a:avLst/>
+          </a:prstGeom>
+        </p:spPr>
+      </p:pic>
+    </p:spTree>
+    <p:extLst>
+      <p:ext uri="{BB962C8B-B14F-4D97-AF65-F5344CB8AC3E}">
+        <p14:creationId xmlns:p14="http://schemas.microsoft.com/office/powerpoint/2010/main" val="1305490424"/>
+      </p:ext>
+    </p:extLst>
+  </p:cSld>
+  <p:clrMapOvr>
+    <a:masterClrMapping/>
+  </p:clrMapOvr>
+  <p:timing>
+    <p:tnLst>
+      <p:par>
+        <p:cTn id="1" dur="indefinite" restart="never" nodeType="tmRoot"/>
+      </p:par>
+    </p:tnLst>
+  </p:timing>
+</p:sld>
+</file>
+
 <file path=ppt/slides/slide9.xml><?xml version="1.0" encoding="utf-8"?>
 <p:sld xmlns:a="http://schemas.openxmlformats.org/drawingml/2006/main" xmlns:r="http://schemas.openxmlformats.org/officeDocument/2006/relationships" xmlns:p="http://schemas.openxmlformats.org/presentationml/2006/main">
   <p:cSld>
@@ -5540,417 +7490,41 @@
           <a:lstStyle/>
           <a:p>
             <a:r>
-              <a:rPr lang="es-ES_tradnl" dirty="0" err="1" smtClean="0"/>
-              <a:t>Utility</a:t>
-            </a:r>
-            <a:r>
               <a:rPr lang="es-ES_tradnl" dirty="0" smtClean="0"/>
-              <a:t> </a:t>
-            </a:r>
-            <a:r>
-              <a:rPr lang="es-ES_tradnl" dirty="0" err="1" smtClean="0"/>
-              <a:t>matrix</a:t>
+              <a:t>OUR SOLUTION</a:t>
             </a:r>
             <a:endParaRPr lang="es-ES_tradnl" dirty="0"/>
           </a:p>
         </p:txBody>
       </p:sp>
-      <p:sp>
-        <p:nvSpPr>
-          <p:cNvPr id="3" name="Marcador de contenido 2"/>
-          <p:cNvSpPr>
-            <a:spLocks noGrp="1"/>
-          </p:cNvSpPr>
-          <p:nvPr>
-            <p:ph idx="1"/>
-          </p:nvPr>
-        </p:nvSpPr>
-        <p:spPr/>
-        <p:txBody>
-          <a:bodyPr/>
-          <a:lstStyle/>
-          <a:p>
-            <a:r>
-              <a:rPr lang="es-ES_tradnl" dirty="0"/>
-              <a:t>In a </a:t>
-            </a:r>
-            <a:r>
-              <a:rPr lang="es-ES_tradnl" dirty="0" err="1"/>
-              <a:t>recommendation-system</a:t>
-            </a:r>
-            <a:r>
-              <a:rPr lang="es-ES_tradnl" dirty="0"/>
-              <a:t> </a:t>
-            </a:r>
-            <a:r>
-              <a:rPr lang="es-ES_tradnl" dirty="0" err="1"/>
-              <a:t>application</a:t>
-            </a:r>
-            <a:r>
-              <a:rPr lang="es-ES_tradnl" dirty="0"/>
-              <a:t> </a:t>
-            </a:r>
-            <a:r>
-              <a:rPr lang="es-ES_tradnl" dirty="0" err="1"/>
-              <a:t>there</a:t>
-            </a:r>
-            <a:r>
-              <a:rPr lang="es-ES_tradnl" dirty="0"/>
-              <a:t> are </a:t>
-            </a:r>
-            <a:r>
-              <a:rPr lang="es-ES_tradnl" dirty="0" err="1"/>
-              <a:t>two</a:t>
-            </a:r>
-            <a:r>
-              <a:rPr lang="es-ES_tradnl" dirty="0"/>
-              <a:t> </a:t>
-            </a:r>
-            <a:r>
-              <a:rPr lang="es-ES_tradnl" dirty="0" err="1"/>
-              <a:t>classes</a:t>
-            </a:r>
-            <a:r>
-              <a:rPr lang="es-ES_tradnl" dirty="0"/>
-              <a:t> of </a:t>
-            </a:r>
-            <a:r>
-              <a:rPr lang="es-ES_tradnl" dirty="0" err="1"/>
-              <a:t>entities</a:t>
-            </a:r>
-            <a:r>
-              <a:rPr lang="es-ES_tradnl" dirty="0"/>
-              <a:t>, </a:t>
-            </a:r>
-            <a:r>
-              <a:rPr lang="es-ES_tradnl" dirty="0" err="1"/>
-              <a:t>which</a:t>
-            </a:r>
-            <a:r>
-              <a:rPr lang="es-ES_tradnl" dirty="0"/>
-              <a:t> </a:t>
-            </a:r>
-            <a:r>
-              <a:rPr lang="es-ES_tradnl" dirty="0" err="1"/>
-              <a:t>we</a:t>
-            </a:r>
-            <a:r>
-              <a:rPr lang="es-ES_tradnl" dirty="0"/>
-              <a:t> </a:t>
-            </a:r>
-            <a:r>
-              <a:rPr lang="es-ES_tradnl" dirty="0" err="1"/>
-              <a:t>shall</a:t>
-            </a:r>
-            <a:r>
-              <a:rPr lang="es-ES_tradnl" dirty="0"/>
-              <a:t> </a:t>
-            </a:r>
-            <a:r>
-              <a:rPr lang="es-ES_tradnl" dirty="0" err="1"/>
-              <a:t>refer</a:t>
-            </a:r>
-            <a:r>
-              <a:rPr lang="es-ES_tradnl" dirty="0"/>
-              <a:t> to as </a:t>
-            </a:r>
-            <a:r>
-              <a:rPr lang="es-ES_tradnl" b="1" dirty="0" err="1"/>
-              <a:t>users</a:t>
-            </a:r>
-            <a:r>
-              <a:rPr lang="es-ES_tradnl" dirty="0"/>
-              <a:t> and </a:t>
-            </a:r>
-            <a:r>
-              <a:rPr lang="es-ES_tradnl" b="1" dirty="0" err="1" smtClean="0"/>
-              <a:t>items</a:t>
-            </a:r>
-            <a:r>
-              <a:rPr lang="es-ES_tradnl" b="1" dirty="0" smtClean="0"/>
-              <a:t>.</a:t>
-            </a:r>
-          </a:p>
-          <a:p>
-            <a:r>
-              <a:rPr lang="es-ES_tradnl" dirty="0"/>
-              <a:t>D</a:t>
-            </a:r>
-            <a:r>
-              <a:rPr lang="es-ES_tradnl" dirty="0" smtClean="0"/>
-              <a:t>ata </a:t>
-            </a:r>
-            <a:r>
-              <a:rPr lang="es-ES_tradnl" dirty="0" err="1"/>
-              <a:t>itself</a:t>
-            </a:r>
-            <a:r>
-              <a:rPr lang="es-ES_tradnl" dirty="0"/>
-              <a:t> </a:t>
-            </a:r>
-            <a:r>
-              <a:rPr lang="es-ES_tradnl" dirty="0" err="1"/>
-              <a:t>is</a:t>
-            </a:r>
-            <a:r>
-              <a:rPr lang="es-ES_tradnl" dirty="0"/>
-              <a:t> </a:t>
-            </a:r>
-            <a:r>
-              <a:rPr lang="es-ES_tradnl" dirty="0" err="1" smtClean="0"/>
-              <a:t>represented</a:t>
-            </a:r>
-            <a:r>
-              <a:rPr lang="es-ES_tradnl" dirty="0" smtClean="0"/>
-              <a:t> </a:t>
-            </a:r>
-            <a:r>
-              <a:rPr lang="es-ES_tradnl" dirty="0"/>
-              <a:t>as a </a:t>
-            </a:r>
-            <a:r>
-              <a:rPr lang="es-ES_tradnl" dirty="0" err="1"/>
-              <a:t>utility</a:t>
-            </a:r>
-            <a:r>
-              <a:rPr lang="es-ES_tradnl" dirty="0"/>
-              <a:t> </a:t>
-            </a:r>
-            <a:r>
-              <a:rPr lang="es-ES_tradnl" dirty="0" err="1"/>
-              <a:t>matrix</a:t>
-            </a:r>
-            <a:r>
-              <a:rPr lang="es-ES_tradnl" dirty="0"/>
-              <a:t>, </a:t>
-            </a:r>
-            <a:r>
-              <a:rPr lang="es-ES_tradnl" dirty="0" err="1"/>
-              <a:t>giving</a:t>
-            </a:r>
-            <a:r>
-              <a:rPr lang="es-ES_tradnl" dirty="0"/>
-              <a:t> </a:t>
-            </a:r>
-            <a:r>
-              <a:rPr lang="es-ES_tradnl" dirty="0" err="1"/>
-              <a:t>for</a:t>
-            </a:r>
-            <a:r>
-              <a:rPr lang="es-ES_tradnl" dirty="0"/>
-              <a:t> </a:t>
-            </a:r>
-            <a:r>
-              <a:rPr lang="es-ES_tradnl" dirty="0" err="1"/>
-              <a:t>each</a:t>
-            </a:r>
-            <a:r>
-              <a:rPr lang="es-ES_tradnl" dirty="0"/>
-              <a:t> </a:t>
-            </a:r>
-            <a:r>
-              <a:rPr lang="es-ES_tradnl" dirty="0" err="1"/>
-              <a:t>user-item</a:t>
-            </a:r>
-            <a:r>
-              <a:rPr lang="es-ES_tradnl" dirty="0"/>
-              <a:t> </a:t>
-            </a:r>
-            <a:r>
-              <a:rPr lang="es-ES_tradnl" dirty="0" err="1"/>
-              <a:t>pair</a:t>
-            </a:r>
-            <a:r>
-              <a:rPr lang="es-ES_tradnl" dirty="0"/>
-              <a:t>, a </a:t>
-            </a:r>
-            <a:r>
-              <a:rPr lang="es-ES_tradnl" dirty="0" err="1"/>
-              <a:t>value</a:t>
-            </a:r>
-            <a:r>
-              <a:rPr lang="es-ES_tradnl" dirty="0"/>
-              <a:t> </a:t>
-            </a:r>
-            <a:r>
-              <a:rPr lang="es-ES_tradnl" dirty="0" err="1"/>
-              <a:t>that</a:t>
-            </a:r>
-            <a:r>
-              <a:rPr lang="es-ES_tradnl" dirty="0"/>
-              <a:t> </a:t>
-            </a:r>
-            <a:r>
-              <a:rPr lang="es-ES_tradnl" dirty="0" err="1"/>
-              <a:t>represents</a:t>
-            </a:r>
-            <a:r>
-              <a:rPr lang="es-ES_tradnl" dirty="0"/>
-              <a:t> </a:t>
-            </a:r>
-            <a:r>
-              <a:rPr lang="es-ES_tradnl" dirty="0" err="1"/>
-              <a:t>what</a:t>
-            </a:r>
-            <a:r>
-              <a:rPr lang="es-ES_tradnl" dirty="0"/>
-              <a:t> </a:t>
-            </a:r>
-            <a:r>
-              <a:rPr lang="es-ES_tradnl" dirty="0" err="1"/>
-              <a:t>is</a:t>
-            </a:r>
-            <a:r>
-              <a:rPr lang="es-ES_tradnl" dirty="0"/>
-              <a:t> </a:t>
-            </a:r>
-            <a:r>
-              <a:rPr lang="es-ES_tradnl" dirty="0" err="1"/>
-              <a:t>known</a:t>
-            </a:r>
-            <a:r>
-              <a:rPr lang="es-ES_tradnl" dirty="0"/>
-              <a:t> </a:t>
-            </a:r>
-            <a:r>
-              <a:rPr lang="es-ES_tradnl" dirty="0" err="1"/>
-              <a:t>about</a:t>
-            </a:r>
-            <a:r>
-              <a:rPr lang="es-ES_tradnl" dirty="0"/>
-              <a:t> </a:t>
-            </a:r>
-            <a:r>
-              <a:rPr lang="es-ES_tradnl" dirty="0" err="1"/>
-              <a:t>the</a:t>
-            </a:r>
-            <a:r>
-              <a:rPr lang="es-ES_tradnl" dirty="0"/>
-              <a:t> </a:t>
-            </a:r>
-            <a:r>
-              <a:rPr lang="es-ES_tradnl" dirty="0" err="1"/>
-              <a:t>degree</a:t>
-            </a:r>
-            <a:r>
-              <a:rPr lang="es-ES_tradnl" dirty="0"/>
-              <a:t> of </a:t>
-            </a:r>
-            <a:r>
-              <a:rPr lang="es-ES_tradnl" dirty="0" err="1"/>
-              <a:t>preference</a:t>
-            </a:r>
-            <a:r>
-              <a:rPr lang="es-ES_tradnl" dirty="0"/>
-              <a:t> of </a:t>
-            </a:r>
-            <a:r>
-              <a:rPr lang="es-ES_tradnl" dirty="0" err="1"/>
-              <a:t>that</a:t>
-            </a:r>
-            <a:r>
-              <a:rPr lang="es-ES_tradnl" dirty="0"/>
-              <a:t> </a:t>
-            </a:r>
-            <a:r>
-              <a:rPr lang="es-ES_tradnl" dirty="0" err="1"/>
-              <a:t>user</a:t>
-            </a:r>
-            <a:r>
-              <a:rPr lang="es-ES_tradnl" dirty="0"/>
-              <a:t> </a:t>
-            </a:r>
-            <a:r>
-              <a:rPr lang="es-ES_tradnl" dirty="0" err="1"/>
-              <a:t>for</a:t>
-            </a:r>
-            <a:r>
-              <a:rPr lang="es-ES_tradnl" dirty="0"/>
-              <a:t> </a:t>
-            </a:r>
-            <a:r>
-              <a:rPr lang="es-ES_tradnl" dirty="0" err="1"/>
-              <a:t>that</a:t>
-            </a:r>
-            <a:r>
-              <a:rPr lang="es-ES_tradnl" dirty="0"/>
-              <a:t> </a:t>
-            </a:r>
-            <a:r>
-              <a:rPr lang="es-ES_tradnl" dirty="0" err="1" smtClean="0"/>
-              <a:t>item</a:t>
-            </a:r>
-            <a:r>
-              <a:rPr lang="es-ES_tradnl" dirty="0" smtClean="0"/>
-              <a:t>. (In </a:t>
-            </a:r>
-            <a:r>
-              <a:rPr lang="es-ES_tradnl" dirty="0" err="1" smtClean="0"/>
-              <a:t>our</a:t>
-            </a:r>
-            <a:r>
-              <a:rPr lang="es-ES_tradnl" dirty="0" smtClean="0"/>
-              <a:t> case, </a:t>
-            </a:r>
-            <a:r>
-              <a:rPr lang="es-ES_tradnl" b="1" dirty="0" smtClean="0"/>
-              <a:t>times </a:t>
-            </a:r>
-            <a:r>
-              <a:rPr lang="es-ES_tradnl" b="1" dirty="0" err="1" smtClean="0"/>
-              <a:t>listened</a:t>
-            </a:r>
-            <a:r>
-              <a:rPr lang="es-ES_tradnl" b="1" dirty="0" smtClean="0"/>
-              <a:t> </a:t>
-            </a:r>
-            <a:r>
-              <a:rPr lang="es-ES_tradnl" dirty="0" err="1" smtClean="0"/>
-              <a:t>for</a:t>
-            </a:r>
-            <a:r>
-              <a:rPr lang="es-ES_tradnl" dirty="0" smtClean="0"/>
-              <a:t> </a:t>
-            </a:r>
-            <a:r>
-              <a:rPr lang="es-ES_tradnl" dirty="0" err="1" smtClean="0"/>
-              <a:t>each</a:t>
-            </a:r>
-            <a:r>
-              <a:rPr lang="es-ES_tradnl" dirty="0" smtClean="0"/>
-              <a:t> </a:t>
-            </a:r>
-            <a:r>
-              <a:rPr lang="es-ES_tradnl" dirty="0" err="1" smtClean="0"/>
-              <a:t>user</a:t>
-            </a:r>
-            <a:r>
-              <a:rPr lang="es-ES_tradnl" dirty="0" smtClean="0"/>
-              <a:t> and </a:t>
-            </a:r>
-            <a:r>
-              <a:rPr lang="es-ES_tradnl" dirty="0" err="1" smtClean="0"/>
-              <a:t>track</a:t>
-            </a:r>
-            <a:r>
-              <a:rPr lang="es-ES_tradnl" dirty="0" smtClean="0"/>
-              <a:t>)</a:t>
-            </a:r>
-            <a:endParaRPr lang="es-ES_tradnl" dirty="0"/>
-          </a:p>
-          <a:p>
-            <a:r>
-              <a:rPr lang="es-ES_tradnl" sz="2400" b="1" dirty="0" smtClean="0"/>
-              <a:t>HYPER SPARSE MATRIX!!!!!!!</a:t>
-            </a:r>
-            <a:endParaRPr lang="es-ES_tradnl" sz="2400" b="1" dirty="0"/>
-          </a:p>
-        </p:txBody>
-      </p:sp>
+      <p:pic>
+        <p:nvPicPr>
+          <p:cNvPr id="5" name="Picture 4"/>
+          <p:cNvPicPr>
+            <a:picLocks noChangeAspect="1"/>
+          </p:cNvPicPr>
+          <p:nvPr/>
+        </p:nvPicPr>
+        <p:blipFill>
+          <a:blip r:embed="rId2"/>
+          <a:stretch>
+            <a:fillRect/>
+          </a:stretch>
+        </p:blipFill>
+        <p:spPr>
+          <a:xfrm>
+            <a:off x="19408" y="2443698"/>
+            <a:ext cx="12153183" cy="3173331"/>
+          </a:xfrm>
+          <a:prstGeom prst="rect">
+            <a:avLst/>
+          </a:prstGeom>
+        </p:spPr>
+      </p:pic>
     </p:spTree>
     <p:extLst>
       <p:ext uri="{BB962C8B-B14F-4D97-AF65-F5344CB8AC3E}">
-        <p14:creationId xmlns:p14="http://schemas.microsoft.com/office/powerpoint/2010/main" val="1101335728"/>
+        <p14:creationId xmlns:p14="http://schemas.microsoft.com/office/powerpoint/2010/main" val="2089329428"/>
       </p:ext>
     </p:extLst>
   </p:cSld>

--- a/presentation.pptx
+++ b/presentation.pptx
@@ -7,17 +7,17 @@
   <p:sldIdLst>
     <p:sldId id="256" r:id="rId2"/>
     <p:sldId id="272" r:id="rId3"/>
-    <p:sldId id="268" r:id="rId4"/>
-    <p:sldId id="259" r:id="rId5"/>
-    <p:sldId id="260" r:id="rId6"/>
-    <p:sldId id="263" r:id="rId7"/>
-    <p:sldId id="264" r:id="rId8"/>
-    <p:sldId id="266" r:id="rId9"/>
-    <p:sldId id="267" r:id="rId10"/>
-    <p:sldId id="273" r:id="rId11"/>
-    <p:sldId id="274" r:id="rId12"/>
-    <p:sldId id="275" r:id="rId13"/>
-    <p:sldId id="269" r:id="rId14"/>
+    <p:sldId id="260" r:id="rId4"/>
+    <p:sldId id="264" r:id="rId5"/>
+    <p:sldId id="266" r:id="rId6"/>
+    <p:sldId id="267" r:id="rId7"/>
+    <p:sldId id="273" r:id="rId8"/>
+    <p:sldId id="274" r:id="rId9"/>
+    <p:sldId id="275" r:id="rId10"/>
+    <p:sldId id="268" r:id="rId11"/>
+    <p:sldId id="269" r:id="rId12"/>
+    <p:sldId id="276" r:id="rId13"/>
+    <p:sldId id="259" r:id="rId14"/>
     <p:sldId id="270" r:id="rId15"/>
     <p:sldId id="271" r:id="rId16"/>
   </p:sldIdLst>
@@ -289,7 +289,7 @@
           <a:p>
             <a:fld id="{1160EA64-D806-43AC-9DF2-F8C432F32B4C}" type="datetimeFigureOut">
               <a:rPr lang="en-US" dirty="0"/>
-              <a:t>2/14/2018</a:t>
+              <a:t>2/15/18</a:t>
             </a:fld>
             <a:endParaRPr lang="en-US" dirty="0"/>
           </a:p>
@@ -332,7 +332,7 @@
             <a:fld id="{8A7A6979-0714-4377-B894-6BE4C2D6E202}" type="slidenum">
               <a:rPr lang="en-US" dirty="0"/>
               <a:pPr/>
-              <a:t>‹#›</a:t>
+              <a:t>‹Nr.›</a:t>
             </a:fld>
             <a:endParaRPr lang="en-US" dirty="0"/>
           </a:p>
@@ -455,7 +455,7 @@
           <a:p>
             <a:fld id="{E9F9C37B-1D36-470B-8223-D6C91242EC14}" type="datetimeFigureOut">
               <a:rPr lang="en-US" dirty="0"/>
-              <a:t>2/14/2018</a:t>
+              <a:t>2/15/18</a:t>
             </a:fld>
             <a:endParaRPr lang="en-US" dirty="0"/>
           </a:p>
@@ -497,7 +497,7 @@
           <a:p>
             <a:fld id="{8A7A6979-0714-4377-B894-6BE4C2D6E202}" type="slidenum">
               <a:rPr lang="en-US" dirty="0"/>
-              <a:t>‹#›</a:t>
+              <a:t>‹Nr.›</a:t>
             </a:fld>
             <a:endParaRPr lang="en-US" dirty="0"/>
           </a:p>
@@ -630,7 +630,7 @@
           <a:p>
             <a:fld id="{67C6F52A-A82B-47A2-A83A-8C4C91F2D59F}" type="datetimeFigureOut">
               <a:rPr lang="en-US" dirty="0"/>
-              <a:t>2/14/2018</a:t>
+              <a:t>2/15/18</a:t>
             </a:fld>
             <a:endParaRPr lang="en-US" dirty="0"/>
           </a:p>
@@ -672,7 +672,7 @@
           <a:p>
             <a:fld id="{8A7A6979-0714-4377-B894-6BE4C2D6E202}" type="slidenum">
               <a:rPr lang="en-US" dirty="0"/>
-              <a:t>‹#›</a:t>
+              <a:t>‹Nr.›</a:t>
             </a:fld>
             <a:endParaRPr lang="en-US" dirty="0"/>
           </a:p>
@@ -795,7 +795,7 @@
           <a:p>
             <a:fld id="{F070A7B3-6521-4DCA-87E5-044747A908C1}" type="datetimeFigureOut">
               <a:rPr lang="en-US" dirty="0"/>
-              <a:t>2/14/2018</a:t>
+              <a:t>2/15/18</a:t>
             </a:fld>
             <a:endParaRPr lang="en-US" dirty="0"/>
           </a:p>
@@ -838,7 +838,7 @@
             <a:fld id="{8A7A6979-0714-4377-B894-6BE4C2D6E202}" type="slidenum">
               <a:rPr lang="en-US" dirty="0"/>
               <a:pPr/>
-              <a:t>‹#›</a:t>
+              <a:t>‹Nr.›</a:t>
             </a:fld>
             <a:endParaRPr lang="en-US" dirty="0"/>
           </a:p>
@@ -1059,7 +1059,7 @@
           <a:p>
             <a:fld id="{1160EA64-D806-43AC-9DF2-F8C432F32B4C}" type="datetimeFigureOut">
               <a:rPr lang="en-US" dirty="0"/>
-              <a:t>2/14/2018</a:t>
+              <a:t>2/15/18</a:t>
             </a:fld>
             <a:endParaRPr lang="en-US" dirty="0"/>
           </a:p>
@@ -1102,7 +1102,7 @@
             <a:fld id="{8A7A6979-0714-4377-B894-6BE4C2D6E202}" type="slidenum">
               <a:rPr lang="en-US" dirty="0"/>
               <a:pPr/>
-              <a:t>‹#›</a:t>
+              <a:t>‹Nr.›</a:t>
             </a:fld>
             <a:endParaRPr lang="en-US" dirty="0"/>
           </a:p>
@@ -1287,7 +1287,7 @@
           <a:p>
             <a:fld id="{AB134690-1557-4C89-A502-4959FE7FAD70}" type="datetimeFigureOut">
               <a:rPr lang="en-US" dirty="0"/>
-              <a:t>2/14/2018</a:t>
+              <a:t>2/15/18</a:t>
             </a:fld>
             <a:endParaRPr lang="en-US" dirty="0"/>
           </a:p>
@@ -1329,7 +1329,7 @@
           <a:p>
             <a:fld id="{8A7A6979-0714-4377-B894-6BE4C2D6E202}" type="slidenum">
               <a:rPr lang="en-US" dirty="0"/>
-              <a:t>‹#›</a:t>
+              <a:t>‹Nr.›</a:t>
             </a:fld>
             <a:endParaRPr lang="en-US" dirty="0"/>
           </a:p>
@@ -1641,7 +1641,7 @@
           <a:p>
             <a:fld id="{4F7D4976-E339-4826-83B7-FBD03F55ECF8}" type="datetimeFigureOut">
               <a:rPr lang="en-US" dirty="0"/>
-              <a:t>2/14/2018</a:t>
+              <a:t>2/15/18</a:t>
             </a:fld>
             <a:endParaRPr lang="en-US" dirty="0"/>
           </a:p>
@@ -1683,7 +1683,7 @@
           <a:p>
             <a:fld id="{8A7A6979-0714-4377-B894-6BE4C2D6E202}" type="slidenum">
               <a:rPr lang="en-US" dirty="0"/>
-              <a:t>‹#›</a:t>
+              <a:t>‹Nr.›</a:t>
             </a:fld>
             <a:endParaRPr lang="en-US" dirty="0"/>
           </a:p>
@@ -1777,7 +1777,7 @@
           <a:p>
             <a:fld id="{E1037C31-9E7A-4F99-8774-A0E530DE1A42}" type="datetimeFigureOut">
               <a:rPr lang="en-US" dirty="0"/>
-              <a:t>2/14/2018</a:t>
+              <a:t>2/15/18</a:t>
             </a:fld>
             <a:endParaRPr lang="en-US" dirty="0"/>
           </a:p>
@@ -1819,7 +1819,7 @@
           <a:p>
             <a:fld id="{8A7A6979-0714-4377-B894-6BE4C2D6E202}" type="slidenum">
               <a:rPr lang="en-US" dirty="0"/>
-              <a:t>‹#›</a:t>
+              <a:t>‹Nr.›</a:t>
             </a:fld>
             <a:endParaRPr lang="en-US" dirty="0"/>
           </a:p>
@@ -1867,7 +1867,7 @@
           <a:p>
             <a:fld id="{C278504F-A551-4DE0-9316-4DCD1D8CC752}" type="datetimeFigureOut">
               <a:rPr lang="en-US" dirty="0"/>
-              <a:t>2/14/2018</a:t>
+              <a:t>2/15/18</a:t>
             </a:fld>
             <a:endParaRPr lang="en-US" dirty="0"/>
           </a:p>
@@ -1909,7 +1909,7 @@
           <a:p>
             <a:fld id="{8A7A6979-0714-4377-B894-6BE4C2D6E202}" type="slidenum">
               <a:rPr lang="en-US" dirty="0"/>
-              <a:t>‹#›</a:t>
+              <a:t>‹Nr.›</a:t>
             </a:fld>
             <a:endParaRPr lang="en-US" dirty="0"/>
           </a:p>
@@ -2219,7 +2219,7 @@
           <a:p>
             <a:fld id="{D1BE4249-C0D0-4B06-8692-E8BB871AF643}" type="datetimeFigureOut">
               <a:rPr lang="en-US" dirty="0"/>
-              <a:t>2/14/2018</a:t>
+              <a:t>2/15/18</a:t>
             </a:fld>
             <a:endParaRPr lang="en-US" dirty="0"/>
           </a:p>
@@ -2276,7 +2276,7 @@
           <a:p>
             <a:fld id="{8A7A6979-0714-4377-B894-6BE4C2D6E202}" type="slidenum">
               <a:rPr lang="en-US" dirty="0"/>
-              <a:t>‹#›</a:t>
+              <a:t>‹Nr.›</a:t>
             </a:fld>
             <a:endParaRPr lang="en-US" dirty="0"/>
           </a:p>
@@ -2571,7 +2571,7 @@
           <a:p>
             <a:fld id="{042B0DB6-F5C7-45FB-8CF3-31B45F9C2DAC}" type="datetimeFigureOut">
               <a:rPr lang="en-US" dirty="0"/>
-              <a:t>2/14/2018</a:t>
+              <a:t>2/15/18</a:t>
             </a:fld>
             <a:endParaRPr lang="en-US" dirty="0"/>
           </a:p>
@@ -2628,7 +2628,7 @@
           <a:p>
             <a:fld id="{8A7A6979-0714-4377-B894-6BE4C2D6E202}" type="slidenum">
               <a:rPr lang="en-US" dirty="0"/>
-              <a:t>‹#›</a:t>
+              <a:t>‹Nr.›</a:t>
             </a:fld>
             <a:endParaRPr lang="en-US" dirty="0"/>
           </a:p>
@@ -2807,7 +2807,7 @@
           <a:p>
             <a:fld id="{1160EA64-D806-43AC-9DF2-F8C432F32B4C}" type="datetimeFigureOut">
               <a:rPr lang="en-US" dirty="0"/>
-              <a:t>2/14/2018</a:t>
+              <a:t>2/15/18</a:t>
             </a:fld>
             <a:endParaRPr lang="en-US" dirty="0"/>
           </a:p>
@@ -2891,7 +2891,7 @@
             <a:fld id="{8A7A6979-0714-4377-B894-6BE4C2D6E202}" type="slidenum">
               <a:rPr lang="en-US" dirty="0"/>
               <a:pPr/>
-              <a:t>‹#›</a:t>
+              <a:t>‹Nr.›</a:t>
             </a:fld>
             <a:endParaRPr lang="en-US" dirty="0"/>
           </a:p>
@@ -3335,6 +3335,4761 @@
 </file>
 
 <file path=ppt/slides/slide10.xml><?xml version="1.0" encoding="utf-8"?>
+<p:sld xmlns:a="http://schemas.openxmlformats.org/drawingml/2006/main" xmlns:r="http://schemas.openxmlformats.org/officeDocument/2006/relationships" xmlns:p="http://schemas.openxmlformats.org/presentationml/2006/main">
+  <p:cSld>
+    <p:spTree>
+      <p:nvGrpSpPr>
+        <p:cNvPr id="1" name=""/>
+        <p:cNvGrpSpPr/>
+        <p:nvPr/>
+      </p:nvGrpSpPr>
+      <p:grpSpPr>
+        <a:xfrm>
+          <a:off x="0" y="0"/>
+          <a:ext cx="0" cy="0"/>
+          <a:chOff x="0" y="0"/>
+          <a:chExt cx="0" cy="0"/>
+        </a:xfrm>
+      </p:grpSpPr>
+      <p:sp>
+        <p:nvSpPr>
+          <p:cNvPr id="2" name="Título 1"/>
+          <p:cNvSpPr>
+            <a:spLocks noGrp="1"/>
+          </p:cNvSpPr>
+          <p:nvPr>
+            <p:ph type="title"/>
+          </p:nvPr>
+        </p:nvSpPr>
+        <p:spPr/>
+        <p:txBody>
+          <a:bodyPr/>
+          <a:lstStyle/>
+          <a:p>
+            <a:r>
+              <a:rPr lang="es-ES_tradnl" dirty="0" err="1" smtClean="0"/>
+              <a:t>Evaluation</a:t>
+            </a:r>
+            <a:r>
+              <a:rPr lang="es-ES_tradnl" dirty="0" smtClean="0"/>
+              <a:t> </a:t>
+            </a:r>
+            <a:r>
+              <a:rPr lang="es-ES_tradnl" dirty="0" err="1" smtClean="0"/>
+              <a:t>metric</a:t>
+            </a:r>
+            <a:endParaRPr lang="es-ES_tradnl" dirty="0"/>
+          </a:p>
+        </p:txBody>
+      </p:sp>
+      <p:pic>
+        <p:nvPicPr>
+          <p:cNvPr id="4" name="Imagen 3"/>
+          <p:cNvPicPr>
+            <a:picLocks noChangeAspect="1"/>
+          </p:cNvPicPr>
+          <p:nvPr/>
+        </p:nvPicPr>
+        <p:blipFill>
+          <a:blip r:embed="rId2"/>
+          <a:stretch>
+            <a:fillRect/>
+          </a:stretch>
+        </p:blipFill>
+        <p:spPr>
+          <a:xfrm>
+            <a:off x="2675168" y="2939816"/>
+            <a:ext cx="6841664" cy="2297201"/>
+          </a:xfrm>
+          <a:prstGeom prst="rect">
+            <a:avLst/>
+          </a:prstGeom>
+        </p:spPr>
+      </p:pic>
+    </p:spTree>
+    <p:extLst>
+      <p:ext uri="{BB962C8B-B14F-4D97-AF65-F5344CB8AC3E}">
+        <p14:creationId xmlns:p14="http://schemas.microsoft.com/office/powerpoint/2010/main" val="1294017428"/>
+      </p:ext>
+    </p:extLst>
+  </p:cSld>
+  <p:clrMapOvr>
+    <a:masterClrMapping/>
+  </p:clrMapOvr>
+  <p:timing>
+    <p:tnLst>
+      <p:par>
+        <p:cTn id="1" dur="indefinite" restart="never" nodeType="tmRoot"/>
+      </p:par>
+    </p:tnLst>
+  </p:timing>
+</p:sld>
+</file>
+
+<file path=ppt/slides/slide11.xml><?xml version="1.0" encoding="utf-8"?>
+<p:sld xmlns:a="http://schemas.openxmlformats.org/drawingml/2006/main" xmlns:r="http://schemas.openxmlformats.org/officeDocument/2006/relationships" xmlns:p="http://schemas.openxmlformats.org/presentationml/2006/main">
+  <p:cSld>
+    <p:spTree>
+      <p:nvGrpSpPr>
+        <p:cNvPr id="1" name=""/>
+        <p:cNvGrpSpPr/>
+        <p:nvPr/>
+      </p:nvGrpSpPr>
+      <p:grpSpPr>
+        <a:xfrm>
+          <a:off x="0" y="0"/>
+          <a:ext cx="0" cy="0"/>
+          <a:chOff x="0" y="0"/>
+          <a:chExt cx="0" cy="0"/>
+        </a:xfrm>
+      </p:grpSpPr>
+      <p:sp>
+        <p:nvSpPr>
+          <p:cNvPr id="2" name="Title 1"/>
+          <p:cNvSpPr>
+            <a:spLocks noGrp="1"/>
+          </p:cNvSpPr>
+          <p:nvPr>
+            <p:ph type="title"/>
+          </p:nvPr>
+        </p:nvSpPr>
+        <p:spPr/>
+        <p:txBody>
+          <a:bodyPr/>
+          <a:lstStyle/>
+          <a:p>
+            <a:r>
+              <a:rPr lang="en-US" dirty="0" smtClean="0"/>
+              <a:t>Results</a:t>
+            </a:r>
+            <a:endParaRPr lang="he-IL" dirty="0"/>
+          </a:p>
+        </p:txBody>
+      </p:sp>
+      <p:pic>
+        <p:nvPicPr>
+          <p:cNvPr id="8" name="Imagen 7"/>
+          <p:cNvPicPr>
+            <a:picLocks noChangeAspect="1"/>
+          </p:cNvPicPr>
+          <p:nvPr/>
+        </p:nvPicPr>
+        <p:blipFill>
+          <a:blip r:embed="rId2">
+            <a:extLst>
+              <a:ext uri="{28A0092B-C50C-407E-A947-70E740481C1C}">
+                <a14:useLocalDpi xmlns:a14="http://schemas.microsoft.com/office/drawing/2010/main" val="0"/>
+              </a:ext>
+            </a:extLst>
+          </a:blip>
+          <a:stretch>
+            <a:fillRect/>
+          </a:stretch>
+        </p:blipFill>
+        <p:spPr>
+          <a:xfrm>
+            <a:off x="3224925" y="2558922"/>
+            <a:ext cx="5742147" cy="3798275"/>
+          </a:xfrm>
+          <a:prstGeom prst="rect">
+            <a:avLst/>
+          </a:prstGeom>
+        </p:spPr>
+      </p:pic>
+      <p:pic>
+        <p:nvPicPr>
+          <p:cNvPr id="9" name="Imagen 8"/>
+          <p:cNvPicPr>
+            <a:picLocks noChangeAspect="1"/>
+          </p:cNvPicPr>
+          <p:nvPr/>
+        </p:nvPicPr>
+        <p:blipFill>
+          <a:blip r:embed="rId3">
+            <a:extLst>
+              <a:ext uri="{28A0092B-C50C-407E-A947-70E740481C1C}">
+                <a14:useLocalDpi xmlns:a14="http://schemas.microsoft.com/office/drawing/2010/main" val="0"/>
+              </a:ext>
+            </a:extLst>
+          </a:blip>
+          <a:stretch>
+            <a:fillRect/>
+          </a:stretch>
+        </p:blipFill>
+        <p:spPr>
+          <a:xfrm>
+            <a:off x="3224925" y="2509767"/>
+            <a:ext cx="5742147" cy="3822699"/>
+          </a:xfrm>
+          <a:prstGeom prst="rect">
+            <a:avLst/>
+          </a:prstGeom>
+        </p:spPr>
+      </p:pic>
+    </p:spTree>
+    <p:extLst>
+      <p:ext uri="{BB962C8B-B14F-4D97-AF65-F5344CB8AC3E}">
+        <p14:creationId xmlns:p14="http://schemas.microsoft.com/office/powerpoint/2010/main" val="1349765061"/>
+      </p:ext>
+    </p:extLst>
+  </p:cSld>
+  <p:clrMapOvr>
+    <a:masterClrMapping/>
+  </p:clrMapOvr>
+  <p:timing>
+    <p:tnLst>
+      <p:par>
+        <p:cTn id="1" dur="indefinite" restart="never" nodeType="tmRoot">
+          <p:childTnLst>
+            <p:seq concurrent="1" nextAc="seek">
+              <p:cTn id="2" dur="indefinite" nodeType="mainSeq">
+                <p:childTnLst>
+                  <p:par>
+                    <p:cTn id="3" fill="hold">
+                      <p:stCondLst>
+                        <p:cond delay="indefinite"/>
+                      </p:stCondLst>
+                      <p:childTnLst>
+                        <p:par>
+                          <p:cTn id="4" fill="hold">
+                            <p:stCondLst>
+                              <p:cond delay="0"/>
+                            </p:stCondLst>
+                            <p:childTnLst>
+                              <p:par>
+                                <p:cTn id="5" presetID="1" presetClass="entr" presetSubtype="0" fill="hold" nodeType="clickEffect">
+                                  <p:stCondLst>
+                                    <p:cond delay="0"/>
+                                  </p:stCondLst>
+                                  <p:childTnLst>
+                                    <p:set>
+                                      <p:cBhvr>
+                                        <p:cTn id="6" dur="1" fill="hold">
+                                          <p:stCondLst>
+                                            <p:cond delay="0"/>
+                                          </p:stCondLst>
+                                        </p:cTn>
+                                        <p:tgtEl>
+                                          <p:spTgt spid="8"/>
+                                        </p:tgtEl>
+                                        <p:attrNameLst>
+                                          <p:attrName>style.visibility</p:attrName>
+                                        </p:attrNameLst>
+                                      </p:cBhvr>
+                                      <p:to>
+                                        <p:strVal val="visible"/>
+                                      </p:to>
+                                    </p:set>
+                                  </p:childTnLst>
+                                </p:cTn>
+                              </p:par>
+                            </p:childTnLst>
+                          </p:cTn>
+                        </p:par>
+                      </p:childTnLst>
+                    </p:cTn>
+                  </p:par>
+                  <p:par>
+                    <p:cTn id="7" fill="hold">
+                      <p:stCondLst>
+                        <p:cond delay="indefinite"/>
+                      </p:stCondLst>
+                      <p:childTnLst>
+                        <p:par>
+                          <p:cTn id="8" fill="hold">
+                            <p:stCondLst>
+                              <p:cond delay="0"/>
+                            </p:stCondLst>
+                            <p:childTnLst>
+                              <p:par>
+                                <p:cTn id="9" presetID="1" presetClass="entr" presetSubtype="0" fill="hold" nodeType="clickEffect">
+                                  <p:stCondLst>
+                                    <p:cond delay="0"/>
+                                  </p:stCondLst>
+                                  <p:childTnLst>
+                                    <p:set>
+                                      <p:cBhvr>
+                                        <p:cTn id="10" dur="1" fill="hold">
+                                          <p:stCondLst>
+                                            <p:cond delay="0"/>
+                                          </p:stCondLst>
+                                        </p:cTn>
+                                        <p:tgtEl>
+                                          <p:spTgt spid="9"/>
+                                        </p:tgtEl>
+                                        <p:attrNameLst>
+                                          <p:attrName>style.visibility</p:attrName>
+                                        </p:attrNameLst>
+                                      </p:cBhvr>
+                                      <p:to>
+                                        <p:strVal val="visible"/>
+                                      </p:to>
+                                    </p:set>
+                                  </p:childTnLst>
+                                </p:cTn>
+                              </p:par>
+                            </p:childTnLst>
+                          </p:cTn>
+                        </p:par>
+                      </p:childTnLst>
+                    </p:cTn>
+                  </p:par>
+                </p:childTnLst>
+              </p:cTn>
+              <p:prevCondLst>
+                <p:cond evt="onPrev" delay="0">
+                  <p:tgtEl>
+                    <p:sldTgt/>
+                  </p:tgtEl>
+                </p:cond>
+              </p:prevCondLst>
+              <p:nextCondLst>
+                <p:cond evt="onNext" delay="0">
+                  <p:tgtEl>
+                    <p:sldTgt/>
+                  </p:tgtEl>
+                </p:cond>
+              </p:nextCondLst>
+            </p:seq>
+          </p:childTnLst>
+        </p:cTn>
+      </p:par>
+    </p:tnLst>
+  </p:timing>
+</p:sld>
+</file>
+
+<file path=ppt/slides/slide12.xml><?xml version="1.0" encoding="utf-8"?>
+<p:sld xmlns:a="http://schemas.openxmlformats.org/drawingml/2006/main" xmlns:r="http://schemas.openxmlformats.org/officeDocument/2006/relationships" xmlns:p="http://schemas.openxmlformats.org/presentationml/2006/main">
+  <p:cSld>
+    <p:spTree>
+      <p:nvGrpSpPr>
+        <p:cNvPr id="1" name=""/>
+        <p:cNvGrpSpPr/>
+        <p:nvPr/>
+      </p:nvGrpSpPr>
+      <p:grpSpPr>
+        <a:xfrm>
+          <a:off x="0" y="0"/>
+          <a:ext cx="0" cy="0"/>
+          <a:chOff x="0" y="0"/>
+          <a:chExt cx="0" cy="0"/>
+        </a:xfrm>
+      </p:grpSpPr>
+      <p:pic>
+        <p:nvPicPr>
+          <p:cNvPr id="4" name="Imagen 3"/>
+          <p:cNvPicPr>
+            <a:picLocks noChangeAspect="1"/>
+          </p:cNvPicPr>
+          <p:nvPr/>
+        </p:nvPicPr>
+        <p:blipFill>
+          <a:blip r:embed="rId2">
+            <a:extLst>
+              <a:ext uri="{28A0092B-C50C-407E-A947-70E740481C1C}">
+                <a14:useLocalDpi xmlns:a14="http://schemas.microsoft.com/office/drawing/2010/main" val="0"/>
+              </a:ext>
+            </a:extLst>
+          </a:blip>
+          <a:stretch>
+            <a:fillRect/>
+          </a:stretch>
+        </p:blipFill>
+        <p:spPr>
+          <a:xfrm>
+            <a:off x="1752600" y="0"/>
+            <a:ext cx="8675887" cy="6858000"/>
+          </a:xfrm>
+          <a:prstGeom prst="rect">
+            <a:avLst/>
+          </a:prstGeom>
+        </p:spPr>
+      </p:pic>
+    </p:spTree>
+    <p:extLst>
+      <p:ext uri="{BB962C8B-B14F-4D97-AF65-F5344CB8AC3E}">
+        <p14:creationId xmlns:p14="http://schemas.microsoft.com/office/powerpoint/2010/main" val="1955750741"/>
+      </p:ext>
+    </p:extLst>
+  </p:cSld>
+  <p:clrMapOvr>
+    <a:masterClrMapping/>
+  </p:clrMapOvr>
+  <p:timing>
+    <p:tnLst>
+      <p:par>
+        <p:cTn id="1" dur="indefinite" restart="never" nodeType="tmRoot"/>
+      </p:par>
+    </p:tnLst>
+  </p:timing>
+</p:sld>
+</file>
+
+<file path=ppt/slides/slide13.xml><?xml version="1.0" encoding="utf-8"?>
+<p:sld xmlns:a="http://schemas.openxmlformats.org/drawingml/2006/main" xmlns:r="http://schemas.openxmlformats.org/officeDocument/2006/relationships" xmlns:p="http://schemas.openxmlformats.org/presentationml/2006/main">
+  <p:cSld>
+    <p:spTree>
+      <p:nvGrpSpPr>
+        <p:cNvPr id="1" name=""/>
+        <p:cNvGrpSpPr/>
+        <p:nvPr/>
+      </p:nvGrpSpPr>
+      <p:grpSpPr>
+        <a:xfrm>
+          <a:off x="0" y="0"/>
+          <a:ext cx="0" cy="0"/>
+          <a:chOff x="0" y="0"/>
+          <a:chExt cx="0" cy="0"/>
+        </a:xfrm>
+      </p:grpSpPr>
+      <p:sp>
+        <p:nvSpPr>
+          <p:cNvPr id="2" name="Título 1"/>
+          <p:cNvSpPr>
+            <a:spLocks noGrp="1"/>
+          </p:cNvSpPr>
+          <p:nvPr>
+            <p:ph type="title"/>
+          </p:nvPr>
+        </p:nvSpPr>
+        <p:spPr/>
+        <p:txBody>
+          <a:bodyPr/>
+          <a:lstStyle/>
+          <a:p>
+            <a:r>
+              <a:rPr lang="es-ES_tradnl" dirty="0" smtClean="0"/>
+              <a:t>TOOLS</a:t>
+            </a:r>
+            <a:endParaRPr lang="es-ES_tradnl" dirty="0"/>
+          </a:p>
+        </p:txBody>
+      </p:sp>
+      <p:pic>
+        <p:nvPicPr>
+          <p:cNvPr id="2050" name="Picture 2" descr="mage result for python"/>
+          <p:cNvPicPr>
+            <a:picLocks noGrp="1" noChangeAspect="1" noChangeArrowheads="1"/>
+          </p:cNvPicPr>
+          <p:nvPr>
+            <p:ph idx="1"/>
+          </p:nvPr>
+        </p:nvPicPr>
+        <p:blipFill>
+          <a:blip r:embed="rId2">
+            <a:extLst>
+              <a:ext uri="{28A0092B-C50C-407E-A947-70E740481C1C}">
+                <a14:useLocalDpi xmlns:a14="http://schemas.microsoft.com/office/drawing/2010/main" val="0"/>
+              </a:ext>
+            </a:extLst>
+          </a:blip>
+          <a:srcRect/>
+          <a:stretch>
+            <a:fillRect/>
+          </a:stretch>
+        </p:blipFill>
+        <p:spPr bwMode="auto">
+          <a:xfrm>
+            <a:off x="1963706" y="2240105"/>
+            <a:ext cx="2540000" cy="2540000"/>
+          </a:xfrm>
+          <a:prstGeom prst="rect">
+            <a:avLst/>
+          </a:prstGeom>
+          <a:noFill/>
+          <a:extLst>
+            <a:ext uri="{909E8E84-426E-40DD-AFC4-6F175D3DCCD1}">
+              <a14:hiddenFill xmlns:a14="http://schemas.microsoft.com/office/drawing/2010/main">
+                <a:solidFill>
+                  <a:srgbClr val="FFFFFF"/>
+                </a:solidFill>
+              </a14:hiddenFill>
+            </a:ext>
+          </a:extLst>
+        </p:spPr>
+      </p:pic>
+      <p:pic>
+        <p:nvPicPr>
+          <p:cNvPr id="7" name="Picture 4" descr="mage result for pandas python"/>
+          <p:cNvPicPr>
+            <a:picLocks noChangeAspect="1" noChangeArrowheads="1"/>
+          </p:cNvPicPr>
+          <p:nvPr/>
+        </p:nvPicPr>
+        <p:blipFill>
+          <a:blip r:embed="rId3">
+            <a:extLst>
+              <a:ext uri="{28A0092B-C50C-407E-A947-70E740481C1C}">
+                <a14:useLocalDpi xmlns:a14="http://schemas.microsoft.com/office/drawing/2010/main" val="0"/>
+              </a:ext>
+            </a:extLst>
+          </a:blip>
+          <a:srcRect/>
+          <a:stretch>
+            <a:fillRect/>
+          </a:stretch>
+        </p:blipFill>
+        <p:spPr bwMode="auto">
+          <a:xfrm>
+            <a:off x="4236275" y="2153412"/>
+            <a:ext cx="3238329" cy="2540000"/>
+          </a:xfrm>
+          <a:prstGeom prst="rect">
+            <a:avLst/>
+          </a:prstGeom>
+          <a:noFill/>
+          <a:extLst>
+            <a:ext uri="{909E8E84-426E-40DD-AFC4-6F175D3DCCD1}">
+              <a14:hiddenFill xmlns:a14="http://schemas.microsoft.com/office/drawing/2010/main">
+                <a:solidFill>
+                  <a:srgbClr val="FFFFFF"/>
+                </a:solidFill>
+              </a14:hiddenFill>
+            </a:ext>
+          </a:extLst>
+        </p:spPr>
+      </p:pic>
+      <p:pic>
+        <p:nvPicPr>
+          <p:cNvPr id="2056" name="Picture 8" descr="mage result for keras"/>
+          <p:cNvPicPr>
+            <a:picLocks noChangeAspect="1" noChangeArrowheads="1"/>
+          </p:cNvPicPr>
+          <p:nvPr/>
+        </p:nvPicPr>
+        <p:blipFill>
+          <a:blip r:embed="rId4">
+            <a:extLst>
+              <a:ext uri="{28A0092B-C50C-407E-A947-70E740481C1C}">
+                <a14:useLocalDpi xmlns:a14="http://schemas.microsoft.com/office/drawing/2010/main" val="0"/>
+              </a:ext>
+            </a:extLst>
+          </a:blip>
+          <a:srcRect/>
+          <a:stretch>
+            <a:fillRect/>
+          </a:stretch>
+        </p:blipFill>
+        <p:spPr bwMode="auto">
+          <a:xfrm>
+            <a:off x="2283230" y="4866798"/>
+            <a:ext cx="4440952" cy="1285875"/>
+          </a:xfrm>
+          <a:prstGeom prst="rect">
+            <a:avLst/>
+          </a:prstGeom>
+          <a:noFill/>
+          <a:extLst>
+            <a:ext uri="{909E8E84-426E-40DD-AFC4-6F175D3DCCD1}">
+              <a14:hiddenFill xmlns:a14="http://schemas.microsoft.com/office/drawing/2010/main">
+                <a:solidFill>
+                  <a:srgbClr val="FFFFFF"/>
+                </a:solidFill>
+              </a14:hiddenFill>
+            </a:ext>
+          </a:extLst>
+        </p:spPr>
+      </p:pic>
+      <p:pic>
+        <p:nvPicPr>
+          <p:cNvPr id="2058" name="Picture 10" descr="mage result for tensorflow"/>
+          <p:cNvPicPr>
+            <a:picLocks noChangeAspect="1" noChangeArrowheads="1"/>
+          </p:cNvPicPr>
+          <p:nvPr/>
+        </p:nvPicPr>
+        <p:blipFill>
+          <a:blip r:embed="rId5">
+            <a:extLst>
+              <a:ext uri="{28A0092B-C50C-407E-A947-70E740481C1C}">
+                <a14:useLocalDpi xmlns:a14="http://schemas.microsoft.com/office/drawing/2010/main" val="0"/>
+              </a:ext>
+            </a:extLst>
+          </a:blip>
+          <a:srcRect/>
+          <a:stretch>
+            <a:fillRect/>
+          </a:stretch>
+        </p:blipFill>
+        <p:spPr bwMode="auto">
+          <a:xfrm>
+            <a:off x="7474603" y="2272908"/>
+            <a:ext cx="2714425" cy="2262021"/>
+          </a:xfrm>
+          <a:prstGeom prst="rect">
+            <a:avLst/>
+          </a:prstGeom>
+          <a:noFill/>
+          <a:extLst>
+            <a:ext uri="{909E8E84-426E-40DD-AFC4-6F175D3DCCD1}">
+              <a14:hiddenFill xmlns:a14="http://schemas.microsoft.com/office/drawing/2010/main">
+                <a:solidFill>
+                  <a:srgbClr val="FFFFFF"/>
+                </a:solidFill>
+              </a14:hiddenFill>
+            </a:ext>
+          </a:extLst>
+        </p:spPr>
+      </p:pic>
+      <p:sp>
+        <p:nvSpPr>
+          <p:cNvPr id="5" name="CuadroTexto 4"/>
+          <p:cNvSpPr txBox="1"/>
+          <p:nvPr/>
+        </p:nvSpPr>
+        <p:spPr>
+          <a:xfrm>
+            <a:off x="7101444" y="5142016"/>
+            <a:ext cx="2859420" cy="1169551"/>
+          </a:xfrm>
+          <a:prstGeom prst="rect">
+            <a:avLst/>
+          </a:prstGeom>
+          <a:noFill/>
+        </p:spPr>
+        <p:txBody>
+          <a:bodyPr wrap="square" rtlCol="0">
+            <a:spAutoFit/>
+          </a:bodyPr>
+          <a:lstStyle/>
+          <a:p>
+            <a:pPr algn="ctr"/>
+            <a:r>
+              <a:rPr lang="es-ES_tradnl" sz="2800" dirty="0" err="1" smtClean="0"/>
+              <a:t>Implicit</a:t>
+            </a:r>
+            <a:endParaRPr lang="es-ES_tradnl" sz="2800" dirty="0" smtClean="0"/>
+          </a:p>
+          <a:p>
+            <a:r>
+              <a:rPr lang="es-ES_tradnl" sz="1400" dirty="0" err="1"/>
+              <a:t>Fast</a:t>
+            </a:r>
+            <a:r>
+              <a:rPr lang="es-ES_tradnl" sz="1400" dirty="0"/>
+              <a:t> Python </a:t>
+            </a:r>
+            <a:r>
+              <a:rPr lang="es-ES_tradnl" sz="1400" dirty="0" err="1"/>
+              <a:t>Collaborative</a:t>
+            </a:r>
+            <a:r>
+              <a:rPr lang="es-ES_tradnl" sz="1400" dirty="0"/>
+              <a:t> </a:t>
+            </a:r>
+            <a:r>
+              <a:rPr lang="es-ES_tradnl" sz="1400" dirty="0" err="1"/>
+              <a:t>Filtering</a:t>
+            </a:r>
+            <a:r>
+              <a:rPr lang="es-ES_tradnl" sz="1400" dirty="0"/>
+              <a:t> </a:t>
+            </a:r>
+            <a:r>
+              <a:rPr lang="es-ES_tradnl" sz="1400" dirty="0" err="1"/>
+              <a:t>for</a:t>
+            </a:r>
+            <a:r>
+              <a:rPr lang="es-ES_tradnl" sz="1400" dirty="0"/>
+              <a:t> </a:t>
+            </a:r>
+            <a:r>
+              <a:rPr lang="es-ES_tradnl" sz="1400" dirty="0" err="1"/>
+              <a:t>Implicit</a:t>
+            </a:r>
+            <a:r>
+              <a:rPr lang="es-ES_tradnl" sz="1400" dirty="0"/>
+              <a:t> </a:t>
+            </a:r>
+            <a:r>
+              <a:rPr lang="es-ES_tradnl" sz="1400" dirty="0" err="1"/>
+              <a:t>Datasets</a:t>
+            </a:r>
+            <a:r>
+              <a:rPr lang="es-ES_tradnl" sz="1400" dirty="0"/>
+              <a:t>.</a:t>
+            </a:r>
+          </a:p>
+          <a:p>
+            <a:r>
+              <a:rPr lang="es-ES_tradnl" sz="1400" dirty="0"/>
+              <a:t>https://</a:t>
+            </a:r>
+            <a:r>
+              <a:rPr lang="es-ES_tradnl" sz="1400" dirty="0" err="1"/>
+              <a:t>github.com</a:t>
+            </a:r>
+            <a:r>
+              <a:rPr lang="es-ES_tradnl" sz="1400" dirty="0"/>
+              <a:t>/</a:t>
+            </a:r>
+            <a:r>
+              <a:rPr lang="es-ES_tradnl" sz="1400" dirty="0" err="1"/>
+              <a:t>benfred</a:t>
+            </a:r>
+            <a:r>
+              <a:rPr lang="es-ES_tradnl" sz="1400" dirty="0"/>
+              <a:t>/</a:t>
+            </a:r>
+            <a:r>
+              <a:rPr lang="es-ES_tradnl" sz="1400" dirty="0" err="1"/>
+              <a:t>implicit</a:t>
+            </a:r>
+            <a:endParaRPr lang="es-ES_tradnl" sz="1400" dirty="0"/>
+          </a:p>
+        </p:txBody>
+      </p:sp>
+    </p:spTree>
+    <p:extLst>
+      <p:ext uri="{BB962C8B-B14F-4D97-AF65-F5344CB8AC3E}">
+        <p14:creationId xmlns:p14="http://schemas.microsoft.com/office/powerpoint/2010/main" val="1754341991"/>
+      </p:ext>
+    </p:extLst>
+  </p:cSld>
+  <p:clrMapOvr>
+    <a:masterClrMapping/>
+  </p:clrMapOvr>
+  <p:timing>
+    <p:tnLst>
+      <p:par>
+        <p:cTn id="1" dur="indefinite" restart="never" nodeType="tmRoot"/>
+      </p:par>
+    </p:tnLst>
+  </p:timing>
+</p:sld>
+</file>
+
+<file path=ppt/slides/slide14.xml><?xml version="1.0" encoding="utf-8"?>
+<p:sld xmlns:a="http://schemas.openxmlformats.org/drawingml/2006/main" xmlns:r="http://schemas.openxmlformats.org/officeDocument/2006/relationships" xmlns:p="http://schemas.openxmlformats.org/presentationml/2006/main">
+  <p:cSld>
+    <p:spTree>
+      <p:nvGrpSpPr>
+        <p:cNvPr id="1" name=""/>
+        <p:cNvGrpSpPr/>
+        <p:nvPr/>
+      </p:nvGrpSpPr>
+      <p:grpSpPr>
+        <a:xfrm>
+          <a:off x="0" y="0"/>
+          <a:ext cx="0" cy="0"/>
+          <a:chOff x="0" y="0"/>
+          <a:chExt cx="0" cy="0"/>
+        </a:xfrm>
+      </p:grpSpPr>
+      <p:sp>
+        <p:nvSpPr>
+          <p:cNvPr id="2" name="Title 1"/>
+          <p:cNvSpPr>
+            <a:spLocks noGrp="1"/>
+          </p:cNvSpPr>
+          <p:nvPr>
+            <p:ph type="title"/>
+          </p:nvPr>
+        </p:nvSpPr>
+        <p:spPr/>
+        <p:txBody>
+          <a:bodyPr/>
+          <a:lstStyle/>
+          <a:p>
+            <a:r>
+              <a:rPr lang="en-US" dirty="0" smtClean="0"/>
+              <a:t>references</a:t>
+            </a:r>
+            <a:endParaRPr lang="he-IL" dirty="0"/>
+          </a:p>
+        </p:txBody>
+      </p:sp>
+      <p:sp>
+        <p:nvSpPr>
+          <p:cNvPr id="3" name="Content Placeholder 2"/>
+          <p:cNvSpPr>
+            <a:spLocks noGrp="1"/>
+          </p:cNvSpPr>
+          <p:nvPr>
+            <p:ph idx="1"/>
+          </p:nvPr>
+        </p:nvSpPr>
+        <p:spPr/>
+        <p:txBody>
+          <a:bodyPr>
+            <a:normAutofit fontScale="85000" lnSpcReduction="20000"/>
+          </a:bodyPr>
+          <a:lstStyle/>
+          <a:p>
+            <a:pPr lvl="1"/>
+            <a:r>
+              <a:rPr lang="en-US" dirty="0" smtClean="0"/>
+              <a:t>[1] </a:t>
+            </a:r>
+            <a:r>
+              <a:rPr lang="en-US" dirty="0" err="1"/>
+              <a:t>Mezei</a:t>
+            </a:r>
+            <a:r>
+              <a:rPr lang="en-US" dirty="0"/>
+              <a:t>, </a:t>
+            </a:r>
+            <a:r>
+              <a:rPr lang="en-US" dirty="0" err="1"/>
+              <a:t>Zsolt</a:t>
+            </a:r>
+            <a:r>
+              <a:rPr lang="en-US" dirty="0"/>
+              <a:t>, and Carsten </a:t>
+            </a:r>
+            <a:r>
+              <a:rPr lang="en-US" dirty="0" err="1"/>
+              <a:t>Eickhoff</a:t>
+            </a:r>
+            <a:r>
+              <a:rPr lang="en-US" dirty="0"/>
+              <a:t>. "Evaluating Music Recommender Systems for Groups." </a:t>
+            </a:r>
+            <a:r>
+              <a:rPr lang="en-US" i="1" dirty="0" err="1"/>
+              <a:t>arXiv</a:t>
+            </a:r>
+            <a:r>
+              <a:rPr lang="en-US" i="1" dirty="0"/>
+              <a:t> preprint arXiv:1707.09790</a:t>
+            </a:r>
+            <a:r>
+              <a:rPr lang="en-US" dirty="0"/>
+              <a:t> (2017</a:t>
+            </a:r>
+            <a:r>
+              <a:rPr lang="en-US" dirty="0" smtClean="0"/>
+              <a:t>).</a:t>
+            </a:r>
+          </a:p>
+          <a:p>
+            <a:pPr lvl="1"/>
+            <a:r>
+              <a:rPr lang="en-US" dirty="0" smtClean="0"/>
+              <a:t>[2] </a:t>
+            </a:r>
+            <a:r>
+              <a:rPr lang="en-US" dirty="0"/>
+              <a:t>Yoshii, Kazuyoshi, et al. "Hybrid Collaborative and Content-based Music Recommendation Using Probabilistic Model with Latent User Preferences." </a:t>
+            </a:r>
+            <a:r>
+              <a:rPr lang="en-US" i="1" dirty="0"/>
+              <a:t>ISMIR</a:t>
+            </a:r>
+            <a:r>
+              <a:rPr lang="en-US" dirty="0"/>
+              <a:t>. Vol. 6. 2006</a:t>
+            </a:r>
+            <a:r>
+              <a:rPr lang="en-US" dirty="0" smtClean="0"/>
+              <a:t>.</a:t>
+            </a:r>
+          </a:p>
+          <a:p>
+            <a:pPr lvl="1"/>
+            <a:r>
+              <a:rPr lang="en-US" dirty="0" smtClean="0"/>
+              <a:t>[3] </a:t>
+            </a:r>
+            <a:r>
+              <a:rPr lang="en-US" dirty="0"/>
+              <a:t>Parra, Denis, et al. "Implicit feedback recommendation via implicit-to-explicit ordinal logistic regression mapping." </a:t>
+            </a:r>
+            <a:r>
+              <a:rPr lang="en-US" i="1" dirty="0"/>
+              <a:t>Proceedings of the CARS-2011</a:t>
+            </a:r>
+            <a:r>
+              <a:rPr lang="en-US" dirty="0"/>
+              <a:t> (2011</a:t>
+            </a:r>
+            <a:r>
+              <a:rPr lang="en-US" dirty="0" smtClean="0"/>
+              <a:t>).</a:t>
+            </a:r>
+          </a:p>
+          <a:p>
+            <a:pPr lvl="1"/>
+            <a:r>
+              <a:rPr lang="en-US" dirty="0" smtClean="0"/>
+              <a:t>[4] </a:t>
+            </a:r>
+            <a:r>
+              <a:rPr lang="en-US" dirty="0"/>
+              <a:t>Hu, </a:t>
+            </a:r>
+            <a:r>
+              <a:rPr lang="en-US" dirty="0" err="1"/>
+              <a:t>Yifan</a:t>
+            </a:r>
+            <a:r>
+              <a:rPr lang="en-US" dirty="0"/>
+              <a:t>, Yehuda </a:t>
+            </a:r>
+            <a:r>
+              <a:rPr lang="en-US" dirty="0" err="1"/>
+              <a:t>Koren</a:t>
+            </a:r>
+            <a:r>
+              <a:rPr lang="en-US" dirty="0"/>
+              <a:t>, and Chris </a:t>
+            </a:r>
+            <a:r>
+              <a:rPr lang="en-US" dirty="0" err="1"/>
+              <a:t>Volinsky</a:t>
+            </a:r>
+            <a:r>
+              <a:rPr lang="en-US" dirty="0"/>
+              <a:t>. "Collaborative filtering for implicit feedback datasets." </a:t>
+            </a:r>
+            <a:r>
+              <a:rPr lang="en-US" i="1" dirty="0"/>
+              <a:t>Data Mining, 2008. ICDM'08. Eighth IEEE International Conference on</a:t>
+            </a:r>
+            <a:r>
+              <a:rPr lang="en-US" dirty="0"/>
+              <a:t>. </a:t>
+            </a:r>
+            <a:r>
+              <a:rPr lang="en-US" dirty="0" err="1"/>
+              <a:t>Ieee</a:t>
+            </a:r>
+            <a:r>
+              <a:rPr lang="en-US" dirty="0"/>
+              <a:t>, 2008</a:t>
+            </a:r>
+            <a:r>
+              <a:rPr lang="en-US" dirty="0" smtClean="0"/>
+              <a:t>.</a:t>
+            </a:r>
+          </a:p>
+          <a:p>
+            <a:pPr lvl="1"/>
+            <a:r>
+              <a:rPr lang="en-US" dirty="0" smtClean="0"/>
+              <a:t>[5] </a:t>
+            </a:r>
+            <a:r>
+              <a:rPr lang="en-US" dirty="0" err="1"/>
+              <a:t>Barkan</a:t>
+            </a:r>
+            <a:r>
+              <a:rPr lang="en-US" dirty="0"/>
+              <a:t>, Oren, and Noam </a:t>
+            </a:r>
+            <a:r>
+              <a:rPr lang="en-US" dirty="0" err="1"/>
+              <a:t>Koenigstein</a:t>
+            </a:r>
+            <a:r>
+              <a:rPr lang="en-US" dirty="0"/>
+              <a:t>. "Item2vec: neural item embedding for collaborative filtering." </a:t>
+            </a:r>
+            <a:r>
+              <a:rPr lang="en-US" i="1" dirty="0"/>
+              <a:t>Machine Learning for Signal Processing (MLSP), 2016 IEEE 26th International Workshop on</a:t>
+            </a:r>
+            <a:r>
+              <a:rPr lang="en-US" dirty="0"/>
+              <a:t>. IEEE, 2016</a:t>
+            </a:r>
+            <a:r>
+              <a:rPr lang="en-US" dirty="0" smtClean="0"/>
+              <a:t>.</a:t>
+            </a:r>
+          </a:p>
+          <a:p>
+            <a:pPr lvl="1"/>
+            <a:r>
+              <a:rPr lang="en-US" dirty="0" smtClean="0"/>
+              <a:t>[6] </a:t>
+            </a:r>
+            <a:r>
+              <a:rPr lang="en-US" dirty="0" err="1"/>
+              <a:t>Leskovec</a:t>
+            </a:r>
+            <a:r>
+              <a:rPr lang="en-US" dirty="0"/>
+              <a:t>, Jure, </a:t>
+            </a:r>
+            <a:r>
+              <a:rPr lang="en-US" dirty="0" err="1"/>
+              <a:t>Anand</a:t>
+            </a:r>
+            <a:r>
+              <a:rPr lang="en-US" dirty="0"/>
+              <a:t> </a:t>
+            </a:r>
+            <a:r>
+              <a:rPr lang="en-US" dirty="0" err="1"/>
+              <a:t>Rajaraman</a:t>
+            </a:r>
+            <a:r>
+              <a:rPr lang="en-US" dirty="0"/>
+              <a:t>, and Jeffrey David Ullman. </a:t>
+            </a:r>
+            <a:r>
+              <a:rPr lang="en-US" i="1" dirty="0"/>
+              <a:t>Mining of massive datasets</a:t>
+            </a:r>
+            <a:r>
+              <a:rPr lang="en-US" dirty="0"/>
+              <a:t>. Cambridge university press, 2014.</a:t>
+            </a:r>
+            <a:endParaRPr lang="he-IL" dirty="0"/>
+          </a:p>
+        </p:txBody>
+      </p:sp>
+    </p:spTree>
+    <p:extLst>
+      <p:ext uri="{BB962C8B-B14F-4D97-AF65-F5344CB8AC3E}">
+        <p14:creationId xmlns:p14="http://schemas.microsoft.com/office/powerpoint/2010/main" val="2259291554"/>
+      </p:ext>
+    </p:extLst>
+  </p:cSld>
+  <p:clrMapOvr>
+    <a:masterClrMapping/>
+  </p:clrMapOvr>
+  <p:timing>
+    <p:tnLst>
+      <p:par>
+        <p:cTn id="1" dur="indefinite" restart="never" nodeType="tmRoot"/>
+      </p:par>
+    </p:tnLst>
+  </p:timing>
+</p:sld>
+</file>
+
+<file path=ppt/slides/slide15.xml><?xml version="1.0" encoding="utf-8"?>
+<p:sld xmlns:a="http://schemas.openxmlformats.org/drawingml/2006/main" xmlns:r="http://schemas.openxmlformats.org/officeDocument/2006/relationships" xmlns:p="http://schemas.openxmlformats.org/presentationml/2006/main">
+  <p:cSld>
+    <p:spTree>
+      <p:nvGrpSpPr>
+        <p:cNvPr id="1" name=""/>
+        <p:cNvGrpSpPr/>
+        <p:nvPr/>
+      </p:nvGrpSpPr>
+      <p:grpSpPr>
+        <a:xfrm>
+          <a:off x="0" y="0"/>
+          <a:ext cx="0" cy="0"/>
+          <a:chOff x="0" y="0"/>
+          <a:chExt cx="0" cy="0"/>
+        </a:xfrm>
+      </p:grpSpPr>
+      <p:sp>
+        <p:nvSpPr>
+          <p:cNvPr id="2" name="Title 1"/>
+          <p:cNvSpPr>
+            <a:spLocks noGrp="1"/>
+          </p:cNvSpPr>
+          <p:nvPr>
+            <p:ph type="ctrTitle"/>
+          </p:nvPr>
+        </p:nvSpPr>
+        <p:spPr/>
+        <p:txBody>
+          <a:bodyPr/>
+          <a:lstStyle/>
+          <a:p>
+            <a:r>
+              <a:rPr lang="en-US" dirty="0" smtClean="0"/>
+              <a:t>DOMO ARIGATO MISTER ROBOTO</a:t>
+            </a:r>
+            <a:endParaRPr lang="he-IL" dirty="0"/>
+          </a:p>
+        </p:txBody>
+      </p:sp>
+      <p:sp>
+        <p:nvSpPr>
+          <p:cNvPr id="3" name="Subtitle 2"/>
+          <p:cNvSpPr>
+            <a:spLocks noGrp="1"/>
+          </p:cNvSpPr>
+          <p:nvPr>
+            <p:ph type="subTitle" idx="1"/>
+          </p:nvPr>
+        </p:nvSpPr>
+        <p:spPr/>
+        <p:txBody>
+          <a:bodyPr/>
+          <a:lstStyle/>
+          <a:p>
+            <a:r>
+              <a:rPr lang="en-US" dirty="0" smtClean="0"/>
+              <a:t>Questions?</a:t>
+            </a:r>
+            <a:endParaRPr lang="he-IL" dirty="0"/>
+          </a:p>
+        </p:txBody>
+      </p:sp>
+    </p:spTree>
+    <p:extLst>
+      <p:ext uri="{BB962C8B-B14F-4D97-AF65-F5344CB8AC3E}">
+        <p14:creationId xmlns:p14="http://schemas.microsoft.com/office/powerpoint/2010/main" val="1227135976"/>
+      </p:ext>
+    </p:extLst>
+  </p:cSld>
+  <p:clrMapOvr>
+    <a:masterClrMapping/>
+  </p:clrMapOvr>
+  <p:timing>
+    <p:tnLst>
+      <p:par>
+        <p:cTn id="1" dur="indefinite" restart="never" nodeType="tmRoot"/>
+      </p:par>
+    </p:tnLst>
+  </p:timing>
+</p:sld>
+</file>
+
+<file path=ppt/slides/slide2.xml><?xml version="1.0" encoding="utf-8"?>
+<p:sld xmlns:a="http://schemas.openxmlformats.org/drawingml/2006/main" xmlns:r="http://schemas.openxmlformats.org/officeDocument/2006/relationships" xmlns:p="http://schemas.openxmlformats.org/presentationml/2006/main">
+  <p:cSld>
+    <p:spTree>
+      <p:nvGrpSpPr>
+        <p:cNvPr id="1" name=""/>
+        <p:cNvGrpSpPr/>
+        <p:nvPr/>
+      </p:nvGrpSpPr>
+      <p:grpSpPr>
+        <a:xfrm>
+          <a:off x="0" y="0"/>
+          <a:ext cx="0" cy="0"/>
+          <a:chOff x="0" y="0"/>
+          <a:chExt cx="0" cy="0"/>
+        </a:xfrm>
+      </p:grpSpPr>
+      <p:sp>
+        <p:nvSpPr>
+          <p:cNvPr id="2" name="Text Placeholder 1"/>
+          <p:cNvSpPr>
+            <a:spLocks noGrp="1"/>
+          </p:cNvSpPr>
+          <p:nvPr>
+            <p:ph type="body" idx="1"/>
+          </p:nvPr>
+        </p:nvSpPr>
+        <p:spPr/>
+        <p:txBody>
+          <a:bodyPr/>
+          <a:lstStyle/>
+          <a:p>
+            <a:r>
+              <a:rPr lang="en-US" dirty="0" smtClean="0"/>
+              <a:t>Single user recommendation</a:t>
+            </a:r>
+            <a:endParaRPr lang="he-IL" dirty="0"/>
+          </a:p>
+        </p:txBody>
+      </p:sp>
+      <p:sp>
+        <p:nvSpPr>
+          <p:cNvPr id="4" name="Content Placeholder 3"/>
+          <p:cNvSpPr>
+            <a:spLocks noGrp="1"/>
+          </p:cNvSpPr>
+          <p:nvPr>
+            <p:ph sz="quarter" idx="4"/>
+          </p:nvPr>
+        </p:nvSpPr>
+        <p:spPr>
+          <a:xfrm>
+            <a:off x="6338316" y="3143250"/>
+            <a:ext cx="4253484" cy="615950"/>
+          </a:xfrm>
+        </p:spPr>
+        <p:txBody>
+          <a:bodyPr/>
+          <a:lstStyle/>
+          <a:p>
+            <a:pPr lvl="1"/>
+            <a:r>
+              <a:rPr lang="en-US" dirty="0" smtClean="0"/>
+              <a:t>Recommend songs to a group of people to listen it together.</a:t>
+            </a:r>
+          </a:p>
+        </p:txBody>
+      </p:sp>
+      <p:sp>
+        <p:nvSpPr>
+          <p:cNvPr id="5" name="Text Placeholder 4"/>
+          <p:cNvSpPr>
+            <a:spLocks noGrp="1"/>
+          </p:cNvSpPr>
+          <p:nvPr>
+            <p:ph type="body" sz="quarter" idx="13"/>
+          </p:nvPr>
+        </p:nvSpPr>
+        <p:spPr/>
+        <p:txBody>
+          <a:bodyPr/>
+          <a:lstStyle/>
+          <a:p>
+            <a:r>
+              <a:rPr lang="en-US" dirty="0" smtClean="0"/>
+              <a:t>GROUP RECOMMENDATION</a:t>
+            </a:r>
+            <a:endParaRPr lang="he-IL" dirty="0"/>
+          </a:p>
+        </p:txBody>
+      </p:sp>
+      <p:sp>
+        <p:nvSpPr>
+          <p:cNvPr id="6" name="Title 5"/>
+          <p:cNvSpPr>
+            <a:spLocks noGrp="1"/>
+          </p:cNvSpPr>
+          <p:nvPr>
+            <p:ph type="title"/>
+          </p:nvPr>
+        </p:nvSpPr>
+        <p:spPr/>
+        <p:txBody>
+          <a:bodyPr/>
+          <a:lstStyle/>
+          <a:p>
+            <a:r>
+              <a:rPr lang="en-US" dirty="0" smtClean="0"/>
+              <a:t>Song recommendation</a:t>
+            </a:r>
+            <a:endParaRPr lang="he-IL" dirty="0"/>
+          </a:p>
+        </p:txBody>
+      </p:sp>
+      <p:pic>
+        <p:nvPicPr>
+          <p:cNvPr id="7" name="Picture 2" descr="mage result for spotify"/>
+          <p:cNvPicPr>
+            <a:picLocks noGrp="1" noChangeAspect="1" noChangeArrowheads="1"/>
+          </p:cNvPicPr>
+          <p:nvPr>
+            <p:ph sz="half" idx="2"/>
+          </p:nvPr>
+        </p:nvPicPr>
+        <p:blipFill>
+          <a:blip r:embed="rId2">
+            <a:extLst>
+              <a:ext uri="{28A0092B-C50C-407E-A947-70E740481C1C}">
+                <a14:useLocalDpi xmlns:a14="http://schemas.microsoft.com/office/drawing/2010/main" val="0"/>
+              </a:ext>
+            </a:extLst>
+          </a:blip>
+          <a:srcRect/>
+          <a:stretch>
+            <a:fillRect/>
+          </a:stretch>
+        </p:blipFill>
+        <p:spPr bwMode="auto">
+          <a:xfrm>
+            <a:off x="1583436" y="3177541"/>
+            <a:ext cx="1186735" cy="1186735"/>
+          </a:xfrm>
+          <a:prstGeom prst="rect">
+            <a:avLst/>
+          </a:prstGeom>
+          <a:noFill/>
+          <a:extLst>
+            <a:ext uri="{909E8E84-426E-40DD-AFC4-6F175D3DCCD1}">
+              <a14:hiddenFill xmlns:a14="http://schemas.microsoft.com/office/drawing/2010/main">
+                <a:solidFill>
+                  <a:srgbClr val="FFFFFF"/>
+                </a:solidFill>
+              </a14:hiddenFill>
+            </a:ext>
+          </a:extLst>
+        </p:spPr>
+      </p:pic>
+      <p:pic>
+        <p:nvPicPr>
+          <p:cNvPr id="8" name="Picture 4" descr="mage result for last fm"/>
+          <p:cNvPicPr>
+            <a:picLocks noChangeAspect="1" noChangeArrowheads="1"/>
+          </p:cNvPicPr>
+          <p:nvPr/>
+        </p:nvPicPr>
+        <p:blipFill>
+          <a:blip r:embed="rId3">
+            <a:extLst>
+              <a:ext uri="{28A0092B-C50C-407E-A947-70E740481C1C}">
+                <a14:useLocalDpi xmlns:a14="http://schemas.microsoft.com/office/drawing/2010/main" val="0"/>
+              </a:ext>
+            </a:extLst>
+          </a:blip>
+          <a:srcRect/>
+          <a:stretch>
+            <a:fillRect/>
+          </a:stretch>
+        </p:blipFill>
+        <p:spPr bwMode="auto">
+          <a:xfrm>
+            <a:off x="3071171" y="3167512"/>
+            <a:ext cx="1206792" cy="1206792"/>
+          </a:xfrm>
+          <a:prstGeom prst="rect">
+            <a:avLst/>
+          </a:prstGeom>
+          <a:noFill/>
+          <a:extLst>
+            <a:ext uri="{909E8E84-426E-40DD-AFC4-6F175D3DCCD1}">
+              <a14:hiddenFill xmlns:a14="http://schemas.microsoft.com/office/drawing/2010/main">
+                <a:solidFill>
+                  <a:srgbClr val="FFFFFF"/>
+                </a:solidFill>
+              </a14:hiddenFill>
+            </a:ext>
+          </a:extLst>
+        </p:spPr>
+      </p:pic>
+      <p:pic>
+        <p:nvPicPr>
+          <p:cNvPr id="9" name="Picture 6" descr="mage result for shazam"/>
+          <p:cNvPicPr>
+            <a:picLocks noChangeAspect="1" noChangeArrowheads="1"/>
+          </p:cNvPicPr>
+          <p:nvPr/>
+        </p:nvPicPr>
+        <p:blipFill>
+          <a:blip r:embed="rId4">
+            <a:extLst>
+              <a:ext uri="{28A0092B-C50C-407E-A947-70E740481C1C}">
+                <a14:useLocalDpi xmlns:a14="http://schemas.microsoft.com/office/drawing/2010/main" val="0"/>
+              </a:ext>
+            </a:extLst>
+          </a:blip>
+          <a:srcRect/>
+          <a:stretch>
+            <a:fillRect/>
+          </a:stretch>
+        </p:blipFill>
+        <p:spPr bwMode="auto">
+          <a:xfrm>
+            <a:off x="4580359" y="3229772"/>
+            <a:ext cx="1154561" cy="1154561"/>
+          </a:xfrm>
+          <a:prstGeom prst="rect">
+            <a:avLst/>
+          </a:prstGeom>
+          <a:noFill/>
+          <a:extLst>
+            <a:ext uri="{909E8E84-426E-40DD-AFC4-6F175D3DCCD1}">
+              <a14:hiddenFill xmlns:a14="http://schemas.microsoft.com/office/drawing/2010/main">
+                <a:solidFill>
+                  <a:srgbClr val="FFFFFF"/>
+                </a:solidFill>
+              </a14:hiddenFill>
+            </a:ext>
+          </a:extLst>
+        </p:spPr>
+      </p:pic>
+      <p:pic>
+        <p:nvPicPr>
+          <p:cNvPr id="10" name="Picture 8" descr="mage result for pandora music"/>
+          <p:cNvPicPr>
+            <a:picLocks noChangeAspect="1" noChangeArrowheads="1"/>
+          </p:cNvPicPr>
+          <p:nvPr/>
+        </p:nvPicPr>
+        <p:blipFill>
+          <a:blip r:embed="rId5">
+            <a:extLst>
+              <a:ext uri="{28A0092B-C50C-407E-A947-70E740481C1C}">
+                <a14:useLocalDpi xmlns:a14="http://schemas.microsoft.com/office/drawing/2010/main" val="0"/>
+              </a:ext>
+            </a:extLst>
+          </a:blip>
+          <a:srcRect/>
+          <a:stretch>
+            <a:fillRect/>
+          </a:stretch>
+        </p:blipFill>
+        <p:spPr bwMode="auto">
+          <a:xfrm>
+            <a:off x="1982792" y="4260290"/>
+            <a:ext cx="1731246" cy="1731246"/>
+          </a:xfrm>
+          <a:prstGeom prst="rect">
+            <a:avLst/>
+          </a:prstGeom>
+          <a:noFill/>
+          <a:extLst>
+            <a:ext uri="{909E8E84-426E-40DD-AFC4-6F175D3DCCD1}">
+              <a14:hiddenFill xmlns:a14="http://schemas.microsoft.com/office/drawing/2010/main">
+                <a:solidFill>
+                  <a:srgbClr val="FFFFFF"/>
+                </a:solidFill>
+              </a14:hiddenFill>
+            </a:ext>
+          </a:extLst>
+        </p:spPr>
+      </p:pic>
+      <p:pic>
+        <p:nvPicPr>
+          <p:cNvPr id="11" name="Picture 12" descr="mage result for apple music"/>
+          <p:cNvPicPr>
+            <a:picLocks noChangeAspect="1" noChangeArrowheads="1"/>
+          </p:cNvPicPr>
+          <p:nvPr/>
+        </p:nvPicPr>
+        <p:blipFill>
+          <a:blip r:embed="rId6">
+            <a:extLst>
+              <a:ext uri="{28A0092B-C50C-407E-A947-70E740481C1C}">
+                <a14:useLocalDpi xmlns:a14="http://schemas.microsoft.com/office/drawing/2010/main" val="0"/>
+              </a:ext>
+            </a:extLst>
+          </a:blip>
+          <a:srcRect/>
+          <a:stretch>
+            <a:fillRect/>
+          </a:stretch>
+        </p:blipFill>
+        <p:spPr bwMode="auto">
+          <a:xfrm>
+            <a:off x="3714038" y="4441638"/>
+            <a:ext cx="1479736" cy="1479736"/>
+          </a:xfrm>
+          <a:prstGeom prst="rect">
+            <a:avLst/>
+          </a:prstGeom>
+          <a:noFill/>
+          <a:extLst>
+            <a:ext uri="{909E8E84-426E-40DD-AFC4-6F175D3DCCD1}">
+              <a14:hiddenFill xmlns:a14="http://schemas.microsoft.com/office/drawing/2010/main">
+                <a:solidFill>
+                  <a:srgbClr val="FFFFFF"/>
+                </a:solidFill>
+              </a14:hiddenFill>
+            </a:ext>
+          </a:extLst>
+        </p:spPr>
+      </p:pic>
+      <p:sp>
+        <p:nvSpPr>
+          <p:cNvPr id="13" name="Content Placeholder 3"/>
+          <p:cNvSpPr txBox="1">
+            <a:spLocks/>
+          </p:cNvSpPr>
+          <p:nvPr/>
+        </p:nvSpPr>
+        <p:spPr>
+          <a:xfrm>
+            <a:off x="6338316" y="3884930"/>
+            <a:ext cx="4253484" cy="615950"/>
+          </a:xfrm>
+          <a:prstGeom prst="rect">
+            <a:avLst/>
+          </a:prstGeom>
+        </p:spPr>
+        <p:txBody>
+          <a:bodyPr vert="horz" lIns="91440" tIns="45720" rIns="91440" bIns="45720" rtlCol="0">
+            <a:normAutofit/>
+          </a:bodyPr>
+          <a:lstStyle>
+            <a:lvl1pPr marL="228600" indent="-228600" algn="l" defTabSz="914400" rtl="0" eaLnBrk="1" latinLnBrk="0" hangingPunct="1">
+              <a:lnSpc>
+                <a:spcPct val="100000"/>
+              </a:lnSpc>
+              <a:spcBef>
+                <a:spcPts val="1000"/>
+              </a:spcBef>
+              <a:buClr>
+                <a:schemeClr val="accent2"/>
+              </a:buClr>
+              <a:buFont typeface="Arial" panose="020B0604020202020204" pitchFamily="34" charset="0"/>
+              <a:buChar char="•"/>
+              <a:defRPr sz="1800" kern="1200">
+                <a:solidFill>
+                  <a:schemeClr val="tx1">
+                    <a:lumMod val="85000"/>
+                    <a:lumOff val="15000"/>
+                  </a:schemeClr>
+                </a:solidFill>
+                <a:latin typeface="+mn-lt"/>
+                <a:ea typeface="+mn-ea"/>
+                <a:cs typeface="+mn-cs"/>
+              </a:defRPr>
+            </a:lvl1pPr>
+            <a:lvl2pPr marL="457200" indent="-228600" algn="l" defTabSz="914400" rtl="0" eaLnBrk="1" latinLnBrk="0" hangingPunct="1">
+              <a:lnSpc>
+                <a:spcPct val="100000"/>
+              </a:lnSpc>
+              <a:spcBef>
+                <a:spcPts val="1000"/>
+              </a:spcBef>
+              <a:buClr>
+                <a:schemeClr val="accent2"/>
+              </a:buClr>
+              <a:buFont typeface="Arial" panose="020B0604020202020204" pitchFamily="34" charset="0"/>
+              <a:buChar char="•"/>
+              <a:defRPr sz="1600" kern="1200">
+                <a:solidFill>
+                  <a:schemeClr val="tx1">
+                    <a:lumMod val="85000"/>
+                    <a:lumOff val="15000"/>
+                  </a:schemeClr>
+                </a:solidFill>
+                <a:latin typeface="+mn-lt"/>
+                <a:ea typeface="+mn-ea"/>
+                <a:cs typeface="+mn-cs"/>
+              </a:defRPr>
+            </a:lvl2pPr>
+            <a:lvl3pPr marL="685800" indent="-228600" algn="l" defTabSz="914400" rtl="0" eaLnBrk="1" latinLnBrk="0" hangingPunct="1">
+              <a:lnSpc>
+                <a:spcPct val="100000"/>
+              </a:lnSpc>
+              <a:spcBef>
+                <a:spcPts val="1000"/>
+              </a:spcBef>
+              <a:buClr>
+                <a:schemeClr val="accent2"/>
+              </a:buClr>
+              <a:buFont typeface="Arial" panose="020B0604020202020204" pitchFamily="34" charset="0"/>
+              <a:buChar char="•"/>
+              <a:defRPr sz="1600" kern="1200">
+                <a:solidFill>
+                  <a:schemeClr val="tx1">
+                    <a:lumMod val="85000"/>
+                    <a:lumOff val="15000"/>
+                  </a:schemeClr>
+                </a:solidFill>
+                <a:latin typeface="+mn-lt"/>
+                <a:ea typeface="+mn-ea"/>
+                <a:cs typeface="+mn-cs"/>
+              </a:defRPr>
+            </a:lvl3pPr>
+            <a:lvl4pPr marL="914400" indent="-228600" algn="l" defTabSz="914400" rtl="0" eaLnBrk="1" latinLnBrk="0" hangingPunct="1">
+              <a:lnSpc>
+                <a:spcPct val="100000"/>
+              </a:lnSpc>
+              <a:spcBef>
+                <a:spcPts val="1000"/>
+              </a:spcBef>
+              <a:buClr>
+                <a:schemeClr val="accent2"/>
+              </a:buClr>
+              <a:buFont typeface="Arial" panose="020B0604020202020204" pitchFamily="34" charset="0"/>
+              <a:buChar char="•"/>
+              <a:defRPr sz="1600" kern="1200">
+                <a:solidFill>
+                  <a:schemeClr val="tx1">
+                    <a:lumMod val="85000"/>
+                    <a:lumOff val="15000"/>
+                  </a:schemeClr>
+                </a:solidFill>
+                <a:latin typeface="+mn-lt"/>
+                <a:ea typeface="+mn-ea"/>
+                <a:cs typeface="+mn-cs"/>
+              </a:defRPr>
+            </a:lvl4pPr>
+            <a:lvl5pPr marL="1143000" indent="-228600" algn="l" defTabSz="914400" rtl="0" eaLnBrk="1" latinLnBrk="0" hangingPunct="1">
+              <a:lnSpc>
+                <a:spcPct val="100000"/>
+              </a:lnSpc>
+              <a:spcBef>
+                <a:spcPts val="1000"/>
+              </a:spcBef>
+              <a:buClr>
+                <a:schemeClr val="accent2"/>
+              </a:buClr>
+              <a:buFont typeface="Arial" panose="020B0604020202020204" pitchFamily="34" charset="0"/>
+              <a:buChar char="•"/>
+              <a:defRPr sz="1600" kern="1200">
+                <a:solidFill>
+                  <a:schemeClr val="tx1">
+                    <a:lumMod val="85000"/>
+                    <a:lumOff val="15000"/>
+                  </a:schemeClr>
+                </a:solidFill>
+                <a:latin typeface="+mn-lt"/>
+                <a:ea typeface="+mn-ea"/>
+                <a:cs typeface="+mn-cs"/>
+              </a:defRPr>
+            </a:lvl5pPr>
+            <a:lvl6pPr marL="1312863" indent="-228600" algn="l" defTabSz="914400" rtl="0" eaLnBrk="1" latinLnBrk="0" hangingPunct="1">
+              <a:lnSpc>
+                <a:spcPct val="100000"/>
+              </a:lnSpc>
+              <a:spcBef>
+                <a:spcPts val="1000"/>
+              </a:spcBef>
+              <a:buClr>
+                <a:schemeClr val="accent2"/>
+              </a:buClr>
+              <a:buFont typeface="Arial" panose="020B0604020202020204" pitchFamily="34" charset="0"/>
+              <a:buChar char="•"/>
+              <a:defRPr sz="1600" kern="1200">
+                <a:solidFill>
+                  <a:schemeClr val="tx1"/>
+                </a:solidFill>
+                <a:latin typeface="+mn-lt"/>
+                <a:ea typeface="+mn-ea"/>
+                <a:cs typeface="+mn-cs"/>
+              </a:defRPr>
+            </a:lvl6pPr>
+            <a:lvl7pPr marL="1484313" indent="-228600" algn="l" defTabSz="914400" rtl="0" eaLnBrk="1" latinLnBrk="0" hangingPunct="1">
+              <a:lnSpc>
+                <a:spcPct val="100000"/>
+              </a:lnSpc>
+              <a:spcBef>
+                <a:spcPts val="1000"/>
+              </a:spcBef>
+              <a:buClr>
+                <a:schemeClr val="accent2"/>
+              </a:buClr>
+              <a:buFont typeface="Arial" panose="020B0604020202020204" pitchFamily="34" charset="0"/>
+              <a:buChar char="•"/>
+              <a:defRPr sz="1600" kern="1200">
+                <a:solidFill>
+                  <a:schemeClr val="tx1"/>
+                </a:solidFill>
+                <a:latin typeface="+mn-lt"/>
+                <a:ea typeface="+mn-ea"/>
+                <a:cs typeface="+mn-cs"/>
+              </a:defRPr>
+            </a:lvl7pPr>
+            <a:lvl8pPr marL="1657350" indent="-228600" algn="l" defTabSz="914400" rtl="0" eaLnBrk="1" latinLnBrk="0" hangingPunct="1">
+              <a:lnSpc>
+                <a:spcPct val="100000"/>
+              </a:lnSpc>
+              <a:spcBef>
+                <a:spcPts val="1000"/>
+              </a:spcBef>
+              <a:buClr>
+                <a:schemeClr val="accent2"/>
+              </a:buClr>
+              <a:buFont typeface="Arial" panose="020B0604020202020204" pitchFamily="34" charset="0"/>
+              <a:buChar char="•"/>
+              <a:defRPr sz="1600" kern="1200" baseline="0">
+                <a:solidFill>
+                  <a:schemeClr val="tx1"/>
+                </a:solidFill>
+                <a:latin typeface="+mn-lt"/>
+                <a:ea typeface="+mn-ea"/>
+                <a:cs typeface="+mn-cs"/>
+              </a:defRPr>
+            </a:lvl8pPr>
+            <a:lvl9pPr marL="1882775" indent="-228600" algn="l" defTabSz="914400" rtl="0" eaLnBrk="1" latinLnBrk="0" hangingPunct="1">
+              <a:lnSpc>
+                <a:spcPct val="100000"/>
+              </a:lnSpc>
+              <a:spcBef>
+                <a:spcPts val="1000"/>
+              </a:spcBef>
+              <a:buClr>
+                <a:schemeClr val="accent2"/>
+              </a:buClr>
+              <a:buFont typeface="Arial" panose="020B0604020202020204" pitchFamily="34" charset="0"/>
+              <a:buChar char="•"/>
+              <a:defRPr sz="1600" kern="1200" baseline="0">
+                <a:solidFill>
+                  <a:schemeClr val="tx1"/>
+                </a:solidFill>
+                <a:latin typeface="+mn-lt"/>
+                <a:ea typeface="+mn-ea"/>
+                <a:cs typeface="+mn-cs"/>
+              </a:defRPr>
+            </a:lvl9pPr>
+          </a:lstStyle>
+          <a:p>
+            <a:pPr lvl="1"/>
+            <a:r>
+              <a:rPr lang="en-US" dirty="0"/>
+              <a:t>Challenge: match everyone’s taste and not a singular personal preference.</a:t>
+            </a:r>
+          </a:p>
+        </p:txBody>
+      </p:sp>
+    </p:spTree>
+    <p:extLst>
+      <p:ext uri="{BB962C8B-B14F-4D97-AF65-F5344CB8AC3E}">
+        <p14:creationId xmlns:p14="http://schemas.microsoft.com/office/powerpoint/2010/main" val="2249955279"/>
+      </p:ext>
+    </p:extLst>
+  </p:cSld>
+  <p:clrMapOvr>
+    <a:masterClrMapping/>
+  </p:clrMapOvr>
+  <p:timing>
+    <p:tnLst>
+      <p:par>
+        <p:cTn id="1" dur="indefinite" restart="never" nodeType="tmRoot">
+          <p:childTnLst>
+            <p:seq concurrent="1" nextAc="seek">
+              <p:cTn id="2" dur="indefinite" nodeType="mainSeq">
+                <p:childTnLst>
+                  <p:par>
+                    <p:cTn id="3" fill="hold">
+                      <p:stCondLst>
+                        <p:cond delay="indefinite"/>
+                      </p:stCondLst>
+                      <p:childTnLst>
+                        <p:par>
+                          <p:cTn id="4" fill="hold">
+                            <p:stCondLst>
+                              <p:cond delay="0"/>
+                            </p:stCondLst>
+                            <p:childTnLst>
+                              <p:par>
+                                <p:cTn id="5" presetID="1" presetClass="entr" presetSubtype="0" fill="hold" grpId="0" nodeType="clickEffect">
+                                  <p:stCondLst>
+                                    <p:cond delay="0"/>
+                                  </p:stCondLst>
+                                  <p:childTnLst>
+                                    <p:set>
+                                      <p:cBhvr>
+                                        <p:cTn id="6" dur="1" fill="hold">
+                                          <p:stCondLst>
+                                            <p:cond delay="0"/>
+                                          </p:stCondLst>
+                                        </p:cTn>
+                                        <p:tgtEl>
+                                          <p:spTgt spid="2">
+                                            <p:txEl>
+                                              <p:pRg st="0" end="0"/>
+                                            </p:txEl>
+                                          </p:spTgt>
+                                        </p:tgtEl>
+                                        <p:attrNameLst>
+                                          <p:attrName>style.visibility</p:attrName>
+                                        </p:attrNameLst>
+                                      </p:cBhvr>
+                                      <p:to>
+                                        <p:strVal val="visible"/>
+                                      </p:to>
+                                    </p:set>
+                                  </p:childTnLst>
+                                </p:cTn>
+                              </p:par>
+                              <p:par>
+                                <p:cTn id="7" presetID="1" presetClass="entr" presetSubtype="0" fill="hold" nodeType="withEffect">
+                                  <p:stCondLst>
+                                    <p:cond delay="0"/>
+                                  </p:stCondLst>
+                                  <p:childTnLst>
+                                    <p:set>
+                                      <p:cBhvr>
+                                        <p:cTn id="8" dur="1" fill="hold">
+                                          <p:stCondLst>
+                                            <p:cond delay="0"/>
+                                          </p:stCondLst>
+                                        </p:cTn>
+                                        <p:tgtEl>
+                                          <p:spTgt spid="7"/>
+                                        </p:tgtEl>
+                                        <p:attrNameLst>
+                                          <p:attrName>style.visibility</p:attrName>
+                                        </p:attrNameLst>
+                                      </p:cBhvr>
+                                      <p:to>
+                                        <p:strVal val="visible"/>
+                                      </p:to>
+                                    </p:set>
+                                  </p:childTnLst>
+                                </p:cTn>
+                              </p:par>
+                              <p:par>
+                                <p:cTn id="9" presetID="1" presetClass="entr" presetSubtype="0" fill="hold" nodeType="withEffect">
+                                  <p:stCondLst>
+                                    <p:cond delay="0"/>
+                                  </p:stCondLst>
+                                  <p:childTnLst>
+                                    <p:set>
+                                      <p:cBhvr>
+                                        <p:cTn id="10" dur="1" fill="hold">
+                                          <p:stCondLst>
+                                            <p:cond delay="0"/>
+                                          </p:stCondLst>
+                                        </p:cTn>
+                                        <p:tgtEl>
+                                          <p:spTgt spid="8"/>
+                                        </p:tgtEl>
+                                        <p:attrNameLst>
+                                          <p:attrName>style.visibility</p:attrName>
+                                        </p:attrNameLst>
+                                      </p:cBhvr>
+                                      <p:to>
+                                        <p:strVal val="visible"/>
+                                      </p:to>
+                                    </p:set>
+                                  </p:childTnLst>
+                                </p:cTn>
+                              </p:par>
+                              <p:par>
+                                <p:cTn id="11" presetID="1" presetClass="entr" presetSubtype="0" fill="hold" nodeType="withEffect">
+                                  <p:stCondLst>
+                                    <p:cond delay="0"/>
+                                  </p:stCondLst>
+                                  <p:childTnLst>
+                                    <p:set>
+                                      <p:cBhvr>
+                                        <p:cTn id="12" dur="1" fill="hold">
+                                          <p:stCondLst>
+                                            <p:cond delay="0"/>
+                                          </p:stCondLst>
+                                        </p:cTn>
+                                        <p:tgtEl>
+                                          <p:spTgt spid="9"/>
+                                        </p:tgtEl>
+                                        <p:attrNameLst>
+                                          <p:attrName>style.visibility</p:attrName>
+                                        </p:attrNameLst>
+                                      </p:cBhvr>
+                                      <p:to>
+                                        <p:strVal val="visible"/>
+                                      </p:to>
+                                    </p:set>
+                                  </p:childTnLst>
+                                </p:cTn>
+                              </p:par>
+                              <p:par>
+                                <p:cTn id="13" presetID="1" presetClass="entr" presetSubtype="0" fill="hold" nodeType="withEffect">
+                                  <p:stCondLst>
+                                    <p:cond delay="0"/>
+                                  </p:stCondLst>
+                                  <p:childTnLst>
+                                    <p:set>
+                                      <p:cBhvr>
+                                        <p:cTn id="14" dur="1" fill="hold">
+                                          <p:stCondLst>
+                                            <p:cond delay="0"/>
+                                          </p:stCondLst>
+                                        </p:cTn>
+                                        <p:tgtEl>
+                                          <p:spTgt spid="10"/>
+                                        </p:tgtEl>
+                                        <p:attrNameLst>
+                                          <p:attrName>style.visibility</p:attrName>
+                                        </p:attrNameLst>
+                                      </p:cBhvr>
+                                      <p:to>
+                                        <p:strVal val="visible"/>
+                                      </p:to>
+                                    </p:set>
+                                  </p:childTnLst>
+                                </p:cTn>
+                              </p:par>
+                              <p:par>
+                                <p:cTn id="15" presetID="1" presetClass="entr" presetSubtype="0" fill="hold" nodeType="withEffect">
+                                  <p:stCondLst>
+                                    <p:cond delay="0"/>
+                                  </p:stCondLst>
+                                  <p:childTnLst>
+                                    <p:set>
+                                      <p:cBhvr>
+                                        <p:cTn id="16" dur="1" fill="hold">
+                                          <p:stCondLst>
+                                            <p:cond delay="0"/>
+                                          </p:stCondLst>
+                                        </p:cTn>
+                                        <p:tgtEl>
+                                          <p:spTgt spid="11"/>
+                                        </p:tgtEl>
+                                        <p:attrNameLst>
+                                          <p:attrName>style.visibility</p:attrName>
+                                        </p:attrNameLst>
+                                      </p:cBhvr>
+                                      <p:to>
+                                        <p:strVal val="visible"/>
+                                      </p:to>
+                                    </p:set>
+                                  </p:childTnLst>
+                                </p:cTn>
+                              </p:par>
+                            </p:childTnLst>
+                          </p:cTn>
+                        </p:par>
+                      </p:childTnLst>
+                    </p:cTn>
+                  </p:par>
+                  <p:par>
+                    <p:cTn id="17" fill="hold">
+                      <p:stCondLst>
+                        <p:cond delay="indefinite"/>
+                      </p:stCondLst>
+                      <p:childTnLst>
+                        <p:par>
+                          <p:cTn id="18" fill="hold">
+                            <p:stCondLst>
+                              <p:cond delay="0"/>
+                            </p:stCondLst>
+                            <p:childTnLst>
+                              <p:par>
+                                <p:cTn id="19" presetID="1" presetClass="entr" presetSubtype="0" fill="hold" grpId="0" nodeType="clickEffect">
+                                  <p:stCondLst>
+                                    <p:cond delay="0"/>
+                                  </p:stCondLst>
+                                  <p:childTnLst>
+                                    <p:set>
+                                      <p:cBhvr>
+                                        <p:cTn id="20" dur="1" fill="hold">
+                                          <p:stCondLst>
+                                            <p:cond delay="0"/>
+                                          </p:stCondLst>
+                                        </p:cTn>
+                                        <p:tgtEl>
+                                          <p:spTgt spid="5">
+                                            <p:txEl>
+                                              <p:pRg st="0" end="0"/>
+                                            </p:txEl>
+                                          </p:spTgt>
+                                        </p:tgtEl>
+                                        <p:attrNameLst>
+                                          <p:attrName>style.visibility</p:attrName>
+                                        </p:attrNameLst>
+                                      </p:cBhvr>
+                                      <p:to>
+                                        <p:strVal val="visible"/>
+                                      </p:to>
+                                    </p:set>
+                                  </p:childTnLst>
+                                </p:cTn>
+                              </p:par>
+                            </p:childTnLst>
+                          </p:cTn>
+                        </p:par>
+                      </p:childTnLst>
+                    </p:cTn>
+                  </p:par>
+                  <p:par>
+                    <p:cTn id="21" fill="hold">
+                      <p:stCondLst>
+                        <p:cond delay="indefinite"/>
+                      </p:stCondLst>
+                      <p:childTnLst>
+                        <p:par>
+                          <p:cTn id="22" fill="hold">
+                            <p:stCondLst>
+                              <p:cond delay="0"/>
+                            </p:stCondLst>
+                            <p:childTnLst>
+                              <p:par>
+                                <p:cTn id="23" presetID="1" presetClass="entr" presetSubtype="0" fill="hold" grpId="0" nodeType="clickEffect">
+                                  <p:stCondLst>
+                                    <p:cond delay="0"/>
+                                  </p:stCondLst>
+                                  <p:childTnLst>
+                                    <p:set>
+                                      <p:cBhvr>
+                                        <p:cTn id="24" dur="1" fill="hold">
+                                          <p:stCondLst>
+                                            <p:cond delay="0"/>
+                                          </p:stCondLst>
+                                        </p:cTn>
+                                        <p:tgtEl>
+                                          <p:spTgt spid="4">
+                                            <p:txEl>
+                                              <p:pRg st="0" end="0"/>
+                                            </p:txEl>
+                                          </p:spTgt>
+                                        </p:tgtEl>
+                                        <p:attrNameLst>
+                                          <p:attrName>style.visibility</p:attrName>
+                                        </p:attrNameLst>
+                                      </p:cBhvr>
+                                      <p:to>
+                                        <p:strVal val="visible"/>
+                                      </p:to>
+                                    </p:set>
+                                  </p:childTnLst>
+                                </p:cTn>
+                              </p:par>
+                            </p:childTnLst>
+                          </p:cTn>
+                        </p:par>
+                      </p:childTnLst>
+                    </p:cTn>
+                  </p:par>
+                  <p:par>
+                    <p:cTn id="25" fill="hold">
+                      <p:stCondLst>
+                        <p:cond delay="indefinite"/>
+                      </p:stCondLst>
+                      <p:childTnLst>
+                        <p:par>
+                          <p:cTn id="26" fill="hold">
+                            <p:stCondLst>
+                              <p:cond delay="0"/>
+                            </p:stCondLst>
+                            <p:childTnLst>
+                              <p:par>
+                                <p:cTn id="27" presetID="1" presetClass="entr" presetSubtype="0" fill="hold" grpId="0" nodeType="clickEffect">
+                                  <p:stCondLst>
+                                    <p:cond delay="0"/>
+                                  </p:stCondLst>
+                                  <p:childTnLst>
+                                    <p:set>
+                                      <p:cBhvr>
+                                        <p:cTn id="28" dur="1" fill="hold">
+                                          <p:stCondLst>
+                                            <p:cond delay="0"/>
+                                          </p:stCondLst>
+                                        </p:cTn>
+                                        <p:tgtEl>
+                                          <p:spTgt spid="13"/>
+                                        </p:tgtEl>
+                                        <p:attrNameLst>
+                                          <p:attrName>style.visibility</p:attrName>
+                                        </p:attrNameLst>
+                                      </p:cBhvr>
+                                      <p:to>
+                                        <p:strVal val="visible"/>
+                                      </p:to>
+                                    </p:set>
+                                  </p:childTnLst>
+                                </p:cTn>
+                              </p:par>
+                            </p:childTnLst>
+                          </p:cTn>
+                        </p:par>
+                      </p:childTnLst>
+                    </p:cTn>
+                  </p:par>
+                </p:childTnLst>
+              </p:cTn>
+              <p:prevCondLst>
+                <p:cond evt="onPrev" delay="0">
+                  <p:tgtEl>
+                    <p:sldTgt/>
+                  </p:tgtEl>
+                </p:cond>
+              </p:prevCondLst>
+              <p:nextCondLst>
+                <p:cond evt="onNext" delay="0">
+                  <p:tgtEl>
+                    <p:sldTgt/>
+                  </p:tgtEl>
+                </p:cond>
+              </p:nextCondLst>
+            </p:seq>
+          </p:childTnLst>
+        </p:cTn>
+      </p:par>
+    </p:tnLst>
+    <p:bldLst>
+      <p:bldP spid="2" grpId="0" build="p"/>
+      <p:bldP spid="4" grpId="0" build="p"/>
+      <p:bldP spid="5" grpId="0" build="p"/>
+      <p:bldP spid="13" grpId="0"/>
+    </p:bldLst>
+  </p:timing>
+</p:sld>
+</file>
+
+<file path=ppt/slides/slide3.xml><?xml version="1.0" encoding="utf-8"?>
+<p:sld xmlns:a="http://schemas.openxmlformats.org/drawingml/2006/main" xmlns:r="http://schemas.openxmlformats.org/officeDocument/2006/relationships" xmlns:p="http://schemas.openxmlformats.org/presentationml/2006/main">
+  <p:cSld>
+    <p:spTree>
+      <p:nvGrpSpPr>
+        <p:cNvPr id="1" name=""/>
+        <p:cNvGrpSpPr/>
+        <p:nvPr/>
+      </p:nvGrpSpPr>
+      <p:grpSpPr>
+        <a:xfrm>
+          <a:off x="0" y="0"/>
+          <a:ext cx="0" cy="0"/>
+          <a:chOff x="0" y="0"/>
+          <a:chExt cx="0" cy="0"/>
+        </a:xfrm>
+      </p:grpSpPr>
+      <p:sp>
+        <p:nvSpPr>
+          <p:cNvPr id="2" name="Título 1"/>
+          <p:cNvSpPr>
+            <a:spLocks noGrp="1"/>
+          </p:cNvSpPr>
+          <p:nvPr>
+            <p:ph type="title"/>
+          </p:nvPr>
+        </p:nvSpPr>
+        <p:spPr/>
+        <p:txBody>
+          <a:bodyPr/>
+          <a:lstStyle/>
+          <a:p>
+            <a:r>
+              <a:rPr lang="es-ES_tradnl" dirty="0" err="1" smtClean="0"/>
+              <a:t>Our</a:t>
+            </a:r>
+            <a:r>
+              <a:rPr lang="es-ES_tradnl" dirty="0" smtClean="0"/>
+              <a:t> </a:t>
+            </a:r>
+            <a:r>
+              <a:rPr lang="es-ES_tradnl" dirty="0" err="1" smtClean="0"/>
+              <a:t>Dataset</a:t>
+            </a:r>
+            <a:endParaRPr lang="es-ES_tradnl" dirty="0"/>
+          </a:p>
+        </p:txBody>
+      </p:sp>
+      <p:pic>
+        <p:nvPicPr>
+          <p:cNvPr id="2050" name="Picture 2" descr="https://cdn-images-1.medium.com/max/2000/1*XuGCk1ivZDvd-BFGraAM-w.png"/>
+          <p:cNvPicPr>
+            <a:picLocks noChangeAspect="1" noChangeArrowheads="1"/>
+          </p:cNvPicPr>
+          <p:nvPr/>
+        </p:nvPicPr>
+        <p:blipFill>
+          <a:blip r:embed="rId2">
+            <a:extLst>
+              <a:ext uri="{28A0092B-C50C-407E-A947-70E740481C1C}">
+                <a14:useLocalDpi xmlns:a14="http://schemas.microsoft.com/office/drawing/2010/main" val="0"/>
+              </a:ext>
+            </a:extLst>
+          </a:blip>
+          <a:srcRect/>
+          <a:stretch>
+            <a:fillRect/>
+          </a:stretch>
+        </p:blipFill>
+        <p:spPr bwMode="auto">
+          <a:xfrm>
+            <a:off x="206298" y="2413338"/>
+            <a:ext cx="11779404" cy="2397109"/>
+          </a:xfrm>
+          <a:prstGeom prst="rect">
+            <a:avLst/>
+          </a:prstGeom>
+          <a:noFill/>
+          <a:extLst>
+            <a:ext uri="{909E8E84-426E-40DD-AFC4-6F175D3DCCD1}">
+              <a14:hiddenFill xmlns:a14="http://schemas.microsoft.com/office/drawing/2010/main">
+                <a:solidFill>
+                  <a:srgbClr val="FFFFFF"/>
+                </a:solidFill>
+              </a14:hiddenFill>
+            </a:ext>
+          </a:extLst>
+        </p:spPr>
+      </p:pic>
+      <p:sp>
+        <p:nvSpPr>
+          <p:cNvPr id="5" name="Rectángulo 4"/>
+          <p:cNvSpPr/>
+          <p:nvPr/>
+        </p:nvSpPr>
+        <p:spPr>
+          <a:xfrm>
+            <a:off x="1784195" y="4906537"/>
+            <a:ext cx="7359805" cy="369332"/>
+          </a:xfrm>
+          <a:prstGeom prst="rect">
+            <a:avLst/>
+          </a:prstGeom>
+        </p:spPr>
+        <p:txBody>
+          <a:bodyPr wrap="square">
+            <a:spAutoFit/>
+          </a:bodyPr>
+          <a:lstStyle/>
+          <a:p>
+            <a:r>
+              <a:rPr lang="es-ES_tradnl" dirty="0" err="1" smtClean="0"/>
+              <a:t>We</a:t>
+            </a:r>
+            <a:r>
+              <a:rPr lang="es-ES_tradnl" dirty="0" smtClean="0"/>
+              <a:t> </a:t>
+            </a:r>
+            <a:r>
+              <a:rPr lang="es-ES_tradnl" dirty="0" err="1"/>
+              <a:t>got</a:t>
+            </a:r>
+            <a:r>
+              <a:rPr lang="es-ES_tradnl" dirty="0"/>
+              <a:t> data </a:t>
+            </a:r>
+            <a:r>
+              <a:rPr lang="es-ES_tradnl" dirty="0" err="1"/>
+              <a:t>from</a:t>
+            </a:r>
+            <a:r>
+              <a:rPr lang="es-ES_tradnl" dirty="0"/>
+              <a:t> ~1K </a:t>
+            </a:r>
+            <a:r>
+              <a:rPr lang="es-ES_tradnl" dirty="0" err="1" smtClean="0"/>
+              <a:t>users</a:t>
+            </a:r>
+            <a:endParaRPr lang="es-ES_tradnl" dirty="0"/>
+          </a:p>
+        </p:txBody>
+      </p:sp>
+      <p:sp>
+        <p:nvSpPr>
+          <p:cNvPr id="6" name="CuadroTexto 5"/>
+          <p:cNvSpPr txBox="1"/>
+          <p:nvPr/>
+        </p:nvSpPr>
+        <p:spPr>
+          <a:xfrm>
+            <a:off x="1784195" y="5322035"/>
+            <a:ext cx="8793369" cy="646331"/>
+          </a:xfrm>
+          <a:prstGeom prst="rect">
+            <a:avLst/>
+          </a:prstGeom>
+          <a:noFill/>
+        </p:spPr>
+        <p:txBody>
+          <a:bodyPr wrap="none" rtlCol="0">
+            <a:spAutoFit/>
+          </a:bodyPr>
+          <a:lstStyle/>
+          <a:p>
+            <a:r>
+              <a:rPr lang="es-ES_tradnl" dirty="0" err="1"/>
+              <a:t>There’s</a:t>
+            </a:r>
+            <a:r>
+              <a:rPr lang="es-ES_tradnl" dirty="0"/>
+              <a:t> ~960K </a:t>
+            </a:r>
+            <a:r>
+              <a:rPr lang="es-ES_tradnl" dirty="0" err="1"/>
+              <a:t>different</a:t>
+            </a:r>
+            <a:r>
+              <a:rPr lang="es-ES_tradnl" dirty="0"/>
+              <a:t> </a:t>
+            </a:r>
+            <a:r>
+              <a:rPr lang="es-ES_tradnl" dirty="0" err="1"/>
+              <a:t>tracks</a:t>
+            </a:r>
+            <a:r>
+              <a:rPr lang="es-ES_tradnl" dirty="0"/>
+              <a:t> </a:t>
+            </a:r>
+            <a:r>
+              <a:rPr lang="es-ES_tradnl" dirty="0" err="1"/>
+              <a:t>which</a:t>
+            </a:r>
+            <a:r>
+              <a:rPr lang="es-ES_tradnl" dirty="0"/>
+              <a:t> </a:t>
+            </a:r>
+            <a:r>
+              <a:rPr lang="es-ES_tradnl" dirty="0" err="1"/>
+              <a:t>makes</a:t>
+            </a:r>
+            <a:r>
+              <a:rPr lang="es-ES_tradnl" dirty="0"/>
+              <a:t> </a:t>
+            </a:r>
+            <a:r>
+              <a:rPr lang="es-ES_tradnl" dirty="0" err="1"/>
+              <a:t>it</a:t>
+            </a:r>
+            <a:r>
+              <a:rPr lang="es-ES_tradnl" dirty="0"/>
+              <a:t> </a:t>
+            </a:r>
+            <a:r>
+              <a:rPr lang="es-ES_tradnl" dirty="0" err="1"/>
+              <a:t>pretty</a:t>
+            </a:r>
+            <a:r>
+              <a:rPr lang="es-ES_tradnl" dirty="0"/>
+              <a:t> </a:t>
+            </a:r>
+            <a:r>
+              <a:rPr lang="es-ES_tradnl" dirty="0" err="1"/>
+              <a:t>diverse</a:t>
+            </a:r>
+            <a:r>
+              <a:rPr lang="es-ES_tradnl" dirty="0"/>
+              <a:t> </a:t>
+            </a:r>
+            <a:r>
+              <a:rPr lang="es-ES_tradnl" dirty="0" err="1"/>
+              <a:t>for</a:t>
+            </a:r>
+            <a:r>
+              <a:rPr lang="es-ES_tradnl" dirty="0"/>
+              <a:t> a </a:t>
+            </a:r>
+            <a:r>
+              <a:rPr lang="es-ES_tradnl" dirty="0" err="1"/>
+              <a:t>recommendation</a:t>
+            </a:r>
+            <a:r>
+              <a:rPr lang="es-ES_tradnl" dirty="0"/>
+              <a:t> </a:t>
+            </a:r>
+            <a:r>
+              <a:rPr lang="es-ES_tradnl" dirty="0" err="1"/>
+              <a:t>system</a:t>
+            </a:r>
+            <a:endParaRPr lang="es-ES_tradnl" dirty="0"/>
+          </a:p>
+          <a:p>
+            <a:endParaRPr lang="es-ES_tradnl" dirty="0"/>
+          </a:p>
+        </p:txBody>
+      </p:sp>
+      <p:sp>
+        <p:nvSpPr>
+          <p:cNvPr id="7" name="Rectángulo 6"/>
+          <p:cNvSpPr/>
+          <p:nvPr/>
+        </p:nvSpPr>
+        <p:spPr>
+          <a:xfrm>
+            <a:off x="1784195" y="5741291"/>
+            <a:ext cx="6096000" cy="369332"/>
+          </a:xfrm>
+          <a:prstGeom prst="rect">
+            <a:avLst/>
+          </a:prstGeom>
+        </p:spPr>
+        <p:txBody>
+          <a:bodyPr>
+            <a:spAutoFit/>
+          </a:bodyPr>
+          <a:lstStyle/>
+          <a:p>
+            <a:r>
+              <a:rPr lang="es-ES_tradnl" dirty="0"/>
+              <a:t>~107K </a:t>
+            </a:r>
+            <a:r>
+              <a:rPr lang="es-ES_tradnl" dirty="0" err="1"/>
+              <a:t>different</a:t>
+            </a:r>
+            <a:r>
+              <a:rPr lang="es-ES_tradnl" dirty="0"/>
+              <a:t> </a:t>
+            </a:r>
+            <a:r>
+              <a:rPr lang="es-ES_tradnl" dirty="0" err="1" smtClean="0"/>
+              <a:t>artists</a:t>
+            </a:r>
+            <a:endParaRPr lang="es-ES_tradnl" dirty="0"/>
+          </a:p>
+        </p:txBody>
+      </p:sp>
+      <p:sp>
+        <p:nvSpPr>
+          <p:cNvPr id="8" name="Rectángulo 7"/>
+          <p:cNvSpPr/>
+          <p:nvPr/>
+        </p:nvSpPr>
+        <p:spPr>
+          <a:xfrm>
+            <a:off x="1784195" y="6206713"/>
+            <a:ext cx="6096000" cy="369332"/>
+          </a:xfrm>
+          <a:prstGeom prst="rect">
+            <a:avLst/>
+          </a:prstGeom>
+        </p:spPr>
+        <p:txBody>
+          <a:bodyPr>
+            <a:spAutoFit/>
+          </a:bodyPr>
+          <a:lstStyle/>
+          <a:p>
+            <a:r>
+              <a:rPr lang="es-ES_tradnl" dirty="0" smtClean="0"/>
+              <a:t>~</a:t>
+            </a:r>
+            <a:r>
+              <a:rPr lang="es-ES_tradnl" dirty="0"/>
+              <a:t>19M </a:t>
+            </a:r>
+            <a:r>
+              <a:rPr lang="es-ES_tradnl" dirty="0" err="1"/>
+              <a:t>entries</a:t>
+            </a:r>
+            <a:r>
+              <a:rPr lang="es-ES_tradnl" dirty="0"/>
+              <a:t> in </a:t>
+            </a:r>
+            <a:r>
+              <a:rPr lang="es-ES_tradnl" dirty="0" err="1"/>
+              <a:t>the</a:t>
+            </a:r>
+            <a:r>
+              <a:rPr lang="es-ES_tradnl" dirty="0"/>
+              <a:t> </a:t>
+            </a:r>
+            <a:r>
+              <a:rPr lang="es-ES_tradnl" dirty="0" err="1"/>
+              <a:t>dataset</a:t>
+            </a:r>
+            <a:r>
+              <a:rPr lang="es-ES_tradnl" dirty="0"/>
+              <a:t> (!!!)</a:t>
+            </a:r>
+            <a:endParaRPr lang="es-ES_tradnl" dirty="0"/>
+          </a:p>
+        </p:txBody>
+      </p:sp>
+    </p:spTree>
+    <p:extLst>
+      <p:ext uri="{BB962C8B-B14F-4D97-AF65-F5344CB8AC3E}">
+        <p14:creationId xmlns:p14="http://schemas.microsoft.com/office/powerpoint/2010/main" val="1417057223"/>
+      </p:ext>
+    </p:extLst>
+  </p:cSld>
+  <p:clrMapOvr>
+    <a:masterClrMapping/>
+  </p:clrMapOvr>
+  <p:timing>
+    <p:tnLst>
+      <p:par>
+        <p:cTn id="1" dur="indefinite" restart="never" nodeType="tmRoot">
+          <p:childTnLst>
+            <p:seq concurrent="1" nextAc="seek">
+              <p:cTn id="2" dur="indefinite" nodeType="mainSeq">
+                <p:childTnLst>
+                  <p:par>
+                    <p:cTn id="3" fill="hold">
+                      <p:stCondLst>
+                        <p:cond delay="indefinite"/>
+                      </p:stCondLst>
+                      <p:childTnLst>
+                        <p:par>
+                          <p:cTn id="4" fill="hold">
+                            <p:stCondLst>
+                              <p:cond delay="0"/>
+                            </p:stCondLst>
+                            <p:childTnLst>
+                              <p:par>
+                                <p:cTn id="5" presetID="1" presetClass="entr" presetSubtype="0" fill="hold" grpId="0" nodeType="clickEffect">
+                                  <p:stCondLst>
+                                    <p:cond delay="0"/>
+                                  </p:stCondLst>
+                                  <p:childTnLst>
+                                    <p:set>
+                                      <p:cBhvr>
+                                        <p:cTn id="6" dur="1" fill="hold">
+                                          <p:stCondLst>
+                                            <p:cond delay="0"/>
+                                          </p:stCondLst>
+                                        </p:cTn>
+                                        <p:tgtEl>
+                                          <p:spTgt spid="5"/>
+                                        </p:tgtEl>
+                                        <p:attrNameLst>
+                                          <p:attrName>style.visibility</p:attrName>
+                                        </p:attrNameLst>
+                                      </p:cBhvr>
+                                      <p:to>
+                                        <p:strVal val="visible"/>
+                                      </p:to>
+                                    </p:set>
+                                  </p:childTnLst>
+                                </p:cTn>
+                              </p:par>
+                            </p:childTnLst>
+                          </p:cTn>
+                        </p:par>
+                      </p:childTnLst>
+                    </p:cTn>
+                  </p:par>
+                  <p:par>
+                    <p:cTn id="7" fill="hold">
+                      <p:stCondLst>
+                        <p:cond delay="indefinite"/>
+                      </p:stCondLst>
+                      <p:childTnLst>
+                        <p:par>
+                          <p:cTn id="8" fill="hold">
+                            <p:stCondLst>
+                              <p:cond delay="0"/>
+                            </p:stCondLst>
+                            <p:childTnLst>
+                              <p:par>
+                                <p:cTn id="9" presetID="1" presetClass="entr" presetSubtype="0" fill="hold" grpId="0" nodeType="clickEffect">
+                                  <p:stCondLst>
+                                    <p:cond delay="0"/>
+                                  </p:stCondLst>
+                                  <p:childTnLst>
+                                    <p:set>
+                                      <p:cBhvr>
+                                        <p:cTn id="10" dur="1" fill="hold">
+                                          <p:stCondLst>
+                                            <p:cond delay="0"/>
+                                          </p:stCondLst>
+                                        </p:cTn>
+                                        <p:tgtEl>
+                                          <p:spTgt spid="6"/>
+                                        </p:tgtEl>
+                                        <p:attrNameLst>
+                                          <p:attrName>style.visibility</p:attrName>
+                                        </p:attrNameLst>
+                                      </p:cBhvr>
+                                      <p:to>
+                                        <p:strVal val="visible"/>
+                                      </p:to>
+                                    </p:set>
+                                  </p:childTnLst>
+                                </p:cTn>
+                              </p:par>
+                            </p:childTnLst>
+                          </p:cTn>
+                        </p:par>
+                      </p:childTnLst>
+                    </p:cTn>
+                  </p:par>
+                  <p:par>
+                    <p:cTn id="11" fill="hold">
+                      <p:stCondLst>
+                        <p:cond delay="indefinite"/>
+                      </p:stCondLst>
+                      <p:childTnLst>
+                        <p:par>
+                          <p:cTn id="12" fill="hold">
+                            <p:stCondLst>
+                              <p:cond delay="0"/>
+                            </p:stCondLst>
+                            <p:childTnLst>
+                              <p:par>
+                                <p:cTn id="13" presetID="1" presetClass="entr" presetSubtype="0" fill="hold" grpId="0" nodeType="clickEffect">
+                                  <p:stCondLst>
+                                    <p:cond delay="0"/>
+                                  </p:stCondLst>
+                                  <p:childTnLst>
+                                    <p:set>
+                                      <p:cBhvr>
+                                        <p:cTn id="14" dur="1" fill="hold">
+                                          <p:stCondLst>
+                                            <p:cond delay="0"/>
+                                          </p:stCondLst>
+                                        </p:cTn>
+                                        <p:tgtEl>
+                                          <p:spTgt spid="7"/>
+                                        </p:tgtEl>
+                                        <p:attrNameLst>
+                                          <p:attrName>style.visibility</p:attrName>
+                                        </p:attrNameLst>
+                                      </p:cBhvr>
+                                      <p:to>
+                                        <p:strVal val="visible"/>
+                                      </p:to>
+                                    </p:set>
+                                  </p:childTnLst>
+                                </p:cTn>
+                              </p:par>
+                            </p:childTnLst>
+                          </p:cTn>
+                        </p:par>
+                      </p:childTnLst>
+                    </p:cTn>
+                  </p:par>
+                  <p:par>
+                    <p:cTn id="15" fill="hold">
+                      <p:stCondLst>
+                        <p:cond delay="indefinite"/>
+                      </p:stCondLst>
+                      <p:childTnLst>
+                        <p:par>
+                          <p:cTn id="16" fill="hold">
+                            <p:stCondLst>
+                              <p:cond delay="0"/>
+                            </p:stCondLst>
+                            <p:childTnLst>
+                              <p:par>
+                                <p:cTn id="17" presetID="1" presetClass="entr" presetSubtype="0" fill="hold" grpId="0" nodeType="clickEffect">
+                                  <p:stCondLst>
+                                    <p:cond delay="0"/>
+                                  </p:stCondLst>
+                                  <p:childTnLst>
+                                    <p:set>
+                                      <p:cBhvr>
+                                        <p:cTn id="18" dur="1" fill="hold">
+                                          <p:stCondLst>
+                                            <p:cond delay="0"/>
+                                          </p:stCondLst>
+                                        </p:cTn>
+                                        <p:tgtEl>
+                                          <p:spTgt spid="8"/>
+                                        </p:tgtEl>
+                                        <p:attrNameLst>
+                                          <p:attrName>style.visibility</p:attrName>
+                                        </p:attrNameLst>
+                                      </p:cBhvr>
+                                      <p:to>
+                                        <p:strVal val="visible"/>
+                                      </p:to>
+                                    </p:set>
+                                  </p:childTnLst>
+                                </p:cTn>
+                              </p:par>
+                            </p:childTnLst>
+                          </p:cTn>
+                        </p:par>
+                      </p:childTnLst>
+                    </p:cTn>
+                  </p:par>
+                </p:childTnLst>
+              </p:cTn>
+              <p:prevCondLst>
+                <p:cond evt="onPrev" delay="0">
+                  <p:tgtEl>
+                    <p:sldTgt/>
+                  </p:tgtEl>
+                </p:cond>
+              </p:prevCondLst>
+              <p:nextCondLst>
+                <p:cond evt="onNext" delay="0">
+                  <p:tgtEl>
+                    <p:sldTgt/>
+                  </p:tgtEl>
+                </p:cond>
+              </p:nextCondLst>
+            </p:seq>
+          </p:childTnLst>
+        </p:cTn>
+      </p:par>
+    </p:tnLst>
+    <p:bldLst>
+      <p:bldP spid="5" grpId="0"/>
+      <p:bldP spid="6" grpId="0"/>
+      <p:bldP spid="7" grpId="0"/>
+      <p:bldP spid="8" grpId="0"/>
+    </p:bldLst>
+  </p:timing>
+</p:sld>
+</file>
+
+<file path=ppt/slides/slide4.xml><?xml version="1.0" encoding="utf-8"?>
+<p:sld xmlns:a="http://schemas.openxmlformats.org/drawingml/2006/main" xmlns:r="http://schemas.openxmlformats.org/officeDocument/2006/relationships" xmlns:p="http://schemas.openxmlformats.org/presentationml/2006/main">
+  <p:cSld>
+    <p:spTree>
+      <p:nvGrpSpPr>
+        <p:cNvPr id="1" name=""/>
+        <p:cNvGrpSpPr/>
+        <p:nvPr/>
+      </p:nvGrpSpPr>
+      <p:grpSpPr>
+        <a:xfrm>
+          <a:off x="0" y="0"/>
+          <a:ext cx="0" cy="0"/>
+          <a:chOff x="0" y="0"/>
+          <a:chExt cx="0" cy="0"/>
+        </a:xfrm>
+      </p:grpSpPr>
+      <p:sp>
+        <p:nvSpPr>
+          <p:cNvPr id="2" name="Título 1"/>
+          <p:cNvSpPr>
+            <a:spLocks noGrp="1"/>
+          </p:cNvSpPr>
+          <p:nvPr>
+            <p:ph type="title"/>
+          </p:nvPr>
+        </p:nvSpPr>
+        <p:spPr/>
+        <p:txBody>
+          <a:bodyPr/>
+          <a:lstStyle/>
+          <a:p>
+            <a:r>
+              <a:rPr lang="es-ES_tradnl" dirty="0" err="1" smtClean="0"/>
+              <a:t>Utility</a:t>
+            </a:r>
+            <a:r>
+              <a:rPr lang="es-ES_tradnl" dirty="0" smtClean="0"/>
+              <a:t> </a:t>
+            </a:r>
+            <a:r>
+              <a:rPr lang="es-ES_tradnl" dirty="0" err="1" smtClean="0"/>
+              <a:t>matrix</a:t>
+            </a:r>
+            <a:endParaRPr lang="es-ES_tradnl" dirty="0"/>
+          </a:p>
+        </p:txBody>
+      </p:sp>
+      <p:sp>
+        <p:nvSpPr>
+          <p:cNvPr id="3" name="Marcador de contenido 2"/>
+          <p:cNvSpPr>
+            <a:spLocks noGrp="1"/>
+          </p:cNvSpPr>
+          <p:nvPr>
+            <p:ph idx="1"/>
+          </p:nvPr>
+        </p:nvSpPr>
+        <p:spPr>
+          <a:xfrm>
+            <a:off x="2231136" y="2638045"/>
+            <a:ext cx="7729728" cy="707322"/>
+          </a:xfrm>
+        </p:spPr>
+        <p:txBody>
+          <a:bodyPr/>
+          <a:lstStyle/>
+          <a:p>
+            <a:r>
+              <a:rPr lang="es-ES_tradnl" dirty="0"/>
+              <a:t>In a </a:t>
+            </a:r>
+            <a:r>
+              <a:rPr lang="es-ES_tradnl" dirty="0" err="1"/>
+              <a:t>recommendation-system</a:t>
+            </a:r>
+            <a:r>
+              <a:rPr lang="es-ES_tradnl" dirty="0"/>
+              <a:t> </a:t>
+            </a:r>
+            <a:r>
+              <a:rPr lang="es-ES_tradnl" dirty="0" err="1"/>
+              <a:t>application</a:t>
+            </a:r>
+            <a:r>
+              <a:rPr lang="es-ES_tradnl" dirty="0"/>
+              <a:t> </a:t>
+            </a:r>
+            <a:r>
+              <a:rPr lang="es-ES_tradnl" dirty="0" err="1"/>
+              <a:t>there</a:t>
+            </a:r>
+            <a:r>
+              <a:rPr lang="es-ES_tradnl" dirty="0"/>
+              <a:t> are </a:t>
+            </a:r>
+            <a:r>
+              <a:rPr lang="es-ES_tradnl" dirty="0" err="1"/>
+              <a:t>two</a:t>
+            </a:r>
+            <a:r>
+              <a:rPr lang="es-ES_tradnl" dirty="0"/>
+              <a:t> </a:t>
+            </a:r>
+            <a:r>
+              <a:rPr lang="es-ES_tradnl" dirty="0" err="1"/>
+              <a:t>classes</a:t>
+            </a:r>
+            <a:r>
+              <a:rPr lang="es-ES_tradnl" dirty="0"/>
+              <a:t> of </a:t>
+            </a:r>
+            <a:r>
+              <a:rPr lang="es-ES_tradnl" dirty="0" err="1"/>
+              <a:t>entities</a:t>
+            </a:r>
+            <a:r>
+              <a:rPr lang="es-ES_tradnl" dirty="0"/>
+              <a:t>, </a:t>
+            </a:r>
+            <a:r>
+              <a:rPr lang="es-ES_tradnl" dirty="0" err="1"/>
+              <a:t>which</a:t>
+            </a:r>
+            <a:r>
+              <a:rPr lang="es-ES_tradnl" dirty="0"/>
+              <a:t> </a:t>
+            </a:r>
+            <a:r>
+              <a:rPr lang="es-ES_tradnl" dirty="0" err="1"/>
+              <a:t>we</a:t>
+            </a:r>
+            <a:r>
+              <a:rPr lang="es-ES_tradnl" dirty="0"/>
+              <a:t> </a:t>
+            </a:r>
+            <a:r>
+              <a:rPr lang="es-ES_tradnl" dirty="0" err="1"/>
+              <a:t>shall</a:t>
+            </a:r>
+            <a:r>
+              <a:rPr lang="es-ES_tradnl" dirty="0"/>
+              <a:t> </a:t>
+            </a:r>
+            <a:r>
+              <a:rPr lang="es-ES_tradnl" dirty="0" err="1"/>
+              <a:t>refer</a:t>
+            </a:r>
+            <a:r>
+              <a:rPr lang="es-ES_tradnl" dirty="0"/>
+              <a:t> to as </a:t>
+            </a:r>
+            <a:r>
+              <a:rPr lang="es-ES_tradnl" b="1" dirty="0" err="1"/>
+              <a:t>users</a:t>
+            </a:r>
+            <a:r>
+              <a:rPr lang="es-ES_tradnl" dirty="0"/>
+              <a:t> and </a:t>
+            </a:r>
+            <a:r>
+              <a:rPr lang="es-ES_tradnl" b="1" dirty="0" err="1" smtClean="0"/>
+              <a:t>items</a:t>
+            </a:r>
+            <a:r>
+              <a:rPr lang="es-ES_tradnl" dirty="0" smtClean="0"/>
+              <a:t>.</a:t>
+            </a:r>
+            <a:endParaRPr lang="es-ES_tradnl" b="1" dirty="0" smtClean="0"/>
+          </a:p>
+        </p:txBody>
+      </p:sp>
+      <p:sp>
+        <p:nvSpPr>
+          <p:cNvPr id="4" name="Marcador de contenido 2"/>
+          <p:cNvSpPr txBox="1">
+            <a:spLocks/>
+          </p:cNvSpPr>
+          <p:nvPr/>
+        </p:nvSpPr>
+        <p:spPr>
+          <a:xfrm>
+            <a:off x="2231136" y="3002319"/>
+            <a:ext cx="7729728" cy="1424716"/>
+          </a:xfrm>
+          <a:prstGeom prst="rect">
+            <a:avLst/>
+          </a:prstGeom>
+        </p:spPr>
+        <p:txBody>
+          <a:bodyPr vert="horz" lIns="91440" tIns="45720" rIns="91440" bIns="45720" rtlCol="0">
+            <a:normAutofit/>
+          </a:bodyPr>
+          <a:lstStyle>
+            <a:lvl1pPr marL="228600" indent="-228600" algn="l" defTabSz="914400" rtl="0" eaLnBrk="1" latinLnBrk="0" hangingPunct="1">
+              <a:lnSpc>
+                <a:spcPct val="100000"/>
+              </a:lnSpc>
+              <a:spcBef>
+                <a:spcPts val="1000"/>
+              </a:spcBef>
+              <a:buClr>
+                <a:schemeClr val="accent2"/>
+              </a:buClr>
+              <a:buFont typeface="Arial" panose="020B0604020202020204" pitchFamily="34" charset="0"/>
+              <a:buChar char="•"/>
+              <a:defRPr sz="1800" kern="1200">
+                <a:solidFill>
+                  <a:schemeClr val="tx1">
+                    <a:lumMod val="85000"/>
+                    <a:lumOff val="15000"/>
+                  </a:schemeClr>
+                </a:solidFill>
+                <a:latin typeface="+mn-lt"/>
+                <a:ea typeface="+mn-ea"/>
+                <a:cs typeface="+mn-cs"/>
+              </a:defRPr>
+            </a:lvl1pPr>
+            <a:lvl2pPr marL="457200" indent="-228600" algn="l" defTabSz="914400" rtl="0" eaLnBrk="1" latinLnBrk="0" hangingPunct="1">
+              <a:lnSpc>
+                <a:spcPct val="100000"/>
+              </a:lnSpc>
+              <a:spcBef>
+                <a:spcPts val="1000"/>
+              </a:spcBef>
+              <a:buClr>
+                <a:schemeClr val="accent2"/>
+              </a:buClr>
+              <a:buFont typeface="Arial" panose="020B0604020202020204" pitchFamily="34" charset="0"/>
+              <a:buChar char="•"/>
+              <a:defRPr sz="1600" kern="1200">
+                <a:solidFill>
+                  <a:schemeClr val="tx1">
+                    <a:lumMod val="85000"/>
+                    <a:lumOff val="15000"/>
+                  </a:schemeClr>
+                </a:solidFill>
+                <a:latin typeface="+mn-lt"/>
+                <a:ea typeface="+mn-ea"/>
+                <a:cs typeface="+mn-cs"/>
+              </a:defRPr>
+            </a:lvl2pPr>
+            <a:lvl3pPr marL="685800" indent="-228600" algn="l" defTabSz="914400" rtl="0" eaLnBrk="1" latinLnBrk="0" hangingPunct="1">
+              <a:lnSpc>
+                <a:spcPct val="100000"/>
+              </a:lnSpc>
+              <a:spcBef>
+                <a:spcPts val="1000"/>
+              </a:spcBef>
+              <a:buClr>
+                <a:schemeClr val="accent2"/>
+              </a:buClr>
+              <a:buFont typeface="Arial" panose="020B0604020202020204" pitchFamily="34" charset="0"/>
+              <a:buChar char="•"/>
+              <a:defRPr sz="1600" kern="1200">
+                <a:solidFill>
+                  <a:schemeClr val="tx1">
+                    <a:lumMod val="85000"/>
+                    <a:lumOff val="15000"/>
+                  </a:schemeClr>
+                </a:solidFill>
+                <a:latin typeface="+mn-lt"/>
+                <a:ea typeface="+mn-ea"/>
+                <a:cs typeface="+mn-cs"/>
+              </a:defRPr>
+            </a:lvl3pPr>
+            <a:lvl4pPr marL="914400" indent="-228600" algn="l" defTabSz="914400" rtl="0" eaLnBrk="1" latinLnBrk="0" hangingPunct="1">
+              <a:lnSpc>
+                <a:spcPct val="100000"/>
+              </a:lnSpc>
+              <a:spcBef>
+                <a:spcPts val="1000"/>
+              </a:spcBef>
+              <a:buClr>
+                <a:schemeClr val="accent2"/>
+              </a:buClr>
+              <a:buFont typeface="Arial" panose="020B0604020202020204" pitchFamily="34" charset="0"/>
+              <a:buChar char="•"/>
+              <a:defRPr sz="1600" kern="1200">
+                <a:solidFill>
+                  <a:schemeClr val="tx1">
+                    <a:lumMod val="85000"/>
+                    <a:lumOff val="15000"/>
+                  </a:schemeClr>
+                </a:solidFill>
+                <a:latin typeface="+mn-lt"/>
+                <a:ea typeface="+mn-ea"/>
+                <a:cs typeface="+mn-cs"/>
+              </a:defRPr>
+            </a:lvl4pPr>
+            <a:lvl5pPr marL="1143000" indent="-228600" algn="l" defTabSz="914400" rtl="0" eaLnBrk="1" latinLnBrk="0" hangingPunct="1">
+              <a:lnSpc>
+                <a:spcPct val="100000"/>
+              </a:lnSpc>
+              <a:spcBef>
+                <a:spcPts val="1000"/>
+              </a:spcBef>
+              <a:buClr>
+                <a:schemeClr val="accent2"/>
+              </a:buClr>
+              <a:buFont typeface="Arial" panose="020B0604020202020204" pitchFamily="34" charset="0"/>
+              <a:buChar char="•"/>
+              <a:defRPr sz="1600" kern="1200">
+                <a:solidFill>
+                  <a:schemeClr val="tx1">
+                    <a:lumMod val="85000"/>
+                    <a:lumOff val="15000"/>
+                  </a:schemeClr>
+                </a:solidFill>
+                <a:latin typeface="+mn-lt"/>
+                <a:ea typeface="+mn-ea"/>
+                <a:cs typeface="+mn-cs"/>
+              </a:defRPr>
+            </a:lvl5pPr>
+            <a:lvl6pPr marL="1312863" indent="-228600" algn="l" defTabSz="914400" rtl="0" eaLnBrk="1" latinLnBrk="0" hangingPunct="1">
+              <a:lnSpc>
+                <a:spcPct val="100000"/>
+              </a:lnSpc>
+              <a:spcBef>
+                <a:spcPts val="1000"/>
+              </a:spcBef>
+              <a:buClr>
+                <a:schemeClr val="accent2"/>
+              </a:buClr>
+              <a:buFont typeface="Arial" panose="020B0604020202020204" pitchFamily="34" charset="0"/>
+              <a:buChar char="•"/>
+              <a:defRPr sz="1600" kern="1200">
+                <a:solidFill>
+                  <a:schemeClr val="tx1"/>
+                </a:solidFill>
+                <a:latin typeface="+mn-lt"/>
+                <a:ea typeface="+mn-ea"/>
+                <a:cs typeface="+mn-cs"/>
+              </a:defRPr>
+            </a:lvl6pPr>
+            <a:lvl7pPr marL="1484313" indent="-228600" algn="l" defTabSz="914400" rtl="0" eaLnBrk="1" latinLnBrk="0" hangingPunct="1">
+              <a:lnSpc>
+                <a:spcPct val="100000"/>
+              </a:lnSpc>
+              <a:spcBef>
+                <a:spcPts val="1000"/>
+              </a:spcBef>
+              <a:buClr>
+                <a:schemeClr val="accent2"/>
+              </a:buClr>
+              <a:buFont typeface="Arial" panose="020B0604020202020204" pitchFamily="34" charset="0"/>
+              <a:buChar char="•"/>
+              <a:defRPr sz="1600" kern="1200">
+                <a:solidFill>
+                  <a:schemeClr val="tx1"/>
+                </a:solidFill>
+                <a:latin typeface="+mn-lt"/>
+                <a:ea typeface="+mn-ea"/>
+                <a:cs typeface="+mn-cs"/>
+              </a:defRPr>
+            </a:lvl7pPr>
+            <a:lvl8pPr marL="1657350" indent="-228600" algn="l" defTabSz="914400" rtl="0" eaLnBrk="1" latinLnBrk="0" hangingPunct="1">
+              <a:lnSpc>
+                <a:spcPct val="100000"/>
+              </a:lnSpc>
+              <a:spcBef>
+                <a:spcPts val="1000"/>
+              </a:spcBef>
+              <a:buClr>
+                <a:schemeClr val="accent2"/>
+              </a:buClr>
+              <a:buFont typeface="Arial" panose="020B0604020202020204" pitchFamily="34" charset="0"/>
+              <a:buChar char="•"/>
+              <a:defRPr sz="1600" kern="1200" baseline="0">
+                <a:solidFill>
+                  <a:schemeClr val="tx1"/>
+                </a:solidFill>
+                <a:latin typeface="+mn-lt"/>
+                <a:ea typeface="+mn-ea"/>
+                <a:cs typeface="+mn-cs"/>
+              </a:defRPr>
+            </a:lvl8pPr>
+            <a:lvl9pPr marL="1882775" indent="-228600" algn="l" defTabSz="914400" rtl="0" eaLnBrk="1" latinLnBrk="0" hangingPunct="1">
+              <a:lnSpc>
+                <a:spcPct val="100000"/>
+              </a:lnSpc>
+              <a:spcBef>
+                <a:spcPts val="1000"/>
+              </a:spcBef>
+              <a:buClr>
+                <a:schemeClr val="accent2"/>
+              </a:buClr>
+              <a:buFont typeface="Arial" panose="020B0604020202020204" pitchFamily="34" charset="0"/>
+              <a:buChar char="•"/>
+              <a:defRPr sz="1600" kern="1200" baseline="0">
+                <a:solidFill>
+                  <a:schemeClr val="tx1"/>
+                </a:solidFill>
+                <a:latin typeface="+mn-lt"/>
+                <a:ea typeface="+mn-ea"/>
+                <a:cs typeface="+mn-cs"/>
+              </a:defRPr>
+            </a:lvl9pPr>
+          </a:lstStyle>
+          <a:p>
+            <a:endParaRPr lang="es-ES_tradnl" b="1" dirty="0" smtClean="0"/>
+          </a:p>
+          <a:p>
+            <a:r>
+              <a:rPr lang="es-ES_tradnl" dirty="0" smtClean="0"/>
+              <a:t>Data </a:t>
+            </a:r>
+            <a:r>
+              <a:rPr lang="es-ES_tradnl" dirty="0" err="1" smtClean="0"/>
+              <a:t>itself</a:t>
+            </a:r>
+            <a:r>
+              <a:rPr lang="es-ES_tradnl" dirty="0" smtClean="0"/>
+              <a:t> </a:t>
+            </a:r>
+            <a:r>
+              <a:rPr lang="es-ES_tradnl" dirty="0" err="1" smtClean="0"/>
+              <a:t>is</a:t>
+            </a:r>
+            <a:r>
+              <a:rPr lang="es-ES_tradnl" dirty="0" smtClean="0"/>
+              <a:t> </a:t>
+            </a:r>
+            <a:r>
+              <a:rPr lang="es-ES_tradnl" dirty="0" err="1" smtClean="0"/>
+              <a:t>represented</a:t>
+            </a:r>
+            <a:r>
+              <a:rPr lang="es-ES_tradnl" dirty="0" smtClean="0"/>
+              <a:t> as a </a:t>
+            </a:r>
+            <a:r>
+              <a:rPr lang="es-ES_tradnl" dirty="0" err="1" smtClean="0"/>
+              <a:t>utility</a:t>
+            </a:r>
+            <a:r>
+              <a:rPr lang="es-ES_tradnl" dirty="0" smtClean="0"/>
+              <a:t> </a:t>
+            </a:r>
+            <a:r>
+              <a:rPr lang="es-ES_tradnl" dirty="0" err="1" smtClean="0"/>
+              <a:t>matrix</a:t>
+            </a:r>
+            <a:r>
+              <a:rPr lang="es-ES_tradnl" dirty="0" smtClean="0"/>
+              <a:t>, </a:t>
+            </a:r>
+            <a:r>
+              <a:rPr lang="es-ES_tradnl" dirty="0" err="1" smtClean="0"/>
+              <a:t>giving</a:t>
+            </a:r>
+            <a:r>
+              <a:rPr lang="es-ES_tradnl" dirty="0" smtClean="0"/>
+              <a:t> </a:t>
+            </a:r>
+            <a:r>
+              <a:rPr lang="es-ES_tradnl" dirty="0" err="1" smtClean="0"/>
+              <a:t>for</a:t>
+            </a:r>
+            <a:r>
+              <a:rPr lang="es-ES_tradnl" dirty="0" smtClean="0"/>
+              <a:t> </a:t>
+            </a:r>
+            <a:r>
+              <a:rPr lang="es-ES_tradnl" dirty="0" err="1" smtClean="0"/>
+              <a:t>each</a:t>
+            </a:r>
+            <a:r>
+              <a:rPr lang="es-ES_tradnl" dirty="0" smtClean="0"/>
+              <a:t> </a:t>
+            </a:r>
+            <a:r>
+              <a:rPr lang="es-ES_tradnl" dirty="0" err="1" smtClean="0"/>
+              <a:t>user-item</a:t>
+            </a:r>
+            <a:r>
+              <a:rPr lang="es-ES_tradnl" dirty="0" smtClean="0"/>
+              <a:t> </a:t>
+            </a:r>
+            <a:r>
+              <a:rPr lang="es-ES_tradnl" dirty="0" err="1" smtClean="0"/>
+              <a:t>pair</a:t>
+            </a:r>
+            <a:r>
+              <a:rPr lang="es-ES_tradnl" dirty="0" smtClean="0"/>
+              <a:t>, a </a:t>
+            </a:r>
+            <a:r>
+              <a:rPr lang="es-ES_tradnl" dirty="0" err="1" smtClean="0"/>
+              <a:t>value</a:t>
+            </a:r>
+            <a:r>
+              <a:rPr lang="es-ES_tradnl" dirty="0" smtClean="0"/>
+              <a:t> </a:t>
+            </a:r>
+            <a:r>
+              <a:rPr lang="es-ES_tradnl" dirty="0" err="1" smtClean="0"/>
+              <a:t>that</a:t>
+            </a:r>
+            <a:r>
+              <a:rPr lang="es-ES_tradnl" dirty="0" smtClean="0"/>
+              <a:t> </a:t>
+            </a:r>
+            <a:r>
+              <a:rPr lang="es-ES_tradnl" dirty="0" err="1" smtClean="0"/>
+              <a:t>represents</a:t>
+            </a:r>
+            <a:r>
+              <a:rPr lang="es-ES_tradnl" dirty="0" smtClean="0"/>
+              <a:t> </a:t>
+            </a:r>
+            <a:r>
+              <a:rPr lang="es-ES_tradnl" dirty="0" err="1" smtClean="0"/>
+              <a:t>what</a:t>
+            </a:r>
+            <a:r>
+              <a:rPr lang="es-ES_tradnl" dirty="0" smtClean="0"/>
+              <a:t> </a:t>
+            </a:r>
+            <a:r>
+              <a:rPr lang="es-ES_tradnl" dirty="0" err="1" smtClean="0"/>
+              <a:t>is</a:t>
+            </a:r>
+            <a:r>
+              <a:rPr lang="es-ES_tradnl" dirty="0" smtClean="0"/>
+              <a:t> </a:t>
+            </a:r>
+            <a:r>
+              <a:rPr lang="es-ES_tradnl" dirty="0" err="1" smtClean="0"/>
+              <a:t>known</a:t>
+            </a:r>
+            <a:r>
+              <a:rPr lang="es-ES_tradnl" dirty="0" smtClean="0"/>
+              <a:t> </a:t>
+            </a:r>
+            <a:r>
+              <a:rPr lang="es-ES_tradnl" dirty="0" err="1" smtClean="0"/>
+              <a:t>about</a:t>
+            </a:r>
+            <a:r>
+              <a:rPr lang="es-ES_tradnl" dirty="0" smtClean="0"/>
+              <a:t> </a:t>
+            </a:r>
+            <a:r>
+              <a:rPr lang="es-ES_tradnl" dirty="0" err="1" smtClean="0"/>
+              <a:t>the</a:t>
+            </a:r>
+            <a:r>
+              <a:rPr lang="es-ES_tradnl" dirty="0" smtClean="0"/>
+              <a:t> </a:t>
+            </a:r>
+            <a:r>
+              <a:rPr lang="es-ES_tradnl" dirty="0" err="1" smtClean="0"/>
+              <a:t>degree</a:t>
+            </a:r>
+            <a:r>
+              <a:rPr lang="es-ES_tradnl" dirty="0" smtClean="0"/>
+              <a:t> of </a:t>
+            </a:r>
+            <a:r>
+              <a:rPr lang="es-ES_tradnl" dirty="0" err="1" smtClean="0"/>
+              <a:t>preference</a:t>
+            </a:r>
+            <a:r>
+              <a:rPr lang="es-ES_tradnl" dirty="0" smtClean="0"/>
+              <a:t> of </a:t>
+            </a:r>
+            <a:r>
+              <a:rPr lang="es-ES_tradnl" dirty="0" err="1" smtClean="0"/>
+              <a:t>that</a:t>
+            </a:r>
+            <a:r>
+              <a:rPr lang="es-ES_tradnl" dirty="0" smtClean="0"/>
+              <a:t> </a:t>
+            </a:r>
+            <a:r>
+              <a:rPr lang="es-ES_tradnl" dirty="0" err="1" smtClean="0"/>
+              <a:t>user</a:t>
+            </a:r>
+            <a:r>
+              <a:rPr lang="es-ES_tradnl" dirty="0" smtClean="0"/>
+              <a:t> </a:t>
+            </a:r>
+            <a:r>
+              <a:rPr lang="es-ES_tradnl" dirty="0" err="1" smtClean="0"/>
+              <a:t>for</a:t>
+            </a:r>
+            <a:r>
+              <a:rPr lang="es-ES_tradnl" dirty="0" smtClean="0"/>
+              <a:t> </a:t>
+            </a:r>
+            <a:r>
+              <a:rPr lang="es-ES_tradnl" dirty="0" err="1" smtClean="0"/>
+              <a:t>that</a:t>
+            </a:r>
+            <a:r>
+              <a:rPr lang="es-ES_tradnl" dirty="0" smtClean="0"/>
+              <a:t> </a:t>
+            </a:r>
+            <a:r>
+              <a:rPr lang="es-ES_tradnl" dirty="0" err="1" smtClean="0"/>
+              <a:t>item</a:t>
+            </a:r>
+            <a:r>
+              <a:rPr lang="es-ES_tradnl" dirty="0" smtClean="0"/>
+              <a:t>. (In </a:t>
+            </a:r>
+            <a:r>
+              <a:rPr lang="es-ES_tradnl" dirty="0" err="1" smtClean="0"/>
+              <a:t>our</a:t>
+            </a:r>
+            <a:r>
+              <a:rPr lang="es-ES_tradnl" dirty="0" smtClean="0"/>
+              <a:t> case, </a:t>
+            </a:r>
+            <a:r>
+              <a:rPr lang="es-ES_tradnl" b="1" dirty="0" smtClean="0"/>
+              <a:t>times </a:t>
+            </a:r>
+            <a:r>
+              <a:rPr lang="es-ES_tradnl" b="1" dirty="0" err="1" smtClean="0"/>
+              <a:t>listened</a:t>
+            </a:r>
+            <a:r>
+              <a:rPr lang="es-ES_tradnl" b="1" dirty="0" smtClean="0"/>
+              <a:t> </a:t>
+            </a:r>
+            <a:r>
+              <a:rPr lang="es-ES_tradnl" dirty="0" err="1" smtClean="0"/>
+              <a:t>for</a:t>
+            </a:r>
+            <a:r>
+              <a:rPr lang="es-ES_tradnl" dirty="0" smtClean="0"/>
+              <a:t> </a:t>
+            </a:r>
+            <a:r>
+              <a:rPr lang="es-ES_tradnl" dirty="0" err="1" smtClean="0"/>
+              <a:t>each</a:t>
+            </a:r>
+            <a:r>
+              <a:rPr lang="es-ES_tradnl" dirty="0" smtClean="0"/>
+              <a:t> </a:t>
+            </a:r>
+            <a:r>
+              <a:rPr lang="es-ES_tradnl" dirty="0" err="1" smtClean="0"/>
+              <a:t>user</a:t>
+            </a:r>
+            <a:r>
+              <a:rPr lang="es-ES_tradnl" dirty="0" smtClean="0"/>
+              <a:t> and </a:t>
+            </a:r>
+            <a:r>
+              <a:rPr lang="es-ES_tradnl" dirty="0" err="1" smtClean="0"/>
+              <a:t>track</a:t>
+            </a:r>
+            <a:r>
+              <a:rPr lang="es-ES_tradnl" dirty="0" smtClean="0"/>
+              <a:t>)</a:t>
+            </a:r>
+            <a:endParaRPr lang="es-ES_tradnl" sz="2400" b="1" dirty="0"/>
+          </a:p>
+        </p:txBody>
+      </p:sp>
+      <p:sp>
+        <p:nvSpPr>
+          <p:cNvPr id="5" name="Marcador de contenido 2"/>
+          <p:cNvSpPr txBox="1">
+            <a:spLocks/>
+          </p:cNvSpPr>
+          <p:nvPr/>
+        </p:nvSpPr>
+        <p:spPr>
+          <a:xfrm>
+            <a:off x="2231136" y="4427036"/>
+            <a:ext cx="7729728" cy="546409"/>
+          </a:xfrm>
+          <a:prstGeom prst="rect">
+            <a:avLst/>
+          </a:prstGeom>
+        </p:spPr>
+        <p:txBody>
+          <a:bodyPr vert="horz" lIns="91440" tIns="45720" rIns="91440" bIns="45720" rtlCol="0">
+            <a:normAutofit/>
+          </a:bodyPr>
+          <a:lstStyle>
+            <a:lvl1pPr marL="228600" indent="-228600" algn="l" defTabSz="914400" rtl="0" eaLnBrk="1" latinLnBrk="0" hangingPunct="1">
+              <a:lnSpc>
+                <a:spcPct val="100000"/>
+              </a:lnSpc>
+              <a:spcBef>
+                <a:spcPts val="1000"/>
+              </a:spcBef>
+              <a:buClr>
+                <a:schemeClr val="accent2"/>
+              </a:buClr>
+              <a:buFont typeface="Arial" panose="020B0604020202020204" pitchFamily="34" charset="0"/>
+              <a:buChar char="•"/>
+              <a:defRPr sz="1800" kern="1200">
+                <a:solidFill>
+                  <a:schemeClr val="tx1">
+                    <a:lumMod val="85000"/>
+                    <a:lumOff val="15000"/>
+                  </a:schemeClr>
+                </a:solidFill>
+                <a:latin typeface="+mn-lt"/>
+                <a:ea typeface="+mn-ea"/>
+                <a:cs typeface="+mn-cs"/>
+              </a:defRPr>
+            </a:lvl1pPr>
+            <a:lvl2pPr marL="457200" indent="-228600" algn="l" defTabSz="914400" rtl="0" eaLnBrk="1" latinLnBrk="0" hangingPunct="1">
+              <a:lnSpc>
+                <a:spcPct val="100000"/>
+              </a:lnSpc>
+              <a:spcBef>
+                <a:spcPts val="1000"/>
+              </a:spcBef>
+              <a:buClr>
+                <a:schemeClr val="accent2"/>
+              </a:buClr>
+              <a:buFont typeface="Arial" panose="020B0604020202020204" pitchFamily="34" charset="0"/>
+              <a:buChar char="•"/>
+              <a:defRPr sz="1600" kern="1200">
+                <a:solidFill>
+                  <a:schemeClr val="tx1">
+                    <a:lumMod val="85000"/>
+                    <a:lumOff val="15000"/>
+                  </a:schemeClr>
+                </a:solidFill>
+                <a:latin typeface="+mn-lt"/>
+                <a:ea typeface="+mn-ea"/>
+                <a:cs typeface="+mn-cs"/>
+              </a:defRPr>
+            </a:lvl2pPr>
+            <a:lvl3pPr marL="685800" indent="-228600" algn="l" defTabSz="914400" rtl="0" eaLnBrk="1" latinLnBrk="0" hangingPunct="1">
+              <a:lnSpc>
+                <a:spcPct val="100000"/>
+              </a:lnSpc>
+              <a:spcBef>
+                <a:spcPts val="1000"/>
+              </a:spcBef>
+              <a:buClr>
+                <a:schemeClr val="accent2"/>
+              </a:buClr>
+              <a:buFont typeface="Arial" panose="020B0604020202020204" pitchFamily="34" charset="0"/>
+              <a:buChar char="•"/>
+              <a:defRPr sz="1600" kern="1200">
+                <a:solidFill>
+                  <a:schemeClr val="tx1">
+                    <a:lumMod val="85000"/>
+                    <a:lumOff val="15000"/>
+                  </a:schemeClr>
+                </a:solidFill>
+                <a:latin typeface="+mn-lt"/>
+                <a:ea typeface="+mn-ea"/>
+                <a:cs typeface="+mn-cs"/>
+              </a:defRPr>
+            </a:lvl3pPr>
+            <a:lvl4pPr marL="914400" indent="-228600" algn="l" defTabSz="914400" rtl="0" eaLnBrk="1" latinLnBrk="0" hangingPunct="1">
+              <a:lnSpc>
+                <a:spcPct val="100000"/>
+              </a:lnSpc>
+              <a:spcBef>
+                <a:spcPts val="1000"/>
+              </a:spcBef>
+              <a:buClr>
+                <a:schemeClr val="accent2"/>
+              </a:buClr>
+              <a:buFont typeface="Arial" panose="020B0604020202020204" pitchFamily="34" charset="0"/>
+              <a:buChar char="•"/>
+              <a:defRPr sz="1600" kern="1200">
+                <a:solidFill>
+                  <a:schemeClr val="tx1">
+                    <a:lumMod val="85000"/>
+                    <a:lumOff val="15000"/>
+                  </a:schemeClr>
+                </a:solidFill>
+                <a:latin typeface="+mn-lt"/>
+                <a:ea typeface="+mn-ea"/>
+                <a:cs typeface="+mn-cs"/>
+              </a:defRPr>
+            </a:lvl4pPr>
+            <a:lvl5pPr marL="1143000" indent="-228600" algn="l" defTabSz="914400" rtl="0" eaLnBrk="1" latinLnBrk="0" hangingPunct="1">
+              <a:lnSpc>
+                <a:spcPct val="100000"/>
+              </a:lnSpc>
+              <a:spcBef>
+                <a:spcPts val="1000"/>
+              </a:spcBef>
+              <a:buClr>
+                <a:schemeClr val="accent2"/>
+              </a:buClr>
+              <a:buFont typeface="Arial" panose="020B0604020202020204" pitchFamily="34" charset="0"/>
+              <a:buChar char="•"/>
+              <a:defRPr sz="1600" kern="1200">
+                <a:solidFill>
+                  <a:schemeClr val="tx1">
+                    <a:lumMod val="85000"/>
+                    <a:lumOff val="15000"/>
+                  </a:schemeClr>
+                </a:solidFill>
+                <a:latin typeface="+mn-lt"/>
+                <a:ea typeface="+mn-ea"/>
+                <a:cs typeface="+mn-cs"/>
+              </a:defRPr>
+            </a:lvl5pPr>
+            <a:lvl6pPr marL="1312863" indent="-228600" algn="l" defTabSz="914400" rtl="0" eaLnBrk="1" latinLnBrk="0" hangingPunct="1">
+              <a:lnSpc>
+                <a:spcPct val="100000"/>
+              </a:lnSpc>
+              <a:spcBef>
+                <a:spcPts val="1000"/>
+              </a:spcBef>
+              <a:buClr>
+                <a:schemeClr val="accent2"/>
+              </a:buClr>
+              <a:buFont typeface="Arial" panose="020B0604020202020204" pitchFamily="34" charset="0"/>
+              <a:buChar char="•"/>
+              <a:defRPr sz="1600" kern="1200">
+                <a:solidFill>
+                  <a:schemeClr val="tx1"/>
+                </a:solidFill>
+                <a:latin typeface="+mn-lt"/>
+                <a:ea typeface="+mn-ea"/>
+                <a:cs typeface="+mn-cs"/>
+              </a:defRPr>
+            </a:lvl6pPr>
+            <a:lvl7pPr marL="1484313" indent="-228600" algn="l" defTabSz="914400" rtl="0" eaLnBrk="1" latinLnBrk="0" hangingPunct="1">
+              <a:lnSpc>
+                <a:spcPct val="100000"/>
+              </a:lnSpc>
+              <a:spcBef>
+                <a:spcPts val="1000"/>
+              </a:spcBef>
+              <a:buClr>
+                <a:schemeClr val="accent2"/>
+              </a:buClr>
+              <a:buFont typeface="Arial" panose="020B0604020202020204" pitchFamily="34" charset="0"/>
+              <a:buChar char="•"/>
+              <a:defRPr sz="1600" kern="1200">
+                <a:solidFill>
+                  <a:schemeClr val="tx1"/>
+                </a:solidFill>
+                <a:latin typeface="+mn-lt"/>
+                <a:ea typeface="+mn-ea"/>
+                <a:cs typeface="+mn-cs"/>
+              </a:defRPr>
+            </a:lvl7pPr>
+            <a:lvl8pPr marL="1657350" indent="-228600" algn="l" defTabSz="914400" rtl="0" eaLnBrk="1" latinLnBrk="0" hangingPunct="1">
+              <a:lnSpc>
+                <a:spcPct val="100000"/>
+              </a:lnSpc>
+              <a:spcBef>
+                <a:spcPts val="1000"/>
+              </a:spcBef>
+              <a:buClr>
+                <a:schemeClr val="accent2"/>
+              </a:buClr>
+              <a:buFont typeface="Arial" panose="020B0604020202020204" pitchFamily="34" charset="0"/>
+              <a:buChar char="•"/>
+              <a:defRPr sz="1600" kern="1200" baseline="0">
+                <a:solidFill>
+                  <a:schemeClr val="tx1"/>
+                </a:solidFill>
+                <a:latin typeface="+mn-lt"/>
+                <a:ea typeface="+mn-ea"/>
+                <a:cs typeface="+mn-cs"/>
+              </a:defRPr>
+            </a:lvl8pPr>
+            <a:lvl9pPr marL="1882775" indent="-228600" algn="l" defTabSz="914400" rtl="0" eaLnBrk="1" latinLnBrk="0" hangingPunct="1">
+              <a:lnSpc>
+                <a:spcPct val="100000"/>
+              </a:lnSpc>
+              <a:spcBef>
+                <a:spcPts val="1000"/>
+              </a:spcBef>
+              <a:buClr>
+                <a:schemeClr val="accent2"/>
+              </a:buClr>
+              <a:buFont typeface="Arial" panose="020B0604020202020204" pitchFamily="34" charset="0"/>
+              <a:buChar char="•"/>
+              <a:defRPr sz="1600" kern="1200" baseline="0">
+                <a:solidFill>
+                  <a:schemeClr val="tx1"/>
+                </a:solidFill>
+                <a:latin typeface="+mn-lt"/>
+                <a:ea typeface="+mn-ea"/>
+                <a:cs typeface="+mn-cs"/>
+              </a:defRPr>
+            </a:lvl9pPr>
+          </a:lstStyle>
+          <a:p>
+            <a:r>
+              <a:rPr lang="es-ES_tradnl" sz="2400" b="1" dirty="0" smtClean="0"/>
+              <a:t>HYPER SPARSE MATRIX!!!!!!!</a:t>
+            </a:r>
+            <a:endParaRPr lang="es-ES_tradnl" sz="2400" b="1" dirty="0"/>
+          </a:p>
+        </p:txBody>
+      </p:sp>
+    </p:spTree>
+    <p:extLst>
+      <p:ext uri="{BB962C8B-B14F-4D97-AF65-F5344CB8AC3E}">
+        <p14:creationId xmlns:p14="http://schemas.microsoft.com/office/powerpoint/2010/main" val="1101335728"/>
+      </p:ext>
+    </p:extLst>
+  </p:cSld>
+  <p:clrMapOvr>
+    <a:masterClrMapping/>
+  </p:clrMapOvr>
+  <p:timing>
+    <p:tnLst>
+      <p:par>
+        <p:cTn id="1" dur="indefinite" restart="never" nodeType="tmRoot">
+          <p:childTnLst>
+            <p:seq concurrent="1" nextAc="seek">
+              <p:cTn id="2" dur="indefinite" nodeType="mainSeq">
+                <p:childTnLst>
+                  <p:par>
+                    <p:cTn id="3" fill="hold">
+                      <p:stCondLst>
+                        <p:cond delay="indefinite"/>
+                      </p:stCondLst>
+                      <p:childTnLst>
+                        <p:par>
+                          <p:cTn id="4" fill="hold">
+                            <p:stCondLst>
+                              <p:cond delay="0"/>
+                            </p:stCondLst>
+                            <p:childTnLst>
+                              <p:par>
+                                <p:cTn id="5" presetID="1" presetClass="entr" presetSubtype="0" fill="hold" grpId="0" nodeType="clickEffect">
+                                  <p:stCondLst>
+                                    <p:cond delay="0"/>
+                                  </p:stCondLst>
+                                  <p:childTnLst>
+                                    <p:set>
+                                      <p:cBhvr>
+                                        <p:cTn id="6" dur="1" fill="hold">
+                                          <p:stCondLst>
+                                            <p:cond delay="0"/>
+                                          </p:stCondLst>
+                                        </p:cTn>
+                                        <p:tgtEl>
+                                          <p:spTgt spid="3">
+                                            <p:txEl>
+                                              <p:pRg st="0" end="0"/>
+                                            </p:txEl>
+                                          </p:spTgt>
+                                        </p:tgtEl>
+                                        <p:attrNameLst>
+                                          <p:attrName>style.visibility</p:attrName>
+                                        </p:attrNameLst>
+                                      </p:cBhvr>
+                                      <p:to>
+                                        <p:strVal val="visible"/>
+                                      </p:to>
+                                    </p:set>
+                                  </p:childTnLst>
+                                </p:cTn>
+                              </p:par>
+                            </p:childTnLst>
+                          </p:cTn>
+                        </p:par>
+                      </p:childTnLst>
+                    </p:cTn>
+                  </p:par>
+                  <p:par>
+                    <p:cTn id="7" fill="hold">
+                      <p:stCondLst>
+                        <p:cond delay="indefinite"/>
+                      </p:stCondLst>
+                      <p:childTnLst>
+                        <p:par>
+                          <p:cTn id="8" fill="hold">
+                            <p:stCondLst>
+                              <p:cond delay="0"/>
+                            </p:stCondLst>
+                            <p:childTnLst>
+                              <p:par>
+                                <p:cTn id="9" presetID="1" presetClass="entr" presetSubtype="0" fill="hold" grpId="0" nodeType="clickEffect">
+                                  <p:stCondLst>
+                                    <p:cond delay="0"/>
+                                  </p:stCondLst>
+                                  <p:childTnLst>
+                                    <p:set>
+                                      <p:cBhvr>
+                                        <p:cTn id="10" dur="1" fill="hold">
+                                          <p:stCondLst>
+                                            <p:cond delay="0"/>
+                                          </p:stCondLst>
+                                        </p:cTn>
+                                        <p:tgtEl>
+                                          <p:spTgt spid="4"/>
+                                        </p:tgtEl>
+                                        <p:attrNameLst>
+                                          <p:attrName>style.visibility</p:attrName>
+                                        </p:attrNameLst>
+                                      </p:cBhvr>
+                                      <p:to>
+                                        <p:strVal val="visible"/>
+                                      </p:to>
+                                    </p:set>
+                                  </p:childTnLst>
+                                </p:cTn>
+                              </p:par>
+                            </p:childTnLst>
+                          </p:cTn>
+                        </p:par>
+                      </p:childTnLst>
+                    </p:cTn>
+                  </p:par>
+                  <p:par>
+                    <p:cTn id="11" fill="hold">
+                      <p:stCondLst>
+                        <p:cond delay="indefinite"/>
+                      </p:stCondLst>
+                      <p:childTnLst>
+                        <p:par>
+                          <p:cTn id="12" fill="hold">
+                            <p:stCondLst>
+                              <p:cond delay="0"/>
+                            </p:stCondLst>
+                            <p:childTnLst>
+                              <p:par>
+                                <p:cTn id="13" presetID="1" presetClass="entr" presetSubtype="0" fill="hold" grpId="0" nodeType="clickEffect">
+                                  <p:stCondLst>
+                                    <p:cond delay="0"/>
+                                  </p:stCondLst>
+                                  <p:childTnLst>
+                                    <p:set>
+                                      <p:cBhvr>
+                                        <p:cTn id="14" dur="1" fill="hold">
+                                          <p:stCondLst>
+                                            <p:cond delay="0"/>
+                                          </p:stCondLst>
+                                        </p:cTn>
+                                        <p:tgtEl>
+                                          <p:spTgt spid="5"/>
+                                        </p:tgtEl>
+                                        <p:attrNameLst>
+                                          <p:attrName>style.visibility</p:attrName>
+                                        </p:attrNameLst>
+                                      </p:cBhvr>
+                                      <p:to>
+                                        <p:strVal val="visible"/>
+                                      </p:to>
+                                    </p:set>
+                                  </p:childTnLst>
+                                </p:cTn>
+                              </p:par>
+                            </p:childTnLst>
+                          </p:cTn>
+                        </p:par>
+                      </p:childTnLst>
+                    </p:cTn>
+                  </p:par>
+                </p:childTnLst>
+              </p:cTn>
+              <p:prevCondLst>
+                <p:cond evt="onPrev" delay="0">
+                  <p:tgtEl>
+                    <p:sldTgt/>
+                  </p:tgtEl>
+                </p:cond>
+              </p:prevCondLst>
+              <p:nextCondLst>
+                <p:cond evt="onNext" delay="0">
+                  <p:tgtEl>
+                    <p:sldTgt/>
+                  </p:tgtEl>
+                </p:cond>
+              </p:nextCondLst>
+            </p:seq>
+          </p:childTnLst>
+        </p:cTn>
+      </p:par>
+    </p:tnLst>
+    <p:bldLst>
+      <p:bldP spid="3" grpId="0" build="p"/>
+      <p:bldP spid="4" grpId="0"/>
+      <p:bldP spid="5" grpId="0"/>
+    </p:bldLst>
+  </p:timing>
+</p:sld>
+</file>
+
+<file path=ppt/slides/slide5.xml><?xml version="1.0" encoding="utf-8"?>
+<p:sld xmlns:a="http://schemas.openxmlformats.org/drawingml/2006/main" xmlns:r="http://schemas.openxmlformats.org/officeDocument/2006/relationships" xmlns:p="http://schemas.openxmlformats.org/presentationml/2006/main">
+  <p:cSld>
+    <p:spTree>
+      <p:nvGrpSpPr>
+        <p:cNvPr id="1" name=""/>
+        <p:cNvGrpSpPr/>
+        <p:nvPr/>
+      </p:nvGrpSpPr>
+      <p:grpSpPr>
+        <a:xfrm>
+          <a:off x="0" y="0"/>
+          <a:ext cx="0" cy="0"/>
+          <a:chOff x="0" y="0"/>
+          <a:chExt cx="0" cy="0"/>
+        </a:xfrm>
+      </p:grpSpPr>
+      <p:sp>
+        <p:nvSpPr>
+          <p:cNvPr id="2" name="Título 1"/>
+          <p:cNvSpPr>
+            <a:spLocks noGrp="1"/>
+          </p:cNvSpPr>
+          <p:nvPr>
+            <p:ph type="title"/>
+          </p:nvPr>
+        </p:nvSpPr>
+        <p:spPr/>
+        <p:txBody>
+          <a:bodyPr/>
+          <a:lstStyle/>
+          <a:p>
+            <a:r>
+              <a:rPr lang="es-ES_tradnl" b="1" dirty="0" smtClean="0">
+                <a:solidFill>
+                  <a:srgbClr val="FF0000"/>
+                </a:solidFill>
+              </a:rPr>
+              <a:t>PROBLEM!!</a:t>
+            </a:r>
+            <a:endParaRPr lang="es-ES_tradnl" b="1" dirty="0">
+              <a:solidFill>
+                <a:srgbClr val="FF0000"/>
+              </a:solidFill>
+            </a:endParaRPr>
+          </a:p>
+        </p:txBody>
+      </p:sp>
+      <p:sp>
+        <p:nvSpPr>
+          <p:cNvPr id="3" name="Marcador de contenido 2"/>
+          <p:cNvSpPr>
+            <a:spLocks noGrp="1"/>
+          </p:cNvSpPr>
+          <p:nvPr>
+            <p:ph idx="1"/>
+          </p:nvPr>
+        </p:nvSpPr>
+        <p:spPr>
+          <a:xfrm>
+            <a:off x="2231136" y="2638044"/>
+            <a:ext cx="8584502" cy="428541"/>
+          </a:xfrm>
+        </p:spPr>
+        <p:txBody>
+          <a:bodyPr>
+            <a:normAutofit/>
+          </a:bodyPr>
+          <a:lstStyle/>
+          <a:p>
+            <a:r>
+              <a:rPr lang="es-ES_tradnl" dirty="0" err="1" smtClean="0"/>
+              <a:t>This</a:t>
+            </a:r>
+            <a:r>
+              <a:rPr lang="es-ES_tradnl" dirty="0" smtClean="0"/>
+              <a:t> </a:t>
+            </a:r>
+            <a:r>
+              <a:rPr lang="es-ES_tradnl" dirty="0" err="1" smtClean="0"/>
+              <a:t>methods</a:t>
+            </a:r>
+            <a:r>
+              <a:rPr lang="es-ES_tradnl" dirty="0" smtClean="0"/>
+              <a:t> are </a:t>
+            </a:r>
+            <a:r>
+              <a:rPr lang="es-ES_tradnl" dirty="0" err="1" smtClean="0"/>
+              <a:t>usually</a:t>
+            </a:r>
+            <a:r>
+              <a:rPr lang="es-ES_tradnl" dirty="0" smtClean="0"/>
+              <a:t> </a:t>
+            </a:r>
+            <a:r>
+              <a:rPr lang="es-ES_tradnl" dirty="0" err="1" smtClean="0"/>
+              <a:t>based</a:t>
+            </a:r>
+            <a:r>
+              <a:rPr lang="es-ES_tradnl" dirty="0" smtClean="0"/>
+              <a:t> </a:t>
+            </a:r>
+            <a:r>
+              <a:rPr lang="es-ES_tradnl" dirty="0" err="1" smtClean="0"/>
+              <a:t>around</a:t>
+            </a:r>
+            <a:r>
+              <a:rPr lang="es-ES_tradnl" dirty="0" smtClean="0"/>
+              <a:t> </a:t>
+            </a:r>
+            <a:r>
+              <a:rPr lang="es-ES_tradnl" dirty="0" err="1" smtClean="0"/>
+              <a:t>the</a:t>
+            </a:r>
+            <a:r>
+              <a:rPr lang="es-ES_tradnl" dirty="0" smtClean="0"/>
+              <a:t> concept of RATINGS</a:t>
+            </a:r>
+            <a:r>
+              <a:rPr lang="es-ES_tradnl" dirty="0" smtClean="0"/>
+              <a:t>.</a:t>
+            </a:r>
+            <a:endParaRPr lang="es-ES_tradnl" dirty="0" smtClean="0"/>
+          </a:p>
+        </p:txBody>
+      </p:sp>
+      <p:sp>
+        <p:nvSpPr>
+          <p:cNvPr id="7" name="Marcador de contenido 2"/>
+          <p:cNvSpPr txBox="1">
+            <a:spLocks/>
+          </p:cNvSpPr>
+          <p:nvPr/>
+        </p:nvSpPr>
+        <p:spPr>
+          <a:xfrm>
+            <a:off x="2231136" y="2852314"/>
+            <a:ext cx="8584502" cy="3777044"/>
+          </a:xfrm>
+          <a:prstGeom prst="rect">
+            <a:avLst/>
+          </a:prstGeom>
+        </p:spPr>
+        <p:txBody>
+          <a:bodyPr vert="horz" lIns="91440" tIns="45720" rIns="91440" bIns="45720" rtlCol="0">
+            <a:normAutofit/>
+          </a:bodyPr>
+          <a:lstStyle>
+            <a:lvl1pPr marL="228600" indent="-228600" algn="l" defTabSz="914400" rtl="0" eaLnBrk="1" latinLnBrk="0" hangingPunct="1">
+              <a:lnSpc>
+                <a:spcPct val="100000"/>
+              </a:lnSpc>
+              <a:spcBef>
+                <a:spcPts val="1000"/>
+              </a:spcBef>
+              <a:buClr>
+                <a:schemeClr val="accent2"/>
+              </a:buClr>
+              <a:buFont typeface="Arial" panose="020B0604020202020204" pitchFamily="34" charset="0"/>
+              <a:buChar char="•"/>
+              <a:defRPr sz="1800" kern="1200">
+                <a:solidFill>
+                  <a:schemeClr val="tx1">
+                    <a:lumMod val="85000"/>
+                    <a:lumOff val="15000"/>
+                  </a:schemeClr>
+                </a:solidFill>
+                <a:latin typeface="+mn-lt"/>
+                <a:ea typeface="+mn-ea"/>
+                <a:cs typeface="+mn-cs"/>
+              </a:defRPr>
+            </a:lvl1pPr>
+            <a:lvl2pPr marL="457200" indent="-228600" algn="l" defTabSz="914400" rtl="0" eaLnBrk="1" latinLnBrk="0" hangingPunct="1">
+              <a:lnSpc>
+                <a:spcPct val="100000"/>
+              </a:lnSpc>
+              <a:spcBef>
+                <a:spcPts val="1000"/>
+              </a:spcBef>
+              <a:buClr>
+                <a:schemeClr val="accent2"/>
+              </a:buClr>
+              <a:buFont typeface="Arial" panose="020B0604020202020204" pitchFamily="34" charset="0"/>
+              <a:buChar char="•"/>
+              <a:defRPr sz="1600" kern="1200">
+                <a:solidFill>
+                  <a:schemeClr val="tx1">
+                    <a:lumMod val="85000"/>
+                    <a:lumOff val="15000"/>
+                  </a:schemeClr>
+                </a:solidFill>
+                <a:latin typeface="+mn-lt"/>
+                <a:ea typeface="+mn-ea"/>
+                <a:cs typeface="+mn-cs"/>
+              </a:defRPr>
+            </a:lvl2pPr>
+            <a:lvl3pPr marL="685800" indent="-228600" algn="l" defTabSz="914400" rtl="0" eaLnBrk="1" latinLnBrk="0" hangingPunct="1">
+              <a:lnSpc>
+                <a:spcPct val="100000"/>
+              </a:lnSpc>
+              <a:spcBef>
+                <a:spcPts val="1000"/>
+              </a:spcBef>
+              <a:buClr>
+                <a:schemeClr val="accent2"/>
+              </a:buClr>
+              <a:buFont typeface="Arial" panose="020B0604020202020204" pitchFamily="34" charset="0"/>
+              <a:buChar char="•"/>
+              <a:defRPr sz="1600" kern="1200">
+                <a:solidFill>
+                  <a:schemeClr val="tx1">
+                    <a:lumMod val="85000"/>
+                    <a:lumOff val="15000"/>
+                  </a:schemeClr>
+                </a:solidFill>
+                <a:latin typeface="+mn-lt"/>
+                <a:ea typeface="+mn-ea"/>
+                <a:cs typeface="+mn-cs"/>
+              </a:defRPr>
+            </a:lvl3pPr>
+            <a:lvl4pPr marL="914400" indent="-228600" algn="l" defTabSz="914400" rtl="0" eaLnBrk="1" latinLnBrk="0" hangingPunct="1">
+              <a:lnSpc>
+                <a:spcPct val="100000"/>
+              </a:lnSpc>
+              <a:spcBef>
+                <a:spcPts val="1000"/>
+              </a:spcBef>
+              <a:buClr>
+                <a:schemeClr val="accent2"/>
+              </a:buClr>
+              <a:buFont typeface="Arial" panose="020B0604020202020204" pitchFamily="34" charset="0"/>
+              <a:buChar char="•"/>
+              <a:defRPr sz="1600" kern="1200">
+                <a:solidFill>
+                  <a:schemeClr val="tx1">
+                    <a:lumMod val="85000"/>
+                    <a:lumOff val="15000"/>
+                  </a:schemeClr>
+                </a:solidFill>
+                <a:latin typeface="+mn-lt"/>
+                <a:ea typeface="+mn-ea"/>
+                <a:cs typeface="+mn-cs"/>
+              </a:defRPr>
+            </a:lvl4pPr>
+            <a:lvl5pPr marL="1143000" indent="-228600" algn="l" defTabSz="914400" rtl="0" eaLnBrk="1" latinLnBrk="0" hangingPunct="1">
+              <a:lnSpc>
+                <a:spcPct val="100000"/>
+              </a:lnSpc>
+              <a:spcBef>
+                <a:spcPts val="1000"/>
+              </a:spcBef>
+              <a:buClr>
+                <a:schemeClr val="accent2"/>
+              </a:buClr>
+              <a:buFont typeface="Arial" panose="020B0604020202020204" pitchFamily="34" charset="0"/>
+              <a:buChar char="•"/>
+              <a:defRPr sz="1600" kern="1200">
+                <a:solidFill>
+                  <a:schemeClr val="tx1">
+                    <a:lumMod val="85000"/>
+                    <a:lumOff val="15000"/>
+                  </a:schemeClr>
+                </a:solidFill>
+                <a:latin typeface="+mn-lt"/>
+                <a:ea typeface="+mn-ea"/>
+                <a:cs typeface="+mn-cs"/>
+              </a:defRPr>
+            </a:lvl5pPr>
+            <a:lvl6pPr marL="1312863" indent="-228600" algn="l" defTabSz="914400" rtl="0" eaLnBrk="1" latinLnBrk="0" hangingPunct="1">
+              <a:lnSpc>
+                <a:spcPct val="100000"/>
+              </a:lnSpc>
+              <a:spcBef>
+                <a:spcPts val="1000"/>
+              </a:spcBef>
+              <a:buClr>
+                <a:schemeClr val="accent2"/>
+              </a:buClr>
+              <a:buFont typeface="Arial" panose="020B0604020202020204" pitchFamily="34" charset="0"/>
+              <a:buChar char="•"/>
+              <a:defRPr sz="1600" kern="1200">
+                <a:solidFill>
+                  <a:schemeClr val="tx1"/>
+                </a:solidFill>
+                <a:latin typeface="+mn-lt"/>
+                <a:ea typeface="+mn-ea"/>
+                <a:cs typeface="+mn-cs"/>
+              </a:defRPr>
+            </a:lvl6pPr>
+            <a:lvl7pPr marL="1484313" indent="-228600" algn="l" defTabSz="914400" rtl="0" eaLnBrk="1" latinLnBrk="0" hangingPunct="1">
+              <a:lnSpc>
+                <a:spcPct val="100000"/>
+              </a:lnSpc>
+              <a:spcBef>
+                <a:spcPts val="1000"/>
+              </a:spcBef>
+              <a:buClr>
+                <a:schemeClr val="accent2"/>
+              </a:buClr>
+              <a:buFont typeface="Arial" panose="020B0604020202020204" pitchFamily="34" charset="0"/>
+              <a:buChar char="•"/>
+              <a:defRPr sz="1600" kern="1200">
+                <a:solidFill>
+                  <a:schemeClr val="tx1"/>
+                </a:solidFill>
+                <a:latin typeface="+mn-lt"/>
+                <a:ea typeface="+mn-ea"/>
+                <a:cs typeface="+mn-cs"/>
+              </a:defRPr>
+            </a:lvl7pPr>
+            <a:lvl8pPr marL="1657350" indent="-228600" algn="l" defTabSz="914400" rtl="0" eaLnBrk="1" latinLnBrk="0" hangingPunct="1">
+              <a:lnSpc>
+                <a:spcPct val="100000"/>
+              </a:lnSpc>
+              <a:spcBef>
+                <a:spcPts val="1000"/>
+              </a:spcBef>
+              <a:buClr>
+                <a:schemeClr val="accent2"/>
+              </a:buClr>
+              <a:buFont typeface="Arial" panose="020B0604020202020204" pitchFamily="34" charset="0"/>
+              <a:buChar char="•"/>
+              <a:defRPr sz="1600" kern="1200" baseline="0">
+                <a:solidFill>
+                  <a:schemeClr val="tx1"/>
+                </a:solidFill>
+                <a:latin typeface="+mn-lt"/>
+                <a:ea typeface="+mn-ea"/>
+                <a:cs typeface="+mn-cs"/>
+              </a:defRPr>
+            </a:lvl8pPr>
+            <a:lvl9pPr marL="1882775" indent="-228600" algn="l" defTabSz="914400" rtl="0" eaLnBrk="1" latinLnBrk="0" hangingPunct="1">
+              <a:lnSpc>
+                <a:spcPct val="100000"/>
+              </a:lnSpc>
+              <a:spcBef>
+                <a:spcPts val="1000"/>
+              </a:spcBef>
+              <a:buClr>
+                <a:schemeClr val="accent2"/>
+              </a:buClr>
+              <a:buFont typeface="Arial" panose="020B0604020202020204" pitchFamily="34" charset="0"/>
+              <a:buChar char="•"/>
+              <a:defRPr sz="1600" kern="1200" baseline="0">
+                <a:solidFill>
+                  <a:schemeClr val="tx1"/>
+                </a:solidFill>
+                <a:latin typeface="+mn-lt"/>
+                <a:ea typeface="+mn-ea"/>
+                <a:cs typeface="+mn-cs"/>
+              </a:defRPr>
+            </a:lvl9pPr>
+          </a:lstStyle>
+          <a:p>
+            <a:endParaRPr lang="es-ES_tradnl" dirty="0" smtClean="0"/>
+          </a:p>
+          <a:p>
+            <a:endParaRPr lang="es-ES_tradnl" dirty="0" smtClean="0"/>
+          </a:p>
+          <a:p>
+            <a:endParaRPr lang="es-ES_tradnl" dirty="0" smtClean="0"/>
+          </a:p>
+          <a:p>
+            <a:endParaRPr lang="es-ES_tradnl" dirty="0" smtClean="0"/>
+          </a:p>
+          <a:p>
+            <a:endParaRPr lang="es-ES_tradnl" dirty="0" smtClean="0"/>
+          </a:p>
+          <a:p>
+            <a:endParaRPr lang="es-ES_tradnl" dirty="0" smtClean="0"/>
+          </a:p>
+          <a:p>
+            <a:r>
+              <a:rPr lang="es-ES_tradnl" dirty="0" err="1" smtClean="0"/>
+              <a:t>Our</a:t>
+            </a:r>
+            <a:r>
+              <a:rPr lang="es-ES_tradnl" dirty="0" smtClean="0"/>
+              <a:t> </a:t>
+            </a:r>
+            <a:r>
+              <a:rPr lang="es-ES_tradnl" dirty="0" err="1" smtClean="0"/>
+              <a:t>matrix</a:t>
+            </a:r>
+            <a:r>
+              <a:rPr lang="es-ES_tradnl" dirty="0" smtClean="0"/>
+              <a:t> </a:t>
+            </a:r>
+            <a:r>
+              <a:rPr lang="es-ES_tradnl" dirty="0" err="1" smtClean="0"/>
+              <a:t>is</a:t>
+            </a:r>
+            <a:r>
+              <a:rPr lang="es-ES_tradnl" dirty="0" smtClean="0"/>
+              <a:t> </a:t>
+            </a:r>
+            <a:r>
+              <a:rPr lang="es-ES_tradnl" dirty="0" err="1" smtClean="0"/>
+              <a:t>based</a:t>
+            </a:r>
+            <a:r>
+              <a:rPr lang="es-ES_tradnl" dirty="0" smtClean="0"/>
+              <a:t> </a:t>
+            </a:r>
+            <a:r>
+              <a:rPr lang="es-ES_tradnl" dirty="0" err="1" smtClean="0"/>
+              <a:t>around</a:t>
+            </a:r>
+            <a:r>
+              <a:rPr lang="es-ES_tradnl" dirty="0" smtClean="0"/>
+              <a:t> </a:t>
+            </a:r>
+            <a:r>
+              <a:rPr lang="es-ES_tradnl" dirty="0" err="1" smtClean="0"/>
+              <a:t>implicity</a:t>
+            </a:r>
+            <a:r>
+              <a:rPr lang="es-ES_tradnl" dirty="0" smtClean="0"/>
+              <a:t>. </a:t>
+            </a:r>
+            <a:endParaRPr lang="es-ES_tradnl" dirty="0"/>
+          </a:p>
+        </p:txBody>
+      </p:sp>
+      <p:sp>
+        <p:nvSpPr>
+          <p:cNvPr id="10" name="Marcador de contenido 2"/>
+          <p:cNvSpPr txBox="1">
+            <a:spLocks/>
+          </p:cNvSpPr>
+          <p:nvPr/>
+        </p:nvSpPr>
+        <p:spPr>
+          <a:xfrm>
+            <a:off x="2231136" y="6099796"/>
+            <a:ext cx="8584502" cy="620259"/>
+          </a:xfrm>
+          <a:prstGeom prst="rect">
+            <a:avLst/>
+          </a:prstGeom>
+        </p:spPr>
+        <p:txBody>
+          <a:bodyPr vert="horz" lIns="91440" tIns="45720" rIns="91440" bIns="45720" rtlCol="0">
+            <a:normAutofit/>
+          </a:bodyPr>
+          <a:lstStyle>
+            <a:lvl1pPr marL="228600" indent="-228600" algn="l" defTabSz="914400" rtl="0" eaLnBrk="1" latinLnBrk="0" hangingPunct="1">
+              <a:lnSpc>
+                <a:spcPct val="100000"/>
+              </a:lnSpc>
+              <a:spcBef>
+                <a:spcPts val="1000"/>
+              </a:spcBef>
+              <a:buClr>
+                <a:schemeClr val="accent2"/>
+              </a:buClr>
+              <a:buFont typeface="Arial" panose="020B0604020202020204" pitchFamily="34" charset="0"/>
+              <a:buChar char="•"/>
+              <a:defRPr sz="1800" kern="1200">
+                <a:solidFill>
+                  <a:schemeClr val="tx1">
+                    <a:lumMod val="85000"/>
+                    <a:lumOff val="15000"/>
+                  </a:schemeClr>
+                </a:solidFill>
+                <a:latin typeface="+mn-lt"/>
+                <a:ea typeface="+mn-ea"/>
+                <a:cs typeface="+mn-cs"/>
+              </a:defRPr>
+            </a:lvl1pPr>
+            <a:lvl2pPr marL="457200" indent="-228600" algn="l" defTabSz="914400" rtl="0" eaLnBrk="1" latinLnBrk="0" hangingPunct="1">
+              <a:lnSpc>
+                <a:spcPct val="100000"/>
+              </a:lnSpc>
+              <a:spcBef>
+                <a:spcPts val="1000"/>
+              </a:spcBef>
+              <a:buClr>
+                <a:schemeClr val="accent2"/>
+              </a:buClr>
+              <a:buFont typeface="Arial" panose="020B0604020202020204" pitchFamily="34" charset="0"/>
+              <a:buChar char="•"/>
+              <a:defRPr sz="1600" kern="1200">
+                <a:solidFill>
+                  <a:schemeClr val="tx1">
+                    <a:lumMod val="85000"/>
+                    <a:lumOff val="15000"/>
+                  </a:schemeClr>
+                </a:solidFill>
+                <a:latin typeface="+mn-lt"/>
+                <a:ea typeface="+mn-ea"/>
+                <a:cs typeface="+mn-cs"/>
+              </a:defRPr>
+            </a:lvl2pPr>
+            <a:lvl3pPr marL="685800" indent="-228600" algn="l" defTabSz="914400" rtl="0" eaLnBrk="1" latinLnBrk="0" hangingPunct="1">
+              <a:lnSpc>
+                <a:spcPct val="100000"/>
+              </a:lnSpc>
+              <a:spcBef>
+                <a:spcPts val="1000"/>
+              </a:spcBef>
+              <a:buClr>
+                <a:schemeClr val="accent2"/>
+              </a:buClr>
+              <a:buFont typeface="Arial" panose="020B0604020202020204" pitchFamily="34" charset="0"/>
+              <a:buChar char="•"/>
+              <a:defRPr sz="1600" kern="1200">
+                <a:solidFill>
+                  <a:schemeClr val="tx1">
+                    <a:lumMod val="85000"/>
+                    <a:lumOff val="15000"/>
+                  </a:schemeClr>
+                </a:solidFill>
+                <a:latin typeface="+mn-lt"/>
+                <a:ea typeface="+mn-ea"/>
+                <a:cs typeface="+mn-cs"/>
+              </a:defRPr>
+            </a:lvl3pPr>
+            <a:lvl4pPr marL="914400" indent="-228600" algn="l" defTabSz="914400" rtl="0" eaLnBrk="1" latinLnBrk="0" hangingPunct="1">
+              <a:lnSpc>
+                <a:spcPct val="100000"/>
+              </a:lnSpc>
+              <a:spcBef>
+                <a:spcPts val="1000"/>
+              </a:spcBef>
+              <a:buClr>
+                <a:schemeClr val="accent2"/>
+              </a:buClr>
+              <a:buFont typeface="Arial" panose="020B0604020202020204" pitchFamily="34" charset="0"/>
+              <a:buChar char="•"/>
+              <a:defRPr sz="1600" kern="1200">
+                <a:solidFill>
+                  <a:schemeClr val="tx1">
+                    <a:lumMod val="85000"/>
+                    <a:lumOff val="15000"/>
+                  </a:schemeClr>
+                </a:solidFill>
+                <a:latin typeface="+mn-lt"/>
+                <a:ea typeface="+mn-ea"/>
+                <a:cs typeface="+mn-cs"/>
+              </a:defRPr>
+            </a:lvl4pPr>
+            <a:lvl5pPr marL="1143000" indent="-228600" algn="l" defTabSz="914400" rtl="0" eaLnBrk="1" latinLnBrk="0" hangingPunct="1">
+              <a:lnSpc>
+                <a:spcPct val="100000"/>
+              </a:lnSpc>
+              <a:spcBef>
+                <a:spcPts val="1000"/>
+              </a:spcBef>
+              <a:buClr>
+                <a:schemeClr val="accent2"/>
+              </a:buClr>
+              <a:buFont typeface="Arial" panose="020B0604020202020204" pitchFamily="34" charset="0"/>
+              <a:buChar char="•"/>
+              <a:defRPr sz="1600" kern="1200">
+                <a:solidFill>
+                  <a:schemeClr val="tx1">
+                    <a:lumMod val="85000"/>
+                    <a:lumOff val="15000"/>
+                  </a:schemeClr>
+                </a:solidFill>
+                <a:latin typeface="+mn-lt"/>
+                <a:ea typeface="+mn-ea"/>
+                <a:cs typeface="+mn-cs"/>
+              </a:defRPr>
+            </a:lvl5pPr>
+            <a:lvl6pPr marL="1312863" indent="-228600" algn="l" defTabSz="914400" rtl="0" eaLnBrk="1" latinLnBrk="0" hangingPunct="1">
+              <a:lnSpc>
+                <a:spcPct val="100000"/>
+              </a:lnSpc>
+              <a:spcBef>
+                <a:spcPts val="1000"/>
+              </a:spcBef>
+              <a:buClr>
+                <a:schemeClr val="accent2"/>
+              </a:buClr>
+              <a:buFont typeface="Arial" panose="020B0604020202020204" pitchFamily="34" charset="0"/>
+              <a:buChar char="•"/>
+              <a:defRPr sz="1600" kern="1200">
+                <a:solidFill>
+                  <a:schemeClr val="tx1"/>
+                </a:solidFill>
+                <a:latin typeface="+mn-lt"/>
+                <a:ea typeface="+mn-ea"/>
+                <a:cs typeface="+mn-cs"/>
+              </a:defRPr>
+            </a:lvl6pPr>
+            <a:lvl7pPr marL="1484313" indent="-228600" algn="l" defTabSz="914400" rtl="0" eaLnBrk="1" latinLnBrk="0" hangingPunct="1">
+              <a:lnSpc>
+                <a:spcPct val="100000"/>
+              </a:lnSpc>
+              <a:spcBef>
+                <a:spcPts val="1000"/>
+              </a:spcBef>
+              <a:buClr>
+                <a:schemeClr val="accent2"/>
+              </a:buClr>
+              <a:buFont typeface="Arial" panose="020B0604020202020204" pitchFamily="34" charset="0"/>
+              <a:buChar char="•"/>
+              <a:defRPr sz="1600" kern="1200">
+                <a:solidFill>
+                  <a:schemeClr val="tx1"/>
+                </a:solidFill>
+                <a:latin typeface="+mn-lt"/>
+                <a:ea typeface="+mn-ea"/>
+                <a:cs typeface="+mn-cs"/>
+              </a:defRPr>
+            </a:lvl7pPr>
+            <a:lvl8pPr marL="1657350" indent="-228600" algn="l" defTabSz="914400" rtl="0" eaLnBrk="1" latinLnBrk="0" hangingPunct="1">
+              <a:lnSpc>
+                <a:spcPct val="100000"/>
+              </a:lnSpc>
+              <a:spcBef>
+                <a:spcPts val="1000"/>
+              </a:spcBef>
+              <a:buClr>
+                <a:schemeClr val="accent2"/>
+              </a:buClr>
+              <a:buFont typeface="Arial" panose="020B0604020202020204" pitchFamily="34" charset="0"/>
+              <a:buChar char="•"/>
+              <a:defRPr sz="1600" kern="1200" baseline="0">
+                <a:solidFill>
+                  <a:schemeClr val="tx1"/>
+                </a:solidFill>
+                <a:latin typeface="+mn-lt"/>
+                <a:ea typeface="+mn-ea"/>
+                <a:cs typeface="+mn-cs"/>
+              </a:defRPr>
+            </a:lvl8pPr>
+            <a:lvl9pPr marL="1882775" indent="-228600" algn="l" defTabSz="914400" rtl="0" eaLnBrk="1" latinLnBrk="0" hangingPunct="1">
+              <a:lnSpc>
+                <a:spcPct val="100000"/>
+              </a:lnSpc>
+              <a:spcBef>
+                <a:spcPts val="1000"/>
+              </a:spcBef>
+              <a:buClr>
+                <a:schemeClr val="accent2"/>
+              </a:buClr>
+              <a:buFont typeface="Arial" panose="020B0604020202020204" pitchFamily="34" charset="0"/>
+              <a:buChar char="•"/>
+              <a:defRPr sz="1600" kern="1200" baseline="0">
+                <a:solidFill>
+                  <a:schemeClr val="tx1"/>
+                </a:solidFill>
+                <a:latin typeface="+mn-lt"/>
+                <a:ea typeface="+mn-ea"/>
+                <a:cs typeface="+mn-cs"/>
+              </a:defRPr>
+            </a:lvl9pPr>
+          </a:lstStyle>
+          <a:p>
+            <a:r>
+              <a:rPr lang="es-ES_tradnl" dirty="0" err="1" smtClean="0"/>
+              <a:t>It</a:t>
+            </a:r>
+            <a:r>
+              <a:rPr lang="es-ES_tradnl" dirty="0" smtClean="0"/>
+              <a:t> </a:t>
+            </a:r>
+            <a:r>
+              <a:rPr lang="es-ES_tradnl" dirty="0" err="1" smtClean="0"/>
+              <a:t>reflects</a:t>
+            </a:r>
+            <a:r>
+              <a:rPr lang="es-ES_tradnl" dirty="0" smtClean="0"/>
+              <a:t> </a:t>
+            </a:r>
+            <a:r>
+              <a:rPr lang="es-ES_tradnl" b="1" dirty="0" err="1" smtClean="0"/>
+              <a:t>quantity</a:t>
+            </a:r>
+            <a:r>
+              <a:rPr lang="es-ES_tradnl" dirty="0" smtClean="0"/>
+              <a:t>, </a:t>
+            </a:r>
+            <a:r>
+              <a:rPr lang="es-ES_tradnl" dirty="0" err="1" smtClean="0"/>
+              <a:t>not</a:t>
+            </a:r>
+            <a:r>
+              <a:rPr lang="es-ES_tradnl" dirty="0" smtClean="0"/>
+              <a:t> </a:t>
+            </a:r>
+            <a:r>
+              <a:rPr lang="es-ES_tradnl" dirty="0" err="1" smtClean="0"/>
+              <a:t>quality</a:t>
+            </a:r>
+            <a:r>
+              <a:rPr lang="es-ES_tradnl" dirty="0" smtClean="0"/>
+              <a:t>.</a:t>
+            </a:r>
+          </a:p>
+          <a:p>
+            <a:endParaRPr lang="es-ES_tradnl" dirty="0"/>
+          </a:p>
+        </p:txBody>
+      </p:sp>
+      <p:pic>
+        <p:nvPicPr>
+          <p:cNvPr id="11" name="Imagen 10"/>
+          <p:cNvPicPr>
+            <a:picLocks noChangeAspect="1"/>
+          </p:cNvPicPr>
+          <p:nvPr/>
+        </p:nvPicPr>
+        <p:blipFill>
+          <a:blip r:embed="rId2">
+            <a:extLst>
+              <a:ext uri="{28A0092B-C50C-407E-A947-70E740481C1C}">
+                <a14:useLocalDpi xmlns:a14="http://schemas.microsoft.com/office/drawing/2010/main" val="0"/>
+              </a:ext>
+            </a:extLst>
+          </a:blip>
+          <a:stretch>
+            <a:fillRect/>
+          </a:stretch>
+        </p:blipFill>
+        <p:spPr>
+          <a:xfrm>
+            <a:off x="3670609" y="3066585"/>
+            <a:ext cx="5539753" cy="2120038"/>
+          </a:xfrm>
+          <a:prstGeom prst="rect">
+            <a:avLst/>
+          </a:prstGeom>
+        </p:spPr>
+      </p:pic>
+    </p:spTree>
+    <p:extLst>
+      <p:ext uri="{BB962C8B-B14F-4D97-AF65-F5344CB8AC3E}">
+        <p14:creationId xmlns:p14="http://schemas.microsoft.com/office/powerpoint/2010/main" val="1305490424"/>
+      </p:ext>
+    </p:extLst>
+  </p:cSld>
+  <p:clrMapOvr>
+    <a:masterClrMapping/>
+  </p:clrMapOvr>
+  <p:timing>
+    <p:tnLst>
+      <p:par>
+        <p:cTn id="1" dur="indefinite" restart="never" nodeType="tmRoot">
+          <p:childTnLst>
+            <p:seq concurrent="1" nextAc="seek">
+              <p:cTn id="2" dur="indefinite" nodeType="mainSeq">
+                <p:childTnLst>
+                  <p:par>
+                    <p:cTn id="3" fill="hold">
+                      <p:stCondLst>
+                        <p:cond delay="indefinite"/>
+                      </p:stCondLst>
+                      <p:childTnLst>
+                        <p:par>
+                          <p:cTn id="4" fill="hold">
+                            <p:stCondLst>
+                              <p:cond delay="0"/>
+                            </p:stCondLst>
+                            <p:childTnLst>
+                              <p:par>
+                                <p:cTn id="5" presetID="1" presetClass="entr" presetSubtype="0" fill="hold" grpId="0" nodeType="clickEffect">
+                                  <p:stCondLst>
+                                    <p:cond delay="0"/>
+                                  </p:stCondLst>
+                                  <p:childTnLst>
+                                    <p:set>
+                                      <p:cBhvr>
+                                        <p:cTn id="6" dur="1" fill="hold">
+                                          <p:stCondLst>
+                                            <p:cond delay="0"/>
+                                          </p:stCondLst>
+                                        </p:cTn>
+                                        <p:tgtEl>
+                                          <p:spTgt spid="3">
+                                            <p:txEl>
+                                              <p:pRg st="0" end="0"/>
+                                            </p:txEl>
+                                          </p:spTgt>
+                                        </p:tgtEl>
+                                        <p:attrNameLst>
+                                          <p:attrName>style.visibility</p:attrName>
+                                        </p:attrNameLst>
+                                      </p:cBhvr>
+                                      <p:to>
+                                        <p:strVal val="visible"/>
+                                      </p:to>
+                                    </p:set>
+                                  </p:childTnLst>
+                                </p:cTn>
+                              </p:par>
+                            </p:childTnLst>
+                          </p:cTn>
+                        </p:par>
+                      </p:childTnLst>
+                    </p:cTn>
+                  </p:par>
+                  <p:par>
+                    <p:cTn id="7" fill="hold">
+                      <p:stCondLst>
+                        <p:cond delay="indefinite"/>
+                      </p:stCondLst>
+                      <p:childTnLst>
+                        <p:par>
+                          <p:cTn id="8" fill="hold">
+                            <p:stCondLst>
+                              <p:cond delay="0"/>
+                            </p:stCondLst>
+                            <p:childTnLst>
+                              <p:par>
+                                <p:cTn id="9" presetID="1" presetClass="entr" presetSubtype="0" fill="hold" nodeType="clickEffect">
+                                  <p:stCondLst>
+                                    <p:cond delay="0"/>
+                                  </p:stCondLst>
+                                  <p:childTnLst>
+                                    <p:set>
+                                      <p:cBhvr>
+                                        <p:cTn id="10" dur="1" fill="hold">
+                                          <p:stCondLst>
+                                            <p:cond delay="0"/>
+                                          </p:stCondLst>
+                                        </p:cTn>
+                                        <p:tgtEl>
+                                          <p:spTgt spid="11"/>
+                                        </p:tgtEl>
+                                        <p:attrNameLst>
+                                          <p:attrName>style.visibility</p:attrName>
+                                        </p:attrNameLst>
+                                      </p:cBhvr>
+                                      <p:to>
+                                        <p:strVal val="visible"/>
+                                      </p:to>
+                                    </p:set>
+                                  </p:childTnLst>
+                                </p:cTn>
+                              </p:par>
+                            </p:childTnLst>
+                          </p:cTn>
+                        </p:par>
+                      </p:childTnLst>
+                    </p:cTn>
+                  </p:par>
+                  <p:par>
+                    <p:cTn id="11" fill="hold">
+                      <p:stCondLst>
+                        <p:cond delay="indefinite"/>
+                      </p:stCondLst>
+                      <p:childTnLst>
+                        <p:par>
+                          <p:cTn id="12" fill="hold">
+                            <p:stCondLst>
+                              <p:cond delay="0"/>
+                            </p:stCondLst>
+                            <p:childTnLst>
+                              <p:par>
+                                <p:cTn id="13" presetID="1" presetClass="entr" presetSubtype="0" fill="hold" grpId="0" nodeType="clickEffect">
+                                  <p:stCondLst>
+                                    <p:cond delay="0"/>
+                                  </p:stCondLst>
+                                  <p:childTnLst>
+                                    <p:set>
+                                      <p:cBhvr>
+                                        <p:cTn id="14" dur="1" fill="hold">
+                                          <p:stCondLst>
+                                            <p:cond delay="0"/>
+                                          </p:stCondLst>
+                                        </p:cTn>
+                                        <p:tgtEl>
+                                          <p:spTgt spid="7"/>
+                                        </p:tgtEl>
+                                        <p:attrNameLst>
+                                          <p:attrName>style.visibility</p:attrName>
+                                        </p:attrNameLst>
+                                      </p:cBhvr>
+                                      <p:to>
+                                        <p:strVal val="visible"/>
+                                      </p:to>
+                                    </p:set>
+                                  </p:childTnLst>
+                                </p:cTn>
+                              </p:par>
+                            </p:childTnLst>
+                          </p:cTn>
+                        </p:par>
+                      </p:childTnLst>
+                    </p:cTn>
+                  </p:par>
+                  <p:par>
+                    <p:cTn id="15" fill="hold">
+                      <p:stCondLst>
+                        <p:cond delay="indefinite"/>
+                      </p:stCondLst>
+                      <p:childTnLst>
+                        <p:par>
+                          <p:cTn id="16" fill="hold">
+                            <p:stCondLst>
+                              <p:cond delay="0"/>
+                            </p:stCondLst>
+                            <p:childTnLst>
+                              <p:par>
+                                <p:cTn id="17" presetID="1" presetClass="entr" presetSubtype="0" fill="hold" grpId="0" nodeType="clickEffect">
+                                  <p:stCondLst>
+                                    <p:cond delay="0"/>
+                                  </p:stCondLst>
+                                  <p:childTnLst>
+                                    <p:set>
+                                      <p:cBhvr>
+                                        <p:cTn id="18" dur="1" fill="hold">
+                                          <p:stCondLst>
+                                            <p:cond delay="0"/>
+                                          </p:stCondLst>
+                                        </p:cTn>
+                                        <p:tgtEl>
+                                          <p:spTgt spid="10"/>
+                                        </p:tgtEl>
+                                        <p:attrNameLst>
+                                          <p:attrName>style.visibility</p:attrName>
+                                        </p:attrNameLst>
+                                      </p:cBhvr>
+                                      <p:to>
+                                        <p:strVal val="visible"/>
+                                      </p:to>
+                                    </p:set>
+                                  </p:childTnLst>
+                                </p:cTn>
+                              </p:par>
+                            </p:childTnLst>
+                          </p:cTn>
+                        </p:par>
+                      </p:childTnLst>
+                    </p:cTn>
+                  </p:par>
+                </p:childTnLst>
+              </p:cTn>
+              <p:prevCondLst>
+                <p:cond evt="onPrev" delay="0">
+                  <p:tgtEl>
+                    <p:sldTgt/>
+                  </p:tgtEl>
+                </p:cond>
+              </p:prevCondLst>
+              <p:nextCondLst>
+                <p:cond evt="onNext" delay="0">
+                  <p:tgtEl>
+                    <p:sldTgt/>
+                  </p:tgtEl>
+                </p:cond>
+              </p:nextCondLst>
+            </p:seq>
+          </p:childTnLst>
+        </p:cTn>
+      </p:par>
+    </p:tnLst>
+    <p:bldLst>
+      <p:bldP spid="3" grpId="0" build="p"/>
+      <p:bldP spid="7" grpId="0"/>
+      <p:bldP spid="10" grpId="0"/>
+    </p:bldLst>
+  </p:timing>
+</p:sld>
+</file>
+
+<file path=ppt/slides/slide6.xml><?xml version="1.0" encoding="utf-8"?>
+<p:sld xmlns:a="http://schemas.openxmlformats.org/drawingml/2006/main" xmlns:r="http://schemas.openxmlformats.org/officeDocument/2006/relationships" xmlns:p="http://schemas.openxmlformats.org/presentationml/2006/main">
+  <p:cSld>
+    <p:spTree>
+      <p:nvGrpSpPr>
+        <p:cNvPr id="1" name=""/>
+        <p:cNvGrpSpPr/>
+        <p:nvPr/>
+      </p:nvGrpSpPr>
+      <p:grpSpPr>
+        <a:xfrm>
+          <a:off x="0" y="0"/>
+          <a:ext cx="0" cy="0"/>
+          <a:chOff x="0" y="0"/>
+          <a:chExt cx="0" cy="0"/>
+        </a:xfrm>
+      </p:grpSpPr>
+      <p:sp>
+        <p:nvSpPr>
+          <p:cNvPr id="2" name="Título 1"/>
+          <p:cNvSpPr>
+            <a:spLocks noGrp="1"/>
+          </p:cNvSpPr>
+          <p:nvPr>
+            <p:ph type="title"/>
+          </p:nvPr>
+        </p:nvSpPr>
+        <p:spPr/>
+        <p:txBody>
+          <a:bodyPr/>
+          <a:lstStyle/>
+          <a:p>
+            <a:r>
+              <a:rPr lang="es-ES_tradnl" dirty="0" smtClean="0"/>
+              <a:t>OUR SOLUTION</a:t>
+            </a:r>
+            <a:endParaRPr lang="es-ES_tradnl" dirty="0"/>
+          </a:p>
+        </p:txBody>
+      </p:sp>
+      <p:pic>
+        <p:nvPicPr>
+          <p:cNvPr id="5" name="Picture 4"/>
+          <p:cNvPicPr>
+            <a:picLocks noChangeAspect="1"/>
+          </p:cNvPicPr>
+          <p:nvPr/>
+        </p:nvPicPr>
+        <p:blipFill>
+          <a:blip r:embed="rId2"/>
+          <a:stretch>
+            <a:fillRect/>
+          </a:stretch>
+        </p:blipFill>
+        <p:spPr>
+          <a:xfrm>
+            <a:off x="19408" y="2443698"/>
+            <a:ext cx="12153183" cy="3173331"/>
+          </a:xfrm>
+          <a:prstGeom prst="rect">
+            <a:avLst/>
+          </a:prstGeom>
+        </p:spPr>
+      </p:pic>
+    </p:spTree>
+    <p:extLst>
+      <p:ext uri="{BB962C8B-B14F-4D97-AF65-F5344CB8AC3E}">
+        <p14:creationId xmlns:p14="http://schemas.microsoft.com/office/powerpoint/2010/main" val="2089329428"/>
+      </p:ext>
+    </p:extLst>
+  </p:cSld>
+  <p:clrMapOvr>
+    <a:masterClrMapping/>
+  </p:clrMapOvr>
+  <p:timing>
+    <p:tnLst>
+      <p:par>
+        <p:cTn id="1" dur="indefinite" restart="never" nodeType="tmRoot"/>
+      </p:par>
+    </p:tnLst>
+  </p:timing>
+</p:sld>
+</file>
+
+<file path=ppt/slides/slide7.xml><?xml version="1.0" encoding="utf-8"?>
 <p:sld xmlns:a="http://schemas.openxmlformats.org/drawingml/2006/main" xmlns:r="http://schemas.openxmlformats.org/officeDocument/2006/relationships" xmlns:p="http://schemas.openxmlformats.org/presentationml/2006/main">
   <p:cSld>
     <p:spTree>
@@ -3900,7 +8655,7 @@
 </p:sld>
 </file>
 
-<file path=ppt/slides/slide11.xml><?xml version="1.0" encoding="utf-8"?>
+<file path=ppt/slides/slide8.xml><?xml version="1.0" encoding="utf-8"?>
 <p:sld xmlns:a="http://schemas.openxmlformats.org/drawingml/2006/main" xmlns:r="http://schemas.openxmlformats.org/officeDocument/2006/relationships" xmlns:p="http://schemas.openxmlformats.org/presentationml/2006/main">
   <p:cSld>
     <p:spTree>
@@ -4328,7 +9083,7 @@
 </p:sld>
 </file>
 
-<file path=ppt/slides/slide12.xml><?xml version="1.0" encoding="utf-8"?>
+<file path=ppt/slides/slide9.xml><?xml version="1.0" encoding="utf-8"?>
 <p:sld xmlns:a="http://schemas.openxmlformats.org/drawingml/2006/main" xmlns:r="http://schemas.openxmlformats.org/officeDocument/2006/relationships" xmlns:p="http://schemas.openxmlformats.org/presentationml/2006/main">
   <p:cSld>
     <p:spTree>
@@ -4384,7 +9139,7 @@
         </p:blipFill>
         <p:spPr>
           <a:xfrm>
-            <a:off x="2578231" y="2255738"/>
+            <a:off x="2578231" y="2153412"/>
             <a:ext cx="2225997" cy="5136214"/>
           </a:xfrm>
           <a:prstGeom prst="rect">
@@ -4641,2902 +9396,6 @@
     <p:bldLst>
       <p:bldP spid="5" grpId="0" animBg="1"/>
     </p:bldLst>
-  </p:timing>
-</p:sld>
-</file>
-
-<file path=ppt/slides/slide13.xml><?xml version="1.0" encoding="utf-8"?>
-<p:sld xmlns:a="http://schemas.openxmlformats.org/drawingml/2006/main" xmlns:r="http://schemas.openxmlformats.org/officeDocument/2006/relationships" xmlns:p="http://schemas.openxmlformats.org/presentationml/2006/main">
-  <p:cSld>
-    <p:spTree>
-      <p:nvGrpSpPr>
-        <p:cNvPr id="1" name=""/>
-        <p:cNvGrpSpPr/>
-        <p:nvPr/>
-      </p:nvGrpSpPr>
-      <p:grpSpPr>
-        <a:xfrm>
-          <a:off x="0" y="0"/>
-          <a:ext cx="0" cy="0"/>
-          <a:chOff x="0" y="0"/>
-          <a:chExt cx="0" cy="0"/>
-        </a:xfrm>
-      </p:grpSpPr>
-      <p:sp>
-        <p:nvSpPr>
-          <p:cNvPr id="2" name="Title 1"/>
-          <p:cNvSpPr>
-            <a:spLocks noGrp="1"/>
-          </p:cNvSpPr>
-          <p:nvPr>
-            <p:ph type="title"/>
-          </p:nvPr>
-        </p:nvSpPr>
-        <p:spPr/>
-        <p:txBody>
-          <a:bodyPr/>
-          <a:lstStyle/>
-          <a:p>
-            <a:r>
-              <a:rPr lang="en-US" dirty="0" smtClean="0"/>
-              <a:t>Results</a:t>
-            </a:r>
-            <a:endParaRPr lang="he-IL" dirty="0"/>
-          </a:p>
-        </p:txBody>
-      </p:sp>
-      <p:sp>
-        <p:nvSpPr>
-          <p:cNvPr id="3" name="Content Placeholder 2"/>
-          <p:cNvSpPr>
-            <a:spLocks noGrp="1"/>
-          </p:cNvSpPr>
-          <p:nvPr>
-            <p:ph idx="1"/>
-          </p:nvPr>
-        </p:nvSpPr>
-        <p:spPr/>
-        <p:txBody>
-          <a:bodyPr/>
-          <a:lstStyle/>
-          <a:p>
-            <a:endParaRPr lang="he-IL"/>
-          </a:p>
-        </p:txBody>
-      </p:sp>
-    </p:spTree>
-    <p:extLst>
-      <p:ext uri="{BB962C8B-B14F-4D97-AF65-F5344CB8AC3E}">
-        <p14:creationId xmlns:p14="http://schemas.microsoft.com/office/powerpoint/2010/main" val="1349765061"/>
-      </p:ext>
-    </p:extLst>
-  </p:cSld>
-  <p:clrMapOvr>
-    <a:masterClrMapping/>
-  </p:clrMapOvr>
-  <p:timing>
-    <p:tnLst>
-      <p:par>
-        <p:cTn id="1" dur="indefinite" restart="never" nodeType="tmRoot"/>
-      </p:par>
-    </p:tnLst>
-  </p:timing>
-</p:sld>
-</file>
-
-<file path=ppt/slides/slide14.xml><?xml version="1.0" encoding="utf-8"?>
-<p:sld xmlns:a="http://schemas.openxmlformats.org/drawingml/2006/main" xmlns:r="http://schemas.openxmlformats.org/officeDocument/2006/relationships" xmlns:p="http://schemas.openxmlformats.org/presentationml/2006/main">
-  <p:cSld>
-    <p:spTree>
-      <p:nvGrpSpPr>
-        <p:cNvPr id="1" name=""/>
-        <p:cNvGrpSpPr/>
-        <p:nvPr/>
-      </p:nvGrpSpPr>
-      <p:grpSpPr>
-        <a:xfrm>
-          <a:off x="0" y="0"/>
-          <a:ext cx="0" cy="0"/>
-          <a:chOff x="0" y="0"/>
-          <a:chExt cx="0" cy="0"/>
-        </a:xfrm>
-      </p:grpSpPr>
-      <p:sp>
-        <p:nvSpPr>
-          <p:cNvPr id="2" name="Title 1"/>
-          <p:cNvSpPr>
-            <a:spLocks noGrp="1"/>
-          </p:cNvSpPr>
-          <p:nvPr>
-            <p:ph type="title"/>
-          </p:nvPr>
-        </p:nvSpPr>
-        <p:spPr/>
-        <p:txBody>
-          <a:bodyPr/>
-          <a:lstStyle/>
-          <a:p>
-            <a:r>
-              <a:rPr lang="en-US" dirty="0" smtClean="0"/>
-              <a:t>references</a:t>
-            </a:r>
-            <a:endParaRPr lang="he-IL" dirty="0"/>
-          </a:p>
-        </p:txBody>
-      </p:sp>
-      <p:sp>
-        <p:nvSpPr>
-          <p:cNvPr id="3" name="Content Placeholder 2"/>
-          <p:cNvSpPr>
-            <a:spLocks noGrp="1"/>
-          </p:cNvSpPr>
-          <p:nvPr>
-            <p:ph idx="1"/>
-          </p:nvPr>
-        </p:nvSpPr>
-        <p:spPr/>
-        <p:txBody>
-          <a:bodyPr>
-            <a:normAutofit fontScale="85000" lnSpcReduction="20000"/>
-          </a:bodyPr>
-          <a:lstStyle/>
-          <a:p>
-            <a:pPr lvl="1"/>
-            <a:r>
-              <a:rPr lang="en-US" dirty="0" smtClean="0"/>
-              <a:t>[1] </a:t>
-            </a:r>
-            <a:r>
-              <a:rPr lang="en-US" dirty="0" err="1"/>
-              <a:t>Mezei</a:t>
-            </a:r>
-            <a:r>
-              <a:rPr lang="en-US" dirty="0"/>
-              <a:t>, </a:t>
-            </a:r>
-            <a:r>
-              <a:rPr lang="en-US" dirty="0" err="1"/>
-              <a:t>Zsolt</a:t>
-            </a:r>
-            <a:r>
-              <a:rPr lang="en-US" dirty="0"/>
-              <a:t>, and Carsten </a:t>
-            </a:r>
-            <a:r>
-              <a:rPr lang="en-US" dirty="0" err="1"/>
-              <a:t>Eickhoff</a:t>
-            </a:r>
-            <a:r>
-              <a:rPr lang="en-US" dirty="0"/>
-              <a:t>. "Evaluating Music Recommender Systems for Groups." </a:t>
-            </a:r>
-            <a:r>
-              <a:rPr lang="en-US" i="1" dirty="0" err="1"/>
-              <a:t>arXiv</a:t>
-            </a:r>
-            <a:r>
-              <a:rPr lang="en-US" i="1" dirty="0"/>
-              <a:t> preprint arXiv:1707.09790</a:t>
-            </a:r>
-            <a:r>
-              <a:rPr lang="en-US" dirty="0"/>
-              <a:t> (2017</a:t>
-            </a:r>
-            <a:r>
-              <a:rPr lang="en-US" dirty="0" smtClean="0"/>
-              <a:t>).</a:t>
-            </a:r>
-          </a:p>
-          <a:p>
-            <a:pPr lvl="1"/>
-            <a:r>
-              <a:rPr lang="en-US" dirty="0" smtClean="0"/>
-              <a:t>[2] </a:t>
-            </a:r>
-            <a:r>
-              <a:rPr lang="en-US" dirty="0"/>
-              <a:t>Yoshii, Kazuyoshi, et al. "Hybrid Collaborative and Content-based Music Recommendation Using Probabilistic Model with Latent User Preferences." </a:t>
-            </a:r>
-            <a:r>
-              <a:rPr lang="en-US" i="1" dirty="0"/>
-              <a:t>ISMIR</a:t>
-            </a:r>
-            <a:r>
-              <a:rPr lang="en-US" dirty="0"/>
-              <a:t>. Vol. 6. 2006</a:t>
-            </a:r>
-            <a:r>
-              <a:rPr lang="en-US" dirty="0" smtClean="0"/>
-              <a:t>.</a:t>
-            </a:r>
-          </a:p>
-          <a:p>
-            <a:pPr lvl="1"/>
-            <a:r>
-              <a:rPr lang="en-US" dirty="0" smtClean="0"/>
-              <a:t>[3] </a:t>
-            </a:r>
-            <a:r>
-              <a:rPr lang="en-US" dirty="0"/>
-              <a:t>Parra, Denis, et al. "Implicit feedback recommendation via implicit-to-explicit ordinal logistic regression mapping." </a:t>
-            </a:r>
-            <a:r>
-              <a:rPr lang="en-US" i="1" dirty="0"/>
-              <a:t>Proceedings of the CARS-2011</a:t>
-            </a:r>
-            <a:r>
-              <a:rPr lang="en-US" dirty="0"/>
-              <a:t> (2011</a:t>
-            </a:r>
-            <a:r>
-              <a:rPr lang="en-US" dirty="0" smtClean="0"/>
-              <a:t>).</a:t>
-            </a:r>
-          </a:p>
-          <a:p>
-            <a:pPr lvl="1"/>
-            <a:r>
-              <a:rPr lang="en-US" dirty="0" smtClean="0"/>
-              <a:t>[4] </a:t>
-            </a:r>
-            <a:r>
-              <a:rPr lang="en-US" dirty="0"/>
-              <a:t>Hu, </a:t>
-            </a:r>
-            <a:r>
-              <a:rPr lang="en-US" dirty="0" err="1"/>
-              <a:t>Yifan</a:t>
-            </a:r>
-            <a:r>
-              <a:rPr lang="en-US" dirty="0"/>
-              <a:t>, Yehuda </a:t>
-            </a:r>
-            <a:r>
-              <a:rPr lang="en-US" dirty="0" err="1"/>
-              <a:t>Koren</a:t>
-            </a:r>
-            <a:r>
-              <a:rPr lang="en-US" dirty="0"/>
-              <a:t>, and Chris </a:t>
-            </a:r>
-            <a:r>
-              <a:rPr lang="en-US" dirty="0" err="1"/>
-              <a:t>Volinsky</a:t>
-            </a:r>
-            <a:r>
-              <a:rPr lang="en-US" dirty="0"/>
-              <a:t>. "Collaborative filtering for implicit feedback datasets." </a:t>
-            </a:r>
-            <a:r>
-              <a:rPr lang="en-US" i="1" dirty="0"/>
-              <a:t>Data Mining, 2008. ICDM'08. Eighth IEEE International Conference on</a:t>
-            </a:r>
-            <a:r>
-              <a:rPr lang="en-US" dirty="0"/>
-              <a:t>. </a:t>
-            </a:r>
-            <a:r>
-              <a:rPr lang="en-US" dirty="0" err="1"/>
-              <a:t>Ieee</a:t>
-            </a:r>
-            <a:r>
-              <a:rPr lang="en-US" dirty="0"/>
-              <a:t>, 2008</a:t>
-            </a:r>
-            <a:r>
-              <a:rPr lang="en-US" dirty="0" smtClean="0"/>
-              <a:t>.</a:t>
-            </a:r>
-          </a:p>
-          <a:p>
-            <a:pPr lvl="1"/>
-            <a:r>
-              <a:rPr lang="en-US" dirty="0" smtClean="0"/>
-              <a:t>[5] </a:t>
-            </a:r>
-            <a:r>
-              <a:rPr lang="en-US" dirty="0" err="1"/>
-              <a:t>Barkan</a:t>
-            </a:r>
-            <a:r>
-              <a:rPr lang="en-US" dirty="0"/>
-              <a:t>, Oren, and Noam </a:t>
-            </a:r>
-            <a:r>
-              <a:rPr lang="en-US" dirty="0" err="1"/>
-              <a:t>Koenigstein</a:t>
-            </a:r>
-            <a:r>
-              <a:rPr lang="en-US" dirty="0"/>
-              <a:t>. "Item2vec: neural item embedding for collaborative filtering." </a:t>
-            </a:r>
-            <a:r>
-              <a:rPr lang="en-US" i="1" dirty="0"/>
-              <a:t>Machine Learning for Signal Processing (MLSP), 2016 IEEE 26th International Workshop on</a:t>
-            </a:r>
-            <a:r>
-              <a:rPr lang="en-US" dirty="0"/>
-              <a:t>. IEEE, 2016</a:t>
-            </a:r>
-            <a:r>
-              <a:rPr lang="en-US" dirty="0" smtClean="0"/>
-              <a:t>.</a:t>
-            </a:r>
-          </a:p>
-          <a:p>
-            <a:pPr lvl="1"/>
-            <a:r>
-              <a:rPr lang="en-US" dirty="0" smtClean="0"/>
-              <a:t>[6] </a:t>
-            </a:r>
-            <a:r>
-              <a:rPr lang="en-US" dirty="0" err="1"/>
-              <a:t>Leskovec</a:t>
-            </a:r>
-            <a:r>
-              <a:rPr lang="en-US" dirty="0"/>
-              <a:t>, Jure, </a:t>
-            </a:r>
-            <a:r>
-              <a:rPr lang="en-US" dirty="0" err="1"/>
-              <a:t>Anand</a:t>
-            </a:r>
-            <a:r>
-              <a:rPr lang="en-US" dirty="0"/>
-              <a:t> </a:t>
-            </a:r>
-            <a:r>
-              <a:rPr lang="en-US" dirty="0" err="1"/>
-              <a:t>Rajaraman</a:t>
-            </a:r>
-            <a:r>
-              <a:rPr lang="en-US" dirty="0"/>
-              <a:t>, and Jeffrey David Ullman. </a:t>
-            </a:r>
-            <a:r>
-              <a:rPr lang="en-US" i="1" dirty="0"/>
-              <a:t>Mining of massive datasets</a:t>
-            </a:r>
-            <a:r>
-              <a:rPr lang="en-US" dirty="0"/>
-              <a:t>. Cambridge university press, 2014.</a:t>
-            </a:r>
-            <a:endParaRPr lang="he-IL" dirty="0"/>
-          </a:p>
-        </p:txBody>
-      </p:sp>
-    </p:spTree>
-    <p:extLst>
-      <p:ext uri="{BB962C8B-B14F-4D97-AF65-F5344CB8AC3E}">
-        <p14:creationId xmlns:p14="http://schemas.microsoft.com/office/powerpoint/2010/main" val="2259291554"/>
-      </p:ext>
-    </p:extLst>
-  </p:cSld>
-  <p:clrMapOvr>
-    <a:masterClrMapping/>
-  </p:clrMapOvr>
-  <p:timing>
-    <p:tnLst>
-      <p:par>
-        <p:cTn id="1" dur="indefinite" restart="never" nodeType="tmRoot"/>
-      </p:par>
-    </p:tnLst>
-  </p:timing>
-</p:sld>
-</file>
-
-<file path=ppt/slides/slide15.xml><?xml version="1.0" encoding="utf-8"?>
-<p:sld xmlns:a="http://schemas.openxmlformats.org/drawingml/2006/main" xmlns:r="http://schemas.openxmlformats.org/officeDocument/2006/relationships" xmlns:p="http://schemas.openxmlformats.org/presentationml/2006/main">
-  <p:cSld>
-    <p:spTree>
-      <p:nvGrpSpPr>
-        <p:cNvPr id="1" name=""/>
-        <p:cNvGrpSpPr/>
-        <p:nvPr/>
-      </p:nvGrpSpPr>
-      <p:grpSpPr>
-        <a:xfrm>
-          <a:off x="0" y="0"/>
-          <a:ext cx="0" cy="0"/>
-          <a:chOff x="0" y="0"/>
-          <a:chExt cx="0" cy="0"/>
-        </a:xfrm>
-      </p:grpSpPr>
-      <p:sp>
-        <p:nvSpPr>
-          <p:cNvPr id="2" name="Title 1"/>
-          <p:cNvSpPr>
-            <a:spLocks noGrp="1"/>
-          </p:cNvSpPr>
-          <p:nvPr>
-            <p:ph type="ctrTitle"/>
-          </p:nvPr>
-        </p:nvSpPr>
-        <p:spPr/>
-        <p:txBody>
-          <a:bodyPr/>
-          <a:lstStyle/>
-          <a:p>
-            <a:r>
-              <a:rPr lang="en-US" dirty="0" smtClean="0"/>
-              <a:t>DOMO ARIGATO MISTER ROBOTO</a:t>
-            </a:r>
-            <a:endParaRPr lang="he-IL" dirty="0"/>
-          </a:p>
-        </p:txBody>
-      </p:sp>
-      <p:sp>
-        <p:nvSpPr>
-          <p:cNvPr id="3" name="Subtitle 2"/>
-          <p:cNvSpPr>
-            <a:spLocks noGrp="1"/>
-          </p:cNvSpPr>
-          <p:nvPr>
-            <p:ph type="subTitle" idx="1"/>
-          </p:nvPr>
-        </p:nvSpPr>
-        <p:spPr/>
-        <p:txBody>
-          <a:bodyPr/>
-          <a:lstStyle/>
-          <a:p>
-            <a:r>
-              <a:rPr lang="en-US" dirty="0" smtClean="0"/>
-              <a:t>Questions?</a:t>
-            </a:r>
-            <a:endParaRPr lang="he-IL" dirty="0"/>
-          </a:p>
-        </p:txBody>
-      </p:sp>
-    </p:spTree>
-    <p:extLst>
-      <p:ext uri="{BB962C8B-B14F-4D97-AF65-F5344CB8AC3E}">
-        <p14:creationId xmlns:p14="http://schemas.microsoft.com/office/powerpoint/2010/main" val="1227135976"/>
-      </p:ext>
-    </p:extLst>
-  </p:cSld>
-  <p:clrMapOvr>
-    <a:masterClrMapping/>
-  </p:clrMapOvr>
-  <p:timing>
-    <p:tnLst>
-      <p:par>
-        <p:cTn id="1" dur="indefinite" restart="never" nodeType="tmRoot"/>
-      </p:par>
-    </p:tnLst>
-  </p:timing>
-</p:sld>
-</file>
-
-<file path=ppt/slides/slide2.xml><?xml version="1.0" encoding="utf-8"?>
-<p:sld xmlns:a="http://schemas.openxmlformats.org/drawingml/2006/main" xmlns:r="http://schemas.openxmlformats.org/officeDocument/2006/relationships" xmlns:p="http://schemas.openxmlformats.org/presentationml/2006/main">
-  <p:cSld>
-    <p:spTree>
-      <p:nvGrpSpPr>
-        <p:cNvPr id="1" name=""/>
-        <p:cNvGrpSpPr/>
-        <p:nvPr/>
-      </p:nvGrpSpPr>
-      <p:grpSpPr>
-        <a:xfrm>
-          <a:off x="0" y="0"/>
-          <a:ext cx="0" cy="0"/>
-          <a:chOff x="0" y="0"/>
-          <a:chExt cx="0" cy="0"/>
-        </a:xfrm>
-      </p:grpSpPr>
-      <p:sp>
-        <p:nvSpPr>
-          <p:cNvPr id="2" name="Text Placeholder 1"/>
-          <p:cNvSpPr>
-            <a:spLocks noGrp="1"/>
-          </p:cNvSpPr>
-          <p:nvPr>
-            <p:ph type="body" idx="1"/>
-          </p:nvPr>
-        </p:nvSpPr>
-        <p:spPr/>
-        <p:txBody>
-          <a:bodyPr/>
-          <a:lstStyle/>
-          <a:p>
-            <a:r>
-              <a:rPr lang="en-US" dirty="0" smtClean="0"/>
-              <a:t>Single user recommendation</a:t>
-            </a:r>
-            <a:endParaRPr lang="he-IL" dirty="0"/>
-          </a:p>
-        </p:txBody>
-      </p:sp>
-      <p:sp>
-        <p:nvSpPr>
-          <p:cNvPr id="4" name="Content Placeholder 3"/>
-          <p:cNvSpPr>
-            <a:spLocks noGrp="1"/>
-          </p:cNvSpPr>
-          <p:nvPr>
-            <p:ph sz="quarter" idx="4"/>
-          </p:nvPr>
-        </p:nvSpPr>
-        <p:spPr>
-          <a:xfrm>
-            <a:off x="6338316" y="3143250"/>
-            <a:ext cx="4253484" cy="615950"/>
-          </a:xfrm>
-        </p:spPr>
-        <p:txBody>
-          <a:bodyPr/>
-          <a:lstStyle/>
-          <a:p>
-            <a:pPr lvl="1"/>
-            <a:r>
-              <a:rPr lang="en-US" dirty="0" smtClean="0"/>
-              <a:t>Recommend songs to a group of people to listen it together.</a:t>
-            </a:r>
-          </a:p>
-        </p:txBody>
-      </p:sp>
-      <p:sp>
-        <p:nvSpPr>
-          <p:cNvPr id="5" name="Text Placeholder 4"/>
-          <p:cNvSpPr>
-            <a:spLocks noGrp="1"/>
-          </p:cNvSpPr>
-          <p:nvPr>
-            <p:ph type="body" sz="quarter" idx="13"/>
-          </p:nvPr>
-        </p:nvSpPr>
-        <p:spPr/>
-        <p:txBody>
-          <a:bodyPr/>
-          <a:lstStyle/>
-          <a:p>
-            <a:r>
-              <a:rPr lang="en-US" dirty="0" smtClean="0"/>
-              <a:t>GROUP RECOMMENDATION</a:t>
-            </a:r>
-            <a:endParaRPr lang="he-IL" dirty="0"/>
-          </a:p>
-        </p:txBody>
-      </p:sp>
-      <p:sp>
-        <p:nvSpPr>
-          <p:cNvPr id="6" name="Title 5"/>
-          <p:cNvSpPr>
-            <a:spLocks noGrp="1"/>
-          </p:cNvSpPr>
-          <p:nvPr>
-            <p:ph type="title"/>
-          </p:nvPr>
-        </p:nvSpPr>
-        <p:spPr/>
-        <p:txBody>
-          <a:bodyPr/>
-          <a:lstStyle/>
-          <a:p>
-            <a:r>
-              <a:rPr lang="en-US" dirty="0" smtClean="0"/>
-              <a:t>Song recommendation</a:t>
-            </a:r>
-            <a:endParaRPr lang="he-IL" dirty="0"/>
-          </a:p>
-        </p:txBody>
-      </p:sp>
-      <p:pic>
-        <p:nvPicPr>
-          <p:cNvPr id="7" name="Picture 2" descr="mage result for spotify"/>
-          <p:cNvPicPr>
-            <a:picLocks noGrp="1" noChangeAspect="1" noChangeArrowheads="1"/>
-          </p:cNvPicPr>
-          <p:nvPr>
-            <p:ph sz="half" idx="2"/>
-          </p:nvPr>
-        </p:nvPicPr>
-        <p:blipFill>
-          <a:blip r:embed="rId2">
-            <a:extLst>
-              <a:ext uri="{28A0092B-C50C-407E-A947-70E740481C1C}">
-                <a14:useLocalDpi xmlns:a14="http://schemas.microsoft.com/office/drawing/2010/main" val="0"/>
-              </a:ext>
-            </a:extLst>
-          </a:blip>
-          <a:srcRect/>
-          <a:stretch>
-            <a:fillRect/>
-          </a:stretch>
-        </p:blipFill>
-        <p:spPr bwMode="auto">
-          <a:xfrm>
-            <a:off x="1583436" y="3177541"/>
-            <a:ext cx="1186735" cy="1186735"/>
-          </a:xfrm>
-          <a:prstGeom prst="rect">
-            <a:avLst/>
-          </a:prstGeom>
-          <a:noFill/>
-          <a:extLst>
-            <a:ext uri="{909E8E84-426E-40DD-AFC4-6F175D3DCCD1}">
-              <a14:hiddenFill xmlns:a14="http://schemas.microsoft.com/office/drawing/2010/main">
-                <a:solidFill>
-                  <a:srgbClr val="FFFFFF"/>
-                </a:solidFill>
-              </a14:hiddenFill>
-            </a:ext>
-          </a:extLst>
-        </p:spPr>
-      </p:pic>
-      <p:pic>
-        <p:nvPicPr>
-          <p:cNvPr id="8" name="Picture 4" descr="mage result for last fm"/>
-          <p:cNvPicPr>
-            <a:picLocks noChangeAspect="1" noChangeArrowheads="1"/>
-          </p:cNvPicPr>
-          <p:nvPr/>
-        </p:nvPicPr>
-        <p:blipFill>
-          <a:blip r:embed="rId3">
-            <a:extLst>
-              <a:ext uri="{28A0092B-C50C-407E-A947-70E740481C1C}">
-                <a14:useLocalDpi xmlns:a14="http://schemas.microsoft.com/office/drawing/2010/main" val="0"/>
-              </a:ext>
-            </a:extLst>
-          </a:blip>
-          <a:srcRect/>
-          <a:stretch>
-            <a:fillRect/>
-          </a:stretch>
-        </p:blipFill>
-        <p:spPr bwMode="auto">
-          <a:xfrm>
-            <a:off x="3071171" y="3167512"/>
-            <a:ext cx="1206792" cy="1206792"/>
-          </a:xfrm>
-          <a:prstGeom prst="rect">
-            <a:avLst/>
-          </a:prstGeom>
-          <a:noFill/>
-          <a:extLst>
-            <a:ext uri="{909E8E84-426E-40DD-AFC4-6F175D3DCCD1}">
-              <a14:hiddenFill xmlns:a14="http://schemas.microsoft.com/office/drawing/2010/main">
-                <a:solidFill>
-                  <a:srgbClr val="FFFFFF"/>
-                </a:solidFill>
-              </a14:hiddenFill>
-            </a:ext>
-          </a:extLst>
-        </p:spPr>
-      </p:pic>
-      <p:pic>
-        <p:nvPicPr>
-          <p:cNvPr id="9" name="Picture 6" descr="mage result for shazam"/>
-          <p:cNvPicPr>
-            <a:picLocks noChangeAspect="1" noChangeArrowheads="1"/>
-          </p:cNvPicPr>
-          <p:nvPr/>
-        </p:nvPicPr>
-        <p:blipFill>
-          <a:blip r:embed="rId4">
-            <a:extLst>
-              <a:ext uri="{28A0092B-C50C-407E-A947-70E740481C1C}">
-                <a14:useLocalDpi xmlns:a14="http://schemas.microsoft.com/office/drawing/2010/main" val="0"/>
-              </a:ext>
-            </a:extLst>
-          </a:blip>
-          <a:srcRect/>
-          <a:stretch>
-            <a:fillRect/>
-          </a:stretch>
-        </p:blipFill>
-        <p:spPr bwMode="auto">
-          <a:xfrm>
-            <a:off x="4580359" y="3229772"/>
-            <a:ext cx="1154561" cy="1154561"/>
-          </a:xfrm>
-          <a:prstGeom prst="rect">
-            <a:avLst/>
-          </a:prstGeom>
-          <a:noFill/>
-          <a:extLst>
-            <a:ext uri="{909E8E84-426E-40DD-AFC4-6F175D3DCCD1}">
-              <a14:hiddenFill xmlns:a14="http://schemas.microsoft.com/office/drawing/2010/main">
-                <a:solidFill>
-                  <a:srgbClr val="FFFFFF"/>
-                </a:solidFill>
-              </a14:hiddenFill>
-            </a:ext>
-          </a:extLst>
-        </p:spPr>
-      </p:pic>
-      <p:pic>
-        <p:nvPicPr>
-          <p:cNvPr id="10" name="Picture 8" descr="mage result for pandora music"/>
-          <p:cNvPicPr>
-            <a:picLocks noChangeAspect="1" noChangeArrowheads="1"/>
-          </p:cNvPicPr>
-          <p:nvPr/>
-        </p:nvPicPr>
-        <p:blipFill>
-          <a:blip r:embed="rId5">
-            <a:extLst>
-              <a:ext uri="{28A0092B-C50C-407E-A947-70E740481C1C}">
-                <a14:useLocalDpi xmlns:a14="http://schemas.microsoft.com/office/drawing/2010/main" val="0"/>
-              </a:ext>
-            </a:extLst>
-          </a:blip>
-          <a:srcRect/>
-          <a:stretch>
-            <a:fillRect/>
-          </a:stretch>
-        </p:blipFill>
-        <p:spPr bwMode="auto">
-          <a:xfrm>
-            <a:off x="1982792" y="4260290"/>
-            <a:ext cx="1731246" cy="1731246"/>
-          </a:xfrm>
-          <a:prstGeom prst="rect">
-            <a:avLst/>
-          </a:prstGeom>
-          <a:noFill/>
-          <a:extLst>
-            <a:ext uri="{909E8E84-426E-40DD-AFC4-6F175D3DCCD1}">
-              <a14:hiddenFill xmlns:a14="http://schemas.microsoft.com/office/drawing/2010/main">
-                <a:solidFill>
-                  <a:srgbClr val="FFFFFF"/>
-                </a:solidFill>
-              </a14:hiddenFill>
-            </a:ext>
-          </a:extLst>
-        </p:spPr>
-      </p:pic>
-      <p:pic>
-        <p:nvPicPr>
-          <p:cNvPr id="11" name="Picture 12" descr="mage result for apple music"/>
-          <p:cNvPicPr>
-            <a:picLocks noChangeAspect="1" noChangeArrowheads="1"/>
-          </p:cNvPicPr>
-          <p:nvPr/>
-        </p:nvPicPr>
-        <p:blipFill>
-          <a:blip r:embed="rId6">
-            <a:extLst>
-              <a:ext uri="{28A0092B-C50C-407E-A947-70E740481C1C}">
-                <a14:useLocalDpi xmlns:a14="http://schemas.microsoft.com/office/drawing/2010/main" val="0"/>
-              </a:ext>
-            </a:extLst>
-          </a:blip>
-          <a:srcRect/>
-          <a:stretch>
-            <a:fillRect/>
-          </a:stretch>
-        </p:blipFill>
-        <p:spPr bwMode="auto">
-          <a:xfrm>
-            <a:off x="3714038" y="4441638"/>
-            <a:ext cx="1479736" cy="1479736"/>
-          </a:xfrm>
-          <a:prstGeom prst="rect">
-            <a:avLst/>
-          </a:prstGeom>
-          <a:noFill/>
-          <a:extLst>
-            <a:ext uri="{909E8E84-426E-40DD-AFC4-6F175D3DCCD1}">
-              <a14:hiddenFill xmlns:a14="http://schemas.microsoft.com/office/drawing/2010/main">
-                <a:solidFill>
-                  <a:srgbClr val="FFFFFF"/>
-                </a:solidFill>
-              </a14:hiddenFill>
-            </a:ext>
-          </a:extLst>
-        </p:spPr>
-      </p:pic>
-      <p:sp>
-        <p:nvSpPr>
-          <p:cNvPr id="13" name="Content Placeholder 3"/>
-          <p:cNvSpPr txBox="1">
-            <a:spLocks/>
-          </p:cNvSpPr>
-          <p:nvPr/>
-        </p:nvSpPr>
-        <p:spPr>
-          <a:xfrm>
-            <a:off x="6338316" y="3884930"/>
-            <a:ext cx="4253484" cy="615950"/>
-          </a:xfrm>
-          <a:prstGeom prst="rect">
-            <a:avLst/>
-          </a:prstGeom>
-        </p:spPr>
-        <p:txBody>
-          <a:bodyPr vert="horz" lIns="91440" tIns="45720" rIns="91440" bIns="45720" rtlCol="0">
-            <a:normAutofit/>
-          </a:bodyPr>
-          <a:lstStyle>
-            <a:lvl1pPr marL="228600" indent="-228600" algn="l" defTabSz="914400" rtl="0" eaLnBrk="1" latinLnBrk="0" hangingPunct="1">
-              <a:lnSpc>
-                <a:spcPct val="100000"/>
-              </a:lnSpc>
-              <a:spcBef>
-                <a:spcPts val="1000"/>
-              </a:spcBef>
-              <a:buClr>
-                <a:schemeClr val="accent2"/>
-              </a:buClr>
-              <a:buFont typeface="Arial" panose="020B0604020202020204" pitchFamily="34" charset="0"/>
-              <a:buChar char="•"/>
-              <a:defRPr sz="1800" kern="1200">
-                <a:solidFill>
-                  <a:schemeClr val="tx1">
-                    <a:lumMod val="85000"/>
-                    <a:lumOff val="15000"/>
-                  </a:schemeClr>
-                </a:solidFill>
-                <a:latin typeface="+mn-lt"/>
-                <a:ea typeface="+mn-ea"/>
-                <a:cs typeface="+mn-cs"/>
-              </a:defRPr>
-            </a:lvl1pPr>
-            <a:lvl2pPr marL="457200" indent="-228600" algn="l" defTabSz="914400" rtl="0" eaLnBrk="1" latinLnBrk="0" hangingPunct="1">
-              <a:lnSpc>
-                <a:spcPct val="100000"/>
-              </a:lnSpc>
-              <a:spcBef>
-                <a:spcPts val="1000"/>
-              </a:spcBef>
-              <a:buClr>
-                <a:schemeClr val="accent2"/>
-              </a:buClr>
-              <a:buFont typeface="Arial" panose="020B0604020202020204" pitchFamily="34" charset="0"/>
-              <a:buChar char="•"/>
-              <a:defRPr sz="1600" kern="1200">
-                <a:solidFill>
-                  <a:schemeClr val="tx1">
-                    <a:lumMod val="85000"/>
-                    <a:lumOff val="15000"/>
-                  </a:schemeClr>
-                </a:solidFill>
-                <a:latin typeface="+mn-lt"/>
-                <a:ea typeface="+mn-ea"/>
-                <a:cs typeface="+mn-cs"/>
-              </a:defRPr>
-            </a:lvl2pPr>
-            <a:lvl3pPr marL="685800" indent="-228600" algn="l" defTabSz="914400" rtl="0" eaLnBrk="1" latinLnBrk="0" hangingPunct="1">
-              <a:lnSpc>
-                <a:spcPct val="100000"/>
-              </a:lnSpc>
-              <a:spcBef>
-                <a:spcPts val="1000"/>
-              </a:spcBef>
-              <a:buClr>
-                <a:schemeClr val="accent2"/>
-              </a:buClr>
-              <a:buFont typeface="Arial" panose="020B0604020202020204" pitchFamily="34" charset="0"/>
-              <a:buChar char="•"/>
-              <a:defRPr sz="1600" kern="1200">
-                <a:solidFill>
-                  <a:schemeClr val="tx1">
-                    <a:lumMod val="85000"/>
-                    <a:lumOff val="15000"/>
-                  </a:schemeClr>
-                </a:solidFill>
-                <a:latin typeface="+mn-lt"/>
-                <a:ea typeface="+mn-ea"/>
-                <a:cs typeface="+mn-cs"/>
-              </a:defRPr>
-            </a:lvl3pPr>
-            <a:lvl4pPr marL="914400" indent="-228600" algn="l" defTabSz="914400" rtl="0" eaLnBrk="1" latinLnBrk="0" hangingPunct="1">
-              <a:lnSpc>
-                <a:spcPct val="100000"/>
-              </a:lnSpc>
-              <a:spcBef>
-                <a:spcPts val="1000"/>
-              </a:spcBef>
-              <a:buClr>
-                <a:schemeClr val="accent2"/>
-              </a:buClr>
-              <a:buFont typeface="Arial" panose="020B0604020202020204" pitchFamily="34" charset="0"/>
-              <a:buChar char="•"/>
-              <a:defRPr sz="1600" kern="1200">
-                <a:solidFill>
-                  <a:schemeClr val="tx1">
-                    <a:lumMod val="85000"/>
-                    <a:lumOff val="15000"/>
-                  </a:schemeClr>
-                </a:solidFill>
-                <a:latin typeface="+mn-lt"/>
-                <a:ea typeface="+mn-ea"/>
-                <a:cs typeface="+mn-cs"/>
-              </a:defRPr>
-            </a:lvl4pPr>
-            <a:lvl5pPr marL="1143000" indent="-228600" algn="l" defTabSz="914400" rtl="0" eaLnBrk="1" latinLnBrk="0" hangingPunct="1">
-              <a:lnSpc>
-                <a:spcPct val="100000"/>
-              </a:lnSpc>
-              <a:spcBef>
-                <a:spcPts val="1000"/>
-              </a:spcBef>
-              <a:buClr>
-                <a:schemeClr val="accent2"/>
-              </a:buClr>
-              <a:buFont typeface="Arial" panose="020B0604020202020204" pitchFamily="34" charset="0"/>
-              <a:buChar char="•"/>
-              <a:defRPr sz="1600" kern="1200">
-                <a:solidFill>
-                  <a:schemeClr val="tx1">
-                    <a:lumMod val="85000"/>
-                    <a:lumOff val="15000"/>
-                  </a:schemeClr>
-                </a:solidFill>
-                <a:latin typeface="+mn-lt"/>
-                <a:ea typeface="+mn-ea"/>
-                <a:cs typeface="+mn-cs"/>
-              </a:defRPr>
-            </a:lvl5pPr>
-            <a:lvl6pPr marL="1312863" indent="-228600" algn="l" defTabSz="914400" rtl="0" eaLnBrk="1" latinLnBrk="0" hangingPunct="1">
-              <a:lnSpc>
-                <a:spcPct val="100000"/>
-              </a:lnSpc>
-              <a:spcBef>
-                <a:spcPts val="1000"/>
-              </a:spcBef>
-              <a:buClr>
-                <a:schemeClr val="accent2"/>
-              </a:buClr>
-              <a:buFont typeface="Arial" panose="020B0604020202020204" pitchFamily="34" charset="0"/>
-              <a:buChar char="•"/>
-              <a:defRPr sz="1600" kern="1200">
-                <a:solidFill>
-                  <a:schemeClr val="tx1"/>
-                </a:solidFill>
-                <a:latin typeface="+mn-lt"/>
-                <a:ea typeface="+mn-ea"/>
-                <a:cs typeface="+mn-cs"/>
-              </a:defRPr>
-            </a:lvl6pPr>
-            <a:lvl7pPr marL="1484313" indent="-228600" algn="l" defTabSz="914400" rtl="0" eaLnBrk="1" latinLnBrk="0" hangingPunct="1">
-              <a:lnSpc>
-                <a:spcPct val="100000"/>
-              </a:lnSpc>
-              <a:spcBef>
-                <a:spcPts val="1000"/>
-              </a:spcBef>
-              <a:buClr>
-                <a:schemeClr val="accent2"/>
-              </a:buClr>
-              <a:buFont typeface="Arial" panose="020B0604020202020204" pitchFamily="34" charset="0"/>
-              <a:buChar char="•"/>
-              <a:defRPr sz="1600" kern="1200">
-                <a:solidFill>
-                  <a:schemeClr val="tx1"/>
-                </a:solidFill>
-                <a:latin typeface="+mn-lt"/>
-                <a:ea typeface="+mn-ea"/>
-                <a:cs typeface="+mn-cs"/>
-              </a:defRPr>
-            </a:lvl7pPr>
-            <a:lvl8pPr marL="1657350" indent="-228600" algn="l" defTabSz="914400" rtl="0" eaLnBrk="1" latinLnBrk="0" hangingPunct="1">
-              <a:lnSpc>
-                <a:spcPct val="100000"/>
-              </a:lnSpc>
-              <a:spcBef>
-                <a:spcPts val="1000"/>
-              </a:spcBef>
-              <a:buClr>
-                <a:schemeClr val="accent2"/>
-              </a:buClr>
-              <a:buFont typeface="Arial" panose="020B0604020202020204" pitchFamily="34" charset="0"/>
-              <a:buChar char="•"/>
-              <a:defRPr sz="1600" kern="1200" baseline="0">
-                <a:solidFill>
-                  <a:schemeClr val="tx1"/>
-                </a:solidFill>
-                <a:latin typeface="+mn-lt"/>
-                <a:ea typeface="+mn-ea"/>
-                <a:cs typeface="+mn-cs"/>
-              </a:defRPr>
-            </a:lvl8pPr>
-            <a:lvl9pPr marL="1882775" indent="-228600" algn="l" defTabSz="914400" rtl="0" eaLnBrk="1" latinLnBrk="0" hangingPunct="1">
-              <a:lnSpc>
-                <a:spcPct val="100000"/>
-              </a:lnSpc>
-              <a:spcBef>
-                <a:spcPts val="1000"/>
-              </a:spcBef>
-              <a:buClr>
-                <a:schemeClr val="accent2"/>
-              </a:buClr>
-              <a:buFont typeface="Arial" panose="020B0604020202020204" pitchFamily="34" charset="0"/>
-              <a:buChar char="•"/>
-              <a:defRPr sz="1600" kern="1200" baseline="0">
-                <a:solidFill>
-                  <a:schemeClr val="tx1"/>
-                </a:solidFill>
-                <a:latin typeface="+mn-lt"/>
-                <a:ea typeface="+mn-ea"/>
-                <a:cs typeface="+mn-cs"/>
-              </a:defRPr>
-            </a:lvl9pPr>
-          </a:lstStyle>
-          <a:p>
-            <a:pPr lvl="1"/>
-            <a:r>
-              <a:rPr lang="en-US" dirty="0"/>
-              <a:t>Challenge: match everyone’s taste and not a singular personal preference.</a:t>
-            </a:r>
-            <a:endParaRPr lang="en-US" dirty="0"/>
-          </a:p>
-        </p:txBody>
-      </p:sp>
-    </p:spTree>
-    <p:extLst>
-      <p:ext uri="{BB962C8B-B14F-4D97-AF65-F5344CB8AC3E}">
-        <p14:creationId xmlns:p14="http://schemas.microsoft.com/office/powerpoint/2010/main" val="2249955279"/>
-      </p:ext>
-    </p:extLst>
-  </p:cSld>
-  <p:clrMapOvr>
-    <a:masterClrMapping/>
-  </p:clrMapOvr>
-  <p:timing>
-    <p:tnLst>
-      <p:par>
-        <p:cTn id="1" dur="indefinite" restart="never" nodeType="tmRoot">
-          <p:childTnLst>
-            <p:seq concurrent="1" nextAc="seek">
-              <p:cTn id="2" dur="indefinite" nodeType="mainSeq">
-                <p:childTnLst>
-                  <p:par>
-                    <p:cTn id="3" fill="hold">
-                      <p:stCondLst>
-                        <p:cond delay="indefinite"/>
-                      </p:stCondLst>
-                      <p:childTnLst>
-                        <p:par>
-                          <p:cTn id="4" fill="hold">
-                            <p:stCondLst>
-                              <p:cond delay="0"/>
-                            </p:stCondLst>
-                            <p:childTnLst>
-                              <p:par>
-                                <p:cTn id="5" presetID="1" presetClass="entr" presetSubtype="0" fill="hold" grpId="0" nodeType="clickEffect">
-                                  <p:stCondLst>
-                                    <p:cond delay="0"/>
-                                  </p:stCondLst>
-                                  <p:childTnLst>
-                                    <p:set>
-                                      <p:cBhvr>
-                                        <p:cTn id="6" dur="1" fill="hold">
-                                          <p:stCondLst>
-                                            <p:cond delay="0"/>
-                                          </p:stCondLst>
-                                        </p:cTn>
-                                        <p:tgtEl>
-                                          <p:spTgt spid="2">
-                                            <p:txEl>
-                                              <p:pRg st="0" end="0"/>
-                                            </p:txEl>
-                                          </p:spTgt>
-                                        </p:tgtEl>
-                                        <p:attrNameLst>
-                                          <p:attrName>style.visibility</p:attrName>
-                                        </p:attrNameLst>
-                                      </p:cBhvr>
-                                      <p:to>
-                                        <p:strVal val="visible"/>
-                                      </p:to>
-                                    </p:set>
-                                  </p:childTnLst>
-                                </p:cTn>
-                              </p:par>
-                              <p:par>
-                                <p:cTn id="7" presetID="1" presetClass="entr" presetSubtype="0" fill="hold" nodeType="withEffect">
-                                  <p:stCondLst>
-                                    <p:cond delay="0"/>
-                                  </p:stCondLst>
-                                  <p:childTnLst>
-                                    <p:set>
-                                      <p:cBhvr>
-                                        <p:cTn id="8" dur="1" fill="hold">
-                                          <p:stCondLst>
-                                            <p:cond delay="0"/>
-                                          </p:stCondLst>
-                                        </p:cTn>
-                                        <p:tgtEl>
-                                          <p:spTgt spid="7"/>
-                                        </p:tgtEl>
-                                        <p:attrNameLst>
-                                          <p:attrName>style.visibility</p:attrName>
-                                        </p:attrNameLst>
-                                      </p:cBhvr>
-                                      <p:to>
-                                        <p:strVal val="visible"/>
-                                      </p:to>
-                                    </p:set>
-                                  </p:childTnLst>
-                                </p:cTn>
-                              </p:par>
-                              <p:par>
-                                <p:cTn id="9" presetID="1" presetClass="entr" presetSubtype="0" fill="hold" nodeType="withEffect">
-                                  <p:stCondLst>
-                                    <p:cond delay="0"/>
-                                  </p:stCondLst>
-                                  <p:childTnLst>
-                                    <p:set>
-                                      <p:cBhvr>
-                                        <p:cTn id="10" dur="1" fill="hold">
-                                          <p:stCondLst>
-                                            <p:cond delay="0"/>
-                                          </p:stCondLst>
-                                        </p:cTn>
-                                        <p:tgtEl>
-                                          <p:spTgt spid="8"/>
-                                        </p:tgtEl>
-                                        <p:attrNameLst>
-                                          <p:attrName>style.visibility</p:attrName>
-                                        </p:attrNameLst>
-                                      </p:cBhvr>
-                                      <p:to>
-                                        <p:strVal val="visible"/>
-                                      </p:to>
-                                    </p:set>
-                                  </p:childTnLst>
-                                </p:cTn>
-                              </p:par>
-                              <p:par>
-                                <p:cTn id="11" presetID="1" presetClass="entr" presetSubtype="0" fill="hold" nodeType="withEffect">
-                                  <p:stCondLst>
-                                    <p:cond delay="0"/>
-                                  </p:stCondLst>
-                                  <p:childTnLst>
-                                    <p:set>
-                                      <p:cBhvr>
-                                        <p:cTn id="12" dur="1" fill="hold">
-                                          <p:stCondLst>
-                                            <p:cond delay="0"/>
-                                          </p:stCondLst>
-                                        </p:cTn>
-                                        <p:tgtEl>
-                                          <p:spTgt spid="9"/>
-                                        </p:tgtEl>
-                                        <p:attrNameLst>
-                                          <p:attrName>style.visibility</p:attrName>
-                                        </p:attrNameLst>
-                                      </p:cBhvr>
-                                      <p:to>
-                                        <p:strVal val="visible"/>
-                                      </p:to>
-                                    </p:set>
-                                  </p:childTnLst>
-                                </p:cTn>
-                              </p:par>
-                              <p:par>
-                                <p:cTn id="13" presetID="1" presetClass="entr" presetSubtype="0" fill="hold" nodeType="withEffect">
-                                  <p:stCondLst>
-                                    <p:cond delay="0"/>
-                                  </p:stCondLst>
-                                  <p:childTnLst>
-                                    <p:set>
-                                      <p:cBhvr>
-                                        <p:cTn id="14" dur="1" fill="hold">
-                                          <p:stCondLst>
-                                            <p:cond delay="0"/>
-                                          </p:stCondLst>
-                                        </p:cTn>
-                                        <p:tgtEl>
-                                          <p:spTgt spid="10"/>
-                                        </p:tgtEl>
-                                        <p:attrNameLst>
-                                          <p:attrName>style.visibility</p:attrName>
-                                        </p:attrNameLst>
-                                      </p:cBhvr>
-                                      <p:to>
-                                        <p:strVal val="visible"/>
-                                      </p:to>
-                                    </p:set>
-                                  </p:childTnLst>
-                                </p:cTn>
-                              </p:par>
-                              <p:par>
-                                <p:cTn id="15" presetID="1" presetClass="entr" presetSubtype="0" fill="hold" nodeType="withEffect">
-                                  <p:stCondLst>
-                                    <p:cond delay="0"/>
-                                  </p:stCondLst>
-                                  <p:childTnLst>
-                                    <p:set>
-                                      <p:cBhvr>
-                                        <p:cTn id="16" dur="1" fill="hold">
-                                          <p:stCondLst>
-                                            <p:cond delay="0"/>
-                                          </p:stCondLst>
-                                        </p:cTn>
-                                        <p:tgtEl>
-                                          <p:spTgt spid="11"/>
-                                        </p:tgtEl>
-                                        <p:attrNameLst>
-                                          <p:attrName>style.visibility</p:attrName>
-                                        </p:attrNameLst>
-                                      </p:cBhvr>
-                                      <p:to>
-                                        <p:strVal val="visible"/>
-                                      </p:to>
-                                    </p:set>
-                                  </p:childTnLst>
-                                </p:cTn>
-                              </p:par>
-                            </p:childTnLst>
-                          </p:cTn>
-                        </p:par>
-                      </p:childTnLst>
-                    </p:cTn>
-                  </p:par>
-                  <p:par>
-                    <p:cTn id="17" fill="hold">
-                      <p:stCondLst>
-                        <p:cond delay="indefinite"/>
-                      </p:stCondLst>
-                      <p:childTnLst>
-                        <p:par>
-                          <p:cTn id="18" fill="hold">
-                            <p:stCondLst>
-                              <p:cond delay="0"/>
-                            </p:stCondLst>
-                            <p:childTnLst>
-                              <p:par>
-                                <p:cTn id="19" presetID="1" presetClass="entr" presetSubtype="0" fill="hold" grpId="0" nodeType="clickEffect">
-                                  <p:stCondLst>
-                                    <p:cond delay="0"/>
-                                  </p:stCondLst>
-                                  <p:childTnLst>
-                                    <p:set>
-                                      <p:cBhvr>
-                                        <p:cTn id="20" dur="1" fill="hold">
-                                          <p:stCondLst>
-                                            <p:cond delay="0"/>
-                                          </p:stCondLst>
-                                        </p:cTn>
-                                        <p:tgtEl>
-                                          <p:spTgt spid="5">
-                                            <p:txEl>
-                                              <p:pRg st="0" end="0"/>
-                                            </p:txEl>
-                                          </p:spTgt>
-                                        </p:tgtEl>
-                                        <p:attrNameLst>
-                                          <p:attrName>style.visibility</p:attrName>
-                                        </p:attrNameLst>
-                                      </p:cBhvr>
-                                      <p:to>
-                                        <p:strVal val="visible"/>
-                                      </p:to>
-                                    </p:set>
-                                  </p:childTnLst>
-                                </p:cTn>
-                              </p:par>
-                            </p:childTnLst>
-                          </p:cTn>
-                        </p:par>
-                      </p:childTnLst>
-                    </p:cTn>
-                  </p:par>
-                  <p:par>
-                    <p:cTn id="21" fill="hold">
-                      <p:stCondLst>
-                        <p:cond delay="indefinite"/>
-                      </p:stCondLst>
-                      <p:childTnLst>
-                        <p:par>
-                          <p:cTn id="22" fill="hold">
-                            <p:stCondLst>
-                              <p:cond delay="0"/>
-                            </p:stCondLst>
-                            <p:childTnLst>
-                              <p:par>
-                                <p:cTn id="23" presetID="1" presetClass="entr" presetSubtype="0" fill="hold" grpId="0" nodeType="clickEffect">
-                                  <p:stCondLst>
-                                    <p:cond delay="0"/>
-                                  </p:stCondLst>
-                                  <p:childTnLst>
-                                    <p:set>
-                                      <p:cBhvr>
-                                        <p:cTn id="24" dur="1" fill="hold">
-                                          <p:stCondLst>
-                                            <p:cond delay="0"/>
-                                          </p:stCondLst>
-                                        </p:cTn>
-                                        <p:tgtEl>
-                                          <p:spTgt spid="4">
-                                            <p:txEl>
-                                              <p:pRg st="0" end="0"/>
-                                            </p:txEl>
-                                          </p:spTgt>
-                                        </p:tgtEl>
-                                        <p:attrNameLst>
-                                          <p:attrName>style.visibility</p:attrName>
-                                        </p:attrNameLst>
-                                      </p:cBhvr>
-                                      <p:to>
-                                        <p:strVal val="visible"/>
-                                      </p:to>
-                                    </p:set>
-                                  </p:childTnLst>
-                                </p:cTn>
-                              </p:par>
-                            </p:childTnLst>
-                          </p:cTn>
-                        </p:par>
-                      </p:childTnLst>
-                    </p:cTn>
-                  </p:par>
-                  <p:par>
-                    <p:cTn id="25" fill="hold">
-                      <p:stCondLst>
-                        <p:cond delay="indefinite"/>
-                      </p:stCondLst>
-                      <p:childTnLst>
-                        <p:par>
-                          <p:cTn id="26" fill="hold">
-                            <p:stCondLst>
-                              <p:cond delay="0"/>
-                            </p:stCondLst>
-                            <p:childTnLst>
-                              <p:par>
-                                <p:cTn id="27" presetID="1" presetClass="entr" presetSubtype="0" fill="hold" grpId="0" nodeType="clickEffect">
-                                  <p:stCondLst>
-                                    <p:cond delay="0"/>
-                                  </p:stCondLst>
-                                  <p:childTnLst>
-                                    <p:set>
-                                      <p:cBhvr>
-                                        <p:cTn id="28" dur="1" fill="hold">
-                                          <p:stCondLst>
-                                            <p:cond delay="0"/>
-                                          </p:stCondLst>
-                                        </p:cTn>
-                                        <p:tgtEl>
-                                          <p:spTgt spid="13"/>
-                                        </p:tgtEl>
-                                        <p:attrNameLst>
-                                          <p:attrName>style.visibility</p:attrName>
-                                        </p:attrNameLst>
-                                      </p:cBhvr>
-                                      <p:to>
-                                        <p:strVal val="visible"/>
-                                      </p:to>
-                                    </p:set>
-                                  </p:childTnLst>
-                                </p:cTn>
-                              </p:par>
-                            </p:childTnLst>
-                          </p:cTn>
-                        </p:par>
-                      </p:childTnLst>
-                    </p:cTn>
-                  </p:par>
-                </p:childTnLst>
-              </p:cTn>
-              <p:prevCondLst>
-                <p:cond evt="onPrev" delay="0">
-                  <p:tgtEl>
-                    <p:sldTgt/>
-                  </p:tgtEl>
-                </p:cond>
-              </p:prevCondLst>
-              <p:nextCondLst>
-                <p:cond evt="onNext" delay="0">
-                  <p:tgtEl>
-                    <p:sldTgt/>
-                  </p:tgtEl>
-                </p:cond>
-              </p:nextCondLst>
-            </p:seq>
-          </p:childTnLst>
-        </p:cTn>
-      </p:par>
-    </p:tnLst>
-    <p:bldLst>
-      <p:bldP spid="2" grpId="0" build="p"/>
-      <p:bldP spid="4" grpId="0" build="p"/>
-      <p:bldP spid="5" grpId="0" build="p"/>
-      <p:bldP spid="13" grpId="0"/>
-    </p:bldLst>
-  </p:timing>
-</p:sld>
-</file>
-
-<file path=ppt/slides/slide3.xml><?xml version="1.0" encoding="utf-8"?>
-<p:sld xmlns:a="http://schemas.openxmlformats.org/drawingml/2006/main" xmlns:r="http://schemas.openxmlformats.org/officeDocument/2006/relationships" xmlns:p="http://schemas.openxmlformats.org/presentationml/2006/main">
-  <p:cSld>
-    <p:spTree>
-      <p:nvGrpSpPr>
-        <p:cNvPr id="1" name=""/>
-        <p:cNvGrpSpPr/>
-        <p:nvPr/>
-      </p:nvGrpSpPr>
-      <p:grpSpPr>
-        <a:xfrm>
-          <a:off x="0" y="0"/>
-          <a:ext cx="0" cy="0"/>
-          <a:chOff x="0" y="0"/>
-          <a:chExt cx="0" cy="0"/>
-        </a:xfrm>
-      </p:grpSpPr>
-      <p:sp>
-        <p:nvSpPr>
-          <p:cNvPr id="2" name="Título 1"/>
-          <p:cNvSpPr>
-            <a:spLocks noGrp="1"/>
-          </p:cNvSpPr>
-          <p:nvPr>
-            <p:ph type="title"/>
-          </p:nvPr>
-        </p:nvSpPr>
-        <p:spPr/>
-        <p:txBody>
-          <a:bodyPr/>
-          <a:lstStyle/>
-          <a:p>
-            <a:r>
-              <a:rPr lang="es-ES_tradnl" dirty="0" err="1" smtClean="0"/>
-              <a:t>Evaluation</a:t>
-            </a:r>
-            <a:r>
-              <a:rPr lang="es-ES_tradnl" dirty="0" smtClean="0"/>
-              <a:t> </a:t>
-            </a:r>
-            <a:r>
-              <a:rPr lang="es-ES_tradnl" dirty="0" err="1" smtClean="0"/>
-              <a:t>metric</a:t>
-            </a:r>
-            <a:endParaRPr lang="es-ES_tradnl" dirty="0"/>
-          </a:p>
-        </p:txBody>
-      </p:sp>
-      <p:pic>
-        <p:nvPicPr>
-          <p:cNvPr id="4" name="Imagen 3"/>
-          <p:cNvPicPr>
-            <a:picLocks noChangeAspect="1"/>
-          </p:cNvPicPr>
-          <p:nvPr/>
-        </p:nvPicPr>
-        <p:blipFill>
-          <a:blip r:embed="rId2"/>
-          <a:stretch>
-            <a:fillRect/>
-          </a:stretch>
-        </p:blipFill>
-        <p:spPr>
-          <a:xfrm>
-            <a:off x="2675168" y="2939816"/>
-            <a:ext cx="6841664" cy="2297201"/>
-          </a:xfrm>
-          <a:prstGeom prst="rect">
-            <a:avLst/>
-          </a:prstGeom>
-        </p:spPr>
-      </p:pic>
-    </p:spTree>
-    <p:extLst>
-      <p:ext uri="{BB962C8B-B14F-4D97-AF65-F5344CB8AC3E}">
-        <p14:creationId xmlns:p14="http://schemas.microsoft.com/office/powerpoint/2010/main" val="1294017428"/>
-      </p:ext>
-    </p:extLst>
-  </p:cSld>
-  <p:clrMapOvr>
-    <a:masterClrMapping/>
-  </p:clrMapOvr>
-  <p:timing>
-    <p:tnLst>
-      <p:par>
-        <p:cTn id="1" dur="indefinite" restart="never" nodeType="tmRoot"/>
-      </p:par>
-    </p:tnLst>
-  </p:timing>
-</p:sld>
-</file>
-
-<file path=ppt/slides/slide4.xml><?xml version="1.0" encoding="utf-8"?>
-<p:sld xmlns:a="http://schemas.openxmlformats.org/drawingml/2006/main" xmlns:r="http://schemas.openxmlformats.org/officeDocument/2006/relationships" xmlns:p="http://schemas.openxmlformats.org/presentationml/2006/main">
-  <p:cSld>
-    <p:spTree>
-      <p:nvGrpSpPr>
-        <p:cNvPr id="1" name=""/>
-        <p:cNvGrpSpPr/>
-        <p:nvPr/>
-      </p:nvGrpSpPr>
-      <p:grpSpPr>
-        <a:xfrm>
-          <a:off x="0" y="0"/>
-          <a:ext cx="0" cy="0"/>
-          <a:chOff x="0" y="0"/>
-          <a:chExt cx="0" cy="0"/>
-        </a:xfrm>
-      </p:grpSpPr>
-      <p:sp>
-        <p:nvSpPr>
-          <p:cNvPr id="2" name="Título 1"/>
-          <p:cNvSpPr>
-            <a:spLocks noGrp="1"/>
-          </p:cNvSpPr>
-          <p:nvPr>
-            <p:ph type="title"/>
-          </p:nvPr>
-        </p:nvSpPr>
-        <p:spPr/>
-        <p:txBody>
-          <a:bodyPr/>
-          <a:lstStyle/>
-          <a:p>
-            <a:r>
-              <a:rPr lang="es-ES_tradnl" dirty="0" smtClean="0"/>
-              <a:t>TOOLS</a:t>
-            </a:r>
-            <a:endParaRPr lang="es-ES_tradnl" dirty="0"/>
-          </a:p>
-        </p:txBody>
-      </p:sp>
-      <p:pic>
-        <p:nvPicPr>
-          <p:cNvPr id="2050" name="Picture 2" descr="mage result for python"/>
-          <p:cNvPicPr>
-            <a:picLocks noGrp="1" noChangeAspect="1" noChangeArrowheads="1"/>
-          </p:cNvPicPr>
-          <p:nvPr>
-            <p:ph idx="1"/>
-          </p:nvPr>
-        </p:nvPicPr>
-        <p:blipFill>
-          <a:blip r:embed="rId2">
-            <a:extLst>
-              <a:ext uri="{28A0092B-C50C-407E-A947-70E740481C1C}">
-                <a14:useLocalDpi xmlns:a14="http://schemas.microsoft.com/office/drawing/2010/main" val="0"/>
-              </a:ext>
-            </a:extLst>
-          </a:blip>
-          <a:srcRect/>
-          <a:stretch>
-            <a:fillRect/>
-          </a:stretch>
-        </p:blipFill>
-        <p:spPr bwMode="auto">
-          <a:xfrm>
-            <a:off x="1963706" y="2240105"/>
-            <a:ext cx="2540000" cy="2540000"/>
-          </a:xfrm>
-          <a:prstGeom prst="rect">
-            <a:avLst/>
-          </a:prstGeom>
-          <a:noFill/>
-          <a:extLst>
-            <a:ext uri="{909E8E84-426E-40DD-AFC4-6F175D3DCCD1}">
-              <a14:hiddenFill xmlns:a14="http://schemas.microsoft.com/office/drawing/2010/main">
-                <a:solidFill>
-                  <a:srgbClr val="FFFFFF"/>
-                </a:solidFill>
-              </a14:hiddenFill>
-            </a:ext>
-          </a:extLst>
-        </p:spPr>
-      </p:pic>
-      <p:pic>
-        <p:nvPicPr>
-          <p:cNvPr id="7" name="Picture 4" descr="mage result for pandas python"/>
-          <p:cNvPicPr>
-            <a:picLocks noChangeAspect="1" noChangeArrowheads="1"/>
-          </p:cNvPicPr>
-          <p:nvPr/>
-        </p:nvPicPr>
-        <p:blipFill>
-          <a:blip r:embed="rId3">
-            <a:extLst>
-              <a:ext uri="{28A0092B-C50C-407E-A947-70E740481C1C}">
-                <a14:useLocalDpi xmlns:a14="http://schemas.microsoft.com/office/drawing/2010/main" val="0"/>
-              </a:ext>
-            </a:extLst>
-          </a:blip>
-          <a:srcRect/>
-          <a:stretch>
-            <a:fillRect/>
-          </a:stretch>
-        </p:blipFill>
-        <p:spPr bwMode="auto">
-          <a:xfrm>
-            <a:off x="4236275" y="2153412"/>
-            <a:ext cx="3238329" cy="2540000"/>
-          </a:xfrm>
-          <a:prstGeom prst="rect">
-            <a:avLst/>
-          </a:prstGeom>
-          <a:noFill/>
-          <a:extLst>
-            <a:ext uri="{909E8E84-426E-40DD-AFC4-6F175D3DCCD1}">
-              <a14:hiddenFill xmlns:a14="http://schemas.microsoft.com/office/drawing/2010/main">
-                <a:solidFill>
-                  <a:srgbClr val="FFFFFF"/>
-                </a:solidFill>
-              </a14:hiddenFill>
-            </a:ext>
-          </a:extLst>
-        </p:spPr>
-      </p:pic>
-      <p:pic>
-        <p:nvPicPr>
-          <p:cNvPr id="2056" name="Picture 8" descr="mage result for keras"/>
-          <p:cNvPicPr>
-            <a:picLocks noChangeAspect="1" noChangeArrowheads="1"/>
-          </p:cNvPicPr>
-          <p:nvPr/>
-        </p:nvPicPr>
-        <p:blipFill>
-          <a:blip r:embed="rId4">
-            <a:extLst>
-              <a:ext uri="{28A0092B-C50C-407E-A947-70E740481C1C}">
-                <a14:useLocalDpi xmlns:a14="http://schemas.microsoft.com/office/drawing/2010/main" val="0"/>
-              </a:ext>
-            </a:extLst>
-          </a:blip>
-          <a:srcRect/>
-          <a:stretch>
-            <a:fillRect/>
-          </a:stretch>
-        </p:blipFill>
-        <p:spPr bwMode="auto">
-          <a:xfrm>
-            <a:off x="2283230" y="4866798"/>
-            <a:ext cx="4440952" cy="1285875"/>
-          </a:xfrm>
-          <a:prstGeom prst="rect">
-            <a:avLst/>
-          </a:prstGeom>
-          <a:noFill/>
-          <a:extLst>
-            <a:ext uri="{909E8E84-426E-40DD-AFC4-6F175D3DCCD1}">
-              <a14:hiddenFill xmlns:a14="http://schemas.microsoft.com/office/drawing/2010/main">
-                <a:solidFill>
-                  <a:srgbClr val="FFFFFF"/>
-                </a:solidFill>
-              </a14:hiddenFill>
-            </a:ext>
-          </a:extLst>
-        </p:spPr>
-      </p:pic>
-      <p:pic>
-        <p:nvPicPr>
-          <p:cNvPr id="2058" name="Picture 10" descr="mage result for tensorflow"/>
-          <p:cNvPicPr>
-            <a:picLocks noChangeAspect="1" noChangeArrowheads="1"/>
-          </p:cNvPicPr>
-          <p:nvPr/>
-        </p:nvPicPr>
-        <p:blipFill>
-          <a:blip r:embed="rId5">
-            <a:extLst>
-              <a:ext uri="{28A0092B-C50C-407E-A947-70E740481C1C}">
-                <a14:useLocalDpi xmlns:a14="http://schemas.microsoft.com/office/drawing/2010/main" val="0"/>
-              </a:ext>
-            </a:extLst>
-          </a:blip>
-          <a:srcRect/>
-          <a:stretch>
-            <a:fillRect/>
-          </a:stretch>
-        </p:blipFill>
-        <p:spPr bwMode="auto">
-          <a:xfrm>
-            <a:off x="7474603" y="2272908"/>
-            <a:ext cx="2714425" cy="2262021"/>
-          </a:xfrm>
-          <a:prstGeom prst="rect">
-            <a:avLst/>
-          </a:prstGeom>
-          <a:noFill/>
-          <a:extLst>
-            <a:ext uri="{909E8E84-426E-40DD-AFC4-6F175D3DCCD1}">
-              <a14:hiddenFill xmlns:a14="http://schemas.microsoft.com/office/drawing/2010/main">
-                <a:solidFill>
-                  <a:srgbClr val="FFFFFF"/>
-                </a:solidFill>
-              </a14:hiddenFill>
-            </a:ext>
-          </a:extLst>
-        </p:spPr>
-      </p:pic>
-      <p:sp>
-        <p:nvSpPr>
-          <p:cNvPr id="5" name="CuadroTexto 4"/>
-          <p:cNvSpPr txBox="1"/>
-          <p:nvPr/>
-        </p:nvSpPr>
-        <p:spPr>
-          <a:xfrm>
-            <a:off x="7101444" y="5142016"/>
-            <a:ext cx="2859420" cy="1169551"/>
-          </a:xfrm>
-          <a:prstGeom prst="rect">
-            <a:avLst/>
-          </a:prstGeom>
-          <a:noFill/>
-        </p:spPr>
-        <p:txBody>
-          <a:bodyPr wrap="square" rtlCol="0">
-            <a:spAutoFit/>
-          </a:bodyPr>
-          <a:lstStyle/>
-          <a:p>
-            <a:pPr algn="ctr"/>
-            <a:r>
-              <a:rPr lang="es-ES_tradnl" sz="2800" dirty="0" err="1" smtClean="0"/>
-              <a:t>Implicit</a:t>
-            </a:r>
-            <a:endParaRPr lang="es-ES_tradnl" sz="2800" dirty="0" smtClean="0"/>
-          </a:p>
-          <a:p>
-            <a:r>
-              <a:rPr lang="es-ES_tradnl" sz="1400" dirty="0" err="1"/>
-              <a:t>Fast</a:t>
-            </a:r>
-            <a:r>
-              <a:rPr lang="es-ES_tradnl" sz="1400" dirty="0"/>
-              <a:t> Python </a:t>
-            </a:r>
-            <a:r>
-              <a:rPr lang="es-ES_tradnl" sz="1400" dirty="0" err="1"/>
-              <a:t>Collaborative</a:t>
-            </a:r>
-            <a:r>
-              <a:rPr lang="es-ES_tradnl" sz="1400" dirty="0"/>
-              <a:t> </a:t>
-            </a:r>
-            <a:r>
-              <a:rPr lang="es-ES_tradnl" sz="1400" dirty="0" err="1"/>
-              <a:t>Filtering</a:t>
-            </a:r>
-            <a:r>
-              <a:rPr lang="es-ES_tradnl" sz="1400" dirty="0"/>
-              <a:t> </a:t>
-            </a:r>
-            <a:r>
-              <a:rPr lang="es-ES_tradnl" sz="1400" dirty="0" err="1"/>
-              <a:t>for</a:t>
-            </a:r>
-            <a:r>
-              <a:rPr lang="es-ES_tradnl" sz="1400" dirty="0"/>
-              <a:t> </a:t>
-            </a:r>
-            <a:r>
-              <a:rPr lang="es-ES_tradnl" sz="1400" dirty="0" err="1"/>
-              <a:t>Implicit</a:t>
-            </a:r>
-            <a:r>
-              <a:rPr lang="es-ES_tradnl" sz="1400" dirty="0"/>
-              <a:t> </a:t>
-            </a:r>
-            <a:r>
-              <a:rPr lang="es-ES_tradnl" sz="1400" dirty="0" err="1"/>
-              <a:t>Datasets</a:t>
-            </a:r>
-            <a:r>
-              <a:rPr lang="es-ES_tradnl" sz="1400" dirty="0"/>
-              <a:t>.</a:t>
-            </a:r>
-          </a:p>
-          <a:p>
-            <a:r>
-              <a:rPr lang="es-ES_tradnl" sz="1400" dirty="0"/>
-              <a:t>https://</a:t>
-            </a:r>
-            <a:r>
-              <a:rPr lang="es-ES_tradnl" sz="1400" dirty="0" err="1"/>
-              <a:t>github.com</a:t>
-            </a:r>
-            <a:r>
-              <a:rPr lang="es-ES_tradnl" sz="1400" dirty="0"/>
-              <a:t>/</a:t>
-            </a:r>
-            <a:r>
-              <a:rPr lang="es-ES_tradnl" sz="1400" dirty="0" err="1"/>
-              <a:t>benfred</a:t>
-            </a:r>
-            <a:r>
-              <a:rPr lang="es-ES_tradnl" sz="1400" dirty="0"/>
-              <a:t>/</a:t>
-            </a:r>
-            <a:r>
-              <a:rPr lang="es-ES_tradnl" sz="1400" dirty="0" err="1"/>
-              <a:t>implicit</a:t>
-            </a:r>
-            <a:endParaRPr lang="es-ES_tradnl" sz="1400" dirty="0"/>
-          </a:p>
-        </p:txBody>
-      </p:sp>
-    </p:spTree>
-    <p:extLst>
-      <p:ext uri="{BB962C8B-B14F-4D97-AF65-F5344CB8AC3E}">
-        <p14:creationId xmlns:p14="http://schemas.microsoft.com/office/powerpoint/2010/main" val="1754341991"/>
-      </p:ext>
-    </p:extLst>
-  </p:cSld>
-  <p:clrMapOvr>
-    <a:masterClrMapping/>
-  </p:clrMapOvr>
-  <p:timing>
-    <p:tnLst>
-      <p:par>
-        <p:cTn id="1" dur="indefinite" restart="never" nodeType="tmRoot"/>
-      </p:par>
-    </p:tnLst>
-  </p:timing>
-</p:sld>
-</file>
-
-<file path=ppt/slides/slide5.xml><?xml version="1.0" encoding="utf-8"?>
-<p:sld xmlns:a="http://schemas.openxmlformats.org/drawingml/2006/main" xmlns:r="http://schemas.openxmlformats.org/officeDocument/2006/relationships" xmlns:p="http://schemas.openxmlformats.org/presentationml/2006/main">
-  <p:cSld>
-    <p:spTree>
-      <p:nvGrpSpPr>
-        <p:cNvPr id="1" name=""/>
-        <p:cNvGrpSpPr/>
-        <p:nvPr/>
-      </p:nvGrpSpPr>
-      <p:grpSpPr>
-        <a:xfrm>
-          <a:off x="0" y="0"/>
-          <a:ext cx="0" cy="0"/>
-          <a:chOff x="0" y="0"/>
-          <a:chExt cx="0" cy="0"/>
-        </a:xfrm>
-      </p:grpSpPr>
-      <p:sp>
-        <p:nvSpPr>
-          <p:cNvPr id="2" name="Título 1"/>
-          <p:cNvSpPr>
-            <a:spLocks noGrp="1"/>
-          </p:cNvSpPr>
-          <p:nvPr>
-            <p:ph type="title"/>
-          </p:nvPr>
-        </p:nvSpPr>
-        <p:spPr/>
-        <p:txBody>
-          <a:bodyPr/>
-          <a:lstStyle/>
-          <a:p>
-            <a:r>
-              <a:rPr lang="es-ES_tradnl" dirty="0" err="1" smtClean="0"/>
-              <a:t>Our</a:t>
-            </a:r>
-            <a:r>
-              <a:rPr lang="es-ES_tradnl" dirty="0" smtClean="0"/>
-              <a:t> </a:t>
-            </a:r>
-            <a:r>
-              <a:rPr lang="es-ES_tradnl" dirty="0" err="1" smtClean="0"/>
-              <a:t>Dataset</a:t>
-            </a:r>
-            <a:endParaRPr lang="es-ES_tradnl" dirty="0"/>
-          </a:p>
-        </p:txBody>
-      </p:sp>
-      <p:pic>
-        <p:nvPicPr>
-          <p:cNvPr id="4" name="Imagen 3"/>
-          <p:cNvPicPr>
-            <a:picLocks noGrp="1" noChangeAspect="1"/>
-          </p:cNvPicPr>
-          <p:nvPr>
-            <p:ph idx="1"/>
-          </p:nvPr>
-        </p:nvPicPr>
-        <p:blipFill>
-          <a:blip r:embed="rId2"/>
-          <a:stretch>
-            <a:fillRect/>
-          </a:stretch>
-        </p:blipFill>
-        <p:spPr>
-          <a:xfrm>
-            <a:off x="0" y="2443697"/>
-            <a:ext cx="12041554" cy="4123519"/>
-          </a:xfrm>
-          <a:prstGeom prst="rect">
-            <a:avLst/>
-          </a:prstGeom>
-        </p:spPr>
-      </p:pic>
-    </p:spTree>
-    <p:extLst>
-      <p:ext uri="{BB962C8B-B14F-4D97-AF65-F5344CB8AC3E}">
-        <p14:creationId xmlns:p14="http://schemas.microsoft.com/office/powerpoint/2010/main" val="1417057223"/>
-      </p:ext>
-    </p:extLst>
-  </p:cSld>
-  <p:clrMapOvr>
-    <a:masterClrMapping/>
-  </p:clrMapOvr>
-  <p:timing>
-    <p:tnLst>
-      <p:par>
-        <p:cTn id="1" dur="indefinite" restart="never" nodeType="tmRoot"/>
-      </p:par>
-    </p:tnLst>
-  </p:timing>
-</p:sld>
-</file>
-
-<file path=ppt/slides/slide6.xml><?xml version="1.0" encoding="utf-8"?>
-<p:sld xmlns:a="http://schemas.openxmlformats.org/drawingml/2006/main" xmlns:r="http://schemas.openxmlformats.org/officeDocument/2006/relationships" xmlns:p="http://schemas.openxmlformats.org/presentationml/2006/main">
-  <p:cSld>
-    <p:spTree>
-      <p:nvGrpSpPr>
-        <p:cNvPr id="1" name=""/>
-        <p:cNvGrpSpPr/>
-        <p:nvPr/>
-      </p:nvGrpSpPr>
-      <p:grpSpPr>
-        <a:xfrm>
-          <a:off x="0" y="0"/>
-          <a:ext cx="0" cy="0"/>
-          <a:chOff x="0" y="0"/>
-          <a:chExt cx="0" cy="0"/>
-        </a:xfrm>
-      </p:grpSpPr>
-      <p:pic>
-        <p:nvPicPr>
-          <p:cNvPr id="4" name="Imagen 3"/>
-          <p:cNvPicPr>
-            <a:picLocks noChangeAspect="1"/>
-          </p:cNvPicPr>
-          <p:nvPr/>
-        </p:nvPicPr>
-        <p:blipFill>
-          <a:blip r:embed="rId2"/>
-          <a:stretch>
-            <a:fillRect/>
-          </a:stretch>
-        </p:blipFill>
-        <p:spPr>
-          <a:xfrm>
-            <a:off x="1023257" y="0"/>
-            <a:ext cx="10145486" cy="6858000"/>
-          </a:xfrm>
-          <a:prstGeom prst="rect">
-            <a:avLst/>
-          </a:prstGeom>
-        </p:spPr>
-      </p:pic>
-    </p:spTree>
-    <p:extLst>
-      <p:ext uri="{BB962C8B-B14F-4D97-AF65-F5344CB8AC3E}">
-        <p14:creationId xmlns:p14="http://schemas.microsoft.com/office/powerpoint/2010/main" val="691387459"/>
-      </p:ext>
-    </p:extLst>
-  </p:cSld>
-  <p:clrMapOvr>
-    <a:masterClrMapping/>
-  </p:clrMapOvr>
-  <p:timing>
-    <p:tnLst>
-      <p:par>
-        <p:cTn id="1" dur="indefinite" restart="never" nodeType="tmRoot"/>
-      </p:par>
-    </p:tnLst>
-  </p:timing>
-</p:sld>
-</file>
-
-<file path=ppt/slides/slide7.xml><?xml version="1.0" encoding="utf-8"?>
-<p:sld xmlns:a="http://schemas.openxmlformats.org/drawingml/2006/main" xmlns:r="http://schemas.openxmlformats.org/officeDocument/2006/relationships" xmlns:p="http://schemas.openxmlformats.org/presentationml/2006/main">
-  <p:cSld>
-    <p:spTree>
-      <p:nvGrpSpPr>
-        <p:cNvPr id="1" name=""/>
-        <p:cNvGrpSpPr/>
-        <p:nvPr/>
-      </p:nvGrpSpPr>
-      <p:grpSpPr>
-        <a:xfrm>
-          <a:off x="0" y="0"/>
-          <a:ext cx="0" cy="0"/>
-          <a:chOff x="0" y="0"/>
-          <a:chExt cx="0" cy="0"/>
-        </a:xfrm>
-      </p:grpSpPr>
-      <p:sp>
-        <p:nvSpPr>
-          <p:cNvPr id="2" name="Título 1"/>
-          <p:cNvSpPr>
-            <a:spLocks noGrp="1"/>
-          </p:cNvSpPr>
-          <p:nvPr>
-            <p:ph type="title"/>
-          </p:nvPr>
-        </p:nvSpPr>
-        <p:spPr/>
-        <p:txBody>
-          <a:bodyPr/>
-          <a:lstStyle/>
-          <a:p>
-            <a:r>
-              <a:rPr lang="es-ES_tradnl" dirty="0" err="1" smtClean="0"/>
-              <a:t>Utility</a:t>
-            </a:r>
-            <a:r>
-              <a:rPr lang="es-ES_tradnl" dirty="0" smtClean="0"/>
-              <a:t> </a:t>
-            </a:r>
-            <a:r>
-              <a:rPr lang="es-ES_tradnl" dirty="0" err="1" smtClean="0"/>
-              <a:t>matrix</a:t>
-            </a:r>
-            <a:endParaRPr lang="es-ES_tradnl" dirty="0"/>
-          </a:p>
-        </p:txBody>
-      </p:sp>
-      <p:sp>
-        <p:nvSpPr>
-          <p:cNvPr id="3" name="Marcador de contenido 2"/>
-          <p:cNvSpPr>
-            <a:spLocks noGrp="1"/>
-          </p:cNvSpPr>
-          <p:nvPr>
-            <p:ph idx="1"/>
-          </p:nvPr>
-        </p:nvSpPr>
-        <p:spPr/>
-        <p:txBody>
-          <a:bodyPr/>
-          <a:lstStyle/>
-          <a:p>
-            <a:r>
-              <a:rPr lang="es-ES_tradnl" dirty="0"/>
-              <a:t>In a </a:t>
-            </a:r>
-            <a:r>
-              <a:rPr lang="es-ES_tradnl" dirty="0" err="1"/>
-              <a:t>recommendation-system</a:t>
-            </a:r>
-            <a:r>
-              <a:rPr lang="es-ES_tradnl" dirty="0"/>
-              <a:t> </a:t>
-            </a:r>
-            <a:r>
-              <a:rPr lang="es-ES_tradnl" dirty="0" err="1"/>
-              <a:t>application</a:t>
-            </a:r>
-            <a:r>
-              <a:rPr lang="es-ES_tradnl" dirty="0"/>
-              <a:t> </a:t>
-            </a:r>
-            <a:r>
-              <a:rPr lang="es-ES_tradnl" dirty="0" err="1"/>
-              <a:t>there</a:t>
-            </a:r>
-            <a:r>
-              <a:rPr lang="es-ES_tradnl" dirty="0"/>
-              <a:t> are </a:t>
-            </a:r>
-            <a:r>
-              <a:rPr lang="es-ES_tradnl" dirty="0" err="1"/>
-              <a:t>two</a:t>
-            </a:r>
-            <a:r>
-              <a:rPr lang="es-ES_tradnl" dirty="0"/>
-              <a:t> </a:t>
-            </a:r>
-            <a:r>
-              <a:rPr lang="es-ES_tradnl" dirty="0" err="1"/>
-              <a:t>classes</a:t>
-            </a:r>
-            <a:r>
-              <a:rPr lang="es-ES_tradnl" dirty="0"/>
-              <a:t> of </a:t>
-            </a:r>
-            <a:r>
-              <a:rPr lang="es-ES_tradnl" dirty="0" err="1"/>
-              <a:t>entities</a:t>
-            </a:r>
-            <a:r>
-              <a:rPr lang="es-ES_tradnl" dirty="0"/>
-              <a:t>, </a:t>
-            </a:r>
-            <a:r>
-              <a:rPr lang="es-ES_tradnl" dirty="0" err="1"/>
-              <a:t>which</a:t>
-            </a:r>
-            <a:r>
-              <a:rPr lang="es-ES_tradnl" dirty="0"/>
-              <a:t> </a:t>
-            </a:r>
-            <a:r>
-              <a:rPr lang="es-ES_tradnl" dirty="0" err="1"/>
-              <a:t>we</a:t>
-            </a:r>
-            <a:r>
-              <a:rPr lang="es-ES_tradnl" dirty="0"/>
-              <a:t> </a:t>
-            </a:r>
-            <a:r>
-              <a:rPr lang="es-ES_tradnl" dirty="0" err="1"/>
-              <a:t>shall</a:t>
-            </a:r>
-            <a:r>
-              <a:rPr lang="es-ES_tradnl" dirty="0"/>
-              <a:t> </a:t>
-            </a:r>
-            <a:r>
-              <a:rPr lang="es-ES_tradnl" dirty="0" err="1"/>
-              <a:t>refer</a:t>
-            </a:r>
-            <a:r>
-              <a:rPr lang="es-ES_tradnl" dirty="0"/>
-              <a:t> to as </a:t>
-            </a:r>
-            <a:r>
-              <a:rPr lang="es-ES_tradnl" b="1" dirty="0" err="1"/>
-              <a:t>users</a:t>
-            </a:r>
-            <a:r>
-              <a:rPr lang="es-ES_tradnl" dirty="0"/>
-              <a:t> and </a:t>
-            </a:r>
-            <a:r>
-              <a:rPr lang="es-ES_tradnl" b="1" dirty="0" err="1" smtClean="0"/>
-              <a:t>items</a:t>
-            </a:r>
-            <a:r>
-              <a:rPr lang="es-ES_tradnl" b="1" dirty="0" smtClean="0"/>
-              <a:t>.</a:t>
-            </a:r>
-          </a:p>
-          <a:p>
-            <a:r>
-              <a:rPr lang="es-ES_tradnl" dirty="0"/>
-              <a:t>D</a:t>
-            </a:r>
-            <a:r>
-              <a:rPr lang="es-ES_tradnl" dirty="0" smtClean="0"/>
-              <a:t>ata </a:t>
-            </a:r>
-            <a:r>
-              <a:rPr lang="es-ES_tradnl" dirty="0" err="1"/>
-              <a:t>itself</a:t>
-            </a:r>
-            <a:r>
-              <a:rPr lang="es-ES_tradnl" dirty="0"/>
-              <a:t> </a:t>
-            </a:r>
-            <a:r>
-              <a:rPr lang="es-ES_tradnl" dirty="0" err="1"/>
-              <a:t>is</a:t>
-            </a:r>
-            <a:r>
-              <a:rPr lang="es-ES_tradnl" dirty="0"/>
-              <a:t> </a:t>
-            </a:r>
-            <a:r>
-              <a:rPr lang="es-ES_tradnl" dirty="0" err="1" smtClean="0"/>
-              <a:t>represented</a:t>
-            </a:r>
-            <a:r>
-              <a:rPr lang="es-ES_tradnl" dirty="0" smtClean="0"/>
-              <a:t> </a:t>
-            </a:r>
-            <a:r>
-              <a:rPr lang="es-ES_tradnl" dirty="0"/>
-              <a:t>as a </a:t>
-            </a:r>
-            <a:r>
-              <a:rPr lang="es-ES_tradnl" dirty="0" err="1"/>
-              <a:t>utility</a:t>
-            </a:r>
-            <a:r>
-              <a:rPr lang="es-ES_tradnl" dirty="0"/>
-              <a:t> </a:t>
-            </a:r>
-            <a:r>
-              <a:rPr lang="es-ES_tradnl" dirty="0" err="1"/>
-              <a:t>matrix</a:t>
-            </a:r>
-            <a:r>
-              <a:rPr lang="es-ES_tradnl" dirty="0"/>
-              <a:t>, </a:t>
-            </a:r>
-            <a:r>
-              <a:rPr lang="es-ES_tradnl" dirty="0" err="1"/>
-              <a:t>giving</a:t>
-            </a:r>
-            <a:r>
-              <a:rPr lang="es-ES_tradnl" dirty="0"/>
-              <a:t> </a:t>
-            </a:r>
-            <a:r>
-              <a:rPr lang="es-ES_tradnl" dirty="0" err="1"/>
-              <a:t>for</a:t>
-            </a:r>
-            <a:r>
-              <a:rPr lang="es-ES_tradnl" dirty="0"/>
-              <a:t> </a:t>
-            </a:r>
-            <a:r>
-              <a:rPr lang="es-ES_tradnl" dirty="0" err="1"/>
-              <a:t>each</a:t>
-            </a:r>
-            <a:r>
-              <a:rPr lang="es-ES_tradnl" dirty="0"/>
-              <a:t> </a:t>
-            </a:r>
-            <a:r>
-              <a:rPr lang="es-ES_tradnl" dirty="0" err="1"/>
-              <a:t>user-item</a:t>
-            </a:r>
-            <a:r>
-              <a:rPr lang="es-ES_tradnl" dirty="0"/>
-              <a:t> </a:t>
-            </a:r>
-            <a:r>
-              <a:rPr lang="es-ES_tradnl" dirty="0" err="1"/>
-              <a:t>pair</a:t>
-            </a:r>
-            <a:r>
-              <a:rPr lang="es-ES_tradnl" dirty="0"/>
-              <a:t>, a </a:t>
-            </a:r>
-            <a:r>
-              <a:rPr lang="es-ES_tradnl" dirty="0" err="1"/>
-              <a:t>value</a:t>
-            </a:r>
-            <a:r>
-              <a:rPr lang="es-ES_tradnl" dirty="0"/>
-              <a:t> </a:t>
-            </a:r>
-            <a:r>
-              <a:rPr lang="es-ES_tradnl" dirty="0" err="1"/>
-              <a:t>that</a:t>
-            </a:r>
-            <a:r>
-              <a:rPr lang="es-ES_tradnl" dirty="0"/>
-              <a:t> </a:t>
-            </a:r>
-            <a:r>
-              <a:rPr lang="es-ES_tradnl" dirty="0" err="1"/>
-              <a:t>represents</a:t>
-            </a:r>
-            <a:r>
-              <a:rPr lang="es-ES_tradnl" dirty="0"/>
-              <a:t> </a:t>
-            </a:r>
-            <a:r>
-              <a:rPr lang="es-ES_tradnl" dirty="0" err="1"/>
-              <a:t>what</a:t>
-            </a:r>
-            <a:r>
-              <a:rPr lang="es-ES_tradnl" dirty="0"/>
-              <a:t> </a:t>
-            </a:r>
-            <a:r>
-              <a:rPr lang="es-ES_tradnl" dirty="0" err="1"/>
-              <a:t>is</a:t>
-            </a:r>
-            <a:r>
-              <a:rPr lang="es-ES_tradnl" dirty="0"/>
-              <a:t> </a:t>
-            </a:r>
-            <a:r>
-              <a:rPr lang="es-ES_tradnl" dirty="0" err="1"/>
-              <a:t>known</a:t>
-            </a:r>
-            <a:r>
-              <a:rPr lang="es-ES_tradnl" dirty="0"/>
-              <a:t> </a:t>
-            </a:r>
-            <a:r>
-              <a:rPr lang="es-ES_tradnl" dirty="0" err="1"/>
-              <a:t>about</a:t>
-            </a:r>
-            <a:r>
-              <a:rPr lang="es-ES_tradnl" dirty="0"/>
-              <a:t> </a:t>
-            </a:r>
-            <a:r>
-              <a:rPr lang="es-ES_tradnl" dirty="0" err="1"/>
-              <a:t>the</a:t>
-            </a:r>
-            <a:r>
-              <a:rPr lang="es-ES_tradnl" dirty="0"/>
-              <a:t> </a:t>
-            </a:r>
-            <a:r>
-              <a:rPr lang="es-ES_tradnl" dirty="0" err="1"/>
-              <a:t>degree</a:t>
-            </a:r>
-            <a:r>
-              <a:rPr lang="es-ES_tradnl" dirty="0"/>
-              <a:t> of </a:t>
-            </a:r>
-            <a:r>
-              <a:rPr lang="es-ES_tradnl" dirty="0" err="1"/>
-              <a:t>preference</a:t>
-            </a:r>
-            <a:r>
-              <a:rPr lang="es-ES_tradnl" dirty="0"/>
-              <a:t> of </a:t>
-            </a:r>
-            <a:r>
-              <a:rPr lang="es-ES_tradnl" dirty="0" err="1"/>
-              <a:t>that</a:t>
-            </a:r>
-            <a:r>
-              <a:rPr lang="es-ES_tradnl" dirty="0"/>
-              <a:t> </a:t>
-            </a:r>
-            <a:r>
-              <a:rPr lang="es-ES_tradnl" dirty="0" err="1"/>
-              <a:t>user</a:t>
-            </a:r>
-            <a:r>
-              <a:rPr lang="es-ES_tradnl" dirty="0"/>
-              <a:t> </a:t>
-            </a:r>
-            <a:r>
-              <a:rPr lang="es-ES_tradnl" dirty="0" err="1"/>
-              <a:t>for</a:t>
-            </a:r>
-            <a:r>
-              <a:rPr lang="es-ES_tradnl" dirty="0"/>
-              <a:t> </a:t>
-            </a:r>
-            <a:r>
-              <a:rPr lang="es-ES_tradnl" dirty="0" err="1"/>
-              <a:t>that</a:t>
-            </a:r>
-            <a:r>
-              <a:rPr lang="es-ES_tradnl" dirty="0"/>
-              <a:t> </a:t>
-            </a:r>
-            <a:r>
-              <a:rPr lang="es-ES_tradnl" dirty="0" err="1" smtClean="0"/>
-              <a:t>item</a:t>
-            </a:r>
-            <a:r>
-              <a:rPr lang="es-ES_tradnl" dirty="0" smtClean="0"/>
-              <a:t>. (In </a:t>
-            </a:r>
-            <a:r>
-              <a:rPr lang="es-ES_tradnl" dirty="0" err="1" smtClean="0"/>
-              <a:t>our</a:t>
-            </a:r>
-            <a:r>
-              <a:rPr lang="es-ES_tradnl" dirty="0" smtClean="0"/>
-              <a:t> case, </a:t>
-            </a:r>
-            <a:r>
-              <a:rPr lang="es-ES_tradnl" b="1" dirty="0" smtClean="0"/>
-              <a:t>times </a:t>
-            </a:r>
-            <a:r>
-              <a:rPr lang="es-ES_tradnl" b="1" dirty="0" err="1" smtClean="0"/>
-              <a:t>listened</a:t>
-            </a:r>
-            <a:r>
-              <a:rPr lang="es-ES_tradnl" b="1" dirty="0" smtClean="0"/>
-              <a:t> </a:t>
-            </a:r>
-            <a:r>
-              <a:rPr lang="es-ES_tradnl" dirty="0" err="1" smtClean="0"/>
-              <a:t>for</a:t>
-            </a:r>
-            <a:r>
-              <a:rPr lang="es-ES_tradnl" dirty="0" smtClean="0"/>
-              <a:t> </a:t>
-            </a:r>
-            <a:r>
-              <a:rPr lang="es-ES_tradnl" dirty="0" err="1" smtClean="0"/>
-              <a:t>each</a:t>
-            </a:r>
-            <a:r>
-              <a:rPr lang="es-ES_tradnl" dirty="0" smtClean="0"/>
-              <a:t> </a:t>
-            </a:r>
-            <a:r>
-              <a:rPr lang="es-ES_tradnl" dirty="0" err="1" smtClean="0"/>
-              <a:t>user</a:t>
-            </a:r>
-            <a:r>
-              <a:rPr lang="es-ES_tradnl" dirty="0" smtClean="0"/>
-              <a:t> and </a:t>
-            </a:r>
-            <a:r>
-              <a:rPr lang="es-ES_tradnl" dirty="0" err="1" smtClean="0"/>
-              <a:t>track</a:t>
-            </a:r>
-            <a:r>
-              <a:rPr lang="es-ES_tradnl" dirty="0" smtClean="0"/>
-              <a:t>)</a:t>
-            </a:r>
-            <a:endParaRPr lang="es-ES_tradnl" dirty="0"/>
-          </a:p>
-          <a:p>
-            <a:r>
-              <a:rPr lang="es-ES_tradnl" sz="2400" b="1" dirty="0" smtClean="0"/>
-              <a:t>HYPER SPARSE MATRIX!!!!!!!</a:t>
-            </a:r>
-            <a:endParaRPr lang="es-ES_tradnl" sz="2400" b="1" dirty="0"/>
-          </a:p>
-        </p:txBody>
-      </p:sp>
-    </p:spTree>
-    <p:extLst>
-      <p:ext uri="{BB962C8B-B14F-4D97-AF65-F5344CB8AC3E}">
-        <p14:creationId xmlns:p14="http://schemas.microsoft.com/office/powerpoint/2010/main" val="1101335728"/>
-      </p:ext>
-    </p:extLst>
-  </p:cSld>
-  <p:clrMapOvr>
-    <a:masterClrMapping/>
-  </p:clrMapOvr>
-  <p:timing>
-    <p:tnLst>
-      <p:par>
-        <p:cTn id="1" dur="indefinite" restart="never" nodeType="tmRoot"/>
-      </p:par>
-    </p:tnLst>
-  </p:timing>
-</p:sld>
-</file>
-
-<file path=ppt/slides/slide8.xml><?xml version="1.0" encoding="utf-8"?>
-<p:sld xmlns:a="http://schemas.openxmlformats.org/drawingml/2006/main" xmlns:r="http://schemas.openxmlformats.org/officeDocument/2006/relationships" xmlns:p="http://schemas.openxmlformats.org/presentationml/2006/main">
-  <p:cSld>
-    <p:spTree>
-      <p:nvGrpSpPr>
-        <p:cNvPr id="1" name=""/>
-        <p:cNvGrpSpPr/>
-        <p:nvPr/>
-      </p:nvGrpSpPr>
-      <p:grpSpPr>
-        <a:xfrm>
-          <a:off x="0" y="0"/>
-          <a:ext cx="0" cy="0"/>
-          <a:chOff x="0" y="0"/>
-          <a:chExt cx="0" cy="0"/>
-        </a:xfrm>
-      </p:grpSpPr>
-      <p:sp>
-        <p:nvSpPr>
-          <p:cNvPr id="2" name="Título 1"/>
-          <p:cNvSpPr>
-            <a:spLocks noGrp="1"/>
-          </p:cNvSpPr>
-          <p:nvPr>
-            <p:ph type="title"/>
-          </p:nvPr>
-        </p:nvSpPr>
-        <p:spPr/>
-        <p:txBody>
-          <a:bodyPr/>
-          <a:lstStyle/>
-          <a:p>
-            <a:r>
-              <a:rPr lang="es-ES_tradnl" b="1" dirty="0" smtClean="0">
-                <a:solidFill>
-                  <a:srgbClr val="FF0000"/>
-                </a:solidFill>
-              </a:rPr>
-              <a:t>PROBLEM!!</a:t>
-            </a:r>
-            <a:endParaRPr lang="es-ES_tradnl" b="1" dirty="0">
-              <a:solidFill>
-                <a:srgbClr val="FF0000"/>
-              </a:solidFill>
-            </a:endParaRPr>
-          </a:p>
-        </p:txBody>
-      </p:sp>
-      <p:sp>
-        <p:nvSpPr>
-          <p:cNvPr id="3" name="Marcador de contenido 2"/>
-          <p:cNvSpPr>
-            <a:spLocks noGrp="1"/>
-          </p:cNvSpPr>
-          <p:nvPr>
-            <p:ph idx="1"/>
-          </p:nvPr>
-        </p:nvSpPr>
-        <p:spPr>
-          <a:xfrm>
-            <a:off x="2231136" y="2638044"/>
-            <a:ext cx="8584502" cy="3777044"/>
-          </a:xfrm>
-        </p:spPr>
-        <p:txBody>
-          <a:bodyPr>
-            <a:normAutofit lnSpcReduction="10000"/>
-          </a:bodyPr>
-          <a:lstStyle/>
-          <a:p>
-            <a:r>
-              <a:rPr lang="es-ES_tradnl" dirty="0" err="1" smtClean="0"/>
-              <a:t>This</a:t>
-            </a:r>
-            <a:r>
-              <a:rPr lang="es-ES_tradnl" dirty="0" smtClean="0"/>
-              <a:t> </a:t>
-            </a:r>
-            <a:r>
-              <a:rPr lang="es-ES_tradnl" dirty="0" err="1" smtClean="0"/>
-              <a:t>methods</a:t>
-            </a:r>
-            <a:r>
-              <a:rPr lang="es-ES_tradnl" dirty="0" smtClean="0"/>
-              <a:t> are </a:t>
-            </a:r>
-            <a:r>
-              <a:rPr lang="es-ES_tradnl" dirty="0" err="1" smtClean="0"/>
-              <a:t>usually</a:t>
-            </a:r>
-            <a:r>
-              <a:rPr lang="es-ES_tradnl" dirty="0" smtClean="0"/>
-              <a:t> </a:t>
-            </a:r>
-            <a:r>
-              <a:rPr lang="es-ES_tradnl" dirty="0" err="1" smtClean="0"/>
-              <a:t>based</a:t>
-            </a:r>
-            <a:r>
-              <a:rPr lang="es-ES_tradnl" dirty="0" smtClean="0"/>
-              <a:t> </a:t>
-            </a:r>
-            <a:r>
-              <a:rPr lang="es-ES_tradnl" dirty="0" err="1" smtClean="0"/>
-              <a:t>around</a:t>
-            </a:r>
-            <a:r>
-              <a:rPr lang="es-ES_tradnl" dirty="0" smtClean="0"/>
-              <a:t> </a:t>
-            </a:r>
-            <a:r>
-              <a:rPr lang="es-ES_tradnl" dirty="0" err="1" smtClean="0"/>
-              <a:t>the</a:t>
-            </a:r>
-            <a:r>
-              <a:rPr lang="es-ES_tradnl" dirty="0" smtClean="0"/>
-              <a:t> concept of RATINGS.</a:t>
-            </a:r>
-          </a:p>
-          <a:p>
-            <a:endParaRPr lang="es-ES_tradnl" dirty="0"/>
-          </a:p>
-          <a:p>
-            <a:endParaRPr lang="es-ES_tradnl" dirty="0" smtClean="0"/>
-          </a:p>
-          <a:p>
-            <a:endParaRPr lang="es-ES_tradnl" dirty="0"/>
-          </a:p>
-          <a:p>
-            <a:endParaRPr lang="es-ES_tradnl" dirty="0" smtClean="0"/>
-          </a:p>
-          <a:p>
-            <a:endParaRPr lang="es-ES_tradnl" dirty="0"/>
-          </a:p>
-          <a:p>
-            <a:endParaRPr lang="es-ES_tradnl" dirty="0" smtClean="0"/>
-          </a:p>
-          <a:p>
-            <a:r>
-              <a:rPr lang="es-ES_tradnl" dirty="0" smtClean="0"/>
-              <a:t>In </a:t>
-            </a:r>
-            <a:r>
-              <a:rPr lang="es-ES_tradnl" dirty="0" err="1" smtClean="0"/>
-              <a:t>the</a:t>
-            </a:r>
-            <a:r>
-              <a:rPr lang="es-ES_tradnl" dirty="0" smtClean="0"/>
-              <a:t> </a:t>
-            </a:r>
-            <a:r>
-              <a:rPr lang="es-ES_tradnl" dirty="0" err="1" smtClean="0"/>
-              <a:t>fig</a:t>
-            </a:r>
-            <a:r>
-              <a:rPr lang="es-ES_tradnl" dirty="0" smtClean="0"/>
-              <a:t>, </a:t>
-            </a:r>
-            <a:r>
-              <a:rPr lang="es-ES_tradnl" dirty="0" err="1" smtClean="0"/>
-              <a:t>users</a:t>
-            </a:r>
-            <a:r>
-              <a:rPr lang="es-ES_tradnl" dirty="0" smtClean="0"/>
-              <a:t> A, B, C and D </a:t>
-            </a:r>
-            <a:r>
-              <a:rPr lang="es-ES_tradnl" dirty="0" err="1" smtClean="0"/>
-              <a:t>rate</a:t>
-            </a:r>
-            <a:r>
-              <a:rPr lang="es-ES_tradnl" dirty="0" smtClean="0"/>
-              <a:t> Harry Potter, </a:t>
-            </a:r>
-            <a:r>
-              <a:rPr lang="es-ES_tradnl" dirty="0" err="1" smtClean="0"/>
-              <a:t>Twilight</a:t>
-            </a:r>
-            <a:r>
-              <a:rPr lang="es-ES_tradnl" dirty="0" smtClean="0"/>
-              <a:t> and </a:t>
-            </a:r>
-            <a:r>
-              <a:rPr lang="es-ES_tradnl" dirty="0" err="1" smtClean="0"/>
-              <a:t>Star</a:t>
-            </a:r>
-            <a:r>
-              <a:rPr lang="es-ES_tradnl" dirty="0" smtClean="0"/>
-              <a:t> </a:t>
-            </a:r>
-            <a:r>
-              <a:rPr lang="es-ES_tradnl" dirty="0" err="1" smtClean="0"/>
-              <a:t>Wars</a:t>
-            </a:r>
-            <a:r>
-              <a:rPr lang="es-ES_tradnl" dirty="0" smtClean="0"/>
-              <a:t> </a:t>
-            </a:r>
-            <a:r>
-              <a:rPr lang="es-ES_tradnl" dirty="0" err="1" smtClean="0"/>
-              <a:t>movies</a:t>
-            </a:r>
-            <a:r>
-              <a:rPr lang="es-ES_tradnl" dirty="0" smtClean="0"/>
-              <a:t> in </a:t>
-            </a:r>
-            <a:r>
-              <a:rPr lang="es-ES_tradnl" dirty="0" err="1" smtClean="0"/>
-              <a:t>this</a:t>
-            </a:r>
-            <a:r>
-              <a:rPr lang="es-ES_tradnl" dirty="0" smtClean="0"/>
-              <a:t> </a:t>
-            </a:r>
-            <a:r>
-              <a:rPr lang="es-ES_tradnl" dirty="0" err="1" smtClean="0"/>
-              <a:t>utility</a:t>
-            </a:r>
-            <a:r>
-              <a:rPr lang="es-ES_tradnl" dirty="0" smtClean="0"/>
-              <a:t> </a:t>
-            </a:r>
-            <a:r>
-              <a:rPr lang="es-ES_tradnl" dirty="0" err="1" smtClean="0"/>
-              <a:t>matrix</a:t>
-            </a:r>
-            <a:r>
-              <a:rPr lang="es-ES_tradnl" dirty="0" smtClean="0"/>
-              <a:t>.</a:t>
-            </a:r>
-          </a:p>
-          <a:p>
-            <a:r>
-              <a:rPr lang="es-ES_tradnl" dirty="0" err="1" smtClean="0"/>
-              <a:t>Our</a:t>
-            </a:r>
-            <a:r>
-              <a:rPr lang="es-ES_tradnl" dirty="0" smtClean="0"/>
-              <a:t> </a:t>
-            </a:r>
-            <a:r>
-              <a:rPr lang="es-ES_tradnl" dirty="0" err="1" smtClean="0"/>
-              <a:t>matrix</a:t>
-            </a:r>
-            <a:r>
-              <a:rPr lang="es-ES_tradnl" dirty="0" smtClean="0"/>
-              <a:t> looks </a:t>
-            </a:r>
-            <a:r>
-              <a:rPr lang="es-ES_tradnl" dirty="0" err="1" smtClean="0"/>
-              <a:t>like</a:t>
-            </a:r>
-            <a:r>
-              <a:rPr lang="es-ES_tradnl" dirty="0" smtClean="0"/>
-              <a:t> </a:t>
-            </a:r>
-            <a:r>
-              <a:rPr lang="es-ES_tradnl" dirty="0" err="1" smtClean="0"/>
-              <a:t>that</a:t>
-            </a:r>
-            <a:r>
-              <a:rPr lang="es-ES_tradnl" dirty="0" smtClean="0"/>
-              <a:t> </a:t>
-            </a:r>
-            <a:r>
-              <a:rPr lang="es-ES_tradnl" dirty="0" err="1" smtClean="0"/>
-              <a:t>one</a:t>
-            </a:r>
-            <a:r>
-              <a:rPr lang="es-ES_tradnl" dirty="0" smtClean="0"/>
-              <a:t> </a:t>
-            </a:r>
-            <a:r>
-              <a:rPr lang="es-ES_tradnl" dirty="0" err="1" smtClean="0"/>
-              <a:t>too</a:t>
-            </a:r>
-            <a:r>
-              <a:rPr lang="es-ES_tradnl" dirty="0" smtClean="0"/>
-              <a:t>: </a:t>
-            </a:r>
-            <a:r>
-              <a:rPr lang="es-ES_tradnl" b="1" dirty="0" smtClean="0"/>
-              <a:t>BUT </a:t>
-            </a:r>
-            <a:r>
-              <a:rPr lang="es-ES_tradnl" dirty="0" err="1" smtClean="0"/>
-              <a:t>integers</a:t>
-            </a:r>
-            <a:r>
-              <a:rPr lang="es-ES_tradnl" dirty="0" smtClean="0"/>
-              <a:t> </a:t>
-            </a:r>
-            <a:r>
-              <a:rPr lang="es-ES_tradnl" dirty="0" err="1" smtClean="0"/>
-              <a:t>reflect</a:t>
-            </a:r>
-            <a:r>
-              <a:rPr lang="es-ES_tradnl" dirty="0" smtClean="0"/>
-              <a:t> </a:t>
-            </a:r>
-            <a:r>
-              <a:rPr lang="es-ES_tradnl" b="1" dirty="0" err="1" smtClean="0"/>
-              <a:t>quantity</a:t>
-            </a:r>
-            <a:r>
-              <a:rPr lang="es-ES_tradnl" dirty="0" smtClean="0"/>
-              <a:t>, </a:t>
-            </a:r>
-            <a:r>
-              <a:rPr lang="es-ES_tradnl" dirty="0" err="1" smtClean="0"/>
-              <a:t>not</a:t>
-            </a:r>
-            <a:r>
-              <a:rPr lang="es-ES_tradnl" dirty="0" smtClean="0"/>
-              <a:t> </a:t>
-            </a:r>
-            <a:r>
-              <a:rPr lang="es-ES_tradnl" dirty="0" err="1" smtClean="0"/>
-              <a:t>quality</a:t>
-            </a:r>
-            <a:r>
-              <a:rPr lang="es-ES_tradnl" dirty="0" smtClean="0"/>
-              <a:t>.</a:t>
-            </a:r>
-          </a:p>
-          <a:p>
-            <a:endParaRPr lang="es-ES_tradnl" dirty="0"/>
-          </a:p>
-        </p:txBody>
-      </p:sp>
-      <p:pic>
-        <p:nvPicPr>
-          <p:cNvPr id="5" name="Imagen 4"/>
-          <p:cNvPicPr>
-            <a:picLocks noChangeAspect="1"/>
-          </p:cNvPicPr>
-          <p:nvPr/>
-        </p:nvPicPr>
-        <p:blipFill>
-          <a:blip r:embed="rId2"/>
-          <a:stretch>
-            <a:fillRect/>
-          </a:stretch>
-        </p:blipFill>
-        <p:spPr>
-          <a:xfrm>
-            <a:off x="2751153" y="2981929"/>
-            <a:ext cx="6689694" cy="2161572"/>
-          </a:xfrm>
-          <a:prstGeom prst="rect">
-            <a:avLst/>
-          </a:prstGeom>
-        </p:spPr>
-      </p:pic>
-    </p:spTree>
-    <p:extLst>
-      <p:ext uri="{BB962C8B-B14F-4D97-AF65-F5344CB8AC3E}">
-        <p14:creationId xmlns:p14="http://schemas.microsoft.com/office/powerpoint/2010/main" val="1305490424"/>
-      </p:ext>
-    </p:extLst>
-  </p:cSld>
-  <p:clrMapOvr>
-    <a:masterClrMapping/>
-  </p:clrMapOvr>
-  <p:timing>
-    <p:tnLst>
-      <p:par>
-        <p:cTn id="1" dur="indefinite" restart="never" nodeType="tmRoot"/>
-      </p:par>
-    </p:tnLst>
-  </p:timing>
-</p:sld>
-</file>
-
-<file path=ppt/slides/slide9.xml><?xml version="1.0" encoding="utf-8"?>
-<p:sld xmlns:a="http://schemas.openxmlformats.org/drawingml/2006/main" xmlns:r="http://schemas.openxmlformats.org/officeDocument/2006/relationships" xmlns:p="http://schemas.openxmlformats.org/presentationml/2006/main">
-  <p:cSld>
-    <p:spTree>
-      <p:nvGrpSpPr>
-        <p:cNvPr id="1" name=""/>
-        <p:cNvGrpSpPr/>
-        <p:nvPr/>
-      </p:nvGrpSpPr>
-      <p:grpSpPr>
-        <a:xfrm>
-          <a:off x="0" y="0"/>
-          <a:ext cx="0" cy="0"/>
-          <a:chOff x="0" y="0"/>
-          <a:chExt cx="0" cy="0"/>
-        </a:xfrm>
-      </p:grpSpPr>
-      <p:sp>
-        <p:nvSpPr>
-          <p:cNvPr id="2" name="Título 1"/>
-          <p:cNvSpPr>
-            <a:spLocks noGrp="1"/>
-          </p:cNvSpPr>
-          <p:nvPr>
-            <p:ph type="title"/>
-          </p:nvPr>
-        </p:nvSpPr>
-        <p:spPr/>
-        <p:txBody>
-          <a:bodyPr/>
-          <a:lstStyle/>
-          <a:p>
-            <a:r>
-              <a:rPr lang="es-ES_tradnl" dirty="0" smtClean="0"/>
-              <a:t>OUR SOLUTION</a:t>
-            </a:r>
-            <a:endParaRPr lang="es-ES_tradnl" dirty="0"/>
-          </a:p>
-        </p:txBody>
-      </p:sp>
-      <p:pic>
-        <p:nvPicPr>
-          <p:cNvPr id="5" name="Picture 4"/>
-          <p:cNvPicPr>
-            <a:picLocks noChangeAspect="1"/>
-          </p:cNvPicPr>
-          <p:nvPr/>
-        </p:nvPicPr>
-        <p:blipFill>
-          <a:blip r:embed="rId2"/>
-          <a:stretch>
-            <a:fillRect/>
-          </a:stretch>
-        </p:blipFill>
-        <p:spPr>
-          <a:xfrm>
-            <a:off x="19408" y="2443698"/>
-            <a:ext cx="12153183" cy="3173331"/>
-          </a:xfrm>
-          <a:prstGeom prst="rect">
-            <a:avLst/>
-          </a:prstGeom>
-        </p:spPr>
-      </p:pic>
-    </p:spTree>
-    <p:extLst>
-      <p:ext uri="{BB962C8B-B14F-4D97-AF65-F5344CB8AC3E}">
-        <p14:creationId xmlns:p14="http://schemas.microsoft.com/office/powerpoint/2010/main" val="2089329428"/>
-      </p:ext>
-    </p:extLst>
-  </p:cSld>
-  <p:clrMapOvr>
-    <a:masterClrMapping/>
-  </p:clrMapOvr>
-  <p:timing>
-    <p:tnLst>
-      <p:par>
-        <p:cTn id="1" dur="indefinite" restart="never" nodeType="tmRoot"/>
-      </p:par>
-    </p:tnLst>
   </p:timing>
 </p:sld>
 </file>
